--- a/하둡에코시스템.pptx
+++ b/하둡에코시스템.pptx
@@ -10,6 +10,13 @@
     <p:sldId id="258" r:id="rId4"/>
     <p:sldId id="259" r:id="rId5"/>
     <p:sldId id="260" r:id="rId6"/>
+    <p:sldId id="262" r:id="rId7"/>
+    <p:sldId id="263" r:id="rId8"/>
+    <p:sldId id="264" r:id="rId9"/>
+    <p:sldId id="265" r:id="rId10"/>
+    <p:sldId id="266" r:id="rId11"/>
+    <p:sldId id="267" r:id="rId12"/>
+    <p:sldId id="268" r:id="rId13"/>
   </p:sldIdLst>
   <p:sldSz cx="9144000" cy="6858000" type="screen4x3"/>
   <p:notesSz cx="6858000" cy="9144000"/>
@@ -292,7 +299,7 @@
           <a:p>
             <a:fld id="{FB30EDBD-1C2D-4C1E-B459-B60219FAB484}" type="datetimeFigureOut">
               <a:rPr lang="ko-KR" altLang="en-US" smtClean="0"/>
-              <a:t>2019-09-30</a:t>
+              <a:t>2019-10-01</a:t>
             </a:fld>
             <a:endParaRPr lang="ko-KR" altLang="en-US"/>
           </a:p>
@@ -457,7 +464,7 @@
           <a:p>
             <a:fld id="{FB30EDBD-1C2D-4C1E-B459-B60219FAB484}" type="datetimeFigureOut">
               <a:rPr lang="ko-KR" altLang="en-US" smtClean="0"/>
-              <a:t>2019-09-30</a:t>
+              <a:t>2019-10-01</a:t>
             </a:fld>
             <a:endParaRPr lang="ko-KR" altLang="en-US"/>
           </a:p>
@@ -632,7 +639,7 @@
           <a:p>
             <a:fld id="{FB30EDBD-1C2D-4C1E-B459-B60219FAB484}" type="datetimeFigureOut">
               <a:rPr lang="ko-KR" altLang="en-US" smtClean="0"/>
-              <a:t>2019-09-30</a:t>
+              <a:t>2019-10-01</a:t>
             </a:fld>
             <a:endParaRPr lang="ko-KR" altLang="en-US"/>
           </a:p>
@@ -797,7 +804,7 @@
           <a:p>
             <a:fld id="{FB30EDBD-1C2D-4C1E-B459-B60219FAB484}" type="datetimeFigureOut">
               <a:rPr lang="ko-KR" altLang="en-US" smtClean="0"/>
-              <a:t>2019-09-30</a:t>
+              <a:t>2019-10-01</a:t>
             </a:fld>
             <a:endParaRPr lang="ko-KR" altLang="en-US"/>
           </a:p>
@@ -1038,7 +1045,7 @@
           <a:p>
             <a:fld id="{FB30EDBD-1C2D-4C1E-B459-B60219FAB484}" type="datetimeFigureOut">
               <a:rPr lang="ko-KR" altLang="en-US" smtClean="0"/>
-              <a:t>2019-09-30</a:t>
+              <a:t>2019-10-01</a:t>
             </a:fld>
             <a:endParaRPr lang="ko-KR" altLang="en-US"/>
           </a:p>
@@ -1321,7 +1328,7 @@
           <a:p>
             <a:fld id="{FB30EDBD-1C2D-4C1E-B459-B60219FAB484}" type="datetimeFigureOut">
               <a:rPr lang="ko-KR" altLang="en-US" smtClean="0"/>
-              <a:t>2019-09-30</a:t>
+              <a:t>2019-10-01</a:t>
             </a:fld>
             <a:endParaRPr lang="ko-KR" altLang="en-US"/>
           </a:p>
@@ -1738,7 +1745,7 @@
           <a:p>
             <a:fld id="{FB30EDBD-1C2D-4C1E-B459-B60219FAB484}" type="datetimeFigureOut">
               <a:rPr lang="ko-KR" altLang="en-US" smtClean="0"/>
-              <a:t>2019-09-30</a:t>
+              <a:t>2019-10-01</a:t>
             </a:fld>
             <a:endParaRPr lang="ko-KR" altLang="en-US"/>
           </a:p>
@@ -1851,7 +1858,7 @@
           <a:p>
             <a:fld id="{FB30EDBD-1C2D-4C1E-B459-B60219FAB484}" type="datetimeFigureOut">
               <a:rPr lang="ko-KR" altLang="en-US" smtClean="0"/>
-              <a:t>2019-09-30</a:t>
+              <a:t>2019-10-01</a:t>
             </a:fld>
             <a:endParaRPr lang="ko-KR" altLang="en-US"/>
           </a:p>
@@ -1941,7 +1948,7 @@
           <a:p>
             <a:fld id="{FB30EDBD-1C2D-4C1E-B459-B60219FAB484}" type="datetimeFigureOut">
               <a:rPr lang="ko-KR" altLang="en-US" smtClean="0"/>
-              <a:t>2019-09-30</a:t>
+              <a:t>2019-10-01</a:t>
             </a:fld>
             <a:endParaRPr lang="ko-KR" altLang="en-US"/>
           </a:p>
@@ -2213,7 +2220,7 @@
           <a:p>
             <a:fld id="{FB30EDBD-1C2D-4C1E-B459-B60219FAB484}" type="datetimeFigureOut">
               <a:rPr lang="ko-KR" altLang="en-US" smtClean="0"/>
-              <a:t>2019-09-30</a:t>
+              <a:t>2019-10-01</a:t>
             </a:fld>
             <a:endParaRPr lang="ko-KR" altLang="en-US"/>
           </a:p>
@@ -2461,7 +2468,7 @@
           <a:p>
             <a:fld id="{FB30EDBD-1C2D-4C1E-B459-B60219FAB484}" type="datetimeFigureOut">
               <a:rPr lang="ko-KR" altLang="en-US" smtClean="0"/>
-              <a:t>2019-09-30</a:t>
+              <a:t>2019-10-01</a:t>
             </a:fld>
             <a:endParaRPr lang="ko-KR" altLang="en-US"/>
           </a:p>
@@ -2669,7 +2676,7 @@
           <a:p>
             <a:fld id="{FB30EDBD-1C2D-4C1E-B459-B60219FAB484}" type="datetimeFigureOut">
               <a:rPr lang="ko-KR" altLang="en-US" smtClean="0"/>
-              <a:t>2019-09-30</a:t>
+              <a:t>2019-10-01</a:t>
             </a:fld>
             <a:endParaRPr lang="ko-KR" altLang="en-US"/>
           </a:p>
@@ -3171,11 +3178,7 @@
             </a:pPr>
             <a:r>
               <a:rPr lang="en-US" altLang="ko-KR" sz="1600" dirty="0"/>
-              <a:t> </a:t>
-            </a:r>
-            <a:r>
-              <a:rPr lang="en-US" altLang="ko-KR" sz="1600" dirty="0"/>
-              <a:t>Flume</a:t>
+              <a:t> Flume</a:t>
             </a:r>
             <a:r>
               <a:rPr lang="ko-KR" altLang="en-US" sz="1600" dirty="0"/>
@@ -3376,6 +3379,696 @@
 </p:sld>
 </file>
 
+<file path=ppt/slides/slide10.xml><?xml version="1.0" encoding="utf-8"?>
+<p:sld xmlns:a="http://schemas.openxmlformats.org/drawingml/2006/main" xmlns:r="http://schemas.openxmlformats.org/officeDocument/2006/relationships" xmlns:p="http://schemas.openxmlformats.org/presentationml/2006/main">
+  <p:cSld>
+    <p:spTree>
+      <p:nvGrpSpPr>
+        <p:cNvPr id="1" name=""/>
+        <p:cNvGrpSpPr/>
+        <p:nvPr/>
+      </p:nvGrpSpPr>
+      <p:grpSpPr>
+        <a:xfrm>
+          <a:off x="0" y="0"/>
+          <a:ext cx="0" cy="0"/>
+          <a:chOff x="0" y="0"/>
+          <a:chExt cx="0" cy="0"/>
+        </a:xfrm>
+      </p:grpSpPr>
+      <p:sp>
+        <p:nvSpPr>
+          <p:cNvPr id="6" name="제목 1"/>
+          <p:cNvSpPr>
+            <a:spLocks noGrp="1"/>
+          </p:cNvSpPr>
+          <p:nvPr>
+            <p:ph type="title"/>
+          </p:nvPr>
+        </p:nvSpPr>
+        <p:spPr>
+          <a:xfrm>
+            <a:off x="457200" y="274638"/>
+            <a:ext cx="8229600" cy="1143000"/>
+          </a:xfrm>
+        </p:spPr>
+        <p:txBody>
+          <a:bodyPr/>
+          <a:lstStyle/>
+          <a:p>
+            <a:pPr algn="l"/>
+            <a:r>
+              <a:rPr lang="ko-KR" altLang="en-US" dirty="0" err="1" smtClean="0"/>
+              <a:t>ㅁ</a:t>
+            </a:r>
+            <a:endParaRPr lang="ko-KR" altLang="en-US" dirty="0"/>
+          </a:p>
+        </p:txBody>
+      </p:sp>
+      <p:sp>
+        <p:nvSpPr>
+          <p:cNvPr id="7" name="내용 개체 틀 2"/>
+          <p:cNvSpPr>
+            <a:spLocks noGrp="1"/>
+          </p:cNvSpPr>
+          <p:nvPr>
+            <p:ph idx="1"/>
+          </p:nvPr>
+        </p:nvSpPr>
+        <p:spPr>
+          <a:xfrm>
+            <a:off x="457200" y="1600200"/>
+            <a:ext cx="8229600" cy="4525963"/>
+          </a:xfrm>
+        </p:spPr>
+        <p:txBody>
+          <a:bodyPr/>
+          <a:lstStyle/>
+          <a:p>
+            <a:r>
+              <a:rPr lang="ko-KR" altLang="en-US" dirty="0" err="1" smtClean="0"/>
+              <a:t>스쿱</a:t>
+            </a:r>
+            <a:r>
+              <a:rPr lang="en-US" altLang="ko-KR" dirty="0" smtClean="0"/>
+              <a:t>(</a:t>
+            </a:r>
+            <a:r>
+              <a:rPr lang="en-US" altLang="ko-KR" dirty="0" err="1" smtClean="0"/>
+              <a:t>Sqoop</a:t>
+            </a:r>
+            <a:r>
+              <a:rPr lang="en-US" altLang="ko-KR" dirty="0" smtClean="0"/>
+              <a:t>)</a:t>
+            </a:r>
+          </a:p>
+          <a:p>
+            <a:pPr marL="0" indent="0">
+              <a:buNone/>
+            </a:pPr>
+            <a:endParaRPr lang="en-US" altLang="ko-KR" sz="1600" dirty="0"/>
+          </a:p>
+          <a:p>
+            <a:pPr marL="0" indent="0">
+              <a:buNone/>
+            </a:pPr>
+            <a:r>
+              <a:rPr lang="ko-KR" altLang="en-US" sz="1600" dirty="0" smtClean="0"/>
+              <a:t> 분산 </a:t>
+            </a:r>
+            <a:r>
+              <a:rPr lang="ko-KR" altLang="en-US" sz="1600" dirty="0"/>
+              <a:t>시스템 간의 정보 공유 및 상태 체크</a:t>
+            </a:r>
+            <a:r>
+              <a:rPr lang="en-US" altLang="ko-KR" sz="1600" dirty="0"/>
+              <a:t>, </a:t>
+            </a:r>
+            <a:r>
+              <a:rPr lang="ko-KR" altLang="en-US" sz="1600" dirty="0"/>
+              <a:t>동기화를 처리하는 프레임워크이다</a:t>
+            </a:r>
+            <a:r>
+              <a:rPr lang="en-US" altLang="ko-KR" sz="1600" dirty="0"/>
+              <a:t>. </a:t>
+            </a:r>
+            <a:r>
+              <a:rPr lang="ko-KR" altLang="en-US" sz="1600" dirty="0"/>
+              <a:t>이러한 시스템을 </a:t>
+            </a:r>
+            <a:r>
+              <a:rPr lang="ko-KR" altLang="en-US" sz="1600" dirty="0" err="1"/>
+              <a:t>코디네이션</a:t>
+            </a:r>
+            <a:r>
+              <a:rPr lang="ko-KR" altLang="en-US" sz="1600" dirty="0"/>
+              <a:t> 서비스 시스템이라고 한다</a:t>
+            </a:r>
+            <a:r>
+              <a:rPr lang="en-US" altLang="ko-KR" sz="1600" dirty="0"/>
+              <a:t>. Zookeeper</a:t>
+            </a:r>
+            <a:r>
+              <a:rPr lang="ko-KR" altLang="en-US" sz="1600" dirty="0"/>
+              <a:t>를 많이 사용하는 이유는 기능에 비해 시스템이 단순하기 때문이다</a:t>
+            </a:r>
+            <a:r>
+              <a:rPr lang="en-US" altLang="ko-KR" sz="1600" dirty="0"/>
+              <a:t>. </a:t>
+            </a:r>
+            <a:r>
+              <a:rPr lang="ko-KR" altLang="en-US" sz="1600" dirty="0"/>
+              <a:t>분산 큐</a:t>
+            </a:r>
+            <a:r>
+              <a:rPr lang="en-US" altLang="ko-KR" sz="1600" dirty="0"/>
+              <a:t>, </a:t>
+            </a:r>
+            <a:r>
+              <a:rPr lang="ko-KR" altLang="en-US" sz="1600" dirty="0"/>
+              <a:t>분산 </a:t>
+            </a:r>
+            <a:r>
+              <a:rPr lang="ko-KR" altLang="en-US" sz="1600" dirty="0" err="1"/>
+              <a:t>락</a:t>
+            </a:r>
+            <a:r>
+              <a:rPr lang="en-US" altLang="ko-KR" sz="1600" dirty="0"/>
+              <a:t>, </a:t>
+            </a:r>
+            <a:r>
+              <a:rPr lang="ko-KR" altLang="en-US" sz="1600" dirty="0"/>
+              <a:t>피어 그룹 대표 산출 등 다양한 기능을 가진다</a:t>
+            </a:r>
+            <a:r>
+              <a:rPr lang="en-US" altLang="ko-KR" sz="1600" dirty="0"/>
+              <a:t>. </a:t>
+            </a:r>
+            <a:r>
+              <a:rPr lang="ko-KR" altLang="en-US" sz="1600" dirty="0"/>
+              <a:t>몇 개의 기본 기능만으로도 사용이 가능하다</a:t>
+            </a:r>
+            <a:r>
+              <a:rPr lang="en-US" altLang="ko-KR" sz="1600" dirty="0"/>
+              <a:t>.</a:t>
+            </a:r>
+            <a:endParaRPr lang="en-US" altLang="ko-KR" sz="1600" dirty="0"/>
+          </a:p>
+        </p:txBody>
+      </p:sp>
+    </p:spTree>
+    <p:extLst>
+      <p:ext uri="{BB962C8B-B14F-4D97-AF65-F5344CB8AC3E}">
+        <p14:creationId xmlns:p14="http://schemas.microsoft.com/office/powerpoint/2010/main" val="2492168347"/>
+      </p:ext>
+    </p:extLst>
+  </p:cSld>
+  <p:clrMapOvr>
+    <a:masterClrMapping/>
+  </p:clrMapOvr>
+</p:sld>
+</file>
+
+<file path=ppt/slides/slide11.xml><?xml version="1.0" encoding="utf-8"?>
+<p:sld xmlns:a="http://schemas.openxmlformats.org/drawingml/2006/main" xmlns:r="http://schemas.openxmlformats.org/officeDocument/2006/relationships" xmlns:p="http://schemas.openxmlformats.org/presentationml/2006/main">
+  <p:cSld>
+    <p:spTree>
+      <p:nvGrpSpPr>
+        <p:cNvPr id="1" name=""/>
+        <p:cNvGrpSpPr/>
+        <p:nvPr/>
+      </p:nvGrpSpPr>
+      <p:grpSpPr>
+        <a:xfrm>
+          <a:off x="0" y="0"/>
+          <a:ext cx="0" cy="0"/>
+          <a:chOff x="0" y="0"/>
+          <a:chExt cx="0" cy="0"/>
+        </a:xfrm>
+      </p:grpSpPr>
+      <p:sp>
+        <p:nvSpPr>
+          <p:cNvPr id="4" name="제목 1"/>
+          <p:cNvSpPr>
+            <a:spLocks noGrp="1"/>
+          </p:cNvSpPr>
+          <p:nvPr>
+            <p:ph type="title"/>
+          </p:nvPr>
+        </p:nvSpPr>
+        <p:spPr>
+          <a:xfrm>
+            <a:off x="457200" y="274638"/>
+            <a:ext cx="8229600" cy="1143000"/>
+          </a:xfrm>
+        </p:spPr>
+        <p:txBody>
+          <a:bodyPr/>
+          <a:lstStyle/>
+          <a:p>
+            <a:pPr algn="l"/>
+            <a:r>
+              <a:rPr lang="ko-KR" altLang="en-US" dirty="0" err="1" smtClean="0"/>
+              <a:t>ㅁ</a:t>
+            </a:r>
+            <a:endParaRPr lang="ko-KR" altLang="en-US" dirty="0"/>
+          </a:p>
+        </p:txBody>
+      </p:sp>
+      <p:sp>
+        <p:nvSpPr>
+          <p:cNvPr id="5" name="내용 개체 틀 2"/>
+          <p:cNvSpPr>
+            <a:spLocks noGrp="1"/>
+          </p:cNvSpPr>
+          <p:nvPr>
+            <p:ph idx="1"/>
+          </p:nvPr>
+        </p:nvSpPr>
+        <p:spPr>
+          <a:xfrm>
+            <a:off x="457200" y="1600200"/>
+            <a:ext cx="8229600" cy="4525963"/>
+          </a:xfrm>
+        </p:spPr>
+        <p:txBody>
+          <a:bodyPr/>
+          <a:lstStyle/>
+          <a:p>
+            <a:r>
+              <a:rPr lang="ko-KR" altLang="en-US" dirty="0" smtClean="0"/>
+              <a:t>아파치 </a:t>
+            </a:r>
+            <a:r>
+              <a:rPr lang="ko-KR" altLang="en-US" dirty="0" err="1" smtClean="0"/>
+              <a:t>스파크</a:t>
+            </a:r>
+            <a:r>
+              <a:rPr lang="en-US" altLang="ko-KR" dirty="0" smtClean="0"/>
+              <a:t>(</a:t>
+            </a:r>
+            <a:r>
+              <a:rPr lang="en-US" altLang="ko-KR" dirty="0" err="1" smtClean="0"/>
+              <a:t>Aparch</a:t>
+            </a:r>
+            <a:r>
+              <a:rPr lang="en-US" altLang="ko-KR" dirty="0" smtClean="0"/>
+              <a:t> Spark)</a:t>
+            </a:r>
+          </a:p>
+          <a:p>
+            <a:pPr marL="0" indent="0">
+              <a:buNone/>
+            </a:pPr>
+            <a:endParaRPr lang="en-US" altLang="ko-KR" sz="1600" dirty="0"/>
+          </a:p>
+          <a:p>
+            <a:pPr marL="0" indent="0">
+              <a:buNone/>
+            </a:pPr>
+            <a:r>
+              <a:rPr lang="ko-KR" altLang="en-US" sz="1600" dirty="0" smtClean="0"/>
+              <a:t> </a:t>
+            </a:r>
+            <a:r>
+              <a:rPr lang="ko-KR" altLang="en-US" sz="1600" dirty="0" err="1" smtClean="0"/>
+              <a:t>맵리듀스</a:t>
+            </a:r>
+            <a:r>
+              <a:rPr lang="ko-KR" altLang="en-US" sz="1600" dirty="0" smtClean="0"/>
+              <a:t> 대안으로 </a:t>
+            </a:r>
+            <a:r>
+              <a:rPr lang="ko-KR" altLang="en-US" sz="1600" dirty="0" err="1" smtClean="0"/>
+              <a:t>나온게</a:t>
+            </a:r>
+            <a:r>
+              <a:rPr lang="ko-KR" altLang="en-US" sz="1600" dirty="0" smtClean="0"/>
+              <a:t> 아파치 </a:t>
+            </a:r>
+            <a:r>
+              <a:rPr lang="ko-KR" altLang="en-US" sz="1600" dirty="0" err="1" smtClean="0"/>
+              <a:t>스파크이다</a:t>
+            </a:r>
+            <a:r>
+              <a:rPr lang="en-US" altLang="ko-KR" sz="1600" dirty="0" smtClean="0"/>
+              <a:t>. </a:t>
+            </a:r>
+            <a:r>
+              <a:rPr lang="ko-KR" altLang="en-US" sz="1600" dirty="0" smtClean="0"/>
+              <a:t>아파치 </a:t>
+            </a:r>
+            <a:r>
+              <a:rPr lang="ko-KR" altLang="en-US" sz="1600" dirty="0" err="1" smtClean="0"/>
+              <a:t>스파크는</a:t>
+            </a:r>
+            <a:r>
+              <a:rPr lang="ko-KR" altLang="en-US" sz="1600" dirty="0" smtClean="0"/>
+              <a:t> </a:t>
+            </a:r>
+            <a:r>
+              <a:rPr lang="ko-KR" altLang="en-US" sz="1600" dirty="0" err="1" smtClean="0"/>
+              <a:t>맵리듀스와</a:t>
+            </a:r>
+            <a:r>
+              <a:rPr lang="ko-KR" altLang="en-US" sz="1600" dirty="0" smtClean="0"/>
+              <a:t> 비슷한 목적의 업무를 수행하는데 메모리를 활용한 굉장히 빠른 데이터 처리를 특징으로 가지고 있다</a:t>
+            </a:r>
+            <a:r>
+              <a:rPr lang="en-US" altLang="ko-KR" sz="1600" dirty="0" smtClean="0"/>
+              <a:t>.</a:t>
+            </a:r>
+          </a:p>
+          <a:p>
+            <a:pPr marL="0" indent="0">
+              <a:buNone/>
+            </a:pPr>
+            <a:r>
+              <a:rPr lang="en-US" altLang="ko-KR" sz="1600" dirty="0"/>
+              <a:t> </a:t>
+            </a:r>
+            <a:r>
+              <a:rPr lang="ko-KR" altLang="en-US" sz="1600" dirty="0" err="1" smtClean="0"/>
+              <a:t>리포팅</a:t>
+            </a:r>
+            <a:r>
+              <a:rPr lang="ko-KR" altLang="en-US" sz="1600" dirty="0" smtClean="0"/>
+              <a:t> 요구들이 대체로 정적이거나 비치 모드 </a:t>
+            </a:r>
+            <a:r>
+              <a:rPr lang="ko-KR" altLang="en-US" sz="1600" dirty="0" err="1" smtClean="0"/>
+              <a:t>프로세싱을</a:t>
+            </a:r>
+            <a:r>
+              <a:rPr lang="ko-KR" altLang="en-US" sz="1600" dirty="0" smtClean="0"/>
+              <a:t> 기다릴 수 있다면 </a:t>
+            </a:r>
+            <a:r>
+              <a:rPr lang="ko-KR" altLang="en-US" sz="1600" dirty="0" err="1" smtClean="0"/>
+              <a:t>맵리듀스</a:t>
+            </a:r>
+            <a:r>
+              <a:rPr lang="ko-KR" altLang="en-US" sz="1600" dirty="0" smtClean="0"/>
+              <a:t> 만으로도 처리 가능</a:t>
+            </a:r>
+            <a:endParaRPr lang="en-US" altLang="ko-KR" sz="1600" dirty="0" smtClean="0"/>
+          </a:p>
+          <a:p>
+            <a:pPr marL="0" indent="0">
+              <a:buNone/>
+            </a:pPr>
+            <a:r>
+              <a:rPr lang="en-US" altLang="ko-KR" sz="1600" dirty="0"/>
+              <a:t> </a:t>
+            </a:r>
+            <a:r>
+              <a:rPr lang="ko-KR" altLang="en-US" sz="1600" dirty="0" err="1" smtClean="0"/>
+              <a:t>스파크는</a:t>
+            </a:r>
+            <a:r>
+              <a:rPr lang="ko-KR" altLang="en-US" sz="1600" dirty="0" smtClean="0"/>
+              <a:t> </a:t>
+            </a:r>
+            <a:r>
+              <a:rPr lang="ko-KR" altLang="en-US" sz="1600" dirty="0" err="1" smtClean="0"/>
+              <a:t>스츠리밍</a:t>
+            </a:r>
+            <a:r>
+              <a:rPr lang="ko-KR" altLang="en-US" sz="1600" dirty="0" smtClean="0"/>
+              <a:t> 데이터 처리와 </a:t>
+            </a:r>
+            <a:r>
+              <a:rPr lang="ko-KR" altLang="en-US" sz="1600" dirty="0" err="1" smtClean="0"/>
+              <a:t>머신러닝</a:t>
+            </a:r>
+            <a:r>
+              <a:rPr lang="ko-KR" altLang="en-US" sz="1600" dirty="0" smtClean="0"/>
+              <a:t> 알고리즘처럼 애플리케이션과의 복합적 운영이 필요할 때 필요</a:t>
+            </a:r>
+            <a:endParaRPr lang="en-US" altLang="ko-KR" sz="1600" dirty="0" smtClean="0"/>
+          </a:p>
+          <a:p>
+            <a:pPr marL="0" indent="0">
+              <a:buNone/>
+            </a:pPr>
+            <a:r>
+              <a:rPr lang="en-US" altLang="ko-KR" sz="1600" dirty="0"/>
+              <a:t> </a:t>
+            </a:r>
+            <a:r>
+              <a:rPr lang="ko-KR" altLang="en-US" sz="1600" dirty="0" err="1" smtClean="0"/>
+              <a:t>예를들어</a:t>
+            </a:r>
+            <a:r>
+              <a:rPr lang="ko-KR" altLang="en-US" sz="1600" dirty="0" smtClean="0"/>
+              <a:t> 실시간 마케팅 캠페인과 온라인 상품 추천 그리고 사이버 보안분석과 같은 애플리케이션 영역에서 데이터 처리가 용이</a:t>
+            </a:r>
+            <a:r>
+              <a:rPr lang="en-US" altLang="ko-KR" sz="1600" dirty="0" smtClean="0"/>
+              <a:t>.</a:t>
+            </a:r>
+          </a:p>
+          <a:p>
+            <a:pPr marL="0" indent="0">
+              <a:buNone/>
+            </a:pPr>
+            <a:r>
+              <a:rPr lang="en-US" altLang="ko-KR" sz="1600" dirty="0"/>
+              <a:t> </a:t>
+            </a:r>
+            <a:r>
+              <a:rPr lang="ko-KR" altLang="en-US" sz="1600" dirty="0" err="1" smtClean="0"/>
+              <a:t>하둡</a:t>
+            </a:r>
+            <a:r>
+              <a:rPr lang="ko-KR" altLang="en-US" sz="1600" dirty="0" smtClean="0"/>
+              <a:t> </a:t>
+            </a:r>
+            <a:r>
+              <a:rPr lang="ko-KR" altLang="en-US" sz="1600" dirty="0" err="1" smtClean="0"/>
+              <a:t>맵리듀스는</a:t>
+            </a:r>
+            <a:r>
+              <a:rPr lang="ko-KR" altLang="en-US" sz="1600" dirty="0" smtClean="0"/>
+              <a:t> 기본이고 </a:t>
+            </a:r>
+            <a:r>
+              <a:rPr lang="ko-KR" altLang="en-US" sz="1600" dirty="0" err="1" smtClean="0"/>
+              <a:t>맵리듀스의</a:t>
+            </a:r>
+            <a:r>
+              <a:rPr lang="ko-KR" altLang="en-US" sz="1600" dirty="0" smtClean="0"/>
+              <a:t> 단점을 보완해 나온 </a:t>
+            </a:r>
+            <a:r>
+              <a:rPr lang="ko-KR" altLang="en-US" sz="1600" dirty="0" err="1" smtClean="0"/>
+              <a:t>스파크랑</a:t>
+            </a:r>
+            <a:r>
+              <a:rPr lang="ko-KR" altLang="en-US" sz="1600" dirty="0" smtClean="0"/>
+              <a:t> 같이 쓰면 좋다</a:t>
+            </a:r>
+            <a:endParaRPr lang="en-US" altLang="ko-KR" sz="1600" dirty="0" smtClean="0"/>
+          </a:p>
+          <a:p>
+            <a:pPr marL="0" indent="0">
+              <a:buNone/>
+            </a:pPr>
+            <a:r>
+              <a:rPr lang="en-US" altLang="ko-KR" sz="1600" dirty="0"/>
+              <a:t> </a:t>
+            </a:r>
+            <a:r>
+              <a:rPr lang="ko-KR" altLang="en-US" sz="1600" dirty="0" err="1" smtClean="0"/>
+              <a:t>하이브가</a:t>
+            </a:r>
+            <a:r>
+              <a:rPr lang="ko-KR" altLang="en-US" sz="1600" dirty="0" smtClean="0"/>
+              <a:t> </a:t>
+            </a:r>
+            <a:r>
+              <a:rPr lang="ko-KR" altLang="en-US" sz="1600" dirty="0" err="1" smtClean="0"/>
+              <a:t>맵리듀스</a:t>
+            </a:r>
+            <a:r>
+              <a:rPr lang="ko-KR" altLang="en-US" sz="1600" dirty="0" smtClean="0"/>
+              <a:t> 코어를 그대로 사용해 </a:t>
+            </a:r>
+            <a:r>
+              <a:rPr lang="ko-KR" altLang="en-US" sz="1600" dirty="0" err="1" smtClean="0"/>
+              <a:t>성능면에서</a:t>
+            </a:r>
+            <a:r>
+              <a:rPr lang="ko-KR" altLang="en-US" sz="1600" dirty="0" smtClean="0"/>
+              <a:t> 좋지 않아 </a:t>
+            </a:r>
+            <a:r>
+              <a:rPr lang="ko-KR" altLang="en-US" sz="1600" dirty="0" err="1" smtClean="0"/>
+              <a:t>개발된것이</a:t>
+            </a:r>
+            <a:r>
+              <a:rPr lang="ko-KR" altLang="en-US" sz="1600" dirty="0" smtClean="0"/>
+              <a:t> </a:t>
+            </a:r>
+            <a:r>
+              <a:rPr lang="ko-KR" altLang="en-US" sz="1600" dirty="0" err="1" smtClean="0"/>
+              <a:t>스파크이다</a:t>
+            </a:r>
+            <a:r>
+              <a:rPr lang="en-US" altLang="ko-KR" sz="1600" dirty="0" smtClean="0"/>
+              <a:t>. </a:t>
+            </a:r>
+            <a:r>
+              <a:rPr lang="ko-KR" altLang="en-US" sz="1600" dirty="0" smtClean="0"/>
+              <a:t>반복적인 대화형 연산 작업에서 </a:t>
+            </a:r>
+            <a:r>
+              <a:rPr lang="ko-KR" altLang="en-US" sz="1600" dirty="0" err="1" smtClean="0"/>
+              <a:t>하이브가</a:t>
+            </a:r>
+            <a:r>
+              <a:rPr lang="ko-KR" altLang="en-US" sz="1600" dirty="0" smtClean="0"/>
+              <a:t> 적합하지 않았는데 이걸 극복하기 위해 </a:t>
+            </a:r>
+            <a:r>
+              <a:rPr lang="ko-KR" altLang="en-US" sz="1600" dirty="0" err="1" smtClean="0"/>
+              <a:t>스파크가</a:t>
+            </a:r>
+            <a:r>
+              <a:rPr lang="ko-KR" altLang="en-US" sz="1600" dirty="0" smtClean="0"/>
+              <a:t> 개발되었다</a:t>
+            </a:r>
+            <a:r>
+              <a:rPr lang="en-US" altLang="ko-KR" sz="1600" dirty="0" smtClean="0"/>
+              <a:t>.</a:t>
+            </a:r>
+            <a:endParaRPr lang="en-US" altLang="ko-KR" sz="1600" dirty="0"/>
+          </a:p>
+        </p:txBody>
+      </p:sp>
+    </p:spTree>
+    <p:extLst>
+      <p:ext uri="{BB962C8B-B14F-4D97-AF65-F5344CB8AC3E}">
+        <p14:creationId xmlns:p14="http://schemas.microsoft.com/office/powerpoint/2010/main" val="919840537"/>
+      </p:ext>
+    </p:extLst>
+  </p:cSld>
+  <p:clrMapOvr>
+    <a:masterClrMapping/>
+  </p:clrMapOvr>
+</p:sld>
+</file>
+
+<file path=ppt/slides/slide12.xml><?xml version="1.0" encoding="utf-8"?>
+<p:sld xmlns:a="http://schemas.openxmlformats.org/drawingml/2006/main" xmlns:r="http://schemas.openxmlformats.org/officeDocument/2006/relationships" xmlns:p="http://schemas.openxmlformats.org/presentationml/2006/main">
+  <p:cSld>
+    <p:spTree>
+      <p:nvGrpSpPr>
+        <p:cNvPr id="1" name=""/>
+        <p:cNvGrpSpPr/>
+        <p:nvPr/>
+      </p:nvGrpSpPr>
+      <p:grpSpPr>
+        <a:xfrm>
+          <a:off x="0" y="0"/>
+          <a:ext cx="0" cy="0"/>
+          <a:chOff x="0" y="0"/>
+          <a:chExt cx="0" cy="0"/>
+        </a:xfrm>
+      </p:grpSpPr>
+      <p:sp>
+        <p:nvSpPr>
+          <p:cNvPr id="4" name="내용 개체 틀 2"/>
+          <p:cNvSpPr>
+            <a:spLocks noGrp="1"/>
+          </p:cNvSpPr>
+          <p:nvPr>
+            <p:ph idx="1"/>
+          </p:nvPr>
+        </p:nvSpPr>
+        <p:spPr>
+          <a:xfrm>
+            <a:off x="457200" y="1600200"/>
+            <a:ext cx="8229600" cy="4525963"/>
+          </a:xfrm>
+        </p:spPr>
+        <p:txBody>
+          <a:bodyPr/>
+          <a:lstStyle/>
+          <a:p>
+            <a:r>
+              <a:rPr lang="ko-KR" altLang="en-US" dirty="0" err="1" smtClean="0"/>
+              <a:t>피그</a:t>
+            </a:r>
+            <a:r>
+              <a:rPr lang="en-US" altLang="ko-KR" dirty="0" smtClean="0"/>
+              <a:t>(</a:t>
+            </a:r>
+            <a:r>
+              <a:rPr lang="en-US" altLang="ko-KR" dirty="0" smtClean="0"/>
+              <a:t>Pig)</a:t>
+            </a:r>
+            <a:endParaRPr lang="en-US" altLang="ko-KR" dirty="0" smtClean="0"/>
+          </a:p>
+          <a:p>
+            <a:pPr marL="0" indent="0">
+              <a:buNone/>
+            </a:pPr>
+            <a:endParaRPr lang="en-US" altLang="ko-KR" sz="1600" dirty="0"/>
+          </a:p>
+          <a:p>
+            <a:pPr marL="0" indent="0">
+              <a:buNone/>
+            </a:pPr>
+            <a:r>
+              <a:rPr lang="ko-KR" altLang="en-US" sz="1600" dirty="0" smtClean="0"/>
+              <a:t> </a:t>
+            </a:r>
+            <a:r>
+              <a:rPr lang="ko-KR" altLang="en-US" sz="1600" dirty="0" err="1" smtClean="0"/>
+              <a:t>피그는</a:t>
+            </a:r>
+            <a:r>
+              <a:rPr lang="ko-KR" altLang="en-US" sz="1600" dirty="0" smtClean="0"/>
+              <a:t> </a:t>
+            </a:r>
+            <a:r>
+              <a:rPr lang="en-US" altLang="ko-KR" sz="1600" dirty="0" smtClean="0"/>
+              <a:t>HDFS</a:t>
+            </a:r>
+            <a:r>
+              <a:rPr lang="ko-KR" altLang="en-US" sz="1600" dirty="0" smtClean="0"/>
+              <a:t>에 적재된 데이터에 직접 접근해서 </a:t>
+            </a:r>
+            <a:r>
+              <a:rPr lang="ko-KR" altLang="en-US" sz="1600" dirty="0" err="1" smtClean="0"/>
+              <a:t>피그의</a:t>
+            </a:r>
+            <a:r>
+              <a:rPr lang="ko-KR" altLang="en-US" sz="1600" dirty="0" smtClean="0"/>
+              <a:t> 다양한 </a:t>
+            </a:r>
+            <a:r>
+              <a:rPr lang="ko-KR" altLang="en-US" sz="1600" dirty="0" err="1" smtClean="0"/>
+              <a:t>라이브리를이용해</a:t>
+            </a:r>
+            <a:r>
+              <a:rPr lang="ko-KR" altLang="en-US" sz="1600" dirty="0" smtClean="0"/>
+              <a:t> 데이터를 가공해서 새로운 </a:t>
+            </a:r>
+            <a:r>
+              <a:rPr lang="ko-KR" altLang="en-US" sz="1600" dirty="0" err="1" smtClean="0"/>
+              <a:t>데이터셋들을</a:t>
+            </a:r>
+            <a:r>
+              <a:rPr lang="ko-KR" altLang="en-US" sz="1600" dirty="0" smtClean="0"/>
+              <a:t> 만드는 데이터 </a:t>
+            </a:r>
+            <a:r>
+              <a:rPr lang="ko-KR" altLang="en-US" sz="1600" dirty="0" err="1" smtClean="0"/>
+              <a:t>팩토리</a:t>
+            </a:r>
+            <a:r>
+              <a:rPr lang="ko-KR" altLang="en-US" sz="1600" dirty="0" smtClean="0"/>
+              <a:t> 역할을 한다</a:t>
+            </a:r>
+            <a:endParaRPr lang="en-US" altLang="ko-KR" sz="1600" dirty="0"/>
+          </a:p>
+        </p:txBody>
+      </p:sp>
+    </p:spTree>
+    <p:extLst>
+      <p:ext uri="{BB962C8B-B14F-4D97-AF65-F5344CB8AC3E}">
+        <p14:creationId xmlns:p14="http://schemas.microsoft.com/office/powerpoint/2010/main" val="3399197290"/>
+      </p:ext>
+    </p:extLst>
+  </p:cSld>
+  <p:clrMapOvr>
+    <a:masterClrMapping/>
+  </p:clrMapOvr>
+</p:sld>
+</file>
+
 <file path=ppt/slides/slide2.xml><?xml version="1.0" encoding="utf-8"?>
 <p:sld xmlns:a="http://schemas.openxmlformats.org/drawingml/2006/main" xmlns:r="http://schemas.openxmlformats.org/officeDocument/2006/relationships" xmlns:p="http://schemas.openxmlformats.org/presentationml/2006/main">
   <p:cSld>
@@ -3671,7 +4364,6 @@
               <a:rPr lang="en-US" altLang="ko-KR" sz="1600" dirty="0"/>
               <a:t>=false”</a:t>
             </a:r>
-            <a:endParaRPr lang="en-US" altLang="ko-KR" sz="1600" dirty="0"/>
           </a:p>
           <a:p>
             <a:pPr marL="0" indent="0">
@@ -3750,7 +4442,6 @@
               <a:rPr lang="en-US" altLang="ko-KR" sz="1600" dirty="0"/>
               <a:t>.</a:t>
             </a:r>
-            <a:endParaRPr lang="en-US" altLang="ko-KR" sz="1600" dirty="0"/>
           </a:p>
         </p:txBody>
       </p:sp>
@@ -4227,6 +4918,846 @@
     <p:extLst>
       <p:ext uri="{BB962C8B-B14F-4D97-AF65-F5344CB8AC3E}">
         <p14:creationId xmlns:p14="http://schemas.microsoft.com/office/powerpoint/2010/main" val="3044807079"/>
+      </p:ext>
+    </p:extLst>
+  </p:cSld>
+  <p:clrMapOvr>
+    <a:masterClrMapping/>
+  </p:clrMapOvr>
+</p:sld>
+</file>
+
+<file path=ppt/slides/slide6.xml><?xml version="1.0" encoding="utf-8"?>
+<p:sld xmlns:a="http://schemas.openxmlformats.org/drawingml/2006/main" xmlns:r="http://schemas.openxmlformats.org/officeDocument/2006/relationships" xmlns:p="http://schemas.openxmlformats.org/presentationml/2006/main">
+  <p:cSld>
+    <p:spTree>
+      <p:nvGrpSpPr>
+        <p:cNvPr id="1" name=""/>
+        <p:cNvGrpSpPr/>
+        <p:nvPr/>
+      </p:nvGrpSpPr>
+      <p:grpSpPr>
+        <a:xfrm>
+          <a:off x="0" y="0"/>
+          <a:ext cx="0" cy="0"/>
+          <a:chOff x="0" y="0"/>
+          <a:chExt cx="0" cy="0"/>
+        </a:xfrm>
+      </p:grpSpPr>
+      <p:sp>
+        <p:nvSpPr>
+          <p:cNvPr id="6" name="제목 1"/>
+          <p:cNvSpPr>
+            <a:spLocks noGrp="1"/>
+          </p:cNvSpPr>
+          <p:nvPr>
+            <p:ph type="title"/>
+          </p:nvPr>
+        </p:nvSpPr>
+        <p:spPr>
+          <a:xfrm>
+            <a:off x="457200" y="274638"/>
+            <a:ext cx="8229600" cy="1143000"/>
+          </a:xfrm>
+        </p:spPr>
+        <p:txBody>
+          <a:bodyPr/>
+          <a:lstStyle/>
+          <a:p>
+            <a:pPr algn="l"/>
+            <a:r>
+              <a:rPr lang="ko-KR" altLang="en-US" dirty="0" err="1" smtClean="0"/>
+              <a:t>ㅁ</a:t>
+            </a:r>
+            <a:endParaRPr lang="ko-KR" altLang="en-US" dirty="0"/>
+          </a:p>
+        </p:txBody>
+      </p:sp>
+      <p:sp>
+        <p:nvSpPr>
+          <p:cNvPr id="7" name="내용 개체 틀 2"/>
+          <p:cNvSpPr>
+            <a:spLocks noGrp="1"/>
+          </p:cNvSpPr>
+          <p:nvPr>
+            <p:ph idx="1"/>
+          </p:nvPr>
+        </p:nvSpPr>
+        <p:spPr>
+          <a:xfrm>
+            <a:off x="457200" y="1600200"/>
+            <a:ext cx="8229600" cy="4525963"/>
+          </a:xfrm>
+        </p:spPr>
+        <p:txBody>
+          <a:bodyPr/>
+          <a:lstStyle/>
+          <a:p>
+            <a:r>
+              <a:rPr lang="ko-KR" altLang="en-US" dirty="0" err="1" smtClean="0"/>
+              <a:t>주키퍼</a:t>
+            </a:r>
+            <a:r>
+              <a:rPr lang="en-US" altLang="ko-KR" dirty="0" smtClean="0"/>
+              <a:t>(Zookeeper)</a:t>
+            </a:r>
+          </a:p>
+          <a:p>
+            <a:pPr marL="0" indent="0">
+              <a:buNone/>
+            </a:pPr>
+            <a:endParaRPr lang="en-US" altLang="ko-KR" sz="1600" dirty="0"/>
+          </a:p>
+          <a:p>
+            <a:pPr marL="0" indent="0">
+              <a:buNone/>
+            </a:pPr>
+            <a:r>
+              <a:rPr lang="ko-KR" altLang="en-US" sz="1600" dirty="0" smtClean="0"/>
+              <a:t> 분산 </a:t>
+            </a:r>
+            <a:r>
+              <a:rPr lang="ko-KR" altLang="en-US" sz="1600" dirty="0"/>
+              <a:t>시스템 간의 정보 공유 및 상태 체크</a:t>
+            </a:r>
+            <a:r>
+              <a:rPr lang="en-US" altLang="ko-KR" sz="1600" dirty="0"/>
+              <a:t>, </a:t>
+            </a:r>
+            <a:r>
+              <a:rPr lang="ko-KR" altLang="en-US" sz="1600" dirty="0"/>
+              <a:t>동기화를 처리하는 프레임워크이다</a:t>
+            </a:r>
+            <a:r>
+              <a:rPr lang="en-US" altLang="ko-KR" sz="1600" dirty="0"/>
+              <a:t>. </a:t>
+            </a:r>
+            <a:r>
+              <a:rPr lang="ko-KR" altLang="en-US" sz="1600" dirty="0"/>
+              <a:t>이러한 시스템을 </a:t>
+            </a:r>
+            <a:r>
+              <a:rPr lang="ko-KR" altLang="en-US" sz="1600" dirty="0" err="1"/>
+              <a:t>코디네이션</a:t>
+            </a:r>
+            <a:r>
+              <a:rPr lang="ko-KR" altLang="en-US" sz="1600" dirty="0"/>
+              <a:t> 서비스 시스템이라고 한다</a:t>
+            </a:r>
+            <a:r>
+              <a:rPr lang="en-US" altLang="ko-KR" sz="1600" dirty="0"/>
+              <a:t>. Zookeeper</a:t>
+            </a:r>
+            <a:r>
+              <a:rPr lang="ko-KR" altLang="en-US" sz="1600" dirty="0"/>
+              <a:t>를 많이 사용하는 이유는 기능에 비해 시스템이 단순하기 때문이다</a:t>
+            </a:r>
+            <a:r>
+              <a:rPr lang="en-US" altLang="ko-KR" sz="1600" dirty="0"/>
+              <a:t>. </a:t>
+            </a:r>
+            <a:r>
+              <a:rPr lang="ko-KR" altLang="en-US" sz="1600" dirty="0"/>
+              <a:t>분산 큐</a:t>
+            </a:r>
+            <a:r>
+              <a:rPr lang="en-US" altLang="ko-KR" sz="1600" dirty="0"/>
+              <a:t>, </a:t>
+            </a:r>
+            <a:r>
+              <a:rPr lang="ko-KR" altLang="en-US" sz="1600" dirty="0"/>
+              <a:t>분산 </a:t>
+            </a:r>
+            <a:r>
+              <a:rPr lang="ko-KR" altLang="en-US" sz="1600" dirty="0" err="1"/>
+              <a:t>락</a:t>
+            </a:r>
+            <a:r>
+              <a:rPr lang="en-US" altLang="ko-KR" sz="1600" dirty="0"/>
+              <a:t>, </a:t>
+            </a:r>
+            <a:r>
+              <a:rPr lang="ko-KR" altLang="en-US" sz="1600" dirty="0"/>
+              <a:t>피어 그룹 대표 산출 등 다양한 기능을 가진다</a:t>
+            </a:r>
+            <a:r>
+              <a:rPr lang="en-US" altLang="ko-KR" sz="1600" dirty="0"/>
+              <a:t>. </a:t>
+            </a:r>
+            <a:r>
+              <a:rPr lang="ko-KR" altLang="en-US" sz="1600" dirty="0"/>
+              <a:t>몇 개의 기본 기능만으로도 사용이 가능하다</a:t>
+            </a:r>
+            <a:r>
+              <a:rPr lang="en-US" altLang="ko-KR" sz="1600" dirty="0"/>
+              <a:t>.</a:t>
+            </a:r>
+            <a:endParaRPr lang="en-US" altLang="ko-KR" sz="1600" dirty="0"/>
+          </a:p>
+        </p:txBody>
+      </p:sp>
+    </p:spTree>
+    <p:extLst>
+      <p:ext uri="{BB962C8B-B14F-4D97-AF65-F5344CB8AC3E}">
+        <p14:creationId xmlns:p14="http://schemas.microsoft.com/office/powerpoint/2010/main" val="2830729445"/>
+      </p:ext>
+    </p:extLst>
+  </p:cSld>
+  <p:clrMapOvr>
+    <a:masterClrMapping/>
+  </p:clrMapOvr>
+</p:sld>
+</file>
+
+<file path=ppt/slides/slide7.xml><?xml version="1.0" encoding="utf-8"?>
+<p:sld xmlns:a="http://schemas.openxmlformats.org/drawingml/2006/main" xmlns:r="http://schemas.openxmlformats.org/officeDocument/2006/relationships" xmlns:p="http://schemas.openxmlformats.org/presentationml/2006/main">
+  <p:cSld>
+    <p:spTree>
+      <p:nvGrpSpPr>
+        <p:cNvPr id="1" name=""/>
+        <p:cNvGrpSpPr/>
+        <p:nvPr/>
+      </p:nvGrpSpPr>
+      <p:grpSpPr>
+        <a:xfrm>
+          <a:off x="0" y="0"/>
+          <a:ext cx="0" cy="0"/>
+          <a:chOff x="0" y="0"/>
+          <a:chExt cx="0" cy="0"/>
+        </a:xfrm>
+      </p:grpSpPr>
+      <p:sp>
+        <p:nvSpPr>
+          <p:cNvPr id="4" name="제목 1"/>
+          <p:cNvSpPr>
+            <a:spLocks noGrp="1"/>
+          </p:cNvSpPr>
+          <p:nvPr>
+            <p:ph type="title"/>
+          </p:nvPr>
+        </p:nvSpPr>
+        <p:spPr>
+          <a:xfrm>
+            <a:off x="457200" y="274638"/>
+            <a:ext cx="8229600" cy="1143000"/>
+          </a:xfrm>
+        </p:spPr>
+        <p:txBody>
+          <a:bodyPr/>
+          <a:lstStyle/>
+          <a:p>
+            <a:pPr algn="l"/>
+            <a:r>
+              <a:rPr lang="ko-KR" altLang="en-US" dirty="0" err="1" smtClean="0"/>
+              <a:t>ㅁ</a:t>
+            </a:r>
+            <a:endParaRPr lang="ko-KR" altLang="en-US" dirty="0"/>
+          </a:p>
+        </p:txBody>
+      </p:sp>
+      <p:sp>
+        <p:nvSpPr>
+          <p:cNvPr id="5" name="내용 개체 틀 2"/>
+          <p:cNvSpPr>
+            <a:spLocks noGrp="1"/>
+          </p:cNvSpPr>
+          <p:nvPr>
+            <p:ph idx="1"/>
+          </p:nvPr>
+        </p:nvSpPr>
+        <p:spPr>
+          <a:xfrm>
+            <a:off x="457200" y="1600200"/>
+            <a:ext cx="8229600" cy="4525963"/>
+          </a:xfrm>
+        </p:spPr>
+        <p:txBody>
+          <a:bodyPr/>
+          <a:lstStyle/>
+          <a:p>
+            <a:r>
+              <a:rPr lang="ko-KR" altLang="en-US" dirty="0" smtClean="0"/>
+              <a:t>우</a:t>
+            </a:r>
+            <a:r>
+              <a:rPr lang="ko-KR" altLang="en-US" dirty="0"/>
+              <a:t>지</a:t>
+            </a:r>
+            <a:r>
+              <a:rPr lang="en-US" altLang="ko-KR" dirty="0" smtClean="0"/>
+              <a:t>(</a:t>
+            </a:r>
+            <a:r>
+              <a:rPr lang="en-US" altLang="ko-KR" dirty="0" err="1" smtClean="0"/>
+              <a:t>Oozie</a:t>
+            </a:r>
+            <a:r>
+              <a:rPr lang="en-US" altLang="ko-KR" dirty="0" smtClean="0"/>
+              <a:t>)</a:t>
+            </a:r>
+          </a:p>
+          <a:p>
+            <a:pPr marL="0" indent="0">
+              <a:buNone/>
+            </a:pPr>
+            <a:endParaRPr lang="en-US" altLang="ko-KR" sz="1600" dirty="0"/>
+          </a:p>
+          <a:p>
+            <a:pPr marL="0" indent="0">
+              <a:buNone/>
+            </a:pPr>
+            <a:r>
+              <a:rPr lang="ko-KR" altLang="en-US" sz="1600" dirty="0" smtClean="0"/>
+              <a:t> </a:t>
+            </a:r>
+            <a:r>
+              <a:rPr lang="ko-KR" altLang="en-US" sz="1600" dirty="0" err="1">
+                <a:hlinkClick r:id="rId2"/>
+              </a:rPr>
+              <a:t>하둡</a:t>
+            </a:r>
+            <a:r>
+              <a:rPr lang="ko-KR" altLang="en-US" sz="1600" dirty="0" err="1"/>
+              <a:t>의</a:t>
+            </a:r>
+            <a:r>
+              <a:rPr lang="ko-KR" altLang="en-US" sz="1600" dirty="0"/>
+              <a:t> </a:t>
+            </a:r>
+            <a:r>
+              <a:rPr lang="ko-KR" altLang="en-US" sz="1600" dirty="0" err="1"/>
+              <a:t>워크플로우를</a:t>
+            </a:r>
+            <a:r>
+              <a:rPr lang="ko-KR" altLang="en-US" sz="1600" dirty="0"/>
+              <a:t> 관리한다</a:t>
+            </a:r>
+            <a:r>
+              <a:rPr lang="en-US" altLang="ko-KR" sz="1600" dirty="0"/>
+              <a:t>. </a:t>
+            </a:r>
+            <a:r>
+              <a:rPr lang="ko-KR" altLang="en-US" sz="1600" dirty="0"/>
+              <a:t>일정한 시간이 경과하거나 또는 주기적으로 반복해서 실행될 수 있는 </a:t>
+            </a:r>
+            <a:r>
+              <a:rPr lang="ko-KR" altLang="en-US" sz="1600" dirty="0" err="1"/>
+              <a:t>잡들에</a:t>
+            </a:r>
+            <a:r>
+              <a:rPr lang="ko-KR" altLang="en-US" sz="1600" dirty="0"/>
+              <a:t> 대하여 관리하며 </a:t>
+            </a:r>
+            <a:r>
+              <a:rPr lang="ko-KR" altLang="en-US" sz="1600" dirty="0" err="1"/>
+              <a:t>맵리듀스</a:t>
+            </a:r>
+            <a:r>
+              <a:rPr lang="ko-KR" altLang="en-US" sz="1600" dirty="0"/>
+              <a:t> </a:t>
+            </a:r>
+            <a:r>
+              <a:rPr lang="ko-KR" altLang="en-US" sz="1600" dirty="0" err="1"/>
+              <a:t>잡</a:t>
+            </a:r>
+            <a:r>
+              <a:rPr lang="en-US" altLang="ko-KR" sz="1600" dirty="0"/>
+              <a:t>, </a:t>
+            </a:r>
+            <a:r>
+              <a:rPr lang="ko-KR" altLang="en-US" sz="1600" dirty="0" err="1"/>
+              <a:t>피그</a:t>
+            </a:r>
+            <a:r>
+              <a:rPr lang="ko-KR" altLang="en-US" sz="1600" dirty="0"/>
+              <a:t> </a:t>
+            </a:r>
+            <a:r>
+              <a:rPr lang="ko-KR" altLang="en-US" sz="1600" dirty="0" err="1"/>
+              <a:t>잡</a:t>
+            </a:r>
+            <a:r>
+              <a:rPr lang="ko-KR" altLang="en-US" sz="1600" dirty="0"/>
+              <a:t> 등의 시작과 완료 그리고 실행 중 </a:t>
+            </a:r>
+            <a:r>
+              <a:rPr lang="ko-KR" altLang="en-US" sz="1600" dirty="0" err="1"/>
+              <a:t>에러등의</a:t>
+            </a:r>
+            <a:r>
+              <a:rPr lang="ko-KR" altLang="en-US" sz="1600" dirty="0"/>
+              <a:t> 이벤트를 콜 백할 수 있다</a:t>
+            </a:r>
+            <a:r>
+              <a:rPr lang="en-US" altLang="ko-KR" sz="1600" dirty="0"/>
+              <a:t>.</a:t>
+            </a:r>
+            <a:endParaRPr lang="en-US" altLang="ko-KR" sz="1600" dirty="0"/>
+          </a:p>
+        </p:txBody>
+      </p:sp>
+      <p:pic>
+        <p:nvPicPr>
+          <p:cNvPr id="6" name="Picture 2" descr="image"/>
+          <p:cNvPicPr>
+            <a:picLocks noChangeAspect="1" noChangeArrowheads="1"/>
+          </p:cNvPicPr>
+          <p:nvPr/>
+        </p:nvPicPr>
+        <p:blipFill>
+          <a:blip r:embed="rId3">
+            <a:extLst>
+              <a:ext uri="{28A0092B-C50C-407E-A947-70E740481C1C}">
+                <a14:useLocalDpi xmlns:a14="http://schemas.microsoft.com/office/drawing/2010/main" val="0"/>
+              </a:ext>
+            </a:extLst>
+          </a:blip>
+          <a:srcRect/>
+          <a:stretch>
+            <a:fillRect/>
+          </a:stretch>
+        </p:blipFill>
+        <p:spPr bwMode="auto">
+          <a:xfrm>
+            <a:off x="5436096" y="188640"/>
+            <a:ext cx="2675533" cy="2008747"/>
+          </a:xfrm>
+          <a:prstGeom prst="rect">
+            <a:avLst/>
+          </a:prstGeom>
+          <a:noFill/>
+          <a:extLst>
+            <a:ext uri="{909E8E84-426E-40DD-AFC4-6F175D3DCCD1}">
+              <a14:hiddenFill xmlns:a14="http://schemas.microsoft.com/office/drawing/2010/main">
+                <a:solidFill>
+                  <a:srgbClr val="FFFFFF"/>
+                </a:solidFill>
+              </a14:hiddenFill>
+            </a:ext>
+          </a:extLst>
+        </p:spPr>
+      </p:pic>
+    </p:spTree>
+    <p:extLst>
+      <p:ext uri="{BB962C8B-B14F-4D97-AF65-F5344CB8AC3E}">
+        <p14:creationId xmlns:p14="http://schemas.microsoft.com/office/powerpoint/2010/main" val="1119777925"/>
+      </p:ext>
+    </p:extLst>
+  </p:cSld>
+  <p:clrMapOvr>
+    <a:masterClrMapping/>
+  </p:clrMapOvr>
+</p:sld>
+</file>
+
+<file path=ppt/slides/slide8.xml><?xml version="1.0" encoding="utf-8"?>
+<p:sld xmlns:a="http://schemas.openxmlformats.org/drawingml/2006/main" xmlns:r="http://schemas.openxmlformats.org/officeDocument/2006/relationships" xmlns:p="http://schemas.openxmlformats.org/presentationml/2006/main">
+  <p:cSld>
+    <p:spTree>
+      <p:nvGrpSpPr>
+        <p:cNvPr id="1" name=""/>
+        <p:cNvGrpSpPr/>
+        <p:nvPr/>
+      </p:nvGrpSpPr>
+      <p:grpSpPr>
+        <a:xfrm>
+          <a:off x="0" y="0"/>
+          <a:ext cx="0" cy="0"/>
+          <a:chOff x="0" y="0"/>
+          <a:chExt cx="0" cy="0"/>
+        </a:xfrm>
+      </p:grpSpPr>
+      <p:sp>
+        <p:nvSpPr>
+          <p:cNvPr id="4" name="제목 1"/>
+          <p:cNvSpPr>
+            <a:spLocks noGrp="1"/>
+          </p:cNvSpPr>
+          <p:nvPr>
+            <p:ph type="title"/>
+          </p:nvPr>
+        </p:nvSpPr>
+        <p:spPr>
+          <a:xfrm>
+            <a:off x="457200" y="274638"/>
+            <a:ext cx="8229600" cy="1143000"/>
+          </a:xfrm>
+        </p:spPr>
+        <p:txBody>
+          <a:bodyPr/>
+          <a:lstStyle/>
+          <a:p>
+            <a:pPr algn="l"/>
+            <a:r>
+              <a:rPr lang="ko-KR" altLang="en-US" dirty="0" err="1" smtClean="0"/>
+              <a:t>ㅁ</a:t>
+            </a:r>
+            <a:endParaRPr lang="ko-KR" altLang="en-US" dirty="0"/>
+          </a:p>
+        </p:txBody>
+      </p:sp>
+      <p:sp>
+        <p:nvSpPr>
+          <p:cNvPr id="5" name="내용 개체 틀 2"/>
+          <p:cNvSpPr>
+            <a:spLocks noGrp="1"/>
+          </p:cNvSpPr>
+          <p:nvPr>
+            <p:ph idx="1"/>
+          </p:nvPr>
+        </p:nvSpPr>
+        <p:spPr>
+          <a:xfrm>
+            <a:off x="457200" y="1600200"/>
+            <a:ext cx="8229600" cy="4525963"/>
+          </a:xfrm>
+        </p:spPr>
+        <p:txBody>
+          <a:bodyPr/>
+          <a:lstStyle/>
+          <a:p>
+            <a:r>
+              <a:rPr lang="ko-KR" altLang="en-US" dirty="0" err="1" smtClean="0"/>
+              <a:t>에이브로</a:t>
+            </a:r>
+            <a:r>
+              <a:rPr lang="en-US" altLang="ko-KR" dirty="0" smtClean="0"/>
+              <a:t>(Avro)</a:t>
+            </a:r>
+          </a:p>
+          <a:p>
+            <a:pPr marL="0" indent="0">
+              <a:buNone/>
+            </a:pPr>
+            <a:endParaRPr lang="en-US" altLang="ko-KR" sz="1600" dirty="0" smtClean="0"/>
+          </a:p>
+          <a:p>
+            <a:pPr marL="0" indent="0">
+              <a:buNone/>
+            </a:pPr>
+            <a:r>
+              <a:rPr lang="ko-KR" altLang="en-US" sz="1600" dirty="0" smtClean="0"/>
+              <a:t> </a:t>
+            </a:r>
+            <a:r>
+              <a:rPr lang="ko-KR" altLang="en-US" sz="1600" dirty="0"/>
+              <a:t>데이터 직렬화 프레임워크이다</a:t>
+            </a:r>
+            <a:r>
+              <a:rPr lang="en-US" altLang="ko-KR" sz="1600" dirty="0"/>
+              <a:t>. </a:t>
+            </a:r>
+            <a:r>
+              <a:rPr lang="ko-KR" altLang="en-US" sz="1600" dirty="0"/>
+              <a:t>가장 큰 특징은 </a:t>
+            </a:r>
+            <a:r>
+              <a:rPr lang="en-US" altLang="ko-KR" sz="1600" dirty="0"/>
+              <a:t>'</a:t>
+            </a:r>
+            <a:r>
+              <a:rPr lang="ko-KR" altLang="en-US" sz="1600" dirty="0"/>
+              <a:t>특정 언어에 종속되지 않는다</a:t>
+            </a:r>
+            <a:r>
+              <a:rPr lang="en-US" altLang="ko-KR" sz="1600" dirty="0"/>
+              <a:t>' </a:t>
+            </a:r>
+            <a:r>
+              <a:rPr lang="ko-KR" altLang="en-US" sz="1600" dirty="0"/>
+              <a:t>이다</a:t>
+            </a:r>
+            <a:r>
+              <a:rPr lang="en-US" altLang="ko-KR" sz="1600" dirty="0"/>
+              <a:t>. </a:t>
+            </a:r>
+            <a:r>
+              <a:rPr lang="ko-KR" altLang="en-US" sz="1600" dirty="0"/>
+              <a:t>다양한 언어</a:t>
+            </a:r>
+            <a:r>
+              <a:rPr lang="en-US" altLang="ko-KR" sz="1600" dirty="0"/>
+              <a:t>(C, </a:t>
+            </a:r>
+            <a:r>
+              <a:rPr lang="ko-KR" altLang="en-US" sz="1600" dirty="0"/>
+              <a:t>자바</a:t>
+            </a:r>
+            <a:r>
+              <a:rPr lang="en-US" altLang="ko-KR" sz="1600" dirty="0"/>
+              <a:t>, </a:t>
+            </a:r>
+            <a:r>
+              <a:rPr lang="ko-KR" altLang="en-US" sz="1600" dirty="0">
+                <a:hlinkClick r:id="rId2"/>
+              </a:rPr>
+              <a:t>펄</a:t>
+            </a:r>
+            <a:r>
+              <a:rPr lang="en-US" altLang="ko-KR" sz="1600" dirty="0"/>
+              <a:t>, </a:t>
+            </a:r>
+            <a:r>
+              <a:rPr lang="ko-KR" altLang="en-US" sz="1600" dirty="0" err="1">
+                <a:hlinkClick r:id="rId3"/>
+              </a:rPr>
+              <a:t>파이썬</a:t>
+            </a:r>
+            <a:r>
+              <a:rPr lang="en-US" altLang="ko-KR" sz="1600" dirty="0"/>
+              <a:t>, </a:t>
+            </a:r>
+            <a:r>
+              <a:rPr lang="ko-KR" altLang="en-US" sz="1600" dirty="0"/>
+              <a:t>루비 등</a:t>
+            </a:r>
+            <a:r>
+              <a:rPr lang="en-US" altLang="ko-KR" sz="1600" dirty="0"/>
+              <a:t>)</a:t>
+            </a:r>
+            <a:r>
+              <a:rPr lang="ko-KR" altLang="en-US" sz="1600" dirty="0"/>
+              <a:t>로 데이터를 쉽게 공유할 수 있는 것이다</a:t>
+            </a:r>
+            <a:r>
+              <a:rPr lang="en-US" altLang="ko-KR" sz="1600" dirty="0"/>
+              <a:t>. </a:t>
+            </a:r>
+            <a:r>
+              <a:rPr lang="ko-KR" altLang="en-US" sz="1600" dirty="0"/>
+              <a:t>따라서 어떤 언어가 사라진다 하더라도 </a:t>
+            </a:r>
+            <a:r>
+              <a:rPr lang="ko-KR" altLang="en-US" sz="1600" dirty="0" err="1"/>
+              <a:t>에이브로를</a:t>
+            </a:r>
+            <a:r>
+              <a:rPr lang="ko-KR" altLang="en-US" sz="1600" dirty="0"/>
+              <a:t> 통한 데이터 직렬화가 가능하다</a:t>
+            </a:r>
+            <a:r>
+              <a:rPr lang="en-US" altLang="ko-KR" sz="1600" dirty="0"/>
+              <a:t>. </a:t>
+            </a:r>
+            <a:r>
+              <a:rPr lang="ko-KR" altLang="en-US" sz="1600" dirty="0"/>
+              <a:t>스키마를 보통 </a:t>
+            </a:r>
+            <a:r>
+              <a:rPr lang="en-US" altLang="ko-KR" sz="1600" dirty="0"/>
+              <a:t>JSON</a:t>
+            </a:r>
+            <a:r>
+              <a:rPr lang="ko-KR" altLang="en-US" sz="1600" dirty="0"/>
+              <a:t>으로 작성하며 바이너리 형태로 </a:t>
+            </a:r>
+            <a:r>
+              <a:rPr lang="ko-KR" altLang="en-US" sz="1600" dirty="0" err="1"/>
+              <a:t>인코딩한다</a:t>
+            </a:r>
+            <a:r>
+              <a:rPr lang="en-US" altLang="ko-KR" sz="1600" dirty="0"/>
+              <a:t>.</a:t>
+            </a:r>
+            <a:endParaRPr lang="en-US" altLang="ko-KR" sz="1600" dirty="0"/>
+          </a:p>
+        </p:txBody>
+      </p:sp>
+      <p:pic>
+        <p:nvPicPr>
+          <p:cNvPr id="1028" name="Picture 4" descr="image"/>
+          <p:cNvPicPr>
+            <a:picLocks noChangeAspect="1" noChangeArrowheads="1"/>
+          </p:cNvPicPr>
+          <p:nvPr/>
+        </p:nvPicPr>
+        <p:blipFill>
+          <a:blip r:embed="rId4">
+            <a:extLst>
+              <a:ext uri="{28A0092B-C50C-407E-A947-70E740481C1C}">
+                <a14:useLocalDpi xmlns:a14="http://schemas.microsoft.com/office/drawing/2010/main" val="0"/>
+              </a:ext>
+            </a:extLst>
+          </a:blip>
+          <a:srcRect/>
+          <a:stretch>
+            <a:fillRect/>
+          </a:stretch>
+        </p:blipFill>
+        <p:spPr bwMode="auto">
+          <a:xfrm>
+            <a:off x="4932040" y="260648"/>
+            <a:ext cx="3395613" cy="2068134"/>
+          </a:xfrm>
+          <a:prstGeom prst="rect">
+            <a:avLst/>
+          </a:prstGeom>
+          <a:noFill/>
+          <a:extLst>
+            <a:ext uri="{909E8E84-426E-40DD-AFC4-6F175D3DCCD1}">
+              <a14:hiddenFill xmlns:a14="http://schemas.microsoft.com/office/drawing/2010/main">
+                <a:solidFill>
+                  <a:srgbClr val="FFFFFF"/>
+                </a:solidFill>
+              </a14:hiddenFill>
+            </a:ext>
+          </a:extLst>
+        </p:spPr>
+      </p:pic>
+    </p:spTree>
+    <p:extLst>
+      <p:ext uri="{BB962C8B-B14F-4D97-AF65-F5344CB8AC3E}">
+        <p14:creationId xmlns:p14="http://schemas.microsoft.com/office/powerpoint/2010/main" val="2730112565"/>
+      </p:ext>
+    </p:extLst>
+  </p:cSld>
+  <p:clrMapOvr>
+    <a:masterClrMapping/>
+  </p:clrMapOvr>
+</p:sld>
+</file>
+
+<file path=ppt/slides/slide9.xml><?xml version="1.0" encoding="utf-8"?>
+<p:sld xmlns:a="http://schemas.openxmlformats.org/drawingml/2006/main" xmlns:r="http://schemas.openxmlformats.org/officeDocument/2006/relationships" xmlns:p="http://schemas.openxmlformats.org/presentationml/2006/main">
+  <p:cSld>
+    <p:spTree>
+      <p:nvGrpSpPr>
+        <p:cNvPr id="1" name=""/>
+        <p:cNvGrpSpPr/>
+        <p:nvPr/>
+      </p:nvGrpSpPr>
+      <p:grpSpPr>
+        <a:xfrm>
+          <a:off x="0" y="0"/>
+          <a:ext cx="0" cy="0"/>
+          <a:chOff x="0" y="0"/>
+          <a:chExt cx="0" cy="0"/>
+        </a:xfrm>
+      </p:grpSpPr>
+      <p:sp>
+        <p:nvSpPr>
+          <p:cNvPr id="4" name="제목 1"/>
+          <p:cNvSpPr>
+            <a:spLocks noGrp="1"/>
+          </p:cNvSpPr>
+          <p:nvPr>
+            <p:ph type="title"/>
+          </p:nvPr>
+        </p:nvSpPr>
+        <p:spPr>
+          <a:xfrm>
+            <a:off x="457200" y="274638"/>
+            <a:ext cx="8229600" cy="1143000"/>
+          </a:xfrm>
+        </p:spPr>
+        <p:txBody>
+          <a:bodyPr/>
+          <a:lstStyle/>
+          <a:p>
+            <a:pPr algn="l"/>
+            <a:r>
+              <a:rPr lang="ko-KR" altLang="en-US" dirty="0" err="1" smtClean="0"/>
+              <a:t>ㅁ</a:t>
+            </a:r>
+            <a:endParaRPr lang="ko-KR" altLang="en-US" dirty="0"/>
+          </a:p>
+        </p:txBody>
+      </p:sp>
+      <p:sp>
+        <p:nvSpPr>
+          <p:cNvPr id="5" name="내용 개체 틀 2"/>
+          <p:cNvSpPr>
+            <a:spLocks noGrp="1"/>
+          </p:cNvSpPr>
+          <p:nvPr>
+            <p:ph idx="1"/>
+          </p:nvPr>
+        </p:nvSpPr>
+        <p:spPr>
+          <a:xfrm>
+            <a:off x="457200" y="1600200"/>
+            <a:ext cx="8229600" cy="4525963"/>
+          </a:xfrm>
+        </p:spPr>
+        <p:txBody>
+          <a:bodyPr/>
+          <a:lstStyle/>
+          <a:p>
+            <a:r>
+              <a:rPr lang="ko-KR" altLang="en-US" dirty="0" err="1" smtClean="0"/>
+              <a:t>파케</a:t>
+            </a:r>
+            <a:r>
+              <a:rPr lang="ko-KR" altLang="en-US" dirty="0" err="1"/>
+              <a:t>이</a:t>
+            </a:r>
+            <a:r>
+              <a:rPr lang="en-US" altLang="ko-KR" dirty="0" smtClean="0"/>
+              <a:t>(Parquet)</a:t>
+            </a:r>
+          </a:p>
+          <a:p>
+            <a:pPr marL="0" indent="0">
+              <a:buNone/>
+            </a:pPr>
+            <a:endParaRPr lang="en-US" altLang="ko-KR" sz="1600" dirty="0"/>
+          </a:p>
+          <a:p>
+            <a:pPr marL="0" indent="0">
+              <a:buNone/>
+            </a:pPr>
+            <a:r>
+              <a:rPr lang="ko-KR" altLang="en-US" sz="1600" dirty="0" smtClean="0"/>
+              <a:t> </a:t>
+            </a:r>
+            <a:r>
+              <a:rPr lang="ko-KR" altLang="en-US" sz="1600" dirty="0" err="1"/>
+              <a:t>컬럼</a:t>
+            </a:r>
+            <a:r>
+              <a:rPr lang="ko-KR" altLang="en-US" sz="1600" dirty="0"/>
+              <a:t> 기준으로 데이터를 저장하는 포맷이다</a:t>
+            </a:r>
+            <a:r>
+              <a:rPr lang="en-US" altLang="ko-KR" sz="1600" dirty="0"/>
+              <a:t>. </a:t>
+            </a:r>
+            <a:r>
+              <a:rPr lang="ko-KR" altLang="en-US" sz="1600" dirty="0" err="1"/>
+              <a:t>컬럼</a:t>
+            </a:r>
+            <a:r>
+              <a:rPr lang="ko-KR" altLang="en-US" sz="1600" dirty="0"/>
+              <a:t> 단위의 중첩된 데이터 저장은 효율적으로 저장공간을 절약한다</a:t>
+            </a:r>
+            <a:r>
+              <a:rPr lang="en-US" altLang="ko-KR" sz="1600" dirty="0"/>
+              <a:t>. </a:t>
+            </a:r>
+            <a:r>
+              <a:rPr lang="ko-KR" altLang="en-US" sz="1600" dirty="0"/>
+              <a:t>또한</a:t>
+            </a:r>
+            <a:r>
+              <a:rPr lang="en-US" altLang="ko-KR" sz="1600" dirty="0"/>
+              <a:t>, </a:t>
+            </a:r>
+            <a:r>
+              <a:rPr lang="ko-KR" altLang="en-US" sz="1600" dirty="0"/>
+              <a:t>특정 열 값을 가져오는 쿼리가 전체 행을 읽을 필요가 없기 때문에 성능이 좋은 프레임워크이다</a:t>
+            </a:r>
+            <a:r>
+              <a:rPr lang="en-US" altLang="ko-KR" sz="1600" dirty="0"/>
+              <a:t>.</a:t>
+            </a:r>
+            <a:endParaRPr lang="en-US" altLang="ko-KR" sz="1600" dirty="0"/>
+          </a:p>
+        </p:txBody>
+      </p:sp>
+    </p:spTree>
+    <p:extLst>
+      <p:ext uri="{BB962C8B-B14F-4D97-AF65-F5344CB8AC3E}">
+        <p14:creationId xmlns:p14="http://schemas.microsoft.com/office/powerpoint/2010/main" val="2315634507"/>
       </p:ext>
     </p:extLst>
   </p:cSld>

--- a/하둡에코시스템.pptx
+++ b/하둡에코시스템.pptx
@@ -5,18 +5,21 @@
     <p:sldMasterId id="2147483648" r:id="rId1"/>
   </p:sldMasterIdLst>
   <p:sldIdLst>
-    <p:sldId id="257" r:id="rId2"/>
-    <p:sldId id="261" r:id="rId3"/>
-    <p:sldId id="258" r:id="rId4"/>
-    <p:sldId id="259" r:id="rId5"/>
-    <p:sldId id="260" r:id="rId6"/>
-    <p:sldId id="262" r:id="rId7"/>
-    <p:sldId id="263" r:id="rId8"/>
-    <p:sldId id="264" r:id="rId9"/>
-    <p:sldId id="265" r:id="rId10"/>
-    <p:sldId id="266" r:id="rId11"/>
-    <p:sldId id="267" r:id="rId12"/>
-    <p:sldId id="268" r:id="rId13"/>
+    <p:sldId id="269" r:id="rId2"/>
+    <p:sldId id="270" r:id="rId3"/>
+    <p:sldId id="271" r:id="rId4"/>
+    <p:sldId id="257" r:id="rId5"/>
+    <p:sldId id="261" r:id="rId6"/>
+    <p:sldId id="258" r:id="rId7"/>
+    <p:sldId id="259" r:id="rId8"/>
+    <p:sldId id="260" r:id="rId9"/>
+    <p:sldId id="262" r:id="rId10"/>
+    <p:sldId id="263" r:id="rId11"/>
+    <p:sldId id="264" r:id="rId12"/>
+    <p:sldId id="265" r:id="rId13"/>
+    <p:sldId id="266" r:id="rId14"/>
+    <p:sldId id="267" r:id="rId15"/>
+    <p:sldId id="268" r:id="rId16"/>
   </p:sldIdLst>
   <p:sldSz cx="9144000" cy="6858000" type="screen4x3"/>
   <p:notesSz cx="6858000" cy="9144000"/>
@@ -299,7 +302,7 @@
           <a:p>
             <a:fld id="{FB30EDBD-1C2D-4C1E-B459-B60219FAB484}" type="datetimeFigureOut">
               <a:rPr lang="ko-KR" altLang="en-US" smtClean="0"/>
-              <a:t>2019-10-01</a:t>
+              <a:t>2019-10-02</a:t>
             </a:fld>
             <a:endParaRPr lang="ko-KR" altLang="en-US"/>
           </a:p>
@@ -464,7 +467,7 @@
           <a:p>
             <a:fld id="{FB30EDBD-1C2D-4C1E-B459-B60219FAB484}" type="datetimeFigureOut">
               <a:rPr lang="ko-KR" altLang="en-US" smtClean="0"/>
-              <a:t>2019-10-01</a:t>
+              <a:t>2019-10-02</a:t>
             </a:fld>
             <a:endParaRPr lang="ko-KR" altLang="en-US"/>
           </a:p>
@@ -639,7 +642,7 @@
           <a:p>
             <a:fld id="{FB30EDBD-1C2D-4C1E-B459-B60219FAB484}" type="datetimeFigureOut">
               <a:rPr lang="ko-KR" altLang="en-US" smtClean="0"/>
-              <a:t>2019-10-01</a:t>
+              <a:t>2019-10-02</a:t>
             </a:fld>
             <a:endParaRPr lang="ko-KR" altLang="en-US"/>
           </a:p>
@@ -804,7 +807,7 @@
           <a:p>
             <a:fld id="{FB30EDBD-1C2D-4C1E-B459-B60219FAB484}" type="datetimeFigureOut">
               <a:rPr lang="ko-KR" altLang="en-US" smtClean="0"/>
-              <a:t>2019-10-01</a:t>
+              <a:t>2019-10-02</a:t>
             </a:fld>
             <a:endParaRPr lang="ko-KR" altLang="en-US"/>
           </a:p>
@@ -1045,7 +1048,7 @@
           <a:p>
             <a:fld id="{FB30EDBD-1C2D-4C1E-B459-B60219FAB484}" type="datetimeFigureOut">
               <a:rPr lang="ko-KR" altLang="en-US" smtClean="0"/>
-              <a:t>2019-10-01</a:t>
+              <a:t>2019-10-02</a:t>
             </a:fld>
             <a:endParaRPr lang="ko-KR" altLang="en-US"/>
           </a:p>
@@ -1328,7 +1331,7 @@
           <a:p>
             <a:fld id="{FB30EDBD-1C2D-4C1E-B459-B60219FAB484}" type="datetimeFigureOut">
               <a:rPr lang="ko-KR" altLang="en-US" smtClean="0"/>
-              <a:t>2019-10-01</a:t>
+              <a:t>2019-10-02</a:t>
             </a:fld>
             <a:endParaRPr lang="ko-KR" altLang="en-US"/>
           </a:p>
@@ -1745,7 +1748,7 @@
           <a:p>
             <a:fld id="{FB30EDBD-1C2D-4C1E-B459-B60219FAB484}" type="datetimeFigureOut">
               <a:rPr lang="ko-KR" altLang="en-US" smtClean="0"/>
-              <a:t>2019-10-01</a:t>
+              <a:t>2019-10-02</a:t>
             </a:fld>
             <a:endParaRPr lang="ko-KR" altLang="en-US"/>
           </a:p>
@@ -1858,7 +1861,7 @@
           <a:p>
             <a:fld id="{FB30EDBD-1C2D-4C1E-B459-B60219FAB484}" type="datetimeFigureOut">
               <a:rPr lang="ko-KR" altLang="en-US" smtClean="0"/>
-              <a:t>2019-10-01</a:t>
+              <a:t>2019-10-02</a:t>
             </a:fld>
             <a:endParaRPr lang="ko-KR" altLang="en-US"/>
           </a:p>
@@ -1948,7 +1951,7 @@
           <a:p>
             <a:fld id="{FB30EDBD-1C2D-4C1E-B459-B60219FAB484}" type="datetimeFigureOut">
               <a:rPr lang="ko-KR" altLang="en-US" smtClean="0"/>
-              <a:t>2019-10-01</a:t>
+              <a:t>2019-10-02</a:t>
             </a:fld>
             <a:endParaRPr lang="ko-KR" altLang="en-US"/>
           </a:p>
@@ -2220,7 +2223,7 @@
           <a:p>
             <a:fld id="{FB30EDBD-1C2D-4C1E-B459-B60219FAB484}" type="datetimeFigureOut">
               <a:rPr lang="ko-KR" altLang="en-US" smtClean="0"/>
-              <a:t>2019-10-01</a:t>
+              <a:t>2019-10-02</a:t>
             </a:fld>
             <a:endParaRPr lang="ko-KR" altLang="en-US"/>
           </a:p>
@@ -2468,7 +2471,7 @@
           <a:p>
             <a:fld id="{FB30EDBD-1C2D-4C1E-B459-B60219FAB484}" type="datetimeFigureOut">
               <a:rPr lang="ko-KR" altLang="en-US" smtClean="0"/>
-              <a:t>2019-10-01</a:t>
+              <a:t>2019-10-02</a:t>
             </a:fld>
             <a:endParaRPr lang="ko-KR" altLang="en-US"/>
           </a:p>
@@ -2676,7 +2679,7 @@
           <a:p>
             <a:fld id="{FB30EDBD-1C2D-4C1E-B459-B60219FAB484}" type="datetimeFigureOut">
               <a:rPr lang="ko-KR" altLang="en-US" smtClean="0"/>
-              <a:t>2019-10-01</a:t>
+              <a:t>2019-10-02</a:t>
             </a:fld>
             <a:endParaRPr lang="ko-KR" altLang="en-US"/>
           </a:p>
@@ -3048,6 +3051,7563 @@
       </p:grpSpPr>
       <p:sp>
         <p:nvSpPr>
+          <p:cNvPr id="4" name="제목 1"/>
+          <p:cNvSpPr txBox="1">
+            <a:spLocks/>
+          </p:cNvSpPr>
+          <p:nvPr/>
+        </p:nvSpPr>
+        <p:spPr>
+          <a:xfrm>
+            <a:off x="457200" y="274638"/>
+            <a:ext cx="8229600" cy="1143000"/>
+          </a:xfrm>
+          <a:prstGeom prst="rect">
+            <a:avLst/>
+          </a:prstGeom>
+        </p:spPr>
+        <p:txBody>
+          <a:bodyPr vert="horz" lIns="91440" tIns="45720" rIns="91440" bIns="45720" rtlCol="0" anchor="ctr">
+            <a:normAutofit/>
+          </a:bodyPr>
+          <a:lstStyle>
+            <a:lvl1pPr algn="ctr" defTabSz="914400" rtl="0" eaLnBrk="1" latinLnBrk="1" hangingPunct="1">
+              <a:spcBef>
+                <a:spcPct val="0"/>
+              </a:spcBef>
+              <a:buNone/>
+              <a:defRPr sz="4400" kern="1200">
+                <a:solidFill>
+                  <a:schemeClr val="tx1"/>
+                </a:solidFill>
+                <a:latin typeface="+mj-lt"/>
+                <a:ea typeface="+mj-ea"/>
+                <a:cs typeface="+mj-cs"/>
+              </a:defRPr>
+            </a:lvl1pPr>
+          </a:lstStyle>
+          <a:p>
+            <a:pPr algn="l"/>
+            <a:r>
+              <a:rPr lang="ko-KR" altLang="en-US" dirty="0" smtClean="0"/>
+              <a:t>데이터 베이스</a:t>
+            </a:r>
+            <a:endParaRPr lang="ko-KR" altLang="en-US" dirty="0"/>
+          </a:p>
+        </p:txBody>
+      </p:sp>
+      <p:graphicFrame>
+        <p:nvGraphicFramePr>
+          <p:cNvPr id="5" name="표 4"/>
+          <p:cNvGraphicFramePr>
+            <a:graphicFrameLocks noGrp="1"/>
+          </p:cNvGraphicFramePr>
+          <p:nvPr>
+            <p:extLst>
+              <p:ext uri="{D42A27DB-BD31-4B8C-83A1-F6EECF244321}">
+                <p14:modId xmlns:p14="http://schemas.microsoft.com/office/powerpoint/2010/main" val="2607119286"/>
+              </p:ext>
+            </p:extLst>
+          </p:nvPr>
+        </p:nvGraphicFramePr>
+        <p:xfrm>
+          <a:off x="179512" y="1397000"/>
+          <a:ext cx="8856984" cy="5436275"/>
+        </p:xfrm>
+        <a:graphic>
+          <a:graphicData uri="http://schemas.openxmlformats.org/drawingml/2006/table">
+            <a:tbl>
+              <a:tblPr firstRow="1" bandRow="1">
+                <a:tableStyleId>{5C22544A-7EE6-4342-B048-85BDC9FD1C3A}</a:tableStyleId>
+              </a:tblPr>
+              <a:tblGrid>
+                <a:gridCol w="2214246"/>
+                <a:gridCol w="2214246"/>
+                <a:gridCol w="2214246"/>
+                <a:gridCol w="2214246"/>
+              </a:tblGrid>
+              <a:tr h="659045">
+                <a:tc>
+                  <a:txBody>
+                    <a:bodyPr/>
+                    <a:lstStyle/>
+                    <a:p>
+                      <a:pPr algn="ctr" latinLnBrk="1"/>
+                      <a:r>
+                        <a:rPr lang="ko-KR" altLang="en-US" dirty="0" smtClean="0">
+                          <a:solidFill>
+                            <a:schemeClr val="tx1"/>
+                          </a:solidFill>
+                          <a:latin typeface="나눔고딕" panose="020D0604000000000000" pitchFamily="50" charset="-127"/>
+                          <a:ea typeface="나눔고딕" panose="020D0604000000000000" pitchFamily="50" charset="-127"/>
+                        </a:rPr>
+                        <a:t>구분</a:t>
+                      </a:r>
+                      <a:endParaRPr lang="ko-KR" altLang="en-US" dirty="0">
+                        <a:solidFill>
+                          <a:schemeClr val="tx1"/>
+                        </a:solidFill>
+                        <a:latin typeface="나눔고딕" panose="020D0604000000000000" pitchFamily="50" charset="-127"/>
+                        <a:ea typeface="나눔고딕" panose="020D0604000000000000" pitchFamily="50" charset="-127"/>
+                      </a:endParaRPr>
+                    </a:p>
+                  </a:txBody>
+                  <a:tcPr anchor="ctr">
+                    <a:lnL w="12700" cap="flat" cmpd="sng" algn="ctr">
+                      <a:solidFill>
+                        <a:schemeClr val="tx1"/>
+                      </a:solidFill>
+                      <a:prstDash val="solid"/>
+                      <a:round/>
+                      <a:headEnd type="none" w="med" len="med"/>
+                      <a:tailEnd type="none" w="med" len="med"/>
+                    </a:lnL>
+                    <a:lnR w="12700" cap="flat" cmpd="sng" algn="ctr">
+                      <a:solidFill>
+                        <a:schemeClr val="tx1"/>
+                      </a:solidFill>
+                      <a:prstDash val="solid"/>
+                      <a:round/>
+                      <a:headEnd type="none" w="med" len="med"/>
+                      <a:tailEnd type="none" w="med" len="med"/>
+                    </a:lnR>
+                    <a:lnT w="12700" cap="flat" cmpd="sng" algn="ctr">
+                      <a:solidFill>
+                        <a:schemeClr val="tx1"/>
+                      </a:solidFill>
+                      <a:prstDash val="solid"/>
+                      <a:round/>
+                      <a:headEnd type="none" w="med" len="med"/>
+                      <a:tailEnd type="none" w="med" len="med"/>
+                    </a:lnT>
+                    <a:lnB w="12700" cap="flat" cmpd="sng" algn="ctr">
+                      <a:solidFill>
+                        <a:schemeClr val="tx1"/>
+                      </a:solidFill>
+                      <a:prstDash val="solid"/>
+                      <a:round/>
+                      <a:headEnd type="none" w="med" len="med"/>
+                      <a:tailEnd type="none" w="med" len="med"/>
+                    </a:lnB>
+                    <a:lnTlToBr w="12700" cmpd="sng">
+                      <a:noFill/>
+                      <a:prstDash val="solid"/>
+                    </a:lnTlToBr>
+                    <a:lnBlToTr w="12700" cmpd="sng">
+                      <a:noFill/>
+                      <a:prstDash val="solid"/>
+                    </a:lnBlToTr>
+                    <a:noFill/>
+                  </a:tcPr>
+                </a:tc>
+                <a:tc>
+                  <a:txBody>
+                    <a:bodyPr/>
+                    <a:lstStyle/>
+                    <a:p>
+                      <a:pPr algn="ctr" latinLnBrk="1"/>
+                      <a:r>
+                        <a:rPr lang="en-US" altLang="ko-KR" dirty="0" err="1" smtClean="0">
+                          <a:solidFill>
+                            <a:schemeClr val="tx1"/>
+                          </a:solidFill>
+                          <a:latin typeface="나눔고딕" panose="020D0604000000000000" pitchFamily="50" charset="-127"/>
+                          <a:ea typeface="나눔고딕" panose="020D0604000000000000" pitchFamily="50" charset="-127"/>
+                        </a:rPr>
+                        <a:t>Hbase</a:t>
+                      </a:r>
+                      <a:endParaRPr lang="ko-KR" altLang="en-US" dirty="0">
+                        <a:solidFill>
+                          <a:schemeClr val="tx1"/>
+                        </a:solidFill>
+                        <a:latin typeface="나눔고딕" panose="020D0604000000000000" pitchFamily="50" charset="-127"/>
+                        <a:ea typeface="나눔고딕" panose="020D0604000000000000" pitchFamily="50" charset="-127"/>
+                      </a:endParaRPr>
+                    </a:p>
+                  </a:txBody>
+                  <a:tcPr anchor="ctr">
+                    <a:lnL w="12700" cap="flat" cmpd="sng" algn="ctr">
+                      <a:solidFill>
+                        <a:schemeClr val="tx1"/>
+                      </a:solidFill>
+                      <a:prstDash val="solid"/>
+                      <a:round/>
+                      <a:headEnd type="none" w="med" len="med"/>
+                      <a:tailEnd type="none" w="med" len="med"/>
+                    </a:lnL>
+                    <a:lnR w="12700" cap="flat" cmpd="sng" algn="ctr">
+                      <a:solidFill>
+                        <a:schemeClr val="tx1"/>
+                      </a:solidFill>
+                      <a:prstDash val="solid"/>
+                      <a:round/>
+                      <a:headEnd type="none" w="med" len="med"/>
+                      <a:tailEnd type="none" w="med" len="med"/>
+                    </a:lnR>
+                    <a:lnT w="12700" cap="flat" cmpd="sng" algn="ctr">
+                      <a:solidFill>
+                        <a:schemeClr val="tx1"/>
+                      </a:solidFill>
+                      <a:prstDash val="solid"/>
+                      <a:round/>
+                      <a:headEnd type="none" w="med" len="med"/>
+                      <a:tailEnd type="none" w="med" len="med"/>
+                    </a:lnT>
+                    <a:lnB w="12700" cap="flat" cmpd="sng" algn="ctr">
+                      <a:solidFill>
+                        <a:schemeClr val="tx1"/>
+                      </a:solidFill>
+                      <a:prstDash val="solid"/>
+                      <a:round/>
+                      <a:headEnd type="none" w="med" len="med"/>
+                      <a:tailEnd type="none" w="med" len="med"/>
+                    </a:lnB>
+                    <a:lnTlToBr w="12700" cmpd="sng">
+                      <a:noFill/>
+                      <a:prstDash val="solid"/>
+                    </a:lnTlToBr>
+                    <a:lnBlToTr w="12700" cmpd="sng">
+                      <a:noFill/>
+                      <a:prstDash val="solid"/>
+                    </a:lnBlToTr>
+                    <a:noFill/>
+                  </a:tcPr>
+                </a:tc>
+                <a:tc>
+                  <a:txBody>
+                    <a:bodyPr/>
+                    <a:lstStyle/>
+                    <a:p>
+                      <a:pPr algn="ctr" latinLnBrk="1"/>
+                      <a:r>
+                        <a:rPr lang="en-US" altLang="ko-KR" dirty="0" smtClean="0">
+                          <a:solidFill>
+                            <a:schemeClr val="tx1"/>
+                          </a:solidFill>
+                          <a:latin typeface="나눔고딕" panose="020D0604000000000000" pitchFamily="50" charset="-127"/>
+                          <a:ea typeface="나눔고딕" panose="020D0604000000000000" pitchFamily="50" charset="-127"/>
+                        </a:rPr>
+                        <a:t>Cassandra</a:t>
+                      </a:r>
+                      <a:endParaRPr lang="ko-KR" altLang="en-US" dirty="0">
+                        <a:solidFill>
+                          <a:schemeClr val="tx1"/>
+                        </a:solidFill>
+                        <a:latin typeface="나눔고딕" panose="020D0604000000000000" pitchFamily="50" charset="-127"/>
+                        <a:ea typeface="나눔고딕" panose="020D0604000000000000" pitchFamily="50" charset="-127"/>
+                      </a:endParaRPr>
+                    </a:p>
+                  </a:txBody>
+                  <a:tcPr anchor="ctr">
+                    <a:lnL w="12700" cap="flat" cmpd="sng" algn="ctr">
+                      <a:solidFill>
+                        <a:schemeClr val="tx1"/>
+                      </a:solidFill>
+                      <a:prstDash val="solid"/>
+                      <a:round/>
+                      <a:headEnd type="none" w="med" len="med"/>
+                      <a:tailEnd type="none" w="med" len="med"/>
+                    </a:lnL>
+                    <a:lnR w="12700" cap="flat" cmpd="sng" algn="ctr">
+                      <a:solidFill>
+                        <a:schemeClr val="tx1"/>
+                      </a:solidFill>
+                      <a:prstDash val="solid"/>
+                      <a:round/>
+                      <a:headEnd type="none" w="med" len="med"/>
+                      <a:tailEnd type="none" w="med" len="med"/>
+                    </a:lnR>
+                    <a:lnT w="12700" cap="flat" cmpd="sng" algn="ctr">
+                      <a:solidFill>
+                        <a:schemeClr val="tx1"/>
+                      </a:solidFill>
+                      <a:prstDash val="solid"/>
+                      <a:round/>
+                      <a:headEnd type="none" w="med" len="med"/>
+                      <a:tailEnd type="none" w="med" len="med"/>
+                    </a:lnT>
+                    <a:lnB w="12700" cap="flat" cmpd="sng" algn="ctr">
+                      <a:solidFill>
+                        <a:schemeClr val="tx1"/>
+                      </a:solidFill>
+                      <a:prstDash val="solid"/>
+                      <a:round/>
+                      <a:headEnd type="none" w="med" len="med"/>
+                      <a:tailEnd type="none" w="med" len="med"/>
+                    </a:lnB>
+                    <a:lnTlToBr w="12700" cmpd="sng">
+                      <a:noFill/>
+                      <a:prstDash val="solid"/>
+                    </a:lnTlToBr>
+                    <a:lnBlToTr w="12700" cmpd="sng">
+                      <a:noFill/>
+                      <a:prstDash val="solid"/>
+                    </a:lnBlToTr>
+                    <a:noFill/>
+                  </a:tcPr>
+                </a:tc>
+                <a:tc>
+                  <a:txBody>
+                    <a:bodyPr/>
+                    <a:lstStyle/>
+                    <a:p>
+                      <a:pPr algn="ctr" latinLnBrk="1"/>
+                      <a:r>
+                        <a:rPr lang="en-US" altLang="ko-KR" dirty="0" smtClean="0">
+                          <a:solidFill>
+                            <a:schemeClr val="tx1"/>
+                          </a:solidFill>
+                          <a:latin typeface="나눔고딕" panose="020D0604000000000000" pitchFamily="50" charset="-127"/>
+                          <a:ea typeface="나눔고딕" panose="020D0604000000000000" pitchFamily="50" charset="-127"/>
+                        </a:rPr>
+                        <a:t>MongoDB</a:t>
+                      </a:r>
+                      <a:endParaRPr lang="ko-KR" altLang="en-US" dirty="0">
+                        <a:solidFill>
+                          <a:schemeClr val="tx1"/>
+                        </a:solidFill>
+                        <a:latin typeface="나눔고딕" panose="020D0604000000000000" pitchFamily="50" charset="-127"/>
+                        <a:ea typeface="나눔고딕" panose="020D0604000000000000" pitchFamily="50" charset="-127"/>
+                      </a:endParaRPr>
+                    </a:p>
+                  </a:txBody>
+                  <a:tcPr anchor="ctr">
+                    <a:lnL w="12700" cap="flat" cmpd="sng" algn="ctr">
+                      <a:solidFill>
+                        <a:schemeClr val="tx1"/>
+                      </a:solidFill>
+                      <a:prstDash val="solid"/>
+                      <a:round/>
+                      <a:headEnd type="none" w="med" len="med"/>
+                      <a:tailEnd type="none" w="med" len="med"/>
+                    </a:lnL>
+                    <a:lnR w="12700" cap="flat" cmpd="sng" algn="ctr">
+                      <a:solidFill>
+                        <a:schemeClr val="tx1"/>
+                      </a:solidFill>
+                      <a:prstDash val="solid"/>
+                      <a:round/>
+                      <a:headEnd type="none" w="med" len="med"/>
+                      <a:tailEnd type="none" w="med" len="med"/>
+                    </a:lnR>
+                    <a:lnT w="12700" cap="flat" cmpd="sng" algn="ctr">
+                      <a:solidFill>
+                        <a:schemeClr val="tx1"/>
+                      </a:solidFill>
+                      <a:prstDash val="solid"/>
+                      <a:round/>
+                      <a:headEnd type="none" w="med" len="med"/>
+                      <a:tailEnd type="none" w="med" len="med"/>
+                    </a:lnT>
+                    <a:lnB w="12700" cap="flat" cmpd="sng" algn="ctr">
+                      <a:solidFill>
+                        <a:schemeClr val="tx1"/>
+                      </a:solidFill>
+                      <a:prstDash val="solid"/>
+                      <a:round/>
+                      <a:headEnd type="none" w="med" len="med"/>
+                      <a:tailEnd type="none" w="med" len="med"/>
+                    </a:lnB>
+                    <a:lnTlToBr w="12700" cmpd="sng">
+                      <a:noFill/>
+                      <a:prstDash val="solid"/>
+                    </a:lnTlToBr>
+                    <a:lnBlToTr w="12700" cmpd="sng">
+                      <a:noFill/>
+                      <a:prstDash val="solid"/>
+                    </a:lnBlToTr>
+                    <a:noFill/>
+                  </a:tcPr>
+                </a:tc>
+              </a:tr>
+              <a:tr h="659045">
+                <a:tc>
+                  <a:txBody>
+                    <a:bodyPr/>
+                    <a:lstStyle/>
+                    <a:p>
+                      <a:pPr algn="ctr" latinLnBrk="1"/>
+                      <a:endParaRPr lang="ko-KR" altLang="en-US" sz="1200" dirty="0">
+                        <a:solidFill>
+                          <a:schemeClr val="tx1"/>
+                        </a:solidFill>
+                        <a:latin typeface="나눔고딕" panose="020D0604000000000000" pitchFamily="50" charset="-127"/>
+                        <a:ea typeface="나눔고딕" panose="020D0604000000000000" pitchFamily="50" charset="-127"/>
+                      </a:endParaRPr>
+                    </a:p>
+                  </a:txBody>
+                  <a:tcPr anchor="ctr">
+                    <a:lnL w="12700" cap="flat" cmpd="sng" algn="ctr">
+                      <a:solidFill>
+                        <a:schemeClr val="tx1"/>
+                      </a:solidFill>
+                      <a:prstDash val="solid"/>
+                      <a:round/>
+                      <a:headEnd type="none" w="med" len="med"/>
+                      <a:tailEnd type="none" w="med" len="med"/>
+                    </a:lnL>
+                    <a:lnR w="12700" cap="flat" cmpd="sng" algn="ctr">
+                      <a:solidFill>
+                        <a:schemeClr val="tx1"/>
+                      </a:solidFill>
+                      <a:prstDash val="solid"/>
+                      <a:round/>
+                      <a:headEnd type="none" w="med" len="med"/>
+                      <a:tailEnd type="none" w="med" len="med"/>
+                    </a:lnR>
+                    <a:lnT w="12700" cap="flat" cmpd="sng" algn="ctr">
+                      <a:solidFill>
+                        <a:schemeClr val="tx1"/>
+                      </a:solidFill>
+                      <a:prstDash val="solid"/>
+                      <a:round/>
+                      <a:headEnd type="none" w="med" len="med"/>
+                      <a:tailEnd type="none" w="med" len="med"/>
+                    </a:lnT>
+                    <a:lnB w="12700" cap="flat" cmpd="sng" algn="ctr">
+                      <a:solidFill>
+                        <a:schemeClr val="tx1"/>
+                      </a:solidFill>
+                      <a:prstDash val="solid"/>
+                      <a:round/>
+                      <a:headEnd type="none" w="med" len="med"/>
+                      <a:tailEnd type="none" w="med" len="med"/>
+                    </a:lnB>
+                    <a:lnTlToBr w="12700" cmpd="sng">
+                      <a:noFill/>
+                      <a:prstDash val="solid"/>
+                    </a:lnTlToBr>
+                    <a:lnBlToTr w="12700" cmpd="sng">
+                      <a:noFill/>
+                      <a:prstDash val="solid"/>
+                    </a:lnBlToTr>
+                    <a:noFill/>
+                  </a:tcPr>
+                </a:tc>
+                <a:tc>
+                  <a:txBody>
+                    <a:bodyPr/>
+                    <a:lstStyle/>
+                    <a:p>
+                      <a:pPr algn="ctr" latinLnBrk="1"/>
+                      <a:r>
+                        <a:rPr lang="ko-KR" altLang="en-US" sz="1200" dirty="0" smtClean="0">
+                          <a:solidFill>
+                            <a:schemeClr val="tx1"/>
+                          </a:solidFill>
+                          <a:latin typeface="나눔고딕" panose="020D0604000000000000" pitchFamily="50" charset="-127"/>
+                          <a:ea typeface="나눔고딕" panose="020D0604000000000000" pitchFamily="50" charset="-127"/>
+                        </a:rPr>
+                        <a:t>대용량 데이터를 안정적으로 다루는데 효과적</a:t>
+                      </a:r>
+                      <a:endParaRPr lang="ko-KR" altLang="en-US" sz="1200" dirty="0">
+                        <a:solidFill>
+                          <a:schemeClr val="tx1"/>
+                        </a:solidFill>
+                        <a:latin typeface="나눔고딕" panose="020D0604000000000000" pitchFamily="50" charset="-127"/>
+                        <a:ea typeface="나눔고딕" panose="020D0604000000000000" pitchFamily="50" charset="-127"/>
+                      </a:endParaRPr>
+                    </a:p>
+                  </a:txBody>
+                  <a:tcPr anchor="ctr">
+                    <a:lnL w="12700" cap="flat" cmpd="sng" algn="ctr">
+                      <a:solidFill>
+                        <a:schemeClr val="tx1"/>
+                      </a:solidFill>
+                      <a:prstDash val="solid"/>
+                      <a:round/>
+                      <a:headEnd type="none" w="med" len="med"/>
+                      <a:tailEnd type="none" w="med" len="med"/>
+                    </a:lnL>
+                    <a:lnR w="12700" cap="flat" cmpd="sng" algn="ctr">
+                      <a:solidFill>
+                        <a:schemeClr val="tx1"/>
+                      </a:solidFill>
+                      <a:prstDash val="solid"/>
+                      <a:round/>
+                      <a:headEnd type="none" w="med" len="med"/>
+                      <a:tailEnd type="none" w="med" len="med"/>
+                    </a:lnR>
+                    <a:lnT w="12700" cap="flat" cmpd="sng" algn="ctr">
+                      <a:solidFill>
+                        <a:schemeClr val="tx1"/>
+                      </a:solidFill>
+                      <a:prstDash val="solid"/>
+                      <a:round/>
+                      <a:headEnd type="none" w="med" len="med"/>
+                      <a:tailEnd type="none" w="med" len="med"/>
+                    </a:lnT>
+                    <a:lnB w="12700" cap="flat" cmpd="sng" algn="ctr">
+                      <a:solidFill>
+                        <a:schemeClr val="tx1"/>
+                      </a:solidFill>
+                      <a:prstDash val="solid"/>
+                      <a:round/>
+                      <a:headEnd type="none" w="med" len="med"/>
+                      <a:tailEnd type="none" w="med" len="med"/>
+                    </a:lnB>
+                    <a:lnTlToBr w="12700" cmpd="sng">
+                      <a:noFill/>
+                      <a:prstDash val="solid"/>
+                    </a:lnTlToBr>
+                    <a:lnBlToTr w="12700" cmpd="sng">
+                      <a:noFill/>
+                      <a:prstDash val="solid"/>
+                    </a:lnBlToTr>
+                    <a:noFill/>
+                  </a:tcPr>
+                </a:tc>
+                <a:tc>
+                  <a:txBody>
+                    <a:bodyPr/>
+                    <a:lstStyle/>
+                    <a:p>
+                      <a:pPr algn="ctr" latinLnBrk="1"/>
+                      <a:r>
+                        <a:rPr lang="en-US" altLang="ko-KR" sz="1200" dirty="0" smtClean="0">
+                          <a:solidFill>
+                            <a:schemeClr val="tx1"/>
+                          </a:solidFill>
+                          <a:latin typeface="나눔고딕" panose="020D0604000000000000" pitchFamily="50" charset="-127"/>
+                          <a:ea typeface="나눔고딕" panose="020D0604000000000000" pitchFamily="50" charset="-127"/>
+                        </a:rPr>
+                        <a:t>NoSQL</a:t>
+                      </a:r>
+                      <a:r>
+                        <a:rPr lang="ko-KR" altLang="en-US" sz="1200" dirty="0" smtClean="0">
+                          <a:solidFill>
+                            <a:schemeClr val="tx1"/>
+                          </a:solidFill>
+                          <a:latin typeface="나눔고딕" panose="020D0604000000000000" pitchFamily="50" charset="-127"/>
+                          <a:ea typeface="나눔고딕" panose="020D0604000000000000" pitchFamily="50" charset="-127"/>
+                        </a:rPr>
+                        <a:t>데이터베이스에서 </a:t>
+                      </a:r>
+                      <a:r>
+                        <a:rPr lang="en-US" altLang="ko-KR" sz="1200" dirty="0" smtClean="0">
+                          <a:solidFill>
+                            <a:schemeClr val="tx1"/>
+                          </a:solidFill>
+                          <a:latin typeface="나눔고딕" panose="020D0604000000000000" pitchFamily="50" charset="-127"/>
+                          <a:ea typeface="나눔고딕" panose="020D0604000000000000" pitchFamily="50" charset="-127"/>
+                        </a:rPr>
+                        <a:t>key-value</a:t>
+                      </a:r>
+                      <a:r>
+                        <a:rPr lang="ko-KR" altLang="en-US" sz="1200" dirty="0" smtClean="0">
+                          <a:solidFill>
+                            <a:schemeClr val="tx1"/>
+                          </a:solidFill>
+                          <a:latin typeface="나눔고딕" panose="020D0604000000000000" pitchFamily="50" charset="-127"/>
+                          <a:ea typeface="나눔고딕" panose="020D0604000000000000" pitchFamily="50" charset="-127"/>
+                        </a:rPr>
+                        <a:t>형으로 분류</a:t>
+                      </a:r>
+                      <a:endParaRPr lang="ko-KR" altLang="en-US" sz="1200" dirty="0">
+                        <a:solidFill>
+                          <a:schemeClr val="tx1"/>
+                        </a:solidFill>
+                        <a:latin typeface="나눔고딕" panose="020D0604000000000000" pitchFamily="50" charset="-127"/>
+                        <a:ea typeface="나눔고딕" panose="020D0604000000000000" pitchFamily="50" charset="-127"/>
+                      </a:endParaRPr>
+                    </a:p>
+                  </a:txBody>
+                  <a:tcPr anchor="ctr">
+                    <a:lnL w="12700" cap="flat" cmpd="sng" algn="ctr">
+                      <a:solidFill>
+                        <a:schemeClr val="tx1"/>
+                      </a:solidFill>
+                      <a:prstDash val="solid"/>
+                      <a:round/>
+                      <a:headEnd type="none" w="med" len="med"/>
+                      <a:tailEnd type="none" w="med" len="med"/>
+                    </a:lnL>
+                    <a:lnR w="12700" cap="flat" cmpd="sng" algn="ctr">
+                      <a:solidFill>
+                        <a:schemeClr val="tx1"/>
+                      </a:solidFill>
+                      <a:prstDash val="solid"/>
+                      <a:round/>
+                      <a:headEnd type="none" w="med" len="med"/>
+                      <a:tailEnd type="none" w="med" len="med"/>
+                    </a:lnR>
+                    <a:lnT w="12700" cap="flat" cmpd="sng" algn="ctr">
+                      <a:solidFill>
+                        <a:schemeClr val="tx1"/>
+                      </a:solidFill>
+                      <a:prstDash val="solid"/>
+                      <a:round/>
+                      <a:headEnd type="none" w="med" len="med"/>
+                      <a:tailEnd type="none" w="med" len="med"/>
+                    </a:lnT>
+                    <a:lnB w="12700" cap="flat" cmpd="sng" algn="ctr">
+                      <a:solidFill>
+                        <a:schemeClr val="tx1"/>
+                      </a:solidFill>
+                      <a:prstDash val="solid"/>
+                      <a:round/>
+                      <a:headEnd type="none" w="med" len="med"/>
+                      <a:tailEnd type="none" w="med" len="med"/>
+                    </a:lnB>
+                    <a:lnTlToBr w="12700" cmpd="sng">
+                      <a:noFill/>
+                      <a:prstDash val="solid"/>
+                    </a:lnTlToBr>
+                    <a:lnBlToTr w="12700" cmpd="sng">
+                      <a:noFill/>
+                      <a:prstDash val="solid"/>
+                    </a:lnBlToTr>
+                    <a:noFill/>
+                  </a:tcPr>
+                </a:tc>
+                <a:tc>
+                  <a:txBody>
+                    <a:bodyPr/>
+                    <a:lstStyle/>
+                    <a:p>
+                      <a:pPr algn="ctr" latinLnBrk="1"/>
+                      <a:r>
+                        <a:rPr lang="ko-KR" altLang="en-US" sz="1200" dirty="0" smtClean="0">
+                          <a:solidFill>
+                            <a:schemeClr val="tx1"/>
+                          </a:solidFill>
+                          <a:latin typeface="나눔고딕" panose="020D0604000000000000" pitchFamily="50" charset="-127"/>
+                          <a:ea typeface="나눔고딕" panose="020D0604000000000000" pitchFamily="50" charset="-127"/>
+                        </a:rPr>
+                        <a:t>높은 성능과 </a:t>
+                      </a:r>
+                      <a:r>
+                        <a:rPr lang="ko-KR" altLang="en-US" sz="1200" dirty="0" err="1" smtClean="0">
+                          <a:solidFill>
+                            <a:schemeClr val="tx1"/>
+                          </a:solidFill>
+                          <a:latin typeface="나눔고딕" panose="020D0604000000000000" pitchFamily="50" charset="-127"/>
+                          <a:ea typeface="나눔고딕" panose="020D0604000000000000" pitchFamily="50" charset="-127"/>
+                        </a:rPr>
+                        <a:t>확장성을</a:t>
+                      </a:r>
+                      <a:r>
+                        <a:rPr lang="ko-KR" altLang="en-US" sz="1200" dirty="0" smtClean="0">
+                          <a:solidFill>
+                            <a:schemeClr val="tx1"/>
+                          </a:solidFill>
+                          <a:latin typeface="나눔고딕" panose="020D0604000000000000" pitchFamily="50" charset="-127"/>
+                          <a:ea typeface="나눔고딕" panose="020D0604000000000000" pitchFamily="50" charset="-127"/>
+                        </a:rPr>
+                        <a:t> 가지고 있는 데이터 베이스</a:t>
+                      </a:r>
+                      <a:endParaRPr lang="ko-KR" altLang="en-US" sz="1200" dirty="0">
+                        <a:solidFill>
+                          <a:schemeClr val="tx1"/>
+                        </a:solidFill>
+                        <a:latin typeface="나눔고딕" panose="020D0604000000000000" pitchFamily="50" charset="-127"/>
+                        <a:ea typeface="나눔고딕" panose="020D0604000000000000" pitchFamily="50" charset="-127"/>
+                      </a:endParaRPr>
+                    </a:p>
+                  </a:txBody>
+                  <a:tcPr anchor="ctr">
+                    <a:lnL w="12700" cap="flat" cmpd="sng" algn="ctr">
+                      <a:solidFill>
+                        <a:schemeClr val="tx1"/>
+                      </a:solidFill>
+                      <a:prstDash val="solid"/>
+                      <a:round/>
+                      <a:headEnd type="none" w="med" len="med"/>
+                      <a:tailEnd type="none" w="med" len="med"/>
+                    </a:lnL>
+                    <a:lnR w="12700" cap="flat" cmpd="sng" algn="ctr">
+                      <a:solidFill>
+                        <a:schemeClr val="tx1"/>
+                      </a:solidFill>
+                      <a:prstDash val="solid"/>
+                      <a:round/>
+                      <a:headEnd type="none" w="med" len="med"/>
+                      <a:tailEnd type="none" w="med" len="med"/>
+                    </a:lnR>
+                    <a:lnT w="12700" cap="flat" cmpd="sng" algn="ctr">
+                      <a:solidFill>
+                        <a:schemeClr val="tx1"/>
+                      </a:solidFill>
+                      <a:prstDash val="solid"/>
+                      <a:round/>
+                      <a:headEnd type="none" w="med" len="med"/>
+                      <a:tailEnd type="none" w="med" len="med"/>
+                    </a:lnT>
+                    <a:lnB w="12700" cap="flat" cmpd="sng" algn="ctr">
+                      <a:solidFill>
+                        <a:schemeClr val="tx1"/>
+                      </a:solidFill>
+                      <a:prstDash val="solid"/>
+                      <a:round/>
+                      <a:headEnd type="none" w="med" len="med"/>
+                      <a:tailEnd type="none" w="med" len="med"/>
+                    </a:lnB>
+                    <a:lnTlToBr w="12700" cmpd="sng">
+                      <a:noFill/>
+                      <a:prstDash val="solid"/>
+                    </a:lnTlToBr>
+                    <a:lnBlToTr w="12700" cmpd="sng">
+                      <a:noFill/>
+                      <a:prstDash val="solid"/>
+                    </a:lnBlToTr>
+                    <a:noFill/>
+                  </a:tcPr>
+                </a:tc>
+              </a:tr>
+              <a:tr h="659045">
+                <a:tc>
+                  <a:txBody>
+                    <a:bodyPr/>
+                    <a:lstStyle/>
+                    <a:p>
+                      <a:pPr algn="ctr" latinLnBrk="1"/>
+                      <a:endParaRPr lang="ko-KR" altLang="en-US" sz="1200" dirty="0">
+                        <a:solidFill>
+                          <a:schemeClr val="tx1"/>
+                        </a:solidFill>
+                        <a:latin typeface="나눔고딕" panose="020D0604000000000000" pitchFamily="50" charset="-127"/>
+                        <a:ea typeface="나눔고딕" panose="020D0604000000000000" pitchFamily="50" charset="-127"/>
+                      </a:endParaRPr>
+                    </a:p>
+                  </a:txBody>
+                  <a:tcPr anchor="ctr">
+                    <a:lnL w="12700" cap="flat" cmpd="sng" algn="ctr">
+                      <a:solidFill>
+                        <a:schemeClr val="tx1"/>
+                      </a:solidFill>
+                      <a:prstDash val="solid"/>
+                      <a:round/>
+                      <a:headEnd type="none" w="med" len="med"/>
+                      <a:tailEnd type="none" w="med" len="med"/>
+                    </a:lnL>
+                    <a:lnR w="12700" cap="flat" cmpd="sng" algn="ctr">
+                      <a:solidFill>
+                        <a:schemeClr val="tx1"/>
+                      </a:solidFill>
+                      <a:prstDash val="solid"/>
+                      <a:round/>
+                      <a:headEnd type="none" w="med" len="med"/>
+                      <a:tailEnd type="none" w="med" len="med"/>
+                    </a:lnR>
+                    <a:lnT w="12700" cap="flat" cmpd="sng" algn="ctr">
+                      <a:solidFill>
+                        <a:schemeClr val="tx1"/>
+                      </a:solidFill>
+                      <a:prstDash val="solid"/>
+                      <a:round/>
+                      <a:headEnd type="none" w="med" len="med"/>
+                      <a:tailEnd type="none" w="med" len="med"/>
+                    </a:lnT>
+                    <a:lnB w="12700" cap="flat" cmpd="sng" algn="ctr">
+                      <a:solidFill>
+                        <a:schemeClr val="tx1"/>
+                      </a:solidFill>
+                      <a:prstDash val="solid"/>
+                      <a:round/>
+                      <a:headEnd type="none" w="med" len="med"/>
+                      <a:tailEnd type="none" w="med" len="med"/>
+                    </a:lnB>
+                    <a:lnTlToBr w="12700" cmpd="sng">
+                      <a:noFill/>
+                      <a:prstDash val="solid"/>
+                    </a:lnTlToBr>
+                    <a:lnBlToTr w="12700" cmpd="sng">
+                      <a:noFill/>
+                      <a:prstDash val="solid"/>
+                    </a:lnBlToTr>
+                    <a:noFill/>
+                  </a:tcPr>
+                </a:tc>
+                <a:tc>
+                  <a:txBody>
+                    <a:bodyPr/>
+                    <a:lstStyle/>
+                    <a:p>
+                      <a:pPr algn="ctr" latinLnBrk="1"/>
+                      <a:endParaRPr lang="ko-KR" altLang="en-US" sz="1200" dirty="0">
+                        <a:solidFill>
+                          <a:schemeClr val="tx1"/>
+                        </a:solidFill>
+                        <a:latin typeface="나눔고딕" panose="020D0604000000000000" pitchFamily="50" charset="-127"/>
+                        <a:ea typeface="나눔고딕" panose="020D0604000000000000" pitchFamily="50" charset="-127"/>
+                      </a:endParaRPr>
+                    </a:p>
+                  </a:txBody>
+                  <a:tcPr anchor="ctr">
+                    <a:lnL w="12700" cap="flat" cmpd="sng" algn="ctr">
+                      <a:solidFill>
+                        <a:schemeClr val="tx1"/>
+                      </a:solidFill>
+                      <a:prstDash val="solid"/>
+                      <a:round/>
+                      <a:headEnd type="none" w="med" len="med"/>
+                      <a:tailEnd type="none" w="med" len="med"/>
+                    </a:lnL>
+                    <a:lnR w="12700" cap="flat" cmpd="sng" algn="ctr">
+                      <a:solidFill>
+                        <a:schemeClr val="tx1"/>
+                      </a:solidFill>
+                      <a:prstDash val="solid"/>
+                      <a:round/>
+                      <a:headEnd type="none" w="med" len="med"/>
+                      <a:tailEnd type="none" w="med" len="med"/>
+                    </a:lnR>
+                    <a:lnT w="12700" cap="flat" cmpd="sng" algn="ctr">
+                      <a:solidFill>
+                        <a:schemeClr val="tx1"/>
+                      </a:solidFill>
+                      <a:prstDash val="solid"/>
+                      <a:round/>
+                      <a:headEnd type="none" w="med" len="med"/>
+                      <a:tailEnd type="none" w="med" len="med"/>
+                    </a:lnT>
+                    <a:lnB w="12700" cap="flat" cmpd="sng" algn="ctr">
+                      <a:solidFill>
+                        <a:schemeClr val="tx1"/>
+                      </a:solidFill>
+                      <a:prstDash val="solid"/>
+                      <a:round/>
+                      <a:headEnd type="none" w="med" len="med"/>
+                      <a:tailEnd type="none" w="med" len="med"/>
+                    </a:lnB>
+                    <a:lnTlToBr w="12700" cmpd="sng">
+                      <a:noFill/>
+                      <a:prstDash val="solid"/>
+                    </a:lnTlToBr>
+                    <a:lnBlToTr w="12700" cmpd="sng">
+                      <a:noFill/>
+                      <a:prstDash val="solid"/>
+                    </a:lnBlToTr>
+                    <a:noFill/>
+                  </a:tcPr>
+                </a:tc>
+                <a:tc>
+                  <a:txBody>
+                    <a:bodyPr/>
+                    <a:lstStyle/>
+                    <a:p>
+                      <a:pPr algn="ctr" latinLnBrk="1"/>
+                      <a:r>
+                        <a:rPr lang="ko-KR" altLang="en-US" sz="1200" dirty="0" smtClean="0">
+                          <a:solidFill>
+                            <a:schemeClr val="tx1"/>
+                          </a:solidFill>
+                          <a:latin typeface="나눔고딕" panose="020D0604000000000000" pitchFamily="50" charset="-127"/>
+                          <a:ea typeface="나눔고딕" panose="020D0604000000000000" pitchFamily="50" charset="-127"/>
+                        </a:rPr>
+                        <a:t>대량의 데이터를 다루는데 효과적</a:t>
+                      </a:r>
+                      <a:r>
+                        <a:rPr lang="en-US" altLang="ko-KR" sz="1200" dirty="0" smtClean="0">
+                          <a:solidFill>
+                            <a:schemeClr val="tx1"/>
+                          </a:solidFill>
+                          <a:latin typeface="나눔고딕" panose="020D0604000000000000" pitchFamily="50" charset="-127"/>
+                          <a:ea typeface="나눔고딕" panose="020D0604000000000000" pitchFamily="50" charset="-127"/>
+                        </a:rPr>
+                        <a:t>, </a:t>
+                      </a:r>
+                      <a:endParaRPr lang="ko-KR" altLang="en-US" sz="1200" dirty="0">
+                        <a:solidFill>
+                          <a:schemeClr val="tx1"/>
+                        </a:solidFill>
+                        <a:latin typeface="나눔고딕" panose="020D0604000000000000" pitchFamily="50" charset="-127"/>
+                        <a:ea typeface="나눔고딕" panose="020D0604000000000000" pitchFamily="50" charset="-127"/>
+                      </a:endParaRPr>
+                    </a:p>
+                  </a:txBody>
+                  <a:tcPr anchor="ctr">
+                    <a:lnL w="12700" cap="flat" cmpd="sng" algn="ctr">
+                      <a:solidFill>
+                        <a:schemeClr val="tx1"/>
+                      </a:solidFill>
+                      <a:prstDash val="solid"/>
+                      <a:round/>
+                      <a:headEnd type="none" w="med" len="med"/>
+                      <a:tailEnd type="none" w="med" len="med"/>
+                    </a:lnL>
+                    <a:lnR w="12700" cap="flat" cmpd="sng" algn="ctr">
+                      <a:solidFill>
+                        <a:schemeClr val="tx1"/>
+                      </a:solidFill>
+                      <a:prstDash val="solid"/>
+                      <a:round/>
+                      <a:headEnd type="none" w="med" len="med"/>
+                      <a:tailEnd type="none" w="med" len="med"/>
+                    </a:lnR>
+                    <a:lnT w="12700" cap="flat" cmpd="sng" algn="ctr">
+                      <a:solidFill>
+                        <a:schemeClr val="tx1"/>
+                      </a:solidFill>
+                      <a:prstDash val="solid"/>
+                      <a:round/>
+                      <a:headEnd type="none" w="med" len="med"/>
+                      <a:tailEnd type="none" w="med" len="med"/>
+                    </a:lnT>
+                    <a:lnB w="12700" cap="flat" cmpd="sng" algn="ctr">
+                      <a:solidFill>
+                        <a:schemeClr val="tx1"/>
+                      </a:solidFill>
+                      <a:prstDash val="solid"/>
+                      <a:round/>
+                      <a:headEnd type="none" w="med" len="med"/>
+                      <a:tailEnd type="none" w="med" len="med"/>
+                    </a:lnB>
+                    <a:lnTlToBr w="12700" cmpd="sng">
+                      <a:noFill/>
+                      <a:prstDash val="solid"/>
+                    </a:lnTlToBr>
+                    <a:lnBlToTr w="12700" cmpd="sng">
+                      <a:noFill/>
+                      <a:prstDash val="solid"/>
+                    </a:lnBlToTr>
+                    <a:noFill/>
+                  </a:tcPr>
+                </a:tc>
+                <a:tc>
+                  <a:txBody>
+                    <a:bodyPr/>
+                    <a:lstStyle/>
+                    <a:p>
+                      <a:pPr algn="ctr" latinLnBrk="1"/>
+                      <a:r>
+                        <a:rPr lang="ko-KR" altLang="en-US" sz="1200" dirty="0" smtClean="0">
+                          <a:solidFill>
+                            <a:schemeClr val="tx1"/>
+                          </a:solidFill>
+                          <a:latin typeface="나눔고딕" panose="020D0604000000000000" pitchFamily="50" charset="-127"/>
+                          <a:ea typeface="나눔고딕" panose="020D0604000000000000" pitchFamily="50" charset="-127"/>
+                        </a:rPr>
+                        <a:t>스키마를 고정하지 않음</a:t>
+                      </a:r>
+                      <a:endParaRPr lang="ko-KR" altLang="en-US" sz="1200" dirty="0">
+                        <a:solidFill>
+                          <a:schemeClr val="tx1"/>
+                        </a:solidFill>
+                        <a:latin typeface="나눔고딕" panose="020D0604000000000000" pitchFamily="50" charset="-127"/>
+                        <a:ea typeface="나눔고딕" panose="020D0604000000000000" pitchFamily="50" charset="-127"/>
+                      </a:endParaRPr>
+                    </a:p>
+                  </a:txBody>
+                  <a:tcPr anchor="ctr">
+                    <a:lnL w="12700" cap="flat" cmpd="sng" algn="ctr">
+                      <a:solidFill>
+                        <a:schemeClr val="tx1"/>
+                      </a:solidFill>
+                      <a:prstDash val="solid"/>
+                      <a:round/>
+                      <a:headEnd type="none" w="med" len="med"/>
+                      <a:tailEnd type="none" w="med" len="med"/>
+                    </a:lnL>
+                    <a:lnR w="12700" cap="flat" cmpd="sng" algn="ctr">
+                      <a:solidFill>
+                        <a:schemeClr val="tx1"/>
+                      </a:solidFill>
+                      <a:prstDash val="solid"/>
+                      <a:round/>
+                      <a:headEnd type="none" w="med" len="med"/>
+                      <a:tailEnd type="none" w="med" len="med"/>
+                    </a:lnR>
+                    <a:lnT w="12700" cap="flat" cmpd="sng" algn="ctr">
+                      <a:solidFill>
+                        <a:schemeClr val="tx1"/>
+                      </a:solidFill>
+                      <a:prstDash val="solid"/>
+                      <a:round/>
+                      <a:headEnd type="none" w="med" len="med"/>
+                      <a:tailEnd type="none" w="med" len="med"/>
+                    </a:lnT>
+                    <a:lnB w="12700" cap="flat" cmpd="sng" algn="ctr">
+                      <a:solidFill>
+                        <a:schemeClr val="tx1"/>
+                      </a:solidFill>
+                      <a:prstDash val="solid"/>
+                      <a:round/>
+                      <a:headEnd type="none" w="med" len="med"/>
+                      <a:tailEnd type="none" w="med" len="med"/>
+                    </a:lnB>
+                    <a:lnTlToBr w="12700" cmpd="sng">
+                      <a:noFill/>
+                      <a:prstDash val="solid"/>
+                    </a:lnTlToBr>
+                    <a:lnBlToTr w="12700" cmpd="sng">
+                      <a:noFill/>
+                      <a:prstDash val="solid"/>
+                    </a:lnBlToTr>
+                    <a:noFill/>
+                  </a:tcPr>
+                </a:tc>
+              </a:tr>
+              <a:tr h="659045">
+                <a:tc>
+                  <a:txBody>
+                    <a:bodyPr/>
+                    <a:lstStyle/>
+                    <a:p>
+                      <a:pPr algn="ctr" latinLnBrk="1"/>
+                      <a:endParaRPr lang="ko-KR" altLang="en-US" sz="1200" dirty="0">
+                        <a:solidFill>
+                          <a:schemeClr val="tx1"/>
+                        </a:solidFill>
+                        <a:latin typeface="나눔고딕" panose="020D0604000000000000" pitchFamily="50" charset="-127"/>
+                        <a:ea typeface="나눔고딕" panose="020D0604000000000000" pitchFamily="50" charset="-127"/>
+                      </a:endParaRPr>
+                    </a:p>
+                  </a:txBody>
+                  <a:tcPr anchor="ctr">
+                    <a:lnL w="12700" cap="flat" cmpd="sng" algn="ctr">
+                      <a:solidFill>
+                        <a:schemeClr val="tx1"/>
+                      </a:solidFill>
+                      <a:prstDash val="solid"/>
+                      <a:round/>
+                      <a:headEnd type="none" w="med" len="med"/>
+                      <a:tailEnd type="none" w="med" len="med"/>
+                    </a:lnL>
+                    <a:lnR w="12700" cap="flat" cmpd="sng" algn="ctr">
+                      <a:solidFill>
+                        <a:schemeClr val="tx1"/>
+                      </a:solidFill>
+                      <a:prstDash val="solid"/>
+                      <a:round/>
+                      <a:headEnd type="none" w="med" len="med"/>
+                      <a:tailEnd type="none" w="med" len="med"/>
+                    </a:lnR>
+                    <a:lnT w="12700" cap="flat" cmpd="sng" algn="ctr">
+                      <a:solidFill>
+                        <a:schemeClr val="tx1"/>
+                      </a:solidFill>
+                      <a:prstDash val="solid"/>
+                      <a:round/>
+                      <a:headEnd type="none" w="med" len="med"/>
+                      <a:tailEnd type="none" w="med" len="med"/>
+                    </a:lnT>
+                    <a:lnB w="12700" cap="flat" cmpd="sng" algn="ctr">
+                      <a:solidFill>
+                        <a:schemeClr val="tx1"/>
+                      </a:solidFill>
+                      <a:prstDash val="solid"/>
+                      <a:round/>
+                      <a:headEnd type="none" w="med" len="med"/>
+                      <a:tailEnd type="none" w="med" len="med"/>
+                    </a:lnB>
+                    <a:lnTlToBr w="12700" cmpd="sng">
+                      <a:noFill/>
+                      <a:prstDash val="solid"/>
+                    </a:lnTlToBr>
+                    <a:lnBlToTr w="12700" cmpd="sng">
+                      <a:noFill/>
+                      <a:prstDash val="solid"/>
+                    </a:lnBlToTr>
+                    <a:noFill/>
+                  </a:tcPr>
+                </a:tc>
+                <a:tc>
+                  <a:txBody>
+                    <a:bodyPr/>
+                    <a:lstStyle/>
+                    <a:p>
+                      <a:pPr algn="ctr" latinLnBrk="1"/>
+                      <a:r>
+                        <a:rPr lang="ko-KR" altLang="en-US" sz="1200" dirty="0" smtClean="0">
+                          <a:solidFill>
+                            <a:schemeClr val="tx1"/>
+                          </a:solidFill>
+                          <a:latin typeface="나눔고딕" panose="020D0604000000000000" pitchFamily="50" charset="-127"/>
+                          <a:ea typeface="나눔고딕" panose="020D0604000000000000" pitchFamily="50" charset="-127"/>
+                        </a:rPr>
+                        <a:t>우수한 성능으로 데이터 일관성 보장</a:t>
+                      </a:r>
+                      <a:endParaRPr lang="ko-KR" altLang="en-US" sz="1200" dirty="0">
+                        <a:solidFill>
+                          <a:schemeClr val="tx1"/>
+                        </a:solidFill>
+                        <a:latin typeface="나눔고딕" panose="020D0604000000000000" pitchFamily="50" charset="-127"/>
+                        <a:ea typeface="나눔고딕" panose="020D0604000000000000" pitchFamily="50" charset="-127"/>
+                      </a:endParaRPr>
+                    </a:p>
+                  </a:txBody>
+                  <a:tcPr anchor="ctr">
+                    <a:lnL w="12700" cap="flat" cmpd="sng" algn="ctr">
+                      <a:solidFill>
+                        <a:schemeClr val="tx1"/>
+                      </a:solidFill>
+                      <a:prstDash val="solid"/>
+                      <a:round/>
+                      <a:headEnd type="none" w="med" len="med"/>
+                      <a:tailEnd type="none" w="med" len="med"/>
+                    </a:lnL>
+                    <a:lnR w="12700" cap="flat" cmpd="sng" algn="ctr">
+                      <a:solidFill>
+                        <a:schemeClr val="tx1"/>
+                      </a:solidFill>
+                      <a:prstDash val="solid"/>
+                      <a:round/>
+                      <a:headEnd type="none" w="med" len="med"/>
+                      <a:tailEnd type="none" w="med" len="med"/>
+                    </a:lnR>
+                    <a:lnT w="12700" cap="flat" cmpd="sng" algn="ctr">
+                      <a:solidFill>
+                        <a:schemeClr val="tx1"/>
+                      </a:solidFill>
+                      <a:prstDash val="solid"/>
+                      <a:round/>
+                      <a:headEnd type="none" w="med" len="med"/>
+                      <a:tailEnd type="none" w="med" len="med"/>
+                    </a:lnT>
+                    <a:lnB w="12700" cap="flat" cmpd="sng" algn="ctr">
+                      <a:solidFill>
+                        <a:schemeClr val="tx1"/>
+                      </a:solidFill>
+                      <a:prstDash val="solid"/>
+                      <a:round/>
+                      <a:headEnd type="none" w="med" len="med"/>
+                      <a:tailEnd type="none" w="med" len="med"/>
+                    </a:lnB>
+                    <a:lnTlToBr w="12700" cmpd="sng">
+                      <a:noFill/>
+                      <a:prstDash val="solid"/>
+                    </a:lnTlToBr>
+                    <a:lnBlToTr w="12700" cmpd="sng">
+                      <a:noFill/>
+                      <a:prstDash val="solid"/>
+                    </a:lnBlToTr>
+                    <a:noFill/>
+                  </a:tcPr>
+                </a:tc>
+                <a:tc>
+                  <a:txBody>
+                    <a:bodyPr/>
+                    <a:lstStyle/>
+                    <a:p>
+                      <a:pPr algn="ctr" latinLnBrk="1"/>
+                      <a:r>
+                        <a:rPr lang="ko-KR" altLang="en-US" sz="1200" dirty="0" smtClean="0">
+                          <a:solidFill>
+                            <a:schemeClr val="tx1"/>
+                          </a:solidFill>
+                          <a:latin typeface="나눔고딕" panose="020D0604000000000000" pitchFamily="50" charset="-127"/>
+                          <a:ea typeface="나눔고딕" panose="020D0604000000000000" pitchFamily="50" charset="-127"/>
+                        </a:rPr>
+                        <a:t>성능을 </a:t>
+                      </a:r>
+                      <a:r>
+                        <a:rPr lang="ko-KR" altLang="en-US" sz="1200" dirty="0" err="1" smtClean="0">
+                          <a:solidFill>
+                            <a:schemeClr val="tx1"/>
+                          </a:solidFill>
+                          <a:latin typeface="나눔고딕" panose="020D0604000000000000" pitchFamily="50" charset="-127"/>
+                          <a:ea typeface="나눔고딕" panose="020D0604000000000000" pitchFamily="50" charset="-127"/>
+                        </a:rPr>
+                        <a:t>우선할시</a:t>
+                      </a:r>
+                      <a:r>
+                        <a:rPr lang="ko-KR" altLang="en-US" sz="1200" dirty="0" smtClean="0">
+                          <a:solidFill>
+                            <a:schemeClr val="tx1"/>
+                          </a:solidFill>
+                          <a:latin typeface="나눔고딕" panose="020D0604000000000000" pitchFamily="50" charset="-127"/>
+                          <a:ea typeface="나눔고딕" panose="020D0604000000000000" pitchFamily="50" charset="-127"/>
+                        </a:rPr>
+                        <a:t> 데이터 일관성이 보장되지 않음</a:t>
+                      </a:r>
+                      <a:endParaRPr lang="ko-KR" altLang="en-US" sz="1200" dirty="0">
+                        <a:solidFill>
+                          <a:schemeClr val="tx1"/>
+                        </a:solidFill>
+                        <a:latin typeface="나눔고딕" panose="020D0604000000000000" pitchFamily="50" charset="-127"/>
+                        <a:ea typeface="나눔고딕" panose="020D0604000000000000" pitchFamily="50" charset="-127"/>
+                      </a:endParaRPr>
+                    </a:p>
+                  </a:txBody>
+                  <a:tcPr anchor="ctr">
+                    <a:lnL w="12700" cap="flat" cmpd="sng" algn="ctr">
+                      <a:solidFill>
+                        <a:schemeClr val="tx1"/>
+                      </a:solidFill>
+                      <a:prstDash val="solid"/>
+                      <a:round/>
+                      <a:headEnd type="none" w="med" len="med"/>
+                      <a:tailEnd type="none" w="med" len="med"/>
+                    </a:lnL>
+                    <a:lnR w="12700" cap="flat" cmpd="sng" algn="ctr">
+                      <a:solidFill>
+                        <a:schemeClr val="tx1"/>
+                      </a:solidFill>
+                      <a:prstDash val="solid"/>
+                      <a:round/>
+                      <a:headEnd type="none" w="med" len="med"/>
+                      <a:tailEnd type="none" w="med" len="med"/>
+                    </a:lnR>
+                    <a:lnT w="12700" cap="flat" cmpd="sng" algn="ctr">
+                      <a:solidFill>
+                        <a:schemeClr val="tx1"/>
+                      </a:solidFill>
+                      <a:prstDash val="solid"/>
+                      <a:round/>
+                      <a:headEnd type="none" w="med" len="med"/>
+                      <a:tailEnd type="none" w="med" len="med"/>
+                    </a:lnT>
+                    <a:lnB w="12700" cap="flat" cmpd="sng" algn="ctr">
+                      <a:solidFill>
+                        <a:schemeClr val="tx1"/>
+                      </a:solidFill>
+                      <a:prstDash val="solid"/>
+                      <a:round/>
+                      <a:headEnd type="none" w="med" len="med"/>
+                      <a:tailEnd type="none" w="med" len="med"/>
+                    </a:lnB>
+                    <a:lnTlToBr w="12700" cmpd="sng">
+                      <a:noFill/>
+                      <a:prstDash val="solid"/>
+                    </a:lnTlToBr>
+                    <a:lnBlToTr w="12700" cmpd="sng">
+                      <a:noFill/>
+                      <a:prstDash val="solid"/>
+                    </a:lnBlToTr>
+                    <a:noFill/>
+                  </a:tcPr>
+                </a:tc>
+                <a:tc>
+                  <a:txBody>
+                    <a:bodyPr/>
+                    <a:lstStyle/>
+                    <a:p>
+                      <a:pPr algn="ctr" latinLnBrk="1"/>
+                      <a:endParaRPr lang="ko-KR" altLang="en-US" sz="1200" dirty="0">
+                        <a:solidFill>
+                          <a:schemeClr val="tx1"/>
+                        </a:solidFill>
+                        <a:latin typeface="나눔고딕" panose="020D0604000000000000" pitchFamily="50" charset="-127"/>
+                        <a:ea typeface="나눔고딕" panose="020D0604000000000000" pitchFamily="50" charset="-127"/>
+                      </a:endParaRPr>
+                    </a:p>
+                  </a:txBody>
+                  <a:tcPr anchor="ctr">
+                    <a:lnL w="12700" cap="flat" cmpd="sng" algn="ctr">
+                      <a:solidFill>
+                        <a:schemeClr val="tx1"/>
+                      </a:solidFill>
+                      <a:prstDash val="solid"/>
+                      <a:round/>
+                      <a:headEnd type="none" w="med" len="med"/>
+                      <a:tailEnd type="none" w="med" len="med"/>
+                    </a:lnL>
+                    <a:lnR w="12700" cap="flat" cmpd="sng" algn="ctr">
+                      <a:solidFill>
+                        <a:schemeClr val="tx1"/>
+                      </a:solidFill>
+                      <a:prstDash val="solid"/>
+                      <a:round/>
+                      <a:headEnd type="none" w="med" len="med"/>
+                      <a:tailEnd type="none" w="med" len="med"/>
+                    </a:lnR>
+                    <a:lnT w="12700" cap="flat" cmpd="sng" algn="ctr">
+                      <a:solidFill>
+                        <a:schemeClr val="tx1"/>
+                      </a:solidFill>
+                      <a:prstDash val="solid"/>
+                      <a:round/>
+                      <a:headEnd type="none" w="med" len="med"/>
+                      <a:tailEnd type="none" w="med" len="med"/>
+                    </a:lnT>
+                    <a:lnB w="12700" cap="flat" cmpd="sng" algn="ctr">
+                      <a:solidFill>
+                        <a:schemeClr val="tx1"/>
+                      </a:solidFill>
+                      <a:prstDash val="solid"/>
+                      <a:round/>
+                      <a:headEnd type="none" w="med" len="med"/>
+                      <a:tailEnd type="none" w="med" len="med"/>
+                    </a:lnB>
+                    <a:lnTlToBr w="12700" cmpd="sng">
+                      <a:noFill/>
+                      <a:prstDash val="solid"/>
+                    </a:lnTlToBr>
+                    <a:lnBlToTr w="12700" cmpd="sng">
+                      <a:noFill/>
+                      <a:prstDash val="solid"/>
+                    </a:lnBlToTr>
+                    <a:noFill/>
+                  </a:tcPr>
+                </a:tc>
+              </a:tr>
+              <a:tr h="659045">
+                <a:tc>
+                  <a:txBody>
+                    <a:bodyPr/>
+                    <a:lstStyle/>
+                    <a:p>
+                      <a:pPr algn="ctr" latinLnBrk="1"/>
+                      <a:endParaRPr lang="ko-KR" altLang="en-US" sz="1200" dirty="0">
+                        <a:solidFill>
+                          <a:schemeClr val="tx1"/>
+                        </a:solidFill>
+                        <a:latin typeface="나눔고딕" panose="020D0604000000000000" pitchFamily="50" charset="-127"/>
+                        <a:ea typeface="나눔고딕" panose="020D0604000000000000" pitchFamily="50" charset="-127"/>
+                      </a:endParaRPr>
+                    </a:p>
+                  </a:txBody>
+                  <a:tcPr anchor="ctr">
+                    <a:lnL w="12700" cap="flat" cmpd="sng" algn="ctr">
+                      <a:solidFill>
+                        <a:schemeClr val="tx1"/>
+                      </a:solidFill>
+                      <a:prstDash val="solid"/>
+                      <a:round/>
+                      <a:headEnd type="none" w="med" len="med"/>
+                      <a:tailEnd type="none" w="med" len="med"/>
+                    </a:lnL>
+                    <a:lnR w="12700" cap="flat" cmpd="sng" algn="ctr">
+                      <a:solidFill>
+                        <a:schemeClr val="tx1"/>
+                      </a:solidFill>
+                      <a:prstDash val="solid"/>
+                      <a:round/>
+                      <a:headEnd type="none" w="med" len="med"/>
+                      <a:tailEnd type="none" w="med" len="med"/>
+                    </a:lnR>
+                    <a:lnT w="12700" cap="flat" cmpd="sng" algn="ctr">
+                      <a:solidFill>
+                        <a:schemeClr val="tx1"/>
+                      </a:solidFill>
+                      <a:prstDash val="solid"/>
+                      <a:round/>
+                      <a:headEnd type="none" w="med" len="med"/>
+                      <a:tailEnd type="none" w="med" len="med"/>
+                    </a:lnT>
+                    <a:lnB w="12700" cap="flat" cmpd="sng" algn="ctr">
+                      <a:solidFill>
+                        <a:schemeClr val="tx1"/>
+                      </a:solidFill>
+                      <a:prstDash val="solid"/>
+                      <a:round/>
+                      <a:headEnd type="none" w="med" len="med"/>
+                      <a:tailEnd type="none" w="med" len="med"/>
+                    </a:lnB>
+                    <a:lnTlToBr w="12700" cmpd="sng">
+                      <a:noFill/>
+                      <a:prstDash val="solid"/>
+                    </a:lnTlToBr>
+                    <a:lnBlToTr w="12700" cmpd="sng">
+                      <a:noFill/>
+                      <a:prstDash val="solid"/>
+                    </a:lnBlToTr>
+                    <a:noFill/>
+                  </a:tcPr>
+                </a:tc>
+                <a:tc>
+                  <a:txBody>
+                    <a:bodyPr/>
+                    <a:lstStyle/>
+                    <a:p>
+                      <a:pPr algn="ctr" latinLnBrk="1"/>
+                      <a:r>
+                        <a:rPr lang="en-US" altLang="ko-KR" sz="1200" dirty="0" smtClean="0">
+                          <a:solidFill>
+                            <a:schemeClr val="tx1"/>
+                          </a:solidFill>
+                          <a:latin typeface="나눔고딕" panose="020D0604000000000000" pitchFamily="50" charset="-127"/>
+                          <a:ea typeface="나눔고딕" panose="020D0604000000000000" pitchFamily="50" charset="-127"/>
+                        </a:rPr>
+                        <a:t>HDFS</a:t>
+                      </a:r>
+                      <a:r>
+                        <a:rPr lang="ko-KR" altLang="en-US" sz="1200" dirty="0" smtClean="0">
+                          <a:solidFill>
+                            <a:schemeClr val="tx1"/>
+                          </a:solidFill>
+                          <a:latin typeface="나눔고딕" panose="020D0604000000000000" pitchFamily="50" charset="-127"/>
+                          <a:ea typeface="나눔고딕" panose="020D0604000000000000" pitchFamily="50" charset="-127"/>
+                        </a:rPr>
+                        <a:t>과</a:t>
+                      </a:r>
+                      <a:r>
+                        <a:rPr lang="ko-KR" altLang="en-US" sz="1200" baseline="0" dirty="0" smtClean="0">
+                          <a:solidFill>
+                            <a:schemeClr val="tx1"/>
+                          </a:solidFill>
+                          <a:latin typeface="나눔고딕" panose="020D0604000000000000" pitchFamily="50" charset="-127"/>
+                          <a:ea typeface="나눔고딕" panose="020D0604000000000000" pitchFamily="50" charset="-127"/>
+                        </a:rPr>
+                        <a:t> </a:t>
+                      </a:r>
+                      <a:r>
+                        <a:rPr lang="en-US" altLang="ko-KR" sz="1200" baseline="0" dirty="0" smtClean="0">
+                          <a:solidFill>
+                            <a:schemeClr val="tx1"/>
+                          </a:solidFill>
+                          <a:latin typeface="나눔고딕" panose="020D0604000000000000" pitchFamily="50" charset="-127"/>
+                          <a:ea typeface="나눔고딕" panose="020D0604000000000000" pitchFamily="50" charset="-127"/>
+                        </a:rPr>
+                        <a:t>MapReduce</a:t>
+                      </a:r>
+                      <a:r>
+                        <a:rPr lang="ko-KR" altLang="en-US" sz="1200" baseline="0" dirty="0" smtClean="0">
+                          <a:solidFill>
+                            <a:schemeClr val="tx1"/>
+                          </a:solidFill>
+                          <a:latin typeface="나눔고딕" panose="020D0604000000000000" pitchFamily="50" charset="-127"/>
+                          <a:ea typeface="나눔고딕" panose="020D0604000000000000" pitchFamily="50" charset="-127"/>
+                        </a:rPr>
+                        <a:t>와 사용하는데 최적화</a:t>
+                      </a:r>
+                      <a:endParaRPr lang="ko-KR" altLang="en-US" sz="1200" dirty="0">
+                        <a:solidFill>
+                          <a:schemeClr val="tx1"/>
+                        </a:solidFill>
+                        <a:latin typeface="나눔고딕" panose="020D0604000000000000" pitchFamily="50" charset="-127"/>
+                        <a:ea typeface="나눔고딕" panose="020D0604000000000000" pitchFamily="50" charset="-127"/>
+                      </a:endParaRPr>
+                    </a:p>
+                  </a:txBody>
+                  <a:tcPr anchor="ctr">
+                    <a:lnL w="12700" cap="flat" cmpd="sng" algn="ctr">
+                      <a:solidFill>
+                        <a:schemeClr val="tx1"/>
+                      </a:solidFill>
+                      <a:prstDash val="solid"/>
+                      <a:round/>
+                      <a:headEnd type="none" w="med" len="med"/>
+                      <a:tailEnd type="none" w="med" len="med"/>
+                    </a:lnL>
+                    <a:lnR w="12700" cap="flat" cmpd="sng" algn="ctr">
+                      <a:solidFill>
+                        <a:schemeClr val="tx1"/>
+                      </a:solidFill>
+                      <a:prstDash val="solid"/>
+                      <a:round/>
+                      <a:headEnd type="none" w="med" len="med"/>
+                      <a:tailEnd type="none" w="med" len="med"/>
+                    </a:lnR>
+                    <a:lnT w="12700" cap="flat" cmpd="sng" algn="ctr">
+                      <a:solidFill>
+                        <a:schemeClr val="tx1"/>
+                      </a:solidFill>
+                      <a:prstDash val="solid"/>
+                      <a:round/>
+                      <a:headEnd type="none" w="med" len="med"/>
+                      <a:tailEnd type="none" w="med" len="med"/>
+                    </a:lnT>
+                    <a:lnB w="12700" cap="flat" cmpd="sng" algn="ctr">
+                      <a:solidFill>
+                        <a:schemeClr val="tx1"/>
+                      </a:solidFill>
+                      <a:prstDash val="solid"/>
+                      <a:round/>
+                      <a:headEnd type="none" w="med" len="med"/>
+                      <a:tailEnd type="none" w="med" len="med"/>
+                    </a:lnB>
+                    <a:lnTlToBr w="12700" cmpd="sng">
+                      <a:noFill/>
+                      <a:prstDash val="solid"/>
+                    </a:lnTlToBr>
+                    <a:lnBlToTr w="12700" cmpd="sng">
+                      <a:noFill/>
+                      <a:prstDash val="solid"/>
+                    </a:lnBlToTr>
+                    <a:noFill/>
+                  </a:tcPr>
+                </a:tc>
+                <a:tc>
+                  <a:txBody>
+                    <a:bodyPr/>
+                    <a:lstStyle/>
+                    <a:p>
+                      <a:pPr algn="ctr" latinLnBrk="1"/>
+                      <a:r>
+                        <a:rPr lang="ko-KR" altLang="en-US" sz="1200" dirty="0" smtClean="0">
+                          <a:solidFill>
+                            <a:schemeClr val="tx1"/>
+                          </a:solidFill>
+                          <a:latin typeface="나눔고딕" panose="020D0604000000000000" pitchFamily="50" charset="-127"/>
+                          <a:ea typeface="나눔고딕" panose="020D0604000000000000" pitchFamily="50" charset="-127"/>
+                        </a:rPr>
+                        <a:t>복잡한 조건의 검색 불가</a:t>
+                      </a:r>
+                      <a:endParaRPr lang="ko-KR" altLang="en-US" sz="1200" dirty="0">
+                        <a:solidFill>
+                          <a:schemeClr val="tx1"/>
+                        </a:solidFill>
+                        <a:latin typeface="나눔고딕" panose="020D0604000000000000" pitchFamily="50" charset="-127"/>
+                        <a:ea typeface="나눔고딕" panose="020D0604000000000000" pitchFamily="50" charset="-127"/>
+                      </a:endParaRPr>
+                    </a:p>
+                  </a:txBody>
+                  <a:tcPr anchor="ctr">
+                    <a:lnL w="12700" cap="flat" cmpd="sng" algn="ctr">
+                      <a:solidFill>
+                        <a:schemeClr val="tx1"/>
+                      </a:solidFill>
+                      <a:prstDash val="solid"/>
+                      <a:round/>
+                      <a:headEnd type="none" w="med" len="med"/>
+                      <a:tailEnd type="none" w="med" len="med"/>
+                    </a:lnL>
+                    <a:lnR w="12700" cap="flat" cmpd="sng" algn="ctr">
+                      <a:solidFill>
+                        <a:schemeClr val="tx1"/>
+                      </a:solidFill>
+                      <a:prstDash val="solid"/>
+                      <a:round/>
+                      <a:headEnd type="none" w="med" len="med"/>
+                      <a:tailEnd type="none" w="med" len="med"/>
+                    </a:lnR>
+                    <a:lnT w="12700" cap="flat" cmpd="sng" algn="ctr">
+                      <a:solidFill>
+                        <a:schemeClr val="tx1"/>
+                      </a:solidFill>
+                      <a:prstDash val="solid"/>
+                      <a:round/>
+                      <a:headEnd type="none" w="med" len="med"/>
+                      <a:tailEnd type="none" w="med" len="med"/>
+                    </a:lnT>
+                    <a:lnB w="12700" cap="flat" cmpd="sng" algn="ctr">
+                      <a:solidFill>
+                        <a:schemeClr val="tx1"/>
+                      </a:solidFill>
+                      <a:prstDash val="solid"/>
+                      <a:round/>
+                      <a:headEnd type="none" w="med" len="med"/>
+                      <a:tailEnd type="none" w="med" len="med"/>
+                    </a:lnB>
+                    <a:lnTlToBr w="12700" cmpd="sng">
+                      <a:noFill/>
+                      <a:prstDash val="solid"/>
+                    </a:lnTlToBr>
+                    <a:lnBlToTr w="12700" cmpd="sng">
+                      <a:noFill/>
+                      <a:prstDash val="solid"/>
+                    </a:lnBlToTr>
+                    <a:noFill/>
+                  </a:tcPr>
+                </a:tc>
+                <a:tc>
+                  <a:txBody>
+                    <a:bodyPr/>
+                    <a:lstStyle/>
+                    <a:p>
+                      <a:pPr algn="ctr" latinLnBrk="1"/>
+                      <a:endParaRPr lang="ko-KR" altLang="en-US" sz="1200">
+                        <a:solidFill>
+                          <a:schemeClr val="tx1"/>
+                        </a:solidFill>
+                        <a:latin typeface="나눔고딕" panose="020D0604000000000000" pitchFamily="50" charset="-127"/>
+                        <a:ea typeface="나눔고딕" panose="020D0604000000000000" pitchFamily="50" charset="-127"/>
+                      </a:endParaRPr>
+                    </a:p>
+                  </a:txBody>
+                  <a:tcPr anchor="ctr">
+                    <a:lnL w="12700" cap="flat" cmpd="sng" algn="ctr">
+                      <a:solidFill>
+                        <a:schemeClr val="tx1"/>
+                      </a:solidFill>
+                      <a:prstDash val="solid"/>
+                      <a:round/>
+                      <a:headEnd type="none" w="med" len="med"/>
+                      <a:tailEnd type="none" w="med" len="med"/>
+                    </a:lnL>
+                    <a:lnR w="12700" cap="flat" cmpd="sng" algn="ctr">
+                      <a:solidFill>
+                        <a:schemeClr val="tx1"/>
+                      </a:solidFill>
+                      <a:prstDash val="solid"/>
+                      <a:round/>
+                      <a:headEnd type="none" w="med" len="med"/>
+                      <a:tailEnd type="none" w="med" len="med"/>
+                    </a:lnR>
+                    <a:lnT w="12700" cap="flat" cmpd="sng" algn="ctr">
+                      <a:solidFill>
+                        <a:schemeClr val="tx1"/>
+                      </a:solidFill>
+                      <a:prstDash val="solid"/>
+                      <a:round/>
+                      <a:headEnd type="none" w="med" len="med"/>
+                      <a:tailEnd type="none" w="med" len="med"/>
+                    </a:lnT>
+                    <a:lnB w="12700" cap="flat" cmpd="sng" algn="ctr">
+                      <a:solidFill>
+                        <a:schemeClr val="tx1"/>
+                      </a:solidFill>
+                      <a:prstDash val="solid"/>
+                      <a:round/>
+                      <a:headEnd type="none" w="med" len="med"/>
+                      <a:tailEnd type="none" w="med" len="med"/>
+                    </a:lnB>
+                    <a:lnTlToBr w="12700" cmpd="sng">
+                      <a:noFill/>
+                      <a:prstDash val="solid"/>
+                    </a:lnTlToBr>
+                    <a:lnBlToTr w="12700" cmpd="sng">
+                      <a:noFill/>
+                      <a:prstDash val="solid"/>
+                    </a:lnBlToTr>
+                    <a:noFill/>
+                  </a:tcPr>
+                </a:tc>
+              </a:tr>
+              <a:tr h="659045">
+                <a:tc>
+                  <a:txBody>
+                    <a:bodyPr/>
+                    <a:lstStyle/>
+                    <a:p>
+                      <a:pPr algn="ctr" latinLnBrk="1"/>
+                      <a:r>
+                        <a:rPr lang="ko-KR" altLang="en-US" sz="1200" dirty="0" smtClean="0">
+                          <a:solidFill>
+                            <a:schemeClr val="tx1"/>
+                          </a:solidFill>
+                          <a:latin typeface="나눔고딕" panose="020D0604000000000000" pitchFamily="50" charset="-127"/>
+                          <a:ea typeface="나눔고딕" panose="020D0604000000000000" pitchFamily="50" charset="-127"/>
+                        </a:rPr>
+                        <a:t>장점</a:t>
+                      </a:r>
+                      <a:endParaRPr lang="ko-KR" altLang="en-US" sz="1200" dirty="0">
+                        <a:solidFill>
+                          <a:schemeClr val="tx1"/>
+                        </a:solidFill>
+                        <a:latin typeface="나눔고딕" panose="020D0604000000000000" pitchFamily="50" charset="-127"/>
+                        <a:ea typeface="나눔고딕" panose="020D0604000000000000" pitchFamily="50" charset="-127"/>
+                      </a:endParaRPr>
+                    </a:p>
+                  </a:txBody>
+                  <a:tcPr anchor="ctr">
+                    <a:lnL w="12700" cap="flat" cmpd="sng" algn="ctr">
+                      <a:solidFill>
+                        <a:schemeClr val="tx1"/>
+                      </a:solidFill>
+                      <a:prstDash val="solid"/>
+                      <a:round/>
+                      <a:headEnd type="none" w="med" len="med"/>
+                      <a:tailEnd type="none" w="med" len="med"/>
+                    </a:lnL>
+                    <a:lnR w="12700" cap="flat" cmpd="sng" algn="ctr">
+                      <a:solidFill>
+                        <a:schemeClr val="tx1"/>
+                      </a:solidFill>
+                      <a:prstDash val="solid"/>
+                      <a:round/>
+                      <a:headEnd type="none" w="med" len="med"/>
+                      <a:tailEnd type="none" w="med" len="med"/>
+                    </a:lnR>
+                    <a:lnT w="12700" cap="flat" cmpd="sng" algn="ctr">
+                      <a:solidFill>
+                        <a:schemeClr val="tx1"/>
+                      </a:solidFill>
+                      <a:prstDash val="solid"/>
+                      <a:round/>
+                      <a:headEnd type="none" w="med" len="med"/>
+                      <a:tailEnd type="none" w="med" len="med"/>
+                    </a:lnT>
+                    <a:lnB w="12700" cap="flat" cmpd="sng" algn="ctr">
+                      <a:solidFill>
+                        <a:schemeClr val="tx1"/>
+                      </a:solidFill>
+                      <a:prstDash val="solid"/>
+                      <a:round/>
+                      <a:headEnd type="none" w="med" len="med"/>
+                      <a:tailEnd type="none" w="med" len="med"/>
+                    </a:lnB>
+                    <a:lnTlToBr w="12700" cmpd="sng">
+                      <a:noFill/>
+                      <a:prstDash val="solid"/>
+                    </a:lnTlToBr>
+                    <a:lnBlToTr w="12700" cmpd="sng">
+                      <a:noFill/>
+                      <a:prstDash val="solid"/>
+                    </a:lnBlToTr>
+                    <a:noFill/>
+                  </a:tcPr>
+                </a:tc>
+                <a:tc>
+                  <a:txBody>
+                    <a:bodyPr/>
+                    <a:lstStyle/>
+                    <a:p>
+                      <a:pPr algn="ctr" latinLnBrk="1"/>
+                      <a:r>
+                        <a:rPr lang="ko-KR" altLang="en-US" sz="1200" dirty="0" err="1" smtClean="0">
+                          <a:solidFill>
+                            <a:schemeClr val="tx1"/>
+                          </a:solidFill>
+                          <a:latin typeface="나눔고딕" panose="020D0604000000000000" pitchFamily="50" charset="-127"/>
+                          <a:ea typeface="나눔고딕" panose="020D0604000000000000" pitchFamily="50" charset="-127"/>
+                        </a:rPr>
+                        <a:t>컬럼기준이라</a:t>
+                      </a:r>
+                      <a:r>
+                        <a:rPr lang="ko-KR" altLang="en-US" sz="1200" dirty="0" smtClean="0">
+                          <a:solidFill>
+                            <a:schemeClr val="tx1"/>
+                          </a:solidFill>
+                          <a:latin typeface="나눔고딕" panose="020D0604000000000000" pitchFamily="50" charset="-127"/>
+                          <a:ea typeface="나눔고딕" panose="020D0604000000000000" pitchFamily="50" charset="-127"/>
+                        </a:rPr>
+                        <a:t> </a:t>
+                      </a:r>
+                      <a:r>
+                        <a:rPr lang="ko-KR" altLang="en-US" sz="1200" dirty="0" err="1" smtClean="0">
+                          <a:solidFill>
+                            <a:schemeClr val="tx1"/>
+                          </a:solidFill>
+                          <a:latin typeface="나눔고딕" panose="020D0604000000000000" pitchFamily="50" charset="-127"/>
+                          <a:ea typeface="나눔고딕" panose="020D0604000000000000" pitchFamily="50" charset="-127"/>
+                        </a:rPr>
+                        <a:t>압축쉬움</a:t>
+                      </a:r>
+                      <a:r>
+                        <a:rPr lang="en-US" altLang="ko-KR" sz="1200" dirty="0" smtClean="0">
+                          <a:solidFill>
+                            <a:schemeClr val="tx1"/>
+                          </a:solidFill>
+                          <a:latin typeface="나눔고딕" panose="020D0604000000000000" pitchFamily="50" charset="-127"/>
+                          <a:ea typeface="나눔고딕" panose="020D0604000000000000" pitchFamily="50" charset="-127"/>
+                        </a:rPr>
+                        <a:t>,</a:t>
+                      </a:r>
+                      <a:r>
+                        <a:rPr lang="en-US" altLang="ko-KR" sz="1200" baseline="0" dirty="0" smtClean="0">
+                          <a:solidFill>
+                            <a:schemeClr val="tx1"/>
+                          </a:solidFill>
+                          <a:latin typeface="나눔고딕" panose="020D0604000000000000" pitchFamily="50" charset="-127"/>
+                          <a:ea typeface="나눔고딕" panose="020D0604000000000000" pitchFamily="50" charset="-127"/>
+                        </a:rPr>
+                        <a:t> </a:t>
+                      </a:r>
+                      <a:endParaRPr lang="en-US" altLang="ko-KR" sz="1200" dirty="0" smtClean="0">
+                        <a:solidFill>
+                          <a:schemeClr val="tx1"/>
+                        </a:solidFill>
+                        <a:latin typeface="나눔고딕" panose="020D0604000000000000" pitchFamily="50" charset="-127"/>
+                        <a:ea typeface="나눔고딕" panose="020D0604000000000000" pitchFamily="50" charset="-127"/>
+                      </a:endParaRPr>
+                    </a:p>
+                  </a:txBody>
+                  <a:tcPr anchor="ctr">
+                    <a:lnL w="12700" cap="flat" cmpd="sng" algn="ctr">
+                      <a:solidFill>
+                        <a:schemeClr val="tx1"/>
+                      </a:solidFill>
+                      <a:prstDash val="solid"/>
+                      <a:round/>
+                      <a:headEnd type="none" w="med" len="med"/>
+                      <a:tailEnd type="none" w="med" len="med"/>
+                    </a:lnL>
+                    <a:lnR w="12700" cap="flat" cmpd="sng" algn="ctr">
+                      <a:solidFill>
+                        <a:schemeClr val="tx1"/>
+                      </a:solidFill>
+                      <a:prstDash val="solid"/>
+                      <a:round/>
+                      <a:headEnd type="none" w="med" len="med"/>
+                      <a:tailEnd type="none" w="med" len="med"/>
+                    </a:lnR>
+                    <a:lnT w="12700" cap="flat" cmpd="sng" algn="ctr">
+                      <a:solidFill>
+                        <a:schemeClr val="tx1"/>
+                      </a:solidFill>
+                      <a:prstDash val="solid"/>
+                      <a:round/>
+                      <a:headEnd type="none" w="med" len="med"/>
+                      <a:tailEnd type="none" w="med" len="med"/>
+                    </a:lnT>
+                    <a:lnB w="12700" cap="flat" cmpd="sng" algn="ctr">
+                      <a:solidFill>
+                        <a:schemeClr val="tx1"/>
+                      </a:solidFill>
+                      <a:prstDash val="solid"/>
+                      <a:round/>
+                      <a:headEnd type="none" w="med" len="med"/>
+                      <a:tailEnd type="none" w="med" len="med"/>
+                    </a:lnB>
+                    <a:lnTlToBr w="12700" cmpd="sng">
+                      <a:noFill/>
+                      <a:prstDash val="solid"/>
+                    </a:lnTlToBr>
+                    <a:lnBlToTr w="12700" cmpd="sng">
+                      <a:noFill/>
+                      <a:prstDash val="solid"/>
+                    </a:lnBlToTr>
+                    <a:noFill/>
+                  </a:tcPr>
+                </a:tc>
+                <a:tc>
+                  <a:txBody>
+                    <a:bodyPr/>
+                    <a:lstStyle/>
+                    <a:p>
+                      <a:pPr algn="ctr" latinLnBrk="1"/>
+                      <a:r>
+                        <a:rPr lang="ko-KR" altLang="en-US" sz="1200" dirty="0" smtClean="0">
+                          <a:solidFill>
+                            <a:schemeClr val="tx1"/>
+                          </a:solidFill>
+                          <a:latin typeface="나눔고딕" panose="020D0604000000000000" pitchFamily="50" charset="-127"/>
+                          <a:ea typeface="나눔고딕" panose="020D0604000000000000" pitchFamily="50" charset="-127"/>
+                        </a:rPr>
+                        <a:t>다수 </a:t>
+                      </a:r>
+                      <a:r>
+                        <a:rPr lang="ko-KR" altLang="en-US" sz="1200" dirty="0" err="1" smtClean="0">
+                          <a:solidFill>
+                            <a:schemeClr val="tx1"/>
+                          </a:solidFill>
+                          <a:latin typeface="나눔고딕" panose="020D0604000000000000" pitchFamily="50" charset="-127"/>
+                          <a:ea typeface="나눔고딕" panose="020D0604000000000000" pitchFamily="50" charset="-127"/>
+                        </a:rPr>
+                        <a:t>분산되</a:t>
+                      </a:r>
+                      <a:r>
+                        <a:rPr lang="ko-KR" altLang="en-US" sz="1200" dirty="0" smtClean="0">
+                          <a:solidFill>
+                            <a:schemeClr val="tx1"/>
+                          </a:solidFill>
+                          <a:latin typeface="나눔고딕" panose="020D0604000000000000" pitchFamily="50" charset="-127"/>
+                          <a:ea typeface="나눔고딕" panose="020D0604000000000000" pitchFamily="50" charset="-127"/>
+                        </a:rPr>
+                        <a:t> 서버에서 관리할 경우 적합</a:t>
+                      </a:r>
+                      <a:r>
+                        <a:rPr lang="en-US" altLang="ko-KR" sz="1200" dirty="0" smtClean="0">
+                          <a:solidFill>
+                            <a:schemeClr val="tx1"/>
+                          </a:solidFill>
+                          <a:latin typeface="나눔고딕" panose="020D0604000000000000" pitchFamily="50" charset="-127"/>
+                          <a:ea typeface="나눔고딕" panose="020D0604000000000000" pitchFamily="50" charset="-127"/>
+                        </a:rPr>
+                        <a:t>, </a:t>
+                      </a:r>
+                      <a:r>
+                        <a:rPr lang="ko-KR" altLang="en-US" sz="1200" dirty="0" smtClean="0">
+                          <a:solidFill>
+                            <a:schemeClr val="tx1"/>
+                          </a:solidFill>
+                          <a:latin typeface="나눔고딕" panose="020D0604000000000000" pitchFamily="50" charset="-127"/>
+                          <a:ea typeface="나눔고딕" panose="020D0604000000000000" pitchFamily="50" charset="-127"/>
+                        </a:rPr>
+                        <a:t>대량으로 쓰기가 발생하는 서비스에 적합</a:t>
+                      </a:r>
+                      <a:endParaRPr lang="ko-KR" altLang="en-US" sz="1200" dirty="0">
+                        <a:solidFill>
+                          <a:schemeClr val="tx1"/>
+                        </a:solidFill>
+                        <a:latin typeface="나눔고딕" panose="020D0604000000000000" pitchFamily="50" charset="-127"/>
+                        <a:ea typeface="나눔고딕" panose="020D0604000000000000" pitchFamily="50" charset="-127"/>
+                      </a:endParaRPr>
+                    </a:p>
+                  </a:txBody>
+                  <a:tcPr anchor="ctr">
+                    <a:lnL w="12700" cap="flat" cmpd="sng" algn="ctr">
+                      <a:solidFill>
+                        <a:schemeClr val="tx1"/>
+                      </a:solidFill>
+                      <a:prstDash val="solid"/>
+                      <a:round/>
+                      <a:headEnd type="none" w="med" len="med"/>
+                      <a:tailEnd type="none" w="med" len="med"/>
+                    </a:lnL>
+                    <a:lnR w="12700" cap="flat" cmpd="sng" algn="ctr">
+                      <a:solidFill>
+                        <a:schemeClr val="tx1"/>
+                      </a:solidFill>
+                      <a:prstDash val="solid"/>
+                      <a:round/>
+                      <a:headEnd type="none" w="med" len="med"/>
+                      <a:tailEnd type="none" w="med" len="med"/>
+                    </a:lnR>
+                    <a:lnT w="12700" cap="flat" cmpd="sng" algn="ctr">
+                      <a:solidFill>
+                        <a:schemeClr val="tx1"/>
+                      </a:solidFill>
+                      <a:prstDash val="solid"/>
+                      <a:round/>
+                      <a:headEnd type="none" w="med" len="med"/>
+                      <a:tailEnd type="none" w="med" len="med"/>
+                    </a:lnT>
+                    <a:lnB w="12700" cap="flat" cmpd="sng" algn="ctr">
+                      <a:solidFill>
+                        <a:schemeClr val="tx1"/>
+                      </a:solidFill>
+                      <a:prstDash val="solid"/>
+                      <a:round/>
+                      <a:headEnd type="none" w="med" len="med"/>
+                      <a:tailEnd type="none" w="med" len="med"/>
+                    </a:lnB>
+                    <a:lnTlToBr w="12700" cmpd="sng">
+                      <a:noFill/>
+                      <a:prstDash val="solid"/>
+                    </a:lnTlToBr>
+                    <a:lnBlToTr w="12700" cmpd="sng">
+                      <a:noFill/>
+                      <a:prstDash val="solid"/>
+                    </a:lnBlToTr>
+                    <a:noFill/>
+                  </a:tcPr>
+                </a:tc>
+                <a:tc>
+                  <a:txBody>
+                    <a:bodyPr/>
+                    <a:lstStyle/>
+                    <a:p>
+                      <a:pPr algn="ctr" latinLnBrk="1"/>
+                      <a:r>
+                        <a:rPr lang="ko-KR" altLang="en-US" sz="1200" dirty="0" smtClean="0">
+                          <a:solidFill>
+                            <a:schemeClr val="tx1"/>
+                          </a:solidFill>
+                          <a:latin typeface="나눔고딕" panose="020D0604000000000000" pitchFamily="50" charset="-127"/>
+                          <a:ea typeface="나눔고딕" panose="020D0604000000000000" pitchFamily="50" charset="-127"/>
+                        </a:rPr>
+                        <a:t>스키마를 구분하지 않아 검색조건을 유연하게 지정 가능</a:t>
+                      </a:r>
+                      <a:endParaRPr lang="ko-KR" altLang="en-US" sz="1200" dirty="0">
+                        <a:solidFill>
+                          <a:schemeClr val="tx1"/>
+                        </a:solidFill>
+                        <a:latin typeface="나눔고딕" panose="020D0604000000000000" pitchFamily="50" charset="-127"/>
+                        <a:ea typeface="나눔고딕" panose="020D0604000000000000" pitchFamily="50" charset="-127"/>
+                      </a:endParaRPr>
+                    </a:p>
+                  </a:txBody>
+                  <a:tcPr anchor="ctr">
+                    <a:lnL w="12700" cap="flat" cmpd="sng" algn="ctr">
+                      <a:solidFill>
+                        <a:schemeClr val="tx1"/>
+                      </a:solidFill>
+                      <a:prstDash val="solid"/>
+                      <a:round/>
+                      <a:headEnd type="none" w="med" len="med"/>
+                      <a:tailEnd type="none" w="med" len="med"/>
+                    </a:lnL>
+                    <a:lnR w="12700" cap="flat" cmpd="sng" algn="ctr">
+                      <a:solidFill>
+                        <a:schemeClr val="tx1"/>
+                      </a:solidFill>
+                      <a:prstDash val="solid"/>
+                      <a:round/>
+                      <a:headEnd type="none" w="med" len="med"/>
+                      <a:tailEnd type="none" w="med" len="med"/>
+                    </a:lnR>
+                    <a:lnT w="12700" cap="flat" cmpd="sng" algn="ctr">
+                      <a:solidFill>
+                        <a:schemeClr val="tx1"/>
+                      </a:solidFill>
+                      <a:prstDash val="solid"/>
+                      <a:round/>
+                      <a:headEnd type="none" w="med" len="med"/>
+                      <a:tailEnd type="none" w="med" len="med"/>
+                    </a:lnT>
+                    <a:lnB w="12700" cap="flat" cmpd="sng" algn="ctr">
+                      <a:solidFill>
+                        <a:schemeClr val="tx1"/>
+                      </a:solidFill>
+                      <a:prstDash val="solid"/>
+                      <a:round/>
+                      <a:headEnd type="none" w="med" len="med"/>
+                      <a:tailEnd type="none" w="med" len="med"/>
+                    </a:lnB>
+                    <a:lnTlToBr w="12700" cmpd="sng">
+                      <a:noFill/>
+                      <a:prstDash val="solid"/>
+                    </a:lnTlToBr>
+                    <a:lnBlToTr w="12700" cmpd="sng">
+                      <a:noFill/>
+                      <a:prstDash val="solid"/>
+                    </a:lnBlToTr>
+                    <a:noFill/>
+                  </a:tcPr>
+                </a:tc>
+              </a:tr>
+              <a:tr h="659045">
+                <a:tc>
+                  <a:txBody>
+                    <a:bodyPr/>
+                    <a:lstStyle/>
+                    <a:p>
+                      <a:pPr algn="ctr" latinLnBrk="1"/>
+                      <a:r>
+                        <a:rPr lang="ko-KR" altLang="en-US" sz="1200" dirty="0" smtClean="0">
+                          <a:solidFill>
+                            <a:schemeClr val="tx1"/>
+                          </a:solidFill>
+                          <a:latin typeface="나눔고딕" panose="020D0604000000000000" pitchFamily="50" charset="-127"/>
+                          <a:ea typeface="나눔고딕" panose="020D0604000000000000" pitchFamily="50" charset="-127"/>
+                        </a:rPr>
+                        <a:t>단점</a:t>
+                      </a:r>
+                      <a:endParaRPr lang="ko-KR" altLang="en-US" sz="1200" dirty="0">
+                        <a:solidFill>
+                          <a:schemeClr val="tx1"/>
+                        </a:solidFill>
+                        <a:latin typeface="나눔고딕" panose="020D0604000000000000" pitchFamily="50" charset="-127"/>
+                        <a:ea typeface="나눔고딕" panose="020D0604000000000000" pitchFamily="50" charset="-127"/>
+                      </a:endParaRPr>
+                    </a:p>
+                  </a:txBody>
+                  <a:tcPr anchor="ctr">
+                    <a:lnL w="12700" cap="flat" cmpd="sng" algn="ctr">
+                      <a:solidFill>
+                        <a:schemeClr val="tx1"/>
+                      </a:solidFill>
+                      <a:prstDash val="solid"/>
+                      <a:round/>
+                      <a:headEnd type="none" w="med" len="med"/>
+                      <a:tailEnd type="none" w="med" len="med"/>
+                    </a:lnL>
+                    <a:lnR w="12700" cap="flat" cmpd="sng" algn="ctr">
+                      <a:solidFill>
+                        <a:schemeClr val="tx1"/>
+                      </a:solidFill>
+                      <a:prstDash val="solid"/>
+                      <a:round/>
+                      <a:headEnd type="none" w="med" len="med"/>
+                      <a:tailEnd type="none" w="med" len="med"/>
+                    </a:lnR>
+                    <a:lnT w="12700" cap="flat" cmpd="sng" algn="ctr">
+                      <a:solidFill>
+                        <a:schemeClr val="tx1"/>
+                      </a:solidFill>
+                      <a:prstDash val="solid"/>
+                      <a:round/>
+                      <a:headEnd type="none" w="med" len="med"/>
+                      <a:tailEnd type="none" w="med" len="med"/>
+                    </a:lnT>
+                    <a:lnB w="12700" cap="flat" cmpd="sng" algn="ctr">
+                      <a:solidFill>
+                        <a:schemeClr val="tx1"/>
+                      </a:solidFill>
+                      <a:prstDash val="solid"/>
+                      <a:round/>
+                      <a:headEnd type="none" w="med" len="med"/>
+                      <a:tailEnd type="none" w="med" len="med"/>
+                    </a:lnB>
+                    <a:lnTlToBr w="12700" cmpd="sng">
+                      <a:noFill/>
+                      <a:prstDash val="solid"/>
+                    </a:lnTlToBr>
+                    <a:lnBlToTr w="12700" cmpd="sng">
+                      <a:noFill/>
+                      <a:prstDash val="solid"/>
+                    </a:lnBlToTr>
+                    <a:noFill/>
+                  </a:tcPr>
+                </a:tc>
+                <a:tc>
+                  <a:txBody>
+                    <a:bodyPr/>
+                    <a:lstStyle/>
+                    <a:p>
+                      <a:pPr algn="ctr" latinLnBrk="1"/>
+                      <a:r>
+                        <a:rPr lang="ko-KR" altLang="en-US" sz="1200" dirty="0" smtClean="0">
+                          <a:solidFill>
+                            <a:schemeClr val="tx1"/>
+                          </a:solidFill>
+                          <a:latin typeface="나눔고딕" panose="020D0604000000000000" pitchFamily="50" charset="-127"/>
+                          <a:ea typeface="나눔고딕" panose="020D0604000000000000" pitchFamily="50" charset="-127"/>
+                        </a:rPr>
+                        <a:t>효율적으로 관리하기 위해 </a:t>
+                      </a:r>
+                      <a:r>
+                        <a:rPr lang="en-US" altLang="ko-KR" sz="1200" dirty="0" smtClean="0">
+                          <a:solidFill>
+                            <a:schemeClr val="tx1"/>
+                          </a:solidFill>
+                          <a:latin typeface="나눔고딕" panose="020D0604000000000000" pitchFamily="50" charset="-127"/>
+                          <a:ea typeface="나눔고딕" panose="020D0604000000000000" pitchFamily="50" charset="-127"/>
+                        </a:rPr>
+                        <a:t>HDFS, Zookeeper</a:t>
+                      </a:r>
+                      <a:r>
+                        <a:rPr lang="ko-KR" altLang="en-US" sz="1200" dirty="0" smtClean="0">
+                          <a:solidFill>
+                            <a:schemeClr val="tx1"/>
+                          </a:solidFill>
+                          <a:latin typeface="나눔고딕" panose="020D0604000000000000" pitchFamily="50" charset="-127"/>
+                          <a:ea typeface="나눔고딕" panose="020D0604000000000000" pitchFamily="50" charset="-127"/>
+                        </a:rPr>
+                        <a:t>등 다른 시스템에 대해서도 </a:t>
+                      </a:r>
+                      <a:r>
+                        <a:rPr lang="ko-KR" altLang="en-US" sz="1200" dirty="0" err="1" smtClean="0">
+                          <a:solidFill>
+                            <a:schemeClr val="tx1"/>
+                          </a:solidFill>
+                          <a:latin typeface="나눔고딕" panose="020D0604000000000000" pitchFamily="50" charset="-127"/>
+                          <a:ea typeface="나눔고딕" panose="020D0604000000000000" pitchFamily="50" charset="-127"/>
+                        </a:rPr>
+                        <a:t>알아야함</a:t>
+                      </a:r>
+                      <a:endParaRPr lang="ko-KR" altLang="en-US" sz="1200" dirty="0">
+                        <a:solidFill>
+                          <a:schemeClr val="tx1"/>
+                        </a:solidFill>
+                        <a:latin typeface="나눔고딕" panose="020D0604000000000000" pitchFamily="50" charset="-127"/>
+                        <a:ea typeface="나눔고딕" panose="020D0604000000000000" pitchFamily="50" charset="-127"/>
+                      </a:endParaRPr>
+                    </a:p>
+                  </a:txBody>
+                  <a:tcPr anchor="ctr">
+                    <a:lnL w="12700" cap="flat" cmpd="sng" algn="ctr">
+                      <a:solidFill>
+                        <a:schemeClr val="tx1"/>
+                      </a:solidFill>
+                      <a:prstDash val="solid"/>
+                      <a:round/>
+                      <a:headEnd type="none" w="med" len="med"/>
+                      <a:tailEnd type="none" w="med" len="med"/>
+                    </a:lnL>
+                    <a:lnR w="12700" cap="flat" cmpd="sng" algn="ctr">
+                      <a:solidFill>
+                        <a:schemeClr val="tx1"/>
+                      </a:solidFill>
+                      <a:prstDash val="solid"/>
+                      <a:round/>
+                      <a:headEnd type="none" w="med" len="med"/>
+                      <a:tailEnd type="none" w="med" len="med"/>
+                    </a:lnR>
+                    <a:lnT w="12700" cap="flat" cmpd="sng" algn="ctr">
+                      <a:solidFill>
+                        <a:schemeClr val="tx1"/>
+                      </a:solidFill>
+                      <a:prstDash val="solid"/>
+                      <a:round/>
+                      <a:headEnd type="none" w="med" len="med"/>
+                      <a:tailEnd type="none" w="med" len="med"/>
+                    </a:lnT>
+                    <a:lnB w="12700" cap="flat" cmpd="sng" algn="ctr">
+                      <a:solidFill>
+                        <a:schemeClr val="tx1"/>
+                      </a:solidFill>
+                      <a:prstDash val="solid"/>
+                      <a:round/>
+                      <a:headEnd type="none" w="med" len="med"/>
+                      <a:tailEnd type="none" w="med" len="med"/>
+                    </a:lnB>
+                    <a:lnTlToBr w="12700" cmpd="sng">
+                      <a:noFill/>
+                      <a:prstDash val="solid"/>
+                    </a:lnTlToBr>
+                    <a:lnBlToTr w="12700" cmpd="sng">
+                      <a:noFill/>
+                      <a:prstDash val="solid"/>
+                    </a:lnBlToTr>
+                    <a:noFill/>
+                  </a:tcPr>
+                </a:tc>
+                <a:tc>
+                  <a:txBody>
+                    <a:bodyPr/>
+                    <a:lstStyle/>
+                    <a:p>
+                      <a:pPr algn="ctr" latinLnBrk="1"/>
+                      <a:r>
+                        <a:rPr lang="ko-KR" altLang="en-US" sz="1200" dirty="0" err="1" smtClean="0">
+                          <a:solidFill>
+                            <a:schemeClr val="tx1"/>
+                          </a:solidFill>
+                          <a:latin typeface="나눔고딕" panose="020D0604000000000000" pitchFamily="50" charset="-127"/>
+                          <a:ea typeface="나눔고딕" panose="020D0604000000000000" pitchFamily="50" charset="-127"/>
+                        </a:rPr>
+                        <a:t>컬럼형</a:t>
+                      </a:r>
+                      <a:r>
+                        <a:rPr lang="ko-KR" altLang="en-US" sz="1200" dirty="0" smtClean="0">
+                          <a:solidFill>
+                            <a:schemeClr val="tx1"/>
+                          </a:solidFill>
+                          <a:latin typeface="나눔고딕" panose="020D0604000000000000" pitchFamily="50" charset="-127"/>
+                          <a:ea typeface="나눔고딕" panose="020D0604000000000000" pitchFamily="50" charset="-127"/>
+                        </a:rPr>
+                        <a:t> 데이터베이스로 생소해 진입장벽이 높음</a:t>
+                      </a:r>
+                      <a:r>
+                        <a:rPr lang="en-US" altLang="ko-KR" sz="1200" dirty="0" smtClean="0">
+                          <a:solidFill>
+                            <a:schemeClr val="tx1"/>
+                          </a:solidFill>
+                          <a:latin typeface="나눔고딕" panose="020D0604000000000000" pitchFamily="50" charset="-127"/>
+                          <a:ea typeface="나눔고딕" panose="020D0604000000000000" pitchFamily="50" charset="-127"/>
+                        </a:rPr>
+                        <a:t>. </a:t>
+                      </a:r>
+                      <a:r>
+                        <a:rPr lang="ko-KR" altLang="en-US" sz="1200" dirty="0" smtClean="0">
+                          <a:solidFill>
+                            <a:schemeClr val="tx1"/>
+                          </a:solidFill>
+                          <a:latin typeface="나눔고딕" panose="020D0604000000000000" pitchFamily="50" charset="-127"/>
+                          <a:ea typeface="나눔고딕" panose="020D0604000000000000" pitchFamily="50" charset="-127"/>
+                        </a:rPr>
+                        <a:t>대용량이 아니라면 </a:t>
+                      </a:r>
+                      <a:r>
+                        <a:rPr lang="ko-KR" altLang="en-US" sz="1200" dirty="0" err="1" smtClean="0">
+                          <a:solidFill>
+                            <a:schemeClr val="tx1"/>
+                          </a:solidFill>
+                          <a:latin typeface="나눔고딕" panose="020D0604000000000000" pitchFamily="50" charset="-127"/>
+                          <a:ea typeface="나눔고딕" panose="020D0604000000000000" pitchFamily="50" charset="-127"/>
+                        </a:rPr>
+                        <a:t>구지</a:t>
+                      </a:r>
+                      <a:r>
+                        <a:rPr lang="ko-KR" altLang="en-US" sz="1200" dirty="0" smtClean="0">
+                          <a:solidFill>
+                            <a:schemeClr val="tx1"/>
+                          </a:solidFill>
+                          <a:latin typeface="나눔고딕" panose="020D0604000000000000" pitchFamily="50" charset="-127"/>
+                          <a:ea typeface="나눔고딕" panose="020D0604000000000000" pitchFamily="50" charset="-127"/>
+                        </a:rPr>
+                        <a:t> 쓸 필요 없음</a:t>
+                      </a:r>
+                      <a:endParaRPr lang="ko-KR" altLang="en-US" sz="1200" dirty="0">
+                        <a:solidFill>
+                          <a:schemeClr val="tx1"/>
+                        </a:solidFill>
+                        <a:latin typeface="나눔고딕" panose="020D0604000000000000" pitchFamily="50" charset="-127"/>
+                        <a:ea typeface="나눔고딕" panose="020D0604000000000000" pitchFamily="50" charset="-127"/>
+                      </a:endParaRPr>
+                    </a:p>
+                  </a:txBody>
+                  <a:tcPr anchor="ctr">
+                    <a:lnL w="12700" cap="flat" cmpd="sng" algn="ctr">
+                      <a:solidFill>
+                        <a:schemeClr val="tx1"/>
+                      </a:solidFill>
+                      <a:prstDash val="solid"/>
+                      <a:round/>
+                      <a:headEnd type="none" w="med" len="med"/>
+                      <a:tailEnd type="none" w="med" len="med"/>
+                    </a:lnL>
+                    <a:lnR w="12700" cap="flat" cmpd="sng" algn="ctr">
+                      <a:solidFill>
+                        <a:schemeClr val="tx1"/>
+                      </a:solidFill>
+                      <a:prstDash val="solid"/>
+                      <a:round/>
+                      <a:headEnd type="none" w="med" len="med"/>
+                      <a:tailEnd type="none" w="med" len="med"/>
+                    </a:lnR>
+                    <a:lnT w="12700" cap="flat" cmpd="sng" algn="ctr">
+                      <a:solidFill>
+                        <a:schemeClr val="tx1"/>
+                      </a:solidFill>
+                      <a:prstDash val="solid"/>
+                      <a:round/>
+                      <a:headEnd type="none" w="med" len="med"/>
+                      <a:tailEnd type="none" w="med" len="med"/>
+                    </a:lnT>
+                    <a:lnB w="12700" cap="flat" cmpd="sng" algn="ctr">
+                      <a:solidFill>
+                        <a:schemeClr val="tx1"/>
+                      </a:solidFill>
+                      <a:prstDash val="solid"/>
+                      <a:round/>
+                      <a:headEnd type="none" w="med" len="med"/>
+                      <a:tailEnd type="none" w="med" len="med"/>
+                    </a:lnB>
+                    <a:lnTlToBr w="12700" cmpd="sng">
+                      <a:noFill/>
+                      <a:prstDash val="solid"/>
+                    </a:lnTlToBr>
+                    <a:lnBlToTr w="12700" cmpd="sng">
+                      <a:noFill/>
+                      <a:prstDash val="solid"/>
+                    </a:lnBlToTr>
+                    <a:noFill/>
+                  </a:tcPr>
+                </a:tc>
+                <a:tc>
+                  <a:txBody>
+                    <a:bodyPr/>
+                    <a:lstStyle/>
+                    <a:p>
+                      <a:pPr algn="ctr" latinLnBrk="1"/>
+                      <a:r>
+                        <a:rPr lang="ko-KR" altLang="en-US" sz="1200" dirty="0" smtClean="0">
+                          <a:solidFill>
+                            <a:schemeClr val="tx1"/>
+                          </a:solidFill>
+                          <a:latin typeface="나눔고딕" panose="020D0604000000000000" pitchFamily="50" charset="-127"/>
+                          <a:ea typeface="나눔고딕" panose="020D0604000000000000" pitchFamily="50" charset="-127"/>
+                        </a:rPr>
+                        <a:t>디스크에 쓰기가 </a:t>
+                      </a:r>
+                      <a:r>
+                        <a:rPr lang="ko-KR" altLang="en-US" sz="1200" dirty="0" err="1" smtClean="0">
+                          <a:solidFill>
+                            <a:schemeClr val="tx1"/>
+                          </a:solidFill>
+                          <a:latin typeface="나눔고딕" panose="020D0604000000000000" pitchFamily="50" charset="-127"/>
+                          <a:ea typeface="나눔고딕" panose="020D0604000000000000" pitchFamily="50" charset="-127"/>
+                        </a:rPr>
+                        <a:t>비동기식이기</a:t>
+                      </a:r>
+                      <a:r>
+                        <a:rPr lang="ko-KR" altLang="en-US" sz="1200" dirty="0" smtClean="0">
+                          <a:solidFill>
+                            <a:schemeClr val="tx1"/>
+                          </a:solidFill>
+                          <a:latin typeface="나눔고딕" panose="020D0604000000000000" pitchFamily="50" charset="-127"/>
+                          <a:ea typeface="나눔고딕" panose="020D0604000000000000" pitchFamily="50" charset="-127"/>
+                        </a:rPr>
+                        <a:t> 때문에 데이터 유실 가능성 있음</a:t>
+                      </a:r>
+                      <a:endParaRPr lang="ko-KR" altLang="en-US" sz="1200" dirty="0">
+                        <a:solidFill>
+                          <a:schemeClr val="tx1"/>
+                        </a:solidFill>
+                        <a:latin typeface="나눔고딕" panose="020D0604000000000000" pitchFamily="50" charset="-127"/>
+                        <a:ea typeface="나눔고딕" panose="020D0604000000000000" pitchFamily="50" charset="-127"/>
+                      </a:endParaRPr>
+                    </a:p>
+                  </a:txBody>
+                  <a:tcPr anchor="ctr">
+                    <a:lnL w="12700" cap="flat" cmpd="sng" algn="ctr">
+                      <a:solidFill>
+                        <a:schemeClr val="tx1"/>
+                      </a:solidFill>
+                      <a:prstDash val="solid"/>
+                      <a:round/>
+                      <a:headEnd type="none" w="med" len="med"/>
+                      <a:tailEnd type="none" w="med" len="med"/>
+                    </a:lnL>
+                    <a:lnR w="12700" cap="flat" cmpd="sng" algn="ctr">
+                      <a:solidFill>
+                        <a:schemeClr val="tx1"/>
+                      </a:solidFill>
+                      <a:prstDash val="solid"/>
+                      <a:round/>
+                      <a:headEnd type="none" w="med" len="med"/>
+                      <a:tailEnd type="none" w="med" len="med"/>
+                    </a:lnR>
+                    <a:lnT w="12700" cap="flat" cmpd="sng" algn="ctr">
+                      <a:solidFill>
+                        <a:schemeClr val="tx1"/>
+                      </a:solidFill>
+                      <a:prstDash val="solid"/>
+                      <a:round/>
+                      <a:headEnd type="none" w="med" len="med"/>
+                      <a:tailEnd type="none" w="med" len="med"/>
+                    </a:lnT>
+                    <a:lnB w="12700" cap="flat" cmpd="sng" algn="ctr">
+                      <a:solidFill>
+                        <a:schemeClr val="tx1"/>
+                      </a:solidFill>
+                      <a:prstDash val="solid"/>
+                      <a:round/>
+                      <a:headEnd type="none" w="med" len="med"/>
+                      <a:tailEnd type="none" w="med" len="med"/>
+                    </a:lnB>
+                    <a:lnTlToBr w="12700" cmpd="sng">
+                      <a:noFill/>
+                      <a:prstDash val="solid"/>
+                    </a:lnTlToBr>
+                    <a:lnBlToTr w="12700" cmpd="sng">
+                      <a:noFill/>
+                      <a:prstDash val="solid"/>
+                    </a:lnBlToTr>
+                    <a:noFill/>
+                  </a:tcPr>
+                </a:tc>
+              </a:tr>
+              <a:tr h="659045">
+                <a:tc>
+                  <a:txBody>
+                    <a:bodyPr/>
+                    <a:lstStyle/>
+                    <a:p>
+                      <a:pPr algn="ctr" latinLnBrk="1"/>
+                      <a:r>
+                        <a:rPr lang="ko-KR" altLang="en-US" sz="1200" dirty="0" smtClean="0">
+                          <a:solidFill>
+                            <a:schemeClr val="tx1"/>
+                          </a:solidFill>
+                          <a:latin typeface="나눔고딕" panose="020D0604000000000000" pitchFamily="50" charset="-127"/>
+                          <a:ea typeface="나눔고딕" panose="020D0604000000000000" pitchFamily="50" charset="-127"/>
+                        </a:rPr>
+                        <a:t>사례</a:t>
+                      </a:r>
+                      <a:endParaRPr lang="ko-KR" altLang="en-US" sz="1200" dirty="0">
+                        <a:solidFill>
+                          <a:schemeClr val="tx1"/>
+                        </a:solidFill>
+                        <a:latin typeface="나눔고딕" panose="020D0604000000000000" pitchFamily="50" charset="-127"/>
+                        <a:ea typeface="나눔고딕" panose="020D0604000000000000" pitchFamily="50" charset="-127"/>
+                      </a:endParaRPr>
+                    </a:p>
+                  </a:txBody>
+                  <a:tcPr anchor="ctr">
+                    <a:lnL w="12700" cap="flat" cmpd="sng" algn="ctr">
+                      <a:solidFill>
+                        <a:schemeClr val="tx1"/>
+                      </a:solidFill>
+                      <a:prstDash val="solid"/>
+                      <a:round/>
+                      <a:headEnd type="none" w="med" len="med"/>
+                      <a:tailEnd type="none" w="med" len="med"/>
+                    </a:lnL>
+                    <a:lnR w="12700" cap="flat" cmpd="sng" algn="ctr">
+                      <a:solidFill>
+                        <a:schemeClr val="tx1"/>
+                      </a:solidFill>
+                      <a:prstDash val="solid"/>
+                      <a:round/>
+                      <a:headEnd type="none" w="med" len="med"/>
+                      <a:tailEnd type="none" w="med" len="med"/>
+                    </a:lnR>
+                    <a:lnT w="12700" cap="flat" cmpd="sng" algn="ctr">
+                      <a:solidFill>
+                        <a:schemeClr val="tx1"/>
+                      </a:solidFill>
+                      <a:prstDash val="solid"/>
+                      <a:round/>
+                      <a:headEnd type="none" w="med" len="med"/>
+                      <a:tailEnd type="none" w="med" len="med"/>
+                    </a:lnT>
+                    <a:lnB w="12700" cap="flat" cmpd="sng" algn="ctr">
+                      <a:solidFill>
+                        <a:schemeClr val="tx1"/>
+                      </a:solidFill>
+                      <a:prstDash val="solid"/>
+                      <a:round/>
+                      <a:headEnd type="none" w="med" len="med"/>
+                      <a:tailEnd type="none" w="med" len="med"/>
+                    </a:lnB>
+                    <a:lnTlToBr w="12700" cmpd="sng">
+                      <a:noFill/>
+                      <a:prstDash val="solid"/>
+                    </a:lnTlToBr>
+                    <a:lnBlToTr w="12700" cmpd="sng">
+                      <a:noFill/>
+                      <a:prstDash val="solid"/>
+                    </a:lnBlToTr>
+                    <a:noFill/>
+                  </a:tcPr>
+                </a:tc>
+                <a:tc>
+                  <a:txBody>
+                    <a:bodyPr/>
+                    <a:lstStyle/>
+                    <a:p>
+                      <a:pPr algn="ctr" latinLnBrk="1"/>
+                      <a:r>
+                        <a:rPr lang="en-US" altLang="ko-KR" sz="1200" dirty="0" smtClean="0">
+                          <a:solidFill>
+                            <a:schemeClr val="tx1"/>
+                          </a:solidFill>
+                          <a:latin typeface="나눔고딕" panose="020D0604000000000000" pitchFamily="50" charset="-127"/>
+                          <a:ea typeface="나눔고딕" panose="020D0604000000000000" pitchFamily="50" charset="-127"/>
+                        </a:rPr>
+                        <a:t>Facebook</a:t>
+                      </a:r>
+                    </a:p>
+                    <a:p>
+                      <a:pPr algn="ctr" latinLnBrk="1"/>
+                      <a:r>
+                        <a:rPr lang="en-US" altLang="ko-KR" sz="1200" dirty="0" smtClean="0">
+                          <a:solidFill>
+                            <a:schemeClr val="tx1"/>
+                          </a:solidFill>
+                          <a:latin typeface="나눔고딕" panose="020D0604000000000000" pitchFamily="50" charset="-127"/>
+                          <a:ea typeface="나눔고딕" panose="020D0604000000000000" pitchFamily="50" charset="-127"/>
+                        </a:rPr>
+                        <a:t>eBay</a:t>
+                      </a:r>
+                    </a:p>
+                    <a:p>
+                      <a:pPr algn="ctr" latinLnBrk="1"/>
+                      <a:r>
+                        <a:rPr lang="en-US" altLang="ko-KR" sz="1200" dirty="0" err="1" smtClean="0">
+                          <a:solidFill>
+                            <a:schemeClr val="tx1"/>
+                          </a:solidFill>
+                          <a:latin typeface="나눔고딕" panose="020D0604000000000000" pitchFamily="50" charset="-127"/>
+                          <a:ea typeface="나눔고딕" panose="020D0604000000000000" pitchFamily="50" charset="-127"/>
+                        </a:rPr>
+                        <a:t>WorldLingo</a:t>
+                      </a:r>
+                      <a:endParaRPr lang="en-US" altLang="ko-KR" sz="1200" dirty="0" smtClean="0">
+                        <a:solidFill>
+                          <a:schemeClr val="tx1"/>
+                        </a:solidFill>
+                        <a:latin typeface="나눔고딕" panose="020D0604000000000000" pitchFamily="50" charset="-127"/>
+                        <a:ea typeface="나눔고딕" panose="020D0604000000000000" pitchFamily="50" charset="-127"/>
+                      </a:endParaRPr>
+                    </a:p>
+                    <a:p>
+                      <a:pPr algn="ctr" latinLnBrk="1"/>
+                      <a:r>
+                        <a:rPr lang="ko-KR" altLang="en-US" sz="1200" dirty="0" err="1" smtClean="0">
+                          <a:solidFill>
+                            <a:schemeClr val="tx1"/>
+                          </a:solidFill>
+                          <a:latin typeface="나눔고딕" panose="020D0604000000000000" pitchFamily="50" charset="-127"/>
+                          <a:ea typeface="나눔고딕" panose="020D0604000000000000" pitchFamily="50" charset="-127"/>
+                        </a:rPr>
+                        <a:t>분석등의</a:t>
+                      </a:r>
+                      <a:r>
+                        <a:rPr lang="ko-KR" altLang="en-US" sz="1200" dirty="0" smtClean="0">
+                          <a:solidFill>
+                            <a:schemeClr val="tx1"/>
+                          </a:solidFill>
+                          <a:latin typeface="나눔고딕" panose="020D0604000000000000" pitchFamily="50" charset="-127"/>
+                          <a:ea typeface="나눔고딕" panose="020D0604000000000000" pitchFamily="50" charset="-127"/>
+                        </a:rPr>
+                        <a:t> 용도로 </a:t>
+                      </a:r>
+                      <a:r>
+                        <a:rPr lang="en-US" altLang="ko-KR" sz="1200" dirty="0" err="1" smtClean="0">
+                          <a:solidFill>
+                            <a:schemeClr val="tx1"/>
+                          </a:solidFill>
+                          <a:latin typeface="나눔고딕" panose="020D0604000000000000" pitchFamily="50" charset="-127"/>
+                          <a:ea typeface="나눔고딕" panose="020D0604000000000000" pitchFamily="50" charset="-127"/>
+                        </a:rPr>
+                        <a:t>Hbase</a:t>
+                      </a:r>
+                      <a:r>
+                        <a:rPr lang="en-US" altLang="ko-KR" sz="1200" dirty="0" smtClean="0">
+                          <a:solidFill>
+                            <a:schemeClr val="tx1"/>
+                          </a:solidFill>
+                          <a:latin typeface="나눔고딕" panose="020D0604000000000000" pitchFamily="50" charset="-127"/>
+                          <a:ea typeface="나눔고딕" panose="020D0604000000000000" pitchFamily="50" charset="-127"/>
+                        </a:rPr>
+                        <a:t> </a:t>
+                      </a:r>
+                      <a:r>
+                        <a:rPr lang="ko-KR" altLang="en-US" sz="1200" dirty="0" smtClean="0">
+                          <a:solidFill>
+                            <a:schemeClr val="tx1"/>
+                          </a:solidFill>
+                          <a:latin typeface="나눔고딕" panose="020D0604000000000000" pitchFamily="50" charset="-127"/>
+                          <a:ea typeface="나눔고딕" panose="020D0604000000000000" pitchFamily="50" charset="-127"/>
+                        </a:rPr>
+                        <a:t>사용</a:t>
+                      </a:r>
+                      <a:endParaRPr lang="ko-KR" altLang="en-US" sz="1200" dirty="0">
+                        <a:solidFill>
+                          <a:schemeClr val="tx1"/>
+                        </a:solidFill>
+                        <a:latin typeface="나눔고딕" panose="020D0604000000000000" pitchFamily="50" charset="-127"/>
+                        <a:ea typeface="나눔고딕" panose="020D0604000000000000" pitchFamily="50" charset="-127"/>
+                      </a:endParaRPr>
+                    </a:p>
+                  </a:txBody>
+                  <a:tcPr anchor="ctr">
+                    <a:lnL w="12700" cap="flat" cmpd="sng" algn="ctr">
+                      <a:solidFill>
+                        <a:schemeClr val="tx1"/>
+                      </a:solidFill>
+                      <a:prstDash val="solid"/>
+                      <a:round/>
+                      <a:headEnd type="none" w="med" len="med"/>
+                      <a:tailEnd type="none" w="med" len="med"/>
+                    </a:lnL>
+                    <a:lnR w="12700" cap="flat" cmpd="sng" algn="ctr">
+                      <a:solidFill>
+                        <a:schemeClr val="tx1"/>
+                      </a:solidFill>
+                      <a:prstDash val="solid"/>
+                      <a:round/>
+                      <a:headEnd type="none" w="med" len="med"/>
+                      <a:tailEnd type="none" w="med" len="med"/>
+                    </a:lnR>
+                    <a:lnT w="12700" cap="flat" cmpd="sng" algn="ctr">
+                      <a:solidFill>
+                        <a:schemeClr val="tx1"/>
+                      </a:solidFill>
+                      <a:prstDash val="solid"/>
+                      <a:round/>
+                      <a:headEnd type="none" w="med" len="med"/>
+                      <a:tailEnd type="none" w="med" len="med"/>
+                    </a:lnT>
+                    <a:lnB w="12700" cap="flat" cmpd="sng" algn="ctr">
+                      <a:solidFill>
+                        <a:schemeClr val="tx1"/>
+                      </a:solidFill>
+                      <a:prstDash val="solid"/>
+                      <a:round/>
+                      <a:headEnd type="none" w="med" len="med"/>
+                      <a:tailEnd type="none" w="med" len="med"/>
+                    </a:lnB>
+                    <a:lnTlToBr w="12700" cmpd="sng">
+                      <a:noFill/>
+                      <a:prstDash val="solid"/>
+                    </a:lnTlToBr>
+                    <a:lnBlToTr w="12700" cmpd="sng">
+                      <a:noFill/>
+                      <a:prstDash val="solid"/>
+                    </a:lnBlToTr>
+                    <a:noFill/>
+                  </a:tcPr>
+                </a:tc>
+                <a:tc>
+                  <a:txBody>
+                    <a:bodyPr/>
+                    <a:lstStyle/>
+                    <a:p>
+                      <a:pPr algn="ctr" latinLnBrk="1"/>
+                      <a:r>
+                        <a:rPr lang="en-US" altLang="ko-KR" sz="1200" dirty="0" smtClean="0">
+                          <a:solidFill>
+                            <a:schemeClr val="tx1"/>
+                          </a:solidFill>
+                          <a:latin typeface="나눔고딕" panose="020D0604000000000000" pitchFamily="50" charset="-127"/>
+                          <a:ea typeface="나눔고딕" panose="020D0604000000000000" pitchFamily="50" charset="-127"/>
+                        </a:rPr>
+                        <a:t>Facebook</a:t>
+                      </a:r>
+                    </a:p>
+                    <a:p>
+                      <a:pPr algn="ctr" latinLnBrk="1"/>
+                      <a:r>
+                        <a:rPr lang="en-US" altLang="ko-KR" sz="1200" dirty="0" smtClean="0">
+                          <a:solidFill>
+                            <a:schemeClr val="tx1"/>
+                          </a:solidFill>
+                          <a:latin typeface="나눔고딕" panose="020D0604000000000000" pitchFamily="50" charset="-127"/>
+                          <a:ea typeface="나눔고딕" panose="020D0604000000000000" pitchFamily="50" charset="-127"/>
+                        </a:rPr>
+                        <a:t>Twitter</a:t>
+                      </a:r>
+                    </a:p>
+                    <a:p>
+                      <a:pPr algn="ctr" latinLnBrk="1"/>
+                      <a:r>
+                        <a:rPr lang="en-US" altLang="ko-KR" sz="1200" dirty="0" smtClean="0">
+                          <a:solidFill>
+                            <a:schemeClr val="tx1"/>
+                          </a:solidFill>
+                          <a:latin typeface="나눔고딕" panose="020D0604000000000000" pitchFamily="50" charset="-127"/>
+                          <a:ea typeface="나눔고딕" panose="020D0604000000000000" pitchFamily="50" charset="-127"/>
+                        </a:rPr>
+                        <a:t>Digg</a:t>
+                      </a:r>
+                    </a:p>
+                    <a:p>
+                      <a:pPr algn="ctr" latinLnBrk="1"/>
+                      <a:r>
+                        <a:rPr lang="ko-KR" altLang="en-US" sz="1200" dirty="0" smtClean="0">
+                          <a:solidFill>
+                            <a:schemeClr val="tx1"/>
+                          </a:solidFill>
+                          <a:latin typeface="나눔고딕" panose="020D0604000000000000" pitchFamily="50" charset="-127"/>
+                          <a:ea typeface="나눔고딕" panose="020D0604000000000000" pitchFamily="50" charset="-127"/>
+                        </a:rPr>
+                        <a:t>쓰기가 많은 서비스에서 사용</a:t>
+                      </a:r>
+                      <a:endParaRPr lang="ko-KR" altLang="en-US" sz="1200" dirty="0">
+                        <a:solidFill>
+                          <a:schemeClr val="tx1"/>
+                        </a:solidFill>
+                        <a:latin typeface="나눔고딕" panose="020D0604000000000000" pitchFamily="50" charset="-127"/>
+                        <a:ea typeface="나눔고딕" panose="020D0604000000000000" pitchFamily="50" charset="-127"/>
+                      </a:endParaRPr>
+                    </a:p>
+                  </a:txBody>
+                  <a:tcPr anchor="ctr">
+                    <a:lnL w="12700" cap="flat" cmpd="sng" algn="ctr">
+                      <a:solidFill>
+                        <a:schemeClr val="tx1"/>
+                      </a:solidFill>
+                      <a:prstDash val="solid"/>
+                      <a:round/>
+                      <a:headEnd type="none" w="med" len="med"/>
+                      <a:tailEnd type="none" w="med" len="med"/>
+                    </a:lnL>
+                    <a:lnR w="12700" cap="flat" cmpd="sng" algn="ctr">
+                      <a:solidFill>
+                        <a:schemeClr val="tx1"/>
+                      </a:solidFill>
+                      <a:prstDash val="solid"/>
+                      <a:round/>
+                      <a:headEnd type="none" w="med" len="med"/>
+                      <a:tailEnd type="none" w="med" len="med"/>
+                    </a:lnR>
+                    <a:lnT w="12700" cap="flat" cmpd="sng" algn="ctr">
+                      <a:solidFill>
+                        <a:schemeClr val="tx1"/>
+                      </a:solidFill>
+                      <a:prstDash val="solid"/>
+                      <a:round/>
+                      <a:headEnd type="none" w="med" len="med"/>
+                      <a:tailEnd type="none" w="med" len="med"/>
+                    </a:lnT>
+                    <a:lnB w="12700" cap="flat" cmpd="sng" algn="ctr">
+                      <a:solidFill>
+                        <a:schemeClr val="tx1"/>
+                      </a:solidFill>
+                      <a:prstDash val="solid"/>
+                      <a:round/>
+                      <a:headEnd type="none" w="med" len="med"/>
+                      <a:tailEnd type="none" w="med" len="med"/>
+                    </a:lnB>
+                    <a:lnTlToBr w="12700" cmpd="sng">
+                      <a:noFill/>
+                      <a:prstDash val="solid"/>
+                    </a:lnTlToBr>
+                    <a:lnBlToTr w="12700" cmpd="sng">
+                      <a:noFill/>
+                      <a:prstDash val="solid"/>
+                    </a:lnBlToTr>
+                    <a:noFill/>
+                  </a:tcPr>
+                </a:tc>
+                <a:tc>
+                  <a:txBody>
+                    <a:bodyPr/>
+                    <a:lstStyle/>
+                    <a:p>
+                      <a:pPr algn="ctr" latinLnBrk="1"/>
+                      <a:r>
+                        <a:rPr lang="en-US" altLang="ko-KR" sz="1200" dirty="0" smtClean="0">
+                          <a:solidFill>
+                            <a:schemeClr val="tx1"/>
+                          </a:solidFill>
+                          <a:latin typeface="나눔고딕" panose="020D0604000000000000" pitchFamily="50" charset="-127"/>
+                          <a:ea typeface="나눔고딕" panose="020D0604000000000000" pitchFamily="50" charset="-127"/>
+                        </a:rPr>
+                        <a:t>Foursquare</a:t>
+                      </a:r>
+                    </a:p>
+                    <a:p>
+                      <a:pPr algn="ctr" latinLnBrk="1"/>
+                      <a:r>
+                        <a:rPr lang="en-US" altLang="ko-KR" sz="1200" dirty="0" smtClean="0">
+                          <a:solidFill>
+                            <a:schemeClr val="tx1"/>
+                          </a:solidFill>
+                          <a:latin typeface="나눔고딕" panose="020D0604000000000000" pitchFamily="50" charset="-127"/>
+                          <a:ea typeface="나눔고딕" panose="020D0604000000000000" pitchFamily="50" charset="-127"/>
+                        </a:rPr>
+                        <a:t>Preferred</a:t>
+                      </a:r>
+                      <a:r>
+                        <a:rPr lang="en-US" altLang="ko-KR" sz="1200" baseline="0" dirty="0" smtClean="0">
+                          <a:solidFill>
+                            <a:schemeClr val="tx1"/>
+                          </a:solidFill>
+                          <a:latin typeface="나눔고딕" panose="020D0604000000000000" pitchFamily="50" charset="-127"/>
+                          <a:ea typeface="나눔고딕" panose="020D0604000000000000" pitchFamily="50" charset="-127"/>
+                        </a:rPr>
+                        <a:t> infrastructure</a:t>
+                      </a:r>
+                    </a:p>
+                    <a:p>
+                      <a:pPr algn="ctr" latinLnBrk="1"/>
+                      <a:r>
+                        <a:rPr lang="ko-KR" altLang="en-US" sz="1200" dirty="0" smtClean="0">
+                          <a:solidFill>
+                            <a:schemeClr val="tx1"/>
+                          </a:solidFill>
+                          <a:latin typeface="나눔고딕" panose="020D0604000000000000" pitchFamily="50" charset="-127"/>
+                          <a:ea typeface="나눔고딕" panose="020D0604000000000000" pitchFamily="50" charset="-127"/>
+                        </a:rPr>
+                        <a:t>아메바피아</a:t>
+                      </a:r>
+                      <a:endParaRPr lang="ko-KR" altLang="en-US" sz="1200" dirty="0">
+                        <a:solidFill>
+                          <a:schemeClr val="tx1"/>
+                        </a:solidFill>
+                        <a:latin typeface="나눔고딕" panose="020D0604000000000000" pitchFamily="50" charset="-127"/>
+                        <a:ea typeface="나눔고딕" panose="020D0604000000000000" pitchFamily="50" charset="-127"/>
+                      </a:endParaRPr>
+                    </a:p>
+                  </a:txBody>
+                  <a:tcPr anchor="ctr">
+                    <a:lnL w="12700" cap="flat" cmpd="sng" algn="ctr">
+                      <a:solidFill>
+                        <a:schemeClr val="tx1"/>
+                      </a:solidFill>
+                      <a:prstDash val="solid"/>
+                      <a:round/>
+                      <a:headEnd type="none" w="med" len="med"/>
+                      <a:tailEnd type="none" w="med" len="med"/>
+                    </a:lnL>
+                    <a:lnR w="12700" cap="flat" cmpd="sng" algn="ctr">
+                      <a:solidFill>
+                        <a:schemeClr val="tx1"/>
+                      </a:solidFill>
+                      <a:prstDash val="solid"/>
+                      <a:round/>
+                      <a:headEnd type="none" w="med" len="med"/>
+                      <a:tailEnd type="none" w="med" len="med"/>
+                    </a:lnR>
+                    <a:lnT w="12700" cap="flat" cmpd="sng" algn="ctr">
+                      <a:solidFill>
+                        <a:schemeClr val="tx1"/>
+                      </a:solidFill>
+                      <a:prstDash val="solid"/>
+                      <a:round/>
+                      <a:headEnd type="none" w="med" len="med"/>
+                      <a:tailEnd type="none" w="med" len="med"/>
+                    </a:lnT>
+                    <a:lnB w="12700" cap="flat" cmpd="sng" algn="ctr">
+                      <a:solidFill>
+                        <a:schemeClr val="tx1"/>
+                      </a:solidFill>
+                      <a:prstDash val="solid"/>
+                      <a:round/>
+                      <a:headEnd type="none" w="med" len="med"/>
+                      <a:tailEnd type="none" w="med" len="med"/>
+                    </a:lnB>
+                    <a:lnTlToBr w="12700" cmpd="sng">
+                      <a:noFill/>
+                      <a:prstDash val="solid"/>
+                    </a:lnTlToBr>
+                    <a:lnBlToTr w="12700" cmpd="sng">
+                      <a:noFill/>
+                      <a:prstDash val="solid"/>
+                    </a:lnBlToTr>
+                    <a:noFill/>
+                  </a:tcPr>
+                </a:tc>
+              </a:tr>
+            </a:tbl>
+          </a:graphicData>
+        </a:graphic>
+      </p:graphicFrame>
+      <p:sp>
+        <p:nvSpPr>
+          <p:cNvPr id="6" name="직사각형 5"/>
+          <p:cNvSpPr/>
+          <p:nvPr/>
+        </p:nvSpPr>
+        <p:spPr>
+          <a:xfrm>
+            <a:off x="4355976" y="522972"/>
+            <a:ext cx="4572000" cy="646331"/>
+          </a:xfrm>
+          <a:prstGeom prst="rect">
+            <a:avLst/>
+          </a:prstGeom>
+        </p:spPr>
+        <p:txBody>
+          <a:bodyPr>
+            <a:spAutoFit/>
+          </a:bodyPr>
+          <a:lstStyle/>
+          <a:p>
+            <a:r>
+              <a:rPr lang="en-US" altLang="ko-KR" dirty="0">
+                <a:hlinkClick r:id="rId2"/>
+              </a:rPr>
+              <a:t>http://blog.naver.com/PostView.nhn?blogId=samuelc&amp;logNo=20186928327</a:t>
+            </a:r>
+            <a:endParaRPr lang="ko-KR" altLang="en-US" dirty="0"/>
+          </a:p>
+        </p:txBody>
+      </p:sp>
+    </p:spTree>
+    <p:extLst>
+      <p:ext uri="{BB962C8B-B14F-4D97-AF65-F5344CB8AC3E}">
+        <p14:creationId xmlns:p14="http://schemas.microsoft.com/office/powerpoint/2010/main" val="2335590314"/>
+      </p:ext>
+    </p:extLst>
+  </p:cSld>
+  <p:clrMapOvr>
+    <a:masterClrMapping/>
+  </p:clrMapOvr>
+</p:sld>
+</file>
+
+<file path=ppt/slides/slide10.xml><?xml version="1.0" encoding="utf-8"?>
+<p:sld xmlns:a="http://schemas.openxmlformats.org/drawingml/2006/main" xmlns:r="http://schemas.openxmlformats.org/officeDocument/2006/relationships" xmlns:p="http://schemas.openxmlformats.org/presentationml/2006/main">
+  <p:cSld>
+    <p:spTree>
+      <p:nvGrpSpPr>
+        <p:cNvPr id="1" name=""/>
+        <p:cNvGrpSpPr/>
+        <p:nvPr/>
+      </p:nvGrpSpPr>
+      <p:grpSpPr>
+        <a:xfrm>
+          <a:off x="0" y="0"/>
+          <a:ext cx="0" cy="0"/>
+          <a:chOff x="0" y="0"/>
+          <a:chExt cx="0" cy="0"/>
+        </a:xfrm>
+      </p:grpSpPr>
+      <p:sp>
+        <p:nvSpPr>
+          <p:cNvPr id="4" name="제목 1"/>
+          <p:cNvSpPr>
+            <a:spLocks noGrp="1"/>
+          </p:cNvSpPr>
+          <p:nvPr>
+            <p:ph type="title"/>
+          </p:nvPr>
+        </p:nvSpPr>
+        <p:spPr>
+          <a:xfrm>
+            <a:off x="457200" y="274638"/>
+            <a:ext cx="8229600" cy="1143000"/>
+          </a:xfrm>
+        </p:spPr>
+        <p:txBody>
+          <a:bodyPr/>
+          <a:lstStyle/>
+          <a:p>
+            <a:pPr algn="l"/>
+            <a:r>
+              <a:rPr lang="ko-KR" altLang="en-US" dirty="0" err="1" smtClean="0"/>
+              <a:t>ㅁ</a:t>
+            </a:r>
+            <a:endParaRPr lang="ko-KR" altLang="en-US" dirty="0"/>
+          </a:p>
+        </p:txBody>
+      </p:sp>
+      <p:sp>
+        <p:nvSpPr>
+          <p:cNvPr id="5" name="내용 개체 틀 2"/>
+          <p:cNvSpPr>
+            <a:spLocks noGrp="1"/>
+          </p:cNvSpPr>
+          <p:nvPr>
+            <p:ph idx="1"/>
+          </p:nvPr>
+        </p:nvSpPr>
+        <p:spPr>
+          <a:xfrm>
+            <a:off x="457200" y="1600200"/>
+            <a:ext cx="8229600" cy="4525963"/>
+          </a:xfrm>
+        </p:spPr>
+        <p:txBody>
+          <a:bodyPr/>
+          <a:lstStyle/>
+          <a:p>
+            <a:r>
+              <a:rPr lang="ko-KR" altLang="en-US" dirty="0" smtClean="0"/>
+              <a:t>우</a:t>
+            </a:r>
+            <a:r>
+              <a:rPr lang="ko-KR" altLang="en-US" dirty="0"/>
+              <a:t>지</a:t>
+            </a:r>
+            <a:r>
+              <a:rPr lang="en-US" altLang="ko-KR" dirty="0" smtClean="0"/>
+              <a:t>(</a:t>
+            </a:r>
+            <a:r>
+              <a:rPr lang="en-US" altLang="ko-KR" dirty="0" err="1" smtClean="0"/>
+              <a:t>Oozie</a:t>
+            </a:r>
+            <a:r>
+              <a:rPr lang="en-US" altLang="ko-KR" dirty="0" smtClean="0"/>
+              <a:t>)</a:t>
+            </a:r>
+          </a:p>
+          <a:p>
+            <a:pPr marL="0" indent="0">
+              <a:buNone/>
+            </a:pPr>
+            <a:endParaRPr lang="en-US" altLang="ko-KR" sz="1600" dirty="0"/>
+          </a:p>
+          <a:p>
+            <a:pPr marL="0" indent="0">
+              <a:buNone/>
+            </a:pPr>
+            <a:r>
+              <a:rPr lang="ko-KR" altLang="en-US" sz="1600" dirty="0" smtClean="0"/>
+              <a:t> </a:t>
+            </a:r>
+            <a:r>
+              <a:rPr lang="ko-KR" altLang="en-US" sz="1600" dirty="0" err="1">
+                <a:hlinkClick r:id="rId2"/>
+              </a:rPr>
+              <a:t>하둡</a:t>
+            </a:r>
+            <a:r>
+              <a:rPr lang="ko-KR" altLang="en-US" sz="1600" dirty="0" err="1"/>
+              <a:t>의</a:t>
+            </a:r>
+            <a:r>
+              <a:rPr lang="ko-KR" altLang="en-US" sz="1600" dirty="0"/>
+              <a:t> </a:t>
+            </a:r>
+            <a:r>
+              <a:rPr lang="ko-KR" altLang="en-US" sz="1600" dirty="0" err="1"/>
+              <a:t>워크플로우를</a:t>
+            </a:r>
+            <a:r>
+              <a:rPr lang="ko-KR" altLang="en-US" sz="1600" dirty="0"/>
+              <a:t> 관리한다</a:t>
+            </a:r>
+            <a:r>
+              <a:rPr lang="en-US" altLang="ko-KR" sz="1600" dirty="0"/>
+              <a:t>. </a:t>
+            </a:r>
+            <a:r>
+              <a:rPr lang="ko-KR" altLang="en-US" sz="1600" dirty="0"/>
+              <a:t>일정한 시간이 경과하거나 또는 주기적으로 반복해서 실행될 수 있는 </a:t>
+            </a:r>
+            <a:r>
+              <a:rPr lang="ko-KR" altLang="en-US" sz="1600" dirty="0" err="1"/>
+              <a:t>잡들에</a:t>
+            </a:r>
+            <a:r>
+              <a:rPr lang="ko-KR" altLang="en-US" sz="1600" dirty="0"/>
+              <a:t> 대하여 관리하며 </a:t>
+            </a:r>
+            <a:r>
+              <a:rPr lang="ko-KR" altLang="en-US" sz="1600" dirty="0" err="1"/>
+              <a:t>맵리듀스</a:t>
+            </a:r>
+            <a:r>
+              <a:rPr lang="ko-KR" altLang="en-US" sz="1600" dirty="0"/>
+              <a:t> </a:t>
+            </a:r>
+            <a:r>
+              <a:rPr lang="ko-KR" altLang="en-US" sz="1600" dirty="0" err="1"/>
+              <a:t>잡</a:t>
+            </a:r>
+            <a:r>
+              <a:rPr lang="en-US" altLang="ko-KR" sz="1600" dirty="0"/>
+              <a:t>, </a:t>
+            </a:r>
+            <a:r>
+              <a:rPr lang="ko-KR" altLang="en-US" sz="1600" dirty="0" err="1"/>
+              <a:t>피그</a:t>
+            </a:r>
+            <a:r>
+              <a:rPr lang="ko-KR" altLang="en-US" sz="1600" dirty="0"/>
+              <a:t> </a:t>
+            </a:r>
+            <a:r>
+              <a:rPr lang="ko-KR" altLang="en-US" sz="1600" dirty="0" err="1"/>
+              <a:t>잡</a:t>
+            </a:r>
+            <a:r>
+              <a:rPr lang="ko-KR" altLang="en-US" sz="1600" dirty="0"/>
+              <a:t> 등의 시작과 완료 그리고 실행 중 </a:t>
+            </a:r>
+            <a:r>
+              <a:rPr lang="ko-KR" altLang="en-US" sz="1600" dirty="0" err="1"/>
+              <a:t>에러등의</a:t>
+            </a:r>
+            <a:r>
+              <a:rPr lang="ko-KR" altLang="en-US" sz="1600" dirty="0"/>
+              <a:t> 이벤트를 콜 백할 수 있다</a:t>
+            </a:r>
+            <a:r>
+              <a:rPr lang="en-US" altLang="ko-KR" sz="1600" dirty="0"/>
+              <a:t>.</a:t>
+            </a:r>
+          </a:p>
+        </p:txBody>
+      </p:sp>
+      <p:pic>
+        <p:nvPicPr>
+          <p:cNvPr id="6" name="Picture 2" descr="image"/>
+          <p:cNvPicPr>
+            <a:picLocks noChangeAspect="1" noChangeArrowheads="1"/>
+          </p:cNvPicPr>
+          <p:nvPr/>
+        </p:nvPicPr>
+        <p:blipFill>
+          <a:blip r:embed="rId3">
+            <a:extLst>
+              <a:ext uri="{28A0092B-C50C-407E-A947-70E740481C1C}">
+                <a14:useLocalDpi xmlns:a14="http://schemas.microsoft.com/office/drawing/2010/main" val="0"/>
+              </a:ext>
+            </a:extLst>
+          </a:blip>
+          <a:srcRect/>
+          <a:stretch>
+            <a:fillRect/>
+          </a:stretch>
+        </p:blipFill>
+        <p:spPr bwMode="auto">
+          <a:xfrm>
+            <a:off x="5436096" y="188640"/>
+            <a:ext cx="2675533" cy="2008747"/>
+          </a:xfrm>
+          <a:prstGeom prst="rect">
+            <a:avLst/>
+          </a:prstGeom>
+          <a:noFill/>
+          <a:extLst>
+            <a:ext uri="{909E8E84-426E-40DD-AFC4-6F175D3DCCD1}">
+              <a14:hiddenFill xmlns:a14="http://schemas.microsoft.com/office/drawing/2010/main">
+                <a:solidFill>
+                  <a:srgbClr val="FFFFFF"/>
+                </a:solidFill>
+              </a14:hiddenFill>
+            </a:ext>
+          </a:extLst>
+        </p:spPr>
+      </p:pic>
+    </p:spTree>
+    <p:extLst>
+      <p:ext uri="{BB962C8B-B14F-4D97-AF65-F5344CB8AC3E}">
+        <p14:creationId xmlns:p14="http://schemas.microsoft.com/office/powerpoint/2010/main" val="1119777925"/>
+      </p:ext>
+    </p:extLst>
+  </p:cSld>
+  <p:clrMapOvr>
+    <a:masterClrMapping/>
+  </p:clrMapOvr>
+</p:sld>
+</file>
+
+<file path=ppt/slides/slide11.xml><?xml version="1.0" encoding="utf-8"?>
+<p:sld xmlns:a="http://schemas.openxmlformats.org/drawingml/2006/main" xmlns:r="http://schemas.openxmlformats.org/officeDocument/2006/relationships" xmlns:p="http://schemas.openxmlformats.org/presentationml/2006/main">
+  <p:cSld>
+    <p:spTree>
+      <p:nvGrpSpPr>
+        <p:cNvPr id="1" name=""/>
+        <p:cNvGrpSpPr/>
+        <p:nvPr/>
+      </p:nvGrpSpPr>
+      <p:grpSpPr>
+        <a:xfrm>
+          <a:off x="0" y="0"/>
+          <a:ext cx="0" cy="0"/>
+          <a:chOff x="0" y="0"/>
+          <a:chExt cx="0" cy="0"/>
+        </a:xfrm>
+      </p:grpSpPr>
+      <p:sp>
+        <p:nvSpPr>
+          <p:cNvPr id="4" name="제목 1"/>
+          <p:cNvSpPr>
+            <a:spLocks noGrp="1"/>
+          </p:cNvSpPr>
+          <p:nvPr>
+            <p:ph type="title"/>
+          </p:nvPr>
+        </p:nvSpPr>
+        <p:spPr>
+          <a:xfrm>
+            <a:off x="457200" y="274638"/>
+            <a:ext cx="8229600" cy="1143000"/>
+          </a:xfrm>
+        </p:spPr>
+        <p:txBody>
+          <a:bodyPr/>
+          <a:lstStyle/>
+          <a:p>
+            <a:pPr algn="l"/>
+            <a:r>
+              <a:rPr lang="ko-KR" altLang="en-US" dirty="0" err="1" smtClean="0"/>
+              <a:t>ㅁ</a:t>
+            </a:r>
+            <a:endParaRPr lang="ko-KR" altLang="en-US" dirty="0"/>
+          </a:p>
+        </p:txBody>
+      </p:sp>
+      <p:sp>
+        <p:nvSpPr>
+          <p:cNvPr id="5" name="내용 개체 틀 2"/>
+          <p:cNvSpPr>
+            <a:spLocks noGrp="1"/>
+          </p:cNvSpPr>
+          <p:nvPr>
+            <p:ph idx="1"/>
+          </p:nvPr>
+        </p:nvSpPr>
+        <p:spPr>
+          <a:xfrm>
+            <a:off x="457200" y="1600200"/>
+            <a:ext cx="8229600" cy="4525963"/>
+          </a:xfrm>
+        </p:spPr>
+        <p:txBody>
+          <a:bodyPr/>
+          <a:lstStyle/>
+          <a:p>
+            <a:r>
+              <a:rPr lang="ko-KR" altLang="en-US" dirty="0" err="1" smtClean="0"/>
+              <a:t>에이브로</a:t>
+            </a:r>
+            <a:r>
+              <a:rPr lang="en-US" altLang="ko-KR" dirty="0" smtClean="0"/>
+              <a:t>(Avro)</a:t>
+            </a:r>
+          </a:p>
+          <a:p>
+            <a:pPr marL="0" indent="0">
+              <a:buNone/>
+            </a:pPr>
+            <a:endParaRPr lang="en-US" altLang="ko-KR" sz="1600" dirty="0" smtClean="0"/>
+          </a:p>
+          <a:p>
+            <a:pPr marL="0" indent="0">
+              <a:buNone/>
+            </a:pPr>
+            <a:r>
+              <a:rPr lang="ko-KR" altLang="en-US" sz="1600" dirty="0" smtClean="0"/>
+              <a:t> </a:t>
+            </a:r>
+            <a:r>
+              <a:rPr lang="ko-KR" altLang="en-US" sz="1600" dirty="0"/>
+              <a:t>데이터 직렬화 프레임워크이다</a:t>
+            </a:r>
+            <a:r>
+              <a:rPr lang="en-US" altLang="ko-KR" sz="1600" dirty="0"/>
+              <a:t>. </a:t>
+            </a:r>
+            <a:r>
+              <a:rPr lang="ko-KR" altLang="en-US" sz="1600" dirty="0"/>
+              <a:t>가장 큰 특징은 </a:t>
+            </a:r>
+            <a:r>
+              <a:rPr lang="en-US" altLang="ko-KR" sz="1600" dirty="0"/>
+              <a:t>'</a:t>
+            </a:r>
+            <a:r>
+              <a:rPr lang="ko-KR" altLang="en-US" sz="1600" dirty="0"/>
+              <a:t>특정 언어에 종속되지 않는다</a:t>
+            </a:r>
+            <a:r>
+              <a:rPr lang="en-US" altLang="ko-KR" sz="1600" dirty="0"/>
+              <a:t>' </a:t>
+            </a:r>
+            <a:r>
+              <a:rPr lang="ko-KR" altLang="en-US" sz="1600" dirty="0"/>
+              <a:t>이다</a:t>
+            </a:r>
+            <a:r>
+              <a:rPr lang="en-US" altLang="ko-KR" sz="1600" dirty="0"/>
+              <a:t>. </a:t>
+            </a:r>
+            <a:r>
+              <a:rPr lang="ko-KR" altLang="en-US" sz="1600" dirty="0"/>
+              <a:t>다양한 언어</a:t>
+            </a:r>
+            <a:r>
+              <a:rPr lang="en-US" altLang="ko-KR" sz="1600" dirty="0"/>
+              <a:t>(C, </a:t>
+            </a:r>
+            <a:r>
+              <a:rPr lang="ko-KR" altLang="en-US" sz="1600" dirty="0"/>
+              <a:t>자바</a:t>
+            </a:r>
+            <a:r>
+              <a:rPr lang="en-US" altLang="ko-KR" sz="1600" dirty="0"/>
+              <a:t>, </a:t>
+            </a:r>
+            <a:r>
+              <a:rPr lang="ko-KR" altLang="en-US" sz="1600" dirty="0">
+                <a:hlinkClick r:id="rId2"/>
+              </a:rPr>
+              <a:t>펄</a:t>
+            </a:r>
+            <a:r>
+              <a:rPr lang="en-US" altLang="ko-KR" sz="1600" dirty="0"/>
+              <a:t>, </a:t>
+            </a:r>
+            <a:r>
+              <a:rPr lang="ko-KR" altLang="en-US" sz="1600" dirty="0" err="1">
+                <a:hlinkClick r:id="rId3"/>
+              </a:rPr>
+              <a:t>파이썬</a:t>
+            </a:r>
+            <a:r>
+              <a:rPr lang="en-US" altLang="ko-KR" sz="1600" dirty="0"/>
+              <a:t>, </a:t>
+            </a:r>
+            <a:r>
+              <a:rPr lang="ko-KR" altLang="en-US" sz="1600" dirty="0"/>
+              <a:t>루비 등</a:t>
+            </a:r>
+            <a:r>
+              <a:rPr lang="en-US" altLang="ko-KR" sz="1600" dirty="0"/>
+              <a:t>)</a:t>
+            </a:r>
+            <a:r>
+              <a:rPr lang="ko-KR" altLang="en-US" sz="1600" dirty="0"/>
+              <a:t>로 데이터를 쉽게 공유할 수 있는 것이다</a:t>
+            </a:r>
+            <a:r>
+              <a:rPr lang="en-US" altLang="ko-KR" sz="1600" dirty="0"/>
+              <a:t>. </a:t>
+            </a:r>
+            <a:r>
+              <a:rPr lang="ko-KR" altLang="en-US" sz="1600" dirty="0"/>
+              <a:t>따라서 어떤 언어가 사라진다 하더라도 </a:t>
+            </a:r>
+            <a:r>
+              <a:rPr lang="ko-KR" altLang="en-US" sz="1600" dirty="0" err="1"/>
+              <a:t>에이브로를</a:t>
+            </a:r>
+            <a:r>
+              <a:rPr lang="ko-KR" altLang="en-US" sz="1600" dirty="0"/>
+              <a:t> 통한 데이터 직렬화가 가능하다</a:t>
+            </a:r>
+            <a:r>
+              <a:rPr lang="en-US" altLang="ko-KR" sz="1600" dirty="0"/>
+              <a:t>. </a:t>
+            </a:r>
+            <a:r>
+              <a:rPr lang="ko-KR" altLang="en-US" sz="1600" dirty="0"/>
+              <a:t>스키마를 보통 </a:t>
+            </a:r>
+            <a:r>
+              <a:rPr lang="en-US" altLang="ko-KR" sz="1600" dirty="0"/>
+              <a:t>JSON</a:t>
+            </a:r>
+            <a:r>
+              <a:rPr lang="ko-KR" altLang="en-US" sz="1600" dirty="0"/>
+              <a:t>으로 작성하며 바이너리 형태로 </a:t>
+            </a:r>
+            <a:r>
+              <a:rPr lang="ko-KR" altLang="en-US" sz="1600" dirty="0" err="1"/>
+              <a:t>인코딩한다</a:t>
+            </a:r>
+            <a:r>
+              <a:rPr lang="en-US" altLang="ko-KR" sz="1600" dirty="0"/>
+              <a:t>.</a:t>
+            </a:r>
+          </a:p>
+        </p:txBody>
+      </p:sp>
+      <p:pic>
+        <p:nvPicPr>
+          <p:cNvPr id="1028" name="Picture 4" descr="image"/>
+          <p:cNvPicPr>
+            <a:picLocks noChangeAspect="1" noChangeArrowheads="1"/>
+          </p:cNvPicPr>
+          <p:nvPr/>
+        </p:nvPicPr>
+        <p:blipFill>
+          <a:blip r:embed="rId4">
+            <a:extLst>
+              <a:ext uri="{28A0092B-C50C-407E-A947-70E740481C1C}">
+                <a14:useLocalDpi xmlns:a14="http://schemas.microsoft.com/office/drawing/2010/main" val="0"/>
+              </a:ext>
+            </a:extLst>
+          </a:blip>
+          <a:srcRect/>
+          <a:stretch>
+            <a:fillRect/>
+          </a:stretch>
+        </p:blipFill>
+        <p:spPr bwMode="auto">
+          <a:xfrm>
+            <a:off x="4932040" y="260648"/>
+            <a:ext cx="3395613" cy="2068134"/>
+          </a:xfrm>
+          <a:prstGeom prst="rect">
+            <a:avLst/>
+          </a:prstGeom>
+          <a:noFill/>
+          <a:extLst>
+            <a:ext uri="{909E8E84-426E-40DD-AFC4-6F175D3DCCD1}">
+              <a14:hiddenFill xmlns:a14="http://schemas.microsoft.com/office/drawing/2010/main">
+                <a:solidFill>
+                  <a:srgbClr val="FFFFFF"/>
+                </a:solidFill>
+              </a14:hiddenFill>
+            </a:ext>
+          </a:extLst>
+        </p:spPr>
+      </p:pic>
+    </p:spTree>
+    <p:extLst>
+      <p:ext uri="{BB962C8B-B14F-4D97-AF65-F5344CB8AC3E}">
+        <p14:creationId xmlns:p14="http://schemas.microsoft.com/office/powerpoint/2010/main" val="2730112565"/>
+      </p:ext>
+    </p:extLst>
+  </p:cSld>
+  <p:clrMapOvr>
+    <a:masterClrMapping/>
+  </p:clrMapOvr>
+</p:sld>
+</file>
+
+<file path=ppt/slides/slide12.xml><?xml version="1.0" encoding="utf-8"?>
+<p:sld xmlns:a="http://schemas.openxmlformats.org/drawingml/2006/main" xmlns:r="http://schemas.openxmlformats.org/officeDocument/2006/relationships" xmlns:p="http://schemas.openxmlformats.org/presentationml/2006/main">
+  <p:cSld>
+    <p:spTree>
+      <p:nvGrpSpPr>
+        <p:cNvPr id="1" name=""/>
+        <p:cNvGrpSpPr/>
+        <p:nvPr/>
+      </p:nvGrpSpPr>
+      <p:grpSpPr>
+        <a:xfrm>
+          <a:off x="0" y="0"/>
+          <a:ext cx="0" cy="0"/>
+          <a:chOff x="0" y="0"/>
+          <a:chExt cx="0" cy="0"/>
+        </a:xfrm>
+      </p:grpSpPr>
+      <p:sp>
+        <p:nvSpPr>
+          <p:cNvPr id="4" name="제목 1"/>
+          <p:cNvSpPr>
+            <a:spLocks noGrp="1"/>
+          </p:cNvSpPr>
+          <p:nvPr>
+            <p:ph type="title"/>
+          </p:nvPr>
+        </p:nvSpPr>
+        <p:spPr>
+          <a:xfrm>
+            <a:off x="457200" y="274638"/>
+            <a:ext cx="8229600" cy="1143000"/>
+          </a:xfrm>
+        </p:spPr>
+        <p:txBody>
+          <a:bodyPr/>
+          <a:lstStyle/>
+          <a:p>
+            <a:pPr algn="l"/>
+            <a:r>
+              <a:rPr lang="ko-KR" altLang="en-US" dirty="0" err="1" smtClean="0"/>
+              <a:t>ㅁ</a:t>
+            </a:r>
+            <a:endParaRPr lang="ko-KR" altLang="en-US" dirty="0"/>
+          </a:p>
+        </p:txBody>
+      </p:sp>
+      <p:sp>
+        <p:nvSpPr>
+          <p:cNvPr id="5" name="내용 개체 틀 2"/>
+          <p:cNvSpPr>
+            <a:spLocks noGrp="1"/>
+          </p:cNvSpPr>
+          <p:nvPr>
+            <p:ph idx="1"/>
+          </p:nvPr>
+        </p:nvSpPr>
+        <p:spPr>
+          <a:xfrm>
+            <a:off x="457200" y="1600200"/>
+            <a:ext cx="8229600" cy="4525963"/>
+          </a:xfrm>
+        </p:spPr>
+        <p:txBody>
+          <a:bodyPr/>
+          <a:lstStyle/>
+          <a:p>
+            <a:r>
+              <a:rPr lang="ko-KR" altLang="en-US" dirty="0" err="1" smtClean="0"/>
+              <a:t>파케</a:t>
+            </a:r>
+            <a:r>
+              <a:rPr lang="ko-KR" altLang="en-US" dirty="0" err="1"/>
+              <a:t>이</a:t>
+            </a:r>
+            <a:r>
+              <a:rPr lang="en-US" altLang="ko-KR" dirty="0" smtClean="0"/>
+              <a:t>(Parquet)</a:t>
+            </a:r>
+          </a:p>
+          <a:p>
+            <a:pPr marL="0" indent="0">
+              <a:buNone/>
+            </a:pPr>
+            <a:endParaRPr lang="en-US" altLang="ko-KR" sz="1600" dirty="0"/>
+          </a:p>
+          <a:p>
+            <a:pPr marL="0" indent="0">
+              <a:buNone/>
+            </a:pPr>
+            <a:r>
+              <a:rPr lang="ko-KR" altLang="en-US" sz="1600" dirty="0" smtClean="0"/>
+              <a:t> </a:t>
+            </a:r>
+            <a:r>
+              <a:rPr lang="ko-KR" altLang="en-US" sz="1600" dirty="0" err="1"/>
+              <a:t>컬럼</a:t>
+            </a:r>
+            <a:r>
+              <a:rPr lang="ko-KR" altLang="en-US" sz="1600" dirty="0"/>
+              <a:t> 기준으로 데이터를 저장하는 포맷이다</a:t>
+            </a:r>
+            <a:r>
+              <a:rPr lang="en-US" altLang="ko-KR" sz="1600" dirty="0"/>
+              <a:t>. </a:t>
+            </a:r>
+            <a:r>
+              <a:rPr lang="ko-KR" altLang="en-US" sz="1600" dirty="0" err="1"/>
+              <a:t>컬럼</a:t>
+            </a:r>
+            <a:r>
+              <a:rPr lang="ko-KR" altLang="en-US" sz="1600" dirty="0"/>
+              <a:t> 단위의 중첩된 데이터 저장은 효율적으로 저장공간을 절약한다</a:t>
+            </a:r>
+            <a:r>
+              <a:rPr lang="en-US" altLang="ko-KR" sz="1600" dirty="0"/>
+              <a:t>. </a:t>
+            </a:r>
+            <a:r>
+              <a:rPr lang="ko-KR" altLang="en-US" sz="1600" dirty="0"/>
+              <a:t>또한</a:t>
+            </a:r>
+            <a:r>
+              <a:rPr lang="en-US" altLang="ko-KR" sz="1600" dirty="0"/>
+              <a:t>, </a:t>
+            </a:r>
+            <a:r>
+              <a:rPr lang="ko-KR" altLang="en-US" sz="1600" dirty="0"/>
+              <a:t>특정 열 값을 가져오는 쿼리가 전체 행을 읽을 필요가 없기 때문에 성능이 좋은 프레임워크이다</a:t>
+            </a:r>
+            <a:r>
+              <a:rPr lang="en-US" altLang="ko-KR" sz="1600" dirty="0"/>
+              <a:t>.</a:t>
+            </a:r>
+          </a:p>
+        </p:txBody>
+      </p:sp>
+    </p:spTree>
+    <p:extLst>
+      <p:ext uri="{BB962C8B-B14F-4D97-AF65-F5344CB8AC3E}">
+        <p14:creationId xmlns:p14="http://schemas.microsoft.com/office/powerpoint/2010/main" val="2315634507"/>
+      </p:ext>
+    </p:extLst>
+  </p:cSld>
+  <p:clrMapOvr>
+    <a:masterClrMapping/>
+  </p:clrMapOvr>
+</p:sld>
+</file>
+
+<file path=ppt/slides/slide13.xml><?xml version="1.0" encoding="utf-8"?>
+<p:sld xmlns:a="http://schemas.openxmlformats.org/drawingml/2006/main" xmlns:r="http://schemas.openxmlformats.org/officeDocument/2006/relationships" xmlns:p="http://schemas.openxmlformats.org/presentationml/2006/main">
+  <p:cSld>
+    <p:spTree>
+      <p:nvGrpSpPr>
+        <p:cNvPr id="1" name=""/>
+        <p:cNvGrpSpPr/>
+        <p:nvPr/>
+      </p:nvGrpSpPr>
+      <p:grpSpPr>
+        <a:xfrm>
+          <a:off x="0" y="0"/>
+          <a:ext cx="0" cy="0"/>
+          <a:chOff x="0" y="0"/>
+          <a:chExt cx="0" cy="0"/>
+        </a:xfrm>
+      </p:grpSpPr>
+      <p:sp>
+        <p:nvSpPr>
+          <p:cNvPr id="6" name="제목 1"/>
+          <p:cNvSpPr>
+            <a:spLocks noGrp="1"/>
+          </p:cNvSpPr>
+          <p:nvPr>
+            <p:ph type="title"/>
+          </p:nvPr>
+        </p:nvSpPr>
+        <p:spPr>
+          <a:xfrm>
+            <a:off x="457200" y="274638"/>
+            <a:ext cx="8229600" cy="1143000"/>
+          </a:xfrm>
+        </p:spPr>
+        <p:txBody>
+          <a:bodyPr/>
+          <a:lstStyle/>
+          <a:p>
+            <a:pPr algn="l"/>
+            <a:r>
+              <a:rPr lang="ko-KR" altLang="en-US" dirty="0" err="1" smtClean="0"/>
+              <a:t>ㅁ</a:t>
+            </a:r>
+            <a:endParaRPr lang="ko-KR" altLang="en-US" dirty="0"/>
+          </a:p>
+        </p:txBody>
+      </p:sp>
+      <p:sp>
+        <p:nvSpPr>
+          <p:cNvPr id="7" name="내용 개체 틀 2"/>
+          <p:cNvSpPr>
+            <a:spLocks noGrp="1"/>
+          </p:cNvSpPr>
+          <p:nvPr>
+            <p:ph idx="1"/>
+          </p:nvPr>
+        </p:nvSpPr>
+        <p:spPr>
+          <a:xfrm>
+            <a:off x="457200" y="1600200"/>
+            <a:ext cx="8229600" cy="4525963"/>
+          </a:xfrm>
+        </p:spPr>
+        <p:txBody>
+          <a:bodyPr/>
+          <a:lstStyle/>
+          <a:p>
+            <a:r>
+              <a:rPr lang="ko-KR" altLang="en-US" dirty="0" err="1" smtClean="0"/>
+              <a:t>스쿱</a:t>
+            </a:r>
+            <a:r>
+              <a:rPr lang="en-US" altLang="ko-KR" dirty="0" smtClean="0"/>
+              <a:t>(</a:t>
+            </a:r>
+            <a:r>
+              <a:rPr lang="en-US" altLang="ko-KR" dirty="0" err="1" smtClean="0"/>
+              <a:t>Sqoop</a:t>
+            </a:r>
+            <a:r>
+              <a:rPr lang="en-US" altLang="ko-KR" dirty="0" smtClean="0"/>
+              <a:t>)</a:t>
+            </a:r>
+          </a:p>
+          <a:p>
+            <a:pPr marL="0" indent="0">
+              <a:buNone/>
+            </a:pPr>
+            <a:endParaRPr lang="en-US" altLang="ko-KR" sz="1600" dirty="0"/>
+          </a:p>
+          <a:p>
+            <a:pPr marL="0" indent="0">
+              <a:buNone/>
+            </a:pPr>
+            <a:r>
+              <a:rPr lang="ko-KR" altLang="en-US" sz="1600" dirty="0" smtClean="0"/>
+              <a:t> 분산 </a:t>
+            </a:r>
+            <a:r>
+              <a:rPr lang="ko-KR" altLang="en-US" sz="1600" dirty="0"/>
+              <a:t>시스템 간의 정보 공유 및 상태 체크</a:t>
+            </a:r>
+            <a:r>
+              <a:rPr lang="en-US" altLang="ko-KR" sz="1600" dirty="0"/>
+              <a:t>, </a:t>
+            </a:r>
+            <a:r>
+              <a:rPr lang="ko-KR" altLang="en-US" sz="1600" dirty="0"/>
+              <a:t>동기화를 처리하는 프레임워크이다</a:t>
+            </a:r>
+            <a:r>
+              <a:rPr lang="en-US" altLang="ko-KR" sz="1600" dirty="0"/>
+              <a:t>. </a:t>
+            </a:r>
+            <a:r>
+              <a:rPr lang="ko-KR" altLang="en-US" sz="1600" dirty="0"/>
+              <a:t>이러한 시스템을 </a:t>
+            </a:r>
+            <a:r>
+              <a:rPr lang="ko-KR" altLang="en-US" sz="1600" dirty="0" err="1"/>
+              <a:t>코디네이션</a:t>
+            </a:r>
+            <a:r>
+              <a:rPr lang="ko-KR" altLang="en-US" sz="1600" dirty="0"/>
+              <a:t> 서비스 시스템이라고 한다</a:t>
+            </a:r>
+            <a:r>
+              <a:rPr lang="en-US" altLang="ko-KR" sz="1600" dirty="0"/>
+              <a:t>. Zookeeper</a:t>
+            </a:r>
+            <a:r>
+              <a:rPr lang="ko-KR" altLang="en-US" sz="1600" dirty="0"/>
+              <a:t>를 많이 사용하는 이유는 기능에 비해 시스템이 단순하기 때문이다</a:t>
+            </a:r>
+            <a:r>
+              <a:rPr lang="en-US" altLang="ko-KR" sz="1600" dirty="0"/>
+              <a:t>. </a:t>
+            </a:r>
+            <a:r>
+              <a:rPr lang="ko-KR" altLang="en-US" sz="1600" dirty="0"/>
+              <a:t>분산 큐</a:t>
+            </a:r>
+            <a:r>
+              <a:rPr lang="en-US" altLang="ko-KR" sz="1600" dirty="0"/>
+              <a:t>, </a:t>
+            </a:r>
+            <a:r>
+              <a:rPr lang="ko-KR" altLang="en-US" sz="1600" dirty="0"/>
+              <a:t>분산 </a:t>
+            </a:r>
+            <a:r>
+              <a:rPr lang="ko-KR" altLang="en-US" sz="1600" dirty="0" err="1"/>
+              <a:t>락</a:t>
+            </a:r>
+            <a:r>
+              <a:rPr lang="en-US" altLang="ko-KR" sz="1600" dirty="0"/>
+              <a:t>, </a:t>
+            </a:r>
+            <a:r>
+              <a:rPr lang="ko-KR" altLang="en-US" sz="1600" dirty="0"/>
+              <a:t>피어 그룹 대표 산출 등 다양한 기능을 가진다</a:t>
+            </a:r>
+            <a:r>
+              <a:rPr lang="en-US" altLang="ko-KR" sz="1600" dirty="0"/>
+              <a:t>. </a:t>
+            </a:r>
+            <a:r>
+              <a:rPr lang="ko-KR" altLang="en-US" sz="1600" dirty="0"/>
+              <a:t>몇 개의 기본 기능만으로도 사용이 가능하다</a:t>
+            </a:r>
+            <a:r>
+              <a:rPr lang="en-US" altLang="ko-KR" sz="1600" dirty="0"/>
+              <a:t>.</a:t>
+            </a:r>
+          </a:p>
+        </p:txBody>
+      </p:sp>
+    </p:spTree>
+    <p:extLst>
+      <p:ext uri="{BB962C8B-B14F-4D97-AF65-F5344CB8AC3E}">
+        <p14:creationId xmlns:p14="http://schemas.microsoft.com/office/powerpoint/2010/main" val="2492168347"/>
+      </p:ext>
+    </p:extLst>
+  </p:cSld>
+  <p:clrMapOvr>
+    <a:masterClrMapping/>
+  </p:clrMapOvr>
+</p:sld>
+</file>
+
+<file path=ppt/slides/slide14.xml><?xml version="1.0" encoding="utf-8"?>
+<p:sld xmlns:a="http://schemas.openxmlformats.org/drawingml/2006/main" xmlns:r="http://schemas.openxmlformats.org/officeDocument/2006/relationships" xmlns:p="http://schemas.openxmlformats.org/presentationml/2006/main">
+  <p:cSld>
+    <p:spTree>
+      <p:nvGrpSpPr>
+        <p:cNvPr id="1" name=""/>
+        <p:cNvGrpSpPr/>
+        <p:nvPr/>
+      </p:nvGrpSpPr>
+      <p:grpSpPr>
+        <a:xfrm>
+          <a:off x="0" y="0"/>
+          <a:ext cx="0" cy="0"/>
+          <a:chOff x="0" y="0"/>
+          <a:chExt cx="0" cy="0"/>
+        </a:xfrm>
+      </p:grpSpPr>
+      <p:sp>
+        <p:nvSpPr>
+          <p:cNvPr id="4" name="제목 1"/>
+          <p:cNvSpPr>
+            <a:spLocks noGrp="1"/>
+          </p:cNvSpPr>
+          <p:nvPr>
+            <p:ph type="title"/>
+          </p:nvPr>
+        </p:nvSpPr>
+        <p:spPr>
+          <a:xfrm>
+            <a:off x="457200" y="274638"/>
+            <a:ext cx="8229600" cy="1143000"/>
+          </a:xfrm>
+        </p:spPr>
+        <p:txBody>
+          <a:bodyPr/>
+          <a:lstStyle/>
+          <a:p>
+            <a:pPr algn="l"/>
+            <a:r>
+              <a:rPr lang="ko-KR" altLang="en-US" dirty="0" err="1" smtClean="0"/>
+              <a:t>ㅁ</a:t>
+            </a:r>
+            <a:endParaRPr lang="ko-KR" altLang="en-US" dirty="0"/>
+          </a:p>
+        </p:txBody>
+      </p:sp>
+      <p:sp>
+        <p:nvSpPr>
+          <p:cNvPr id="5" name="내용 개체 틀 2"/>
+          <p:cNvSpPr>
+            <a:spLocks noGrp="1"/>
+          </p:cNvSpPr>
+          <p:nvPr>
+            <p:ph idx="1"/>
+          </p:nvPr>
+        </p:nvSpPr>
+        <p:spPr>
+          <a:xfrm>
+            <a:off x="457200" y="1600200"/>
+            <a:ext cx="8229600" cy="4525963"/>
+          </a:xfrm>
+        </p:spPr>
+        <p:txBody>
+          <a:bodyPr/>
+          <a:lstStyle/>
+          <a:p>
+            <a:r>
+              <a:rPr lang="ko-KR" altLang="en-US" dirty="0" smtClean="0"/>
+              <a:t>아파치 </a:t>
+            </a:r>
+            <a:r>
+              <a:rPr lang="ko-KR" altLang="en-US" dirty="0" err="1" smtClean="0"/>
+              <a:t>스파크</a:t>
+            </a:r>
+            <a:r>
+              <a:rPr lang="en-US" altLang="ko-KR" dirty="0" smtClean="0"/>
+              <a:t>(</a:t>
+            </a:r>
+            <a:r>
+              <a:rPr lang="en-US" altLang="ko-KR" dirty="0" err="1" smtClean="0"/>
+              <a:t>Aparch</a:t>
+            </a:r>
+            <a:r>
+              <a:rPr lang="en-US" altLang="ko-KR" dirty="0" smtClean="0"/>
+              <a:t> Spark)</a:t>
+            </a:r>
+          </a:p>
+          <a:p>
+            <a:pPr marL="0" indent="0">
+              <a:buNone/>
+            </a:pPr>
+            <a:endParaRPr lang="en-US" altLang="ko-KR" sz="1600" dirty="0"/>
+          </a:p>
+          <a:p>
+            <a:pPr marL="0" indent="0">
+              <a:buNone/>
+            </a:pPr>
+            <a:r>
+              <a:rPr lang="ko-KR" altLang="en-US" sz="1600" dirty="0" smtClean="0"/>
+              <a:t> </a:t>
+            </a:r>
+            <a:r>
+              <a:rPr lang="ko-KR" altLang="en-US" sz="1600" dirty="0" err="1" smtClean="0"/>
+              <a:t>맵리듀스</a:t>
+            </a:r>
+            <a:r>
+              <a:rPr lang="ko-KR" altLang="en-US" sz="1600" dirty="0" smtClean="0"/>
+              <a:t> 대안으로 </a:t>
+            </a:r>
+            <a:r>
+              <a:rPr lang="ko-KR" altLang="en-US" sz="1600" dirty="0" err="1" smtClean="0"/>
+              <a:t>나온게</a:t>
+            </a:r>
+            <a:r>
+              <a:rPr lang="ko-KR" altLang="en-US" sz="1600" dirty="0" smtClean="0"/>
+              <a:t> 아파치 </a:t>
+            </a:r>
+            <a:r>
+              <a:rPr lang="ko-KR" altLang="en-US" sz="1600" dirty="0" err="1" smtClean="0"/>
+              <a:t>스파크이다</a:t>
+            </a:r>
+            <a:r>
+              <a:rPr lang="en-US" altLang="ko-KR" sz="1600" dirty="0" smtClean="0"/>
+              <a:t>. </a:t>
+            </a:r>
+            <a:r>
+              <a:rPr lang="ko-KR" altLang="en-US" sz="1600" dirty="0" smtClean="0"/>
+              <a:t>아파치 </a:t>
+            </a:r>
+            <a:r>
+              <a:rPr lang="ko-KR" altLang="en-US" sz="1600" dirty="0" err="1" smtClean="0"/>
+              <a:t>스파크는</a:t>
+            </a:r>
+            <a:r>
+              <a:rPr lang="ko-KR" altLang="en-US" sz="1600" dirty="0" smtClean="0"/>
+              <a:t> </a:t>
+            </a:r>
+            <a:r>
+              <a:rPr lang="ko-KR" altLang="en-US" sz="1600" dirty="0" err="1" smtClean="0"/>
+              <a:t>맵리듀스와</a:t>
+            </a:r>
+            <a:r>
+              <a:rPr lang="ko-KR" altLang="en-US" sz="1600" dirty="0" smtClean="0"/>
+              <a:t> 비슷한 목적의 업무를 수행하는데 메모리를 활용한 굉장히 빠른 데이터 처리를 특징으로 가지고 있다</a:t>
+            </a:r>
+            <a:r>
+              <a:rPr lang="en-US" altLang="ko-KR" sz="1600" dirty="0" smtClean="0"/>
+              <a:t>.</a:t>
+            </a:r>
+          </a:p>
+          <a:p>
+            <a:pPr marL="0" indent="0">
+              <a:buNone/>
+            </a:pPr>
+            <a:r>
+              <a:rPr lang="en-US" altLang="ko-KR" sz="1600" dirty="0"/>
+              <a:t> </a:t>
+            </a:r>
+            <a:r>
+              <a:rPr lang="ko-KR" altLang="en-US" sz="1600" dirty="0" err="1" smtClean="0"/>
+              <a:t>리포팅</a:t>
+            </a:r>
+            <a:r>
+              <a:rPr lang="ko-KR" altLang="en-US" sz="1600" dirty="0" smtClean="0"/>
+              <a:t> 요구들이 대체로 정적이거나 비치 모드 </a:t>
+            </a:r>
+            <a:r>
+              <a:rPr lang="ko-KR" altLang="en-US" sz="1600" dirty="0" err="1" smtClean="0"/>
+              <a:t>프로세싱을</a:t>
+            </a:r>
+            <a:r>
+              <a:rPr lang="ko-KR" altLang="en-US" sz="1600" dirty="0" smtClean="0"/>
+              <a:t> 기다릴 수 있다면 </a:t>
+            </a:r>
+            <a:r>
+              <a:rPr lang="ko-KR" altLang="en-US" sz="1600" dirty="0" err="1" smtClean="0"/>
+              <a:t>맵리듀스</a:t>
+            </a:r>
+            <a:r>
+              <a:rPr lang="ko-KR" altLang="en-US" sz="1600" dirty="0" smtClean="0"/>
+              <a:t> 만으로도 처리 가능</a:t>
+            </a:r>
+            <a:endParaRPr lang="en-US" altLang="ko-KR" sz="1600" dirty="0" smtClean="0"/>
+          </a:p>
+          <a:p>
+            <a:pPr marL="0" indent="0">
+              <a:buNone/>
+            </a:pPr>
+            <a:r>
+              <a:rPr lang="en-US" altLang="ko-KR" sz="1600" dirty="0"/>
+              <a:t> </a:t>
+            </a:r>
+            <a:r>
+              <a:rPr lang="ko-KR" altLang="en-US" sz="1600" dirty="0" err="1" smtClean="0"/>
+              <a:t>스파크는</a:t>
+            </a:r>
+            <a:r>
+              <a:rPr lang="ko-KR" altLang="en-US" sz="1600" dirty="0" smtClean="0"/>
+              <a:t> </a:t>
+            </a:r>
+            <a:r>
+              <a:rPr lang="ko-KR" altLang="en-US" sz="1600" dirty="0" err="1" smtClean="0"/>
+              <a:t>스츠리밍</a:t>
+            </a:r>
+            <a:r>
+              <a:rPr lang="ko-KR" altLang="en-US" sz="1600" dirty="0" smtClean="0"/>
+              <a:t> 데이터 처리와 </a:t>
+            </a:r>
+            <a:r>
+              <a:rPr lang="ko-KR" altLang="en-US" sz="1600" dirty="0" err="1" smtClean="0"/>
+              <a:t>머신러닝</a:t>
+            </a:r>
+            <a:r>
+              <a:rPr lang="ko-KR" altLang="en-US" sz="1600" dirty="0" smtClean="0"/>
+              <a:t> 알고리즘처럼 애플리케이션과의 복합적 운영이 필요할 때 필요</a:t>
+            </a:r>
+            <a:endParaRPr lang="en-US" altLang="ko-KR" sz="1600" dirty="0" smtClean="0"/>
+          </a:p>
+          <a:p>
+            <a:pPr marL="0" indent="0">
+              <a:buNone/>
+            </a:pPr>
+            <a:r>
+              <a:rPr lang="en-US" altLang="ko-KR" sz="1600" dirty="0"/>
+              <a:t> </a:t>
+            </a:r>
+            <a:r>
+              <a:rPr lang="ko-KR" altLang="en-US" sz="1600" dirty="0" err="1" smtClean="0"/>
+              <a:t>예를들어</a:t>
+            </a:r>
+            <a:r>
+              <a:rPr lang="ko-KR" altLang="en-US" sz="1600" dirty="0" smtClean="0"/>
+              <a:t> 실시간 마케팅 캠페인과 온라인 상품 추천 그리고 사이버 보안분석과 같은 애플리케이션 영역에서 데이터 처리가 용이</a:t>
+            </a:r>
+            <a:r>
+              <a:rPr lang="en-US" altLang="ko-KR" sz="1600" dirty="0" smtClean="0"/>
+              <a:t>.</a:t>
+            </a:r>
+          </a:p>
+          <a:p>
+            <a:pPr marL="0" indent="0">
+              <a:buNone/>
+            </a:pPr>
+            <a:r>
+              <a:rPr lang="en-US" altLang="ko-KR" sz="1600" dirty="0"/>
+              <a:t> </a:t>
+            </a:r>
+            <a:r>
+              <a:rPr lang="ko-KR" altLang="en-US" sz="1600" dirty="0" err="1" smtClean="0"/>
+              <a:t>하둡</a:t>
+            </a:r>
+            <a:r>
+              <a:rPr lang="ko-KR" altLang="en-US" sz="1600" dirty="0" smtClean="0"/>
+              <a:t> </a:t>
+            </a:r>
+            <a:r>
+              <a:rPr lang="ko-KR" altLang="en-US" sz="1600" dirty="0" err="1" smtClean="0"/>
+              <a:t>맵리듀스는</a:t>
+            </a:r>
+            <a:r>
+              <a:rPr lang="ko-KR" altLang="en-US" sz="1600" dirty="0" smtClean="0"/>
+              <a:t> 기본이고 </a:t>
+            </a:r>
+            <a:r>
+              <a:rPr lang="ko-KR" altLang="en-US" sz="1600" dirty="0" err="1" smtClean="0"/>
+              <a:t>맵리듀스의</a:t>
+            </a:r>
+            <a:r>
+              <a:rPr lang="ko-KR" altLang="en-US" sz="1600" dirty="0" smtClean="0"/>
+              <a:t> 단점을 보완해 나온 </a:t>
+            </a:r>
+            <a:r>
+              <a:rPr lang="ko-KR" altLang="en-US" sz="1600" dirty="0" err="1" smtClean="0"/>
+              <a:t>스파크랑</a:t>
+            </a:r>
+            <a:r>
+              <a:rPr lang="ko-KR" altLang="en-US" sz="1600" dirty="0" smtClean="0"/>
+              <a:t> 같이 쓰면 좋다</a:t>
+            </a:r>
+            <a:endParaRPr lang="en-US" altLang="ko-KR" sz="1600" dirty="0" smtClean="0"/>
+          </a:p>
+          <a:p>
+            <a:pPr marL="0" indent="0">
+              <a:buNone/>
+            </a:pPr>
+            <a:r>
+              <a:rPr lang="en-US" altLang="ko-KR" sz="1600" dirty="0"/>
+              <a:t> </a:t>
+            </a:r>
+            <a:r>
+              <a:rPr lang="ko-KR" altLang="en-US" sz="1600" dirty="0" err="1" smtClean="0"/>
+              <a:t>하이브가</a:t>
+            </a:r>
+            <a:r>
+              <a:rPr lang="ko-KR" altLang="en-US" sz="1600" dirty="0" smtClean="0"/>
+              <a:t> </a:t>
+            </a:r>
+            <a:r>
+              <a:rPr lang="ko-KR" altLang="en-US" sz="1600" dirty="0" err="1" smtClean="0"/>
+              <a:t>맵리듀스</a:t>
+            </a:r>
+            <a:r>
+              <a:rPr lang="ko-KR" altLang="en-US" sz="1600" dirty="0" smtClean="0"/>
+              <a:t> 코어를 그대로 사용해 </a:t>
+            </a:r>
+            <a:r>
+              <a:rPr lang="ko-KR" altLang="en-US" sz="1600" dirty="0" err="1" smtClean="0"/>
+              <a:t>성능면에서</a:t>
+            </a:r>
+            <a:r>
+              <a:rPr lang="ko-KR" altLang="en-US" sz="1600" dirty="0" smtClean="0"/>
+              <a:t> 좋지 않아 </a:t>
+            </a:r>
+            <a:r>
+              <a:rPr lang="ko-KR" altLang="en-US" sz="1600" dirty="0" err="1" smtClean="0"/>
+              <a:t>개발된것이</a:t>
+            </a:r>
+            <a:r>
+              <a:rPr lang="ko-KR" altLang="en-US" sz="1600" dirty="0" smtClean="0"/>
+              <a:t> </a:t>
+            </a:r>
+            <a:r>
+              <a:rPr lang="ko-KR" altLang="en-US" sz="1600" dirty="0" err="1" smtClean="0"/>
+              <a:t>스파크이다</a:t>
+            </a:r>
+            <a:r>
+              <a:rPr lang="en-US" altLang="ko-KR" sz="1600" dirty="0" smtClean="0"/>
+              <a:t>. </a:t>
+            </a:r>
+            <a:r>
+              <a:rPr lang="ko-KR" altLang="en-US" sz="1600" dirty="0" smtClean="0"/>
+              <a:t>반복적인 대화형 연산 작업에서 </a:t>
+            </a:r>
+            <a:r>
+              <a:rPr lang="ko-KR" altLang="en-US" sz="1600" dirty="0" err="1" smtClean="0"/>
+              <a:t>하이브가</a:t>
+            </a:r>
+            <a:r>
+              <a:rPr lang="ko-KR" altLang="en-US" sz="1600" dirty="0" smtClean="0"/>
+              <a:t> 적합하지 않았는데 이걸 극복하기 위해 </a:t>
+            </a:r>
+            <a:r>
+              <a:rPr lang="ko-KR" altLang="en-US" sz="1600" dirty="0" err="1" smtClean="0"/>
+              <a:t>스파크가</a:t>
+            </a:r>
+            <a:r>
+              <a:rPr lang="ko-KR" altLang="en-US" sz="1600" dirty="0" smtClean="0"/>
+              <a:t> 개발되었다</a:t>
+            </a:r>
+            <a:r>
+              <a:rPr lang="en-US" altLang="ko-KR" sz="1600" dirty="0" smtClean="0"/>
+              <a:t>.</a:t>
+            </a:r>
+            <a:endParaRPr lang="en-US" altLang="ko-KR" sz="1600" dirty="0"/>
+          </a:p>
+        </p:txBody>
+      </p:sp>
+    </p:spTree>
+    <p:extLst>
+      <p:ext uri="{BB962C8B-B14F-4D97-AF65-F5344CB8AC3E}">
+        <p14:creationId xmlns:p14="http://schemas.microsoft.com/office/powerpoint/2010/main" val="919840537"/>
+      </p:ext>
+    </p:extLst>
+  </p:cSld>
+  <p:clrMapOvr>
+    <a:masterClrMapping/>
+  </p:clrMapOvr>
+</p:sld>
+</file>
+
+<file path=ppt/slides/slide15.xml><?xml version="1.0" encoding="utf-8"?>
+<p:sld xmlns:a="http://schemas.openxmlformats.org/drawingml/2006/main" xmlns:r="http://schemas.openxmlformats.org/officeDocument/2006/relationships" xmlns:p="http://schemas.openxmlformats.org/presentationml/2006/main">
+  <p:cSld>
+    <p:spTree>
+      <p:nvGrpSpPr>
+        <p:cNvPr id="1" name=""/>
+        <p:cNvGrpSpPr/>
+        <p:nvPr/>
+      </p:nvGrpSpPr>
+      <p:grpSpPr>
+        <a:xfrm>
+          <a:off x="0" y="0"/>
+          <a:ext cx="0" cy="0"/>
+          <a:chOff x="0" y="0"/>
+          <a:chExt cx="0" cy="0"/>
+        </a:xfrm>
+      </p:grpSpPr>
+      <p:sp>
+        <p:nvSpPr>
+          <p:cNvPr id="4" name="내용 개체 틀 2"/>
+          <p:cNvSpPr>
+            <a:spLocks noGrp="1"/>
+          </p:cNvSpPr>
+          <p:nvPr>
+            <p:ph idx="1"/>
+          </p:nvPr>
+        </p:nvSpPr>
+        <p:spPr>
+          <a:xfrm>
+            <a:off x="457200" y="1600200"/>
+            <a:ext cx="8229600" cy="4525963"/>
+          </a:xfrm>
+        </p:spPr>
+        <p:txBody>
+          <a:bodyPr/>
+          <a:lstStyle/>
+          <a:p>
+            <a:r>
+              <a:rPr lang="ko-KR" altLang="en-US" dirty="0" err="1" smtClean="0"/>
+              <a:t>피그</a:t>
+            </a:r>
+            <a:r>
+              <a:rPr lang="en-US" altLang="ko-KR" dirty="0" smtClean="0"/>
+              <a:t>(Pig)</a:t>
+            </a:r>
+          </a:p>
+          <a:p>
+            <a:pPr marL="0" indent="0">
+              <a:buNone/>
+            </a:pPr>
+            <a:endParaRPr lang="en-US" altLang="ko-KR" sz="1600" dirty="0"/>
+          </a:p>
+          <a:p>
+            <a:pPr marL="0" indent="0">
+              <a:buNone/>
+            </a:pPr>
+            <a:r>
+              <a:rPr lang="ko-KR" altLang="en-US" sz="1600" dirty="0" smtClean="0"/>
+              <a:t> </a:t>
+            </a:r>
+            <a:r>
+              <a:rPr lang="ko-KR" altLang="en-US" sz="1600" dirty="0" err="1" smtClean="0"/>
+              <a:t>피그는</a:t>
+            </a:r>
+            <a:r>
+              <a:rPr lang="ko-KR" altLang="en-US" sz="1600" dirty="0" smtClean="0"/>
+              <a:t> </a:t>
+            </a:r>
+            <a:r>
+              <a:rPr lang="en-US" altLang="ko-KR" sz="1600" dirty="0" smtClean="0"/>
+              <a:t>HDFS</a:t>
+            </a:r>
+            <a:r>
+              <a:rPr lang="ko-KR" altLang="en-US" sz="1600" dirty="0" smtClean="0"/>
+              <a:t>에 적재된 데이터에 직접 접근해서 </a:t>
+            </a:r>
+            <a:r>
+              <a:rPr lang="ko-KR" altLang="en-US" sz="1600" dirty="0" err="1" smtClean="0"/>
+              <a:t>피그의</a:t>
+            </a:r>
+            <a:r>
+              <a:rPr lang="ko-KR" altLang="en-US" sz="1600" dirty="0" smtClean="0"/>
+              <a:t> 다양한 </a:t>
+            </a:r>
+            <a:r>
+              <a:rPr lang="ko-KR" altLang="en-US" sz="1600" dirty="0" err="1" smtClean="0"/>
+              <a:t>라이브리를이용해</a:t>
+            </a:r>
+            <a:r>
+              <a:rPr lang="ko-KR" altLang="en-US" sz="1600" dirty="0" smtClean="0"/>
+              <a:t> 데이터를 가공해서 새로운 </a:t>
+            </a:r>
+            <a:r>
+              <a:rPr lang="ko-KR" altLang="en-US" sz="1600" dirty="0" err="1" smtClean="0"/>
+              <a:t>데이터셋들을</a:t>
+            </a:r>
+            <a:r>
+              <a:rPr lang="ko-KR" altLang="en-US" sz="1600" dirty="0" smtClean="0"/>
+              <a:t> 만드는 데이터 </a:t>
+            </a:r>
+            <a:r>
+              <a:rPr lang="ko-KR" altLang="en-US" sz="1600" dirty="0" err="1" smtClean="0"/>
+              <a:t>팩토리</a:t>
+            </a:r>
+            <a:r>
+              <a:rPr lang="ko-KR" altLang="en-US" sz="1600" dirty="0" smtClean="0"/>
+              <a:t> 역할을 한다</a:t>
+            </a:r>
+            <a:endParaRPr lang="en-US" altLang="ko-KR" sz="1600" dirty="0"/>
+          </a:p>
+        </p:txBody>
+      </p:sp>
+    </p:spTree>
+    <p:extLst>
+      <p:ext uri="{BB962C8B-B14F-4D97-AF65-F5344CB8AC3E}">
+        <p14:creationId xmlns:p14="http://schemas.microsoft.com/office/powerpoint/2010/main" val="3399197290"/>
+      </p:ext>
+    </p:extLst>
+  </p:cSld>
+  <p:clrMapOvr>
+    <a:masterClrMapping/>
+  </p:clrMapOvr>
+</p:sld>
+</file>
+
+<file path=ppt/slides/slide2.xml><?xml version="1.0" encoding="utf-8"?>
+<p:sld xmlns:a="http://schemas.openxmlformats.org/drawingml/2006/main" xmlns:r="http://schemas.openxmlformats.org/officeDocument/2006/relationships" xmlns:p="http://schemas.openxmlformats.org/presentationml/2006/main">
+  <p:cSld>
+    <p:spTree>
+      <p:nvGrpSpPr>
+        <p:cNvPr id="1" name=""/>
+        <p:cNvGrpSpPr/>
+        <p:nvPr/>
+      </p:nvGrpSpPr>
+      <p:grpSpPr>
+        <a:xfrm>
+          <a:off x="0" y="0"/>
+          <a:ext cx="0" cy="0"/>
+          <a:chOff x="0" y="0"/>
+          <a:chExt cx="0" cy="0"/>
+        </a:xfrm>
+      </p:grpSpPr>
+      <p:sp>
+        <p:nvSpPr>
+          <p:cNvPr id="4" name="제목 1"/>
+          <p:cNvSpPr txBox="1">
+            <a:spLocks/>
+          </p:cNvSpPr>
+          <p:nvPr/>
+        </p:nvSpPr>
+        <p:spPr>
+          <a:xfrm>
+            <a:off x="457200" y="274638"/>
+            <a:ext cx="8229600" cy="1143000"/>
+          </a:xfrm>
+          <a:prstGeom prst="rect">
+            <a:avLst/>
+          </a:prstGeom>
+        </p:spPr>
+        <p:txBody>
+          <a:bodyPr vert="horz" lIns="91440" tIns="45720" rIns="91440" bIns="45720" rtlCol="0" anchor="ctr">
+            <a:normAutofit/>
+          </a:bodyPr>
+          <a:lstStyle>
+            <a:lvl1pPr algn="ctr" defTabSz="914400" rtl="0" eaLnBrk="1" latinLnBrk="1" hangingPunct="1">
+              <a:spcBef>
+                <a:spcPct val="0"/>
+              </a:spcBef>
+              <a:buNone/>
+              <a:defRPr sz="4400" kern="1200">
+                <a:solidFill>
+                  <a:schemeClr val="tx1"/>
+                </a:solidFill>
+                <a:latin typeface="+mj-lt"/>
+                <a:ea typeface="+mj-ea"/>
+                <a:cs typeface="+mj-cs"/>
+              </a:defRPr>
+            </a:lvl1pPr>
+          </a:lstStyle>
+          <a:p>
+            <a:pPr algn="l"/>
+            <a:r>
+              <a:rPr lang="ko-KR" altLang="en-US" dirty="0" smtClean="0"/>
+              <a:t>데이터 베이스</a:t>
+            </a:r>
+            <a:endParaRPr lang="ko-KR" altLang="en-US" dirty="0"/>
+          </a:p>
+        </p:txBody>
+      </p:sp>
+      <p:graphicFrame>
+        <p:nvGraphicFramePr>
+          <p:cNvPr id="5" name="표 4"/>
+          <p:cNvGraphicFramePr>
+            <a:graphicFrameLocks noGrp="1"/>
+          </p:cNvGraphicFramePr>
+          <p:nvPr>
+            <p:extLst>
+              <p:ext uri="{D42A27DB-BD31-4B8C-83A1-F6EECF244321}">
+                <p14:modId xmlns:p14="http://schemas.microsoft.com/office/powerpoint/2010/main" val="896582598"/>
+              </p:ext>
+            </p:extLst>
+          </p:nvPr>
+        </p:nvGraphicFramePr>
+        <p:xfrm>
+          <a:off x="179512" y="1397000"/>
+          <a:ext cx="8856984" cy="5436275"/>
+        </p:xfrm>
+        <a:graphic>
+          <a:graphicData uri="http://schemas.openxmlformats.org/drawingml/2006/table">
+            <a:tbl>
+              <a:tblPr firstRow="1" bandRow="1">
+                <a:tableStyleId>{5C22544A-7EE6-4342-B048-85BDC9FD1C3A}</a:tableStyleId>
+              </a:tblPr>
+              <a:tblGrid>
+                <a:gridCol w="2214246"/>
+                <a:gridCol w="2214246"/>
+                <a:gridCol w="2214246"/>
+                <a:gridCol w="2214246"/>
+              </a:tblGrid>
+              <a:tr h="659045">
+                <a:tc>
+                  <a:txBody>
+                    <a:bodyPr/>
+                    <a:lstStyle/>
+                    <a:p>
+                      <a:pPr algn="ctr" latinLnBrk="1"/>
+                      <a:r>
+                        <a:rPr lang="ko-KR" altLang="en-US" dirty="0" smtClean="0">
+                          <a:solidFill>
+                            <a:schemeClr val="tx1"/>
+                          </a:solidFill>
+                          <a:latin typeface="나눔고딕" panose="020D0604000000000000" pitchFamily="50" charset="-127"/>
+                          <a:ea typeface="나눔고딕" panose="020D0604000000000000" pitchFamily="50" charset="-127"/>
+                        </a:rPr>
+                        <a:t>구분</a:t>
+                      </a:r>
+                      <a:endParaRPr lang="ko-KR" altLang="en-US" dirty="0">
+                        <a:solidFill>
+                          <a:schemeClr val="tx1"/>
+                        </a:solidFill>
+                        <a:latin typeface="나눔고딕" panose="020D0604000000000000" pitchFamily="50" charset="-127"/>
+                        <a:ea typeface="나눔고딕" panose="020D0604000000000000" pitchFamily="50" charset="-127"/>
+                      </a:endParaRPr>
+                    </a:p>
+                  </a:txBody>
+                  <a:tcPr anchor="ctr">
+                    <a:lnL w="12700" cap="flat" cmpd="sng" algn="ctr">
+                      <a:solidFill>
+                        <a:schemeClr val="tx1"/>
+                      </a:solidFill>
+                      <a:prstDash val="solid"/>
+                      <a:round/>
+                      <a:headEnd type="none" w="med" len="med"/>
+                      <a:tailEnd type="none" w="med" len="med"/>
+                    </a:lnL>
+                    <a:lnR w="12700" cap="flat" cmpd="sng" algn="ctr">
+                      <a:solidFill>
+                        <a:schemeClr val="tx1"/>
+                      </a:solidFill>
+                      <a:prstDash val="solid"/>
+                      <a:round/>
+                      <a:headEnd type="none" w="med" len="med"/>
+                      <a:tailEnd type="none" w="med" len="med"/>
+                    </a:lnR>
+                    <a:lnT w="12700" cap="flat" cmpd="sng" algn="ctr">
+                      <a:solidFill>
+                        <a:schemeClr val="tx1"/>
+                      </a:solidFill>
+                      <a:prstDash val="solid"/>
+                      <a:round/>
+                      <a:headEnd type="none" w="med" len="med"/>
+                      <a:tailEnd type="none" w="med" len="med"/>
+                    </a:lnT>
+                    <a:lnB w="12700" cap="flat" cmpd="sng" algn="ctr">
+                      <a:solidFill>
+                        <a:schemeClr val="tx1"/>
+                      </a:solidFill>
+                      <a:prstDash val="solid"/>
+                      <a:round/>
+                      <a:headEnd type="none" w="med" len="med"/>
+                      <a:tailEnd type="none" w="med" len="med"/>
+                    </a:lnB>
+                    <a:lnTlToBr w="12700" cmpd="sng">
+                      <a:noFill/>
+                      <a:prstDash val="solid"/>
+                    </a:lnTlToBr>
+                    <a:lnBlToTr w="12700" cmpd="sng">
+                      <a:noFill/>
+                      <a:prstDash val="solid"/>
+                    </a:lnBlToTr>
+                    <a:noFill/>
+                  </a:tcPr>
+                </a:tc>
+                <a:tc>
+                  <a:txBody>
+                    <a:bodyPr/>
+                    <a:lstStyle/>
+                    <a:p>
+                      <a:pPr algn="ctr" latinLnBrk="1"/>
+                      <a:r>
+                        <a:rPr lang="en-US" altLang="ko-KR" dirty="0" err="1" smtClean="0">
+                          <a:solidFill>
+                            <a:schemeClr val="tx1"/>
+                          </a:solidFill>
+                          <a:latin typeface="나눔고딕" panose="020D0604000000000000" pitchFamily="50" charset="-127"/>
+                          <a:ea typeface="나눔고딕" panose="020D0604000000000000" pitchFamily="50" charset="-127"/>
+                        </a:rPr>
+                        <a:t>Redis</a:t>
+                      </a:r>
+                      <a:endParaRPr lang="ko-KR" altLang="en-US" dirty="0">
+                        <a:solidFill>
+                          <a:schemeClr val="tx1"/>
+                        </a:solidFill>
+                        <a:latin typeface="나눔고딕" panose="020D0604000000000000" pitchFamily="50" charset="-127"/>
+                        <a:ea typeface="나눔고딕" panose="020D0604000000000000" pitchFamily="50" charset="-127"/>
+                      </a:endParaRPr>
+                    </a:p>
+                  </a:txBody>
+                  <a:tcPr anchor="ctr">
+                    <a:lnL w="12700" cap="flat" cmpd="sng" algn="ctr">
+                      <a:solidFill>
+                        <a:schemeClr val="tx1"/>
+                      </a:solidFill>
+                      <a:prstDash val="solid"/>
+                      <a:round/>
+                      <a:headEnd type="none" w="med" len="med"/>
+                      <a:tailEnd type="none" w="med" len="med"/>
+                    </a:lnL>
+                    <a:lnR w="12700" cap="flat" cmpd="sng" algn="ctr">
+                      <a:solidFill>
+                        <a:schemeClr val="tx1"/>
+                      </a:solidFill>
+                      <a:prstDash val="solid"/>
+                      <a:round/>
+                      <a:headEnd type="none" w="med" len="med"/>
+                      <a:tailEnd type="none" w="med" len="med"/>
+                    </a:lnR>
+                    <a:lnT w="12700" cap="flat" cmpd="sng" algn="ctr">
+                      <a:solidFill>
+                        <a:schemeClr val="tx1"/>
+                      </a:solidFill>
+                      <a:prstDash val="solid"/>
+                      <a:round/>
+                      <a:headEnd type="none" w="med" len="med"/>
+                      <a:tailEnd type="none" w="med" len="med"/>
+                    </a:lnT>
+                    <a:lnB w="12700" cap="flat" cmpd="sng" algn="ctr">
+                      <a:solidFill>
+                        <a:schemeClr val="tx1"/>
+                      </a:solidFill>
+                      <a:prstDash val="solid"/>
+                      <a:round/>
+                      <a:headEnd type="none" w="med" len="med"/>
+                      <a:tailEnd type="none" w="med" len="med"/>
+                    </a:lnB>
+                    <a:lnTlToBr w="12700" cmpd="sng">
+                      <a:noFill/>
+                      <a:prstDash val="solid"/>
+                    </a:lnTlToBr>
+                    <a:lnBlToTr w="12700" cmpd="sng">
+                      <a:noFill/>
+                      <a:prstDash val="solid"/>
+                    </a:lnBlToTr>
+                    <a:noFill/>
+                  </a:tcPr>
+                </a:tc>
+                <a:tc>
+                  <a:txBody>
+                    <a:bodyPr/>
+                    <a:lstStyle/>
+                    <a:p>
+                      <a:pPr algn="ctr" latinLnBrk="1"/>
+                      <a:r>
+                        <a:rPr lang="en-US" altLang="ko-KR" dirty="0" err="1" smtClean="0">
+                          <a:solidFill>
+                            <a:schemeClr val="tx1"/>
+                          </a:solidFill>
+                          <a:latin typeface="나눔고딕" panose="020D0604000000000000" pitchFamily="50" charset="-127"/>
+                          <a:ea typeface="나눔고딕" panose="020D0604000000000000" pitchFamily="50" charset="-127"/>
+                        </a:rPr>
+                        <a:t>MemCached</a:t>
+                      </a:r>
+                      <a:endParaRPr lang="ko-KR" altLang="en-US" dirty="0">
+                        <a:solidFill>
+                          <a:schemeClr val="tx1"/>
+                        </a:solidFill>
+                        <a:latin typeface="나눔고딕" panose="020D0604000000000000" pitchFamily="50" charset="-127"/>
+                        <a:ea typeface="나눔고딕" panose="020D0604000000000000" pitchFamily="50" charset="-127"/>
+                      </a:endParaRPr>
+                    </a:p>
+                  </a:txBody>
+                  <a:tcPr anchor="ctr">
+                    <a:lnL w="12700" cap="flat" cmpd="sng" algn="ctr">
+                      <a:solidFill>
+                        <a:schemeClr val="tx1"/>
+                      </a:solidFill>
+                      <a:prstDash val="solid"/>
+                      <a:round/>
+                      <a:headEnd type="none" w="med" len="med"/>
+                      <a:tailEnd type="none" w="med" len="med"/>
+                    </a:lnL>
+                    <a:lnR w="12700" cap="flat" cmpd="sng" algn="ctr">
+                      <a:solidFill>
+                        <a:schemeClr val="tx1"/>
+                      </a:solidFill>
+                      <a:prstDash val="solid"/>
+                      <a:round/>
+                      <a:headEnd type="none" w="med" len="med"/>
+                      <a:tailEnd type="none" w="med" len="med"/>
+                    </a:lnR>
+                    <a:lnT w="12700" cap="flat" cmpd="sng" algn="ctr">
+                      <a:solidFill>
+                        <a:schemeClr val="tx1"/>
+                      </a:solidFill>
+                      <a:prstDash val="solid"/>
+                      <a:round/>
+                      <a:headEnd type="none" w="med" len="med"/>
+                      <a:tailEnd type="none" w="med" len="med"/>
+                    </a:lnT>
+                    <a:lnB w="12700" cap="flat" cmpd="sng" algn="ctr">
+                      <a:solidFill>
+                        <a:schemeClr val="tx1"/>
+                      </a:solidFill>
+                      <a:prstDash val="solid"/>
+                      <a:round/>
+                      <a:headEnd type="none" w="med" len="med"/>
+                      <a:tailEnd type="none" w="med" len="med"/>
+                    </a:lnB>
+                    <a:lnTlToBr w="12700" cmpd="sng">
+                      <a:noFill/>
+                      <a:prstDash val="solid"/>
+                    </a:lnTlToBr>
+                    <a:lnBlToTr w="12700" cmpd="sng">
+                      <a:noFill/>
+                      <a:prstDash val="solid"/>
+                    </a:lnBlToTr>
+                    <a:noFill/>
+                  </a:tcPr>
+                </a:tc>
+                <a:tc>
+                  <a:txBody>
+                    <a:bodyPr/>
+                    <a:lstStyle/>
+                    <a:p>
+                      <a:pPr algn="ctr" latinLnBrk="1"/>
+                      <a:endParaRPr lang="ko-KR" altLang="en-US" dirty="0">
+                        <a:solidFill>
+                          <a:schemeClr val="tx1"/>
+                        </a:solidFill>
+                        <a:latin typeface="나눔고딕" panose="020D0604000000000000" pitchFamily="50" charset="-127"/>
+                        <a:ea typeface="나눔고딕" panose="020D0604000000000000" pitchFamily="50" charset="-127"/>
+                      </a:endParaRPr>
+                    </a:p>
+                  </a:txBody>
+                  <a:tcPr anchor="ctr">
+                    <a:lnL w="12700" cap="flat" cmpd="sng" algn="ctr">
+                      <a:solidFill>
+                        <a:schemeClr val="tx1"/>
+                      </a:solidFill>
+                      <a:prstDash val="solid"/>
+                      <a:round/>
+                      <a:headEnd type="none" w="med" len="med"/>
+                      <a:tailEnd type="none" w="med" len="med"/>
+                    </a:lnL>
+                    <a:lnR w="12700" cap="flat" cmpd="sng" algn="ctr">
+                      <a:solidFill>
+                        <a:schemeClr val="tx1"/>
+                      </a:solidFill>
+                      <a:prstDash val="solid"/>
+                      <a:round/>
+                      <a:headEnd type="none" w="med" len="med"/>
+                      <a:tailEnd type="none" w="med" len="med"/>
+                    </a:lnR>
+                    <a:lnT w="12700" cap="flat" cmpd="sng" algn="ctr">
+                      <a:solidFill>
+                        <a:schemeClr val="tx1"/>
+                      </a:solidFill>
+                      <a:prstDash val="solid"/>
+                      <a:round/>
+                      <a:headEnd type="none" w="med" len="med"/>
+                      <a:tailEnd type="none" w="med" len="med"/>
+                    </a:lnT>
+                    <a:lnB w="12700" cap="flat" cmpd="sng" algn="ctr">
+                      <a:solidFill>
+                        <a:schemeClr val="tx1"/>
+                      </a:solidFill>
+                      <a:prstDash val="solid"/>
+                      <a:round/>
+                      <a:headEnd type="none" w="med" len="med"/>
+                      <a:tailEnd type="none" w="med" len="med"/>
+                    </a:lnB>
+                    <a:lnTlToBr w="12700" cmpd="sng">
+                      <a:noFill/>
+                      <a:prstDash val="solid"/>
+                    </a:lnTlToBr>
+                    <a:lnBlToTr w="12700" cmpd="sng">
+                      <a:noFill/>
+                      <a:prstDash val="solid"/>
+                    </a:lnBlToTr>
+                    <a:noFill/>
+                  </a:tcPr>
+                </a:tc>
+              </a:tr>
+              <a:tr h="659045">
+                <a:tc>
+                  <a:txBody>
+                    <a:bodyPr/>
+                    <a:lstStyle/>
+                    <a:p>
+                      <a:pPr algn="ctr" latinLnBrk="1"/>
+                      <a:endParaRPr lang="ko-KR" altLang="en-US" sz="1200" dirty="0">
+                        <a:solidFill>
+                          <a:schemeClr val="tx1"/>
+                        </a:solidFill>
+                        <a:latin typeface="나눔고딕" panose="020D0604000000000000" pitchFamily="50" charset="-127"/>
+                        <a:ea typeface="나눔고딕" panose="020D0604000000000000" pitchFamily="50" charset="-127"/>
+                      </a:endParaRPr>
+                    </a:p>
+                  </a:txBody>
+                  <a:tcPr anchor="ctr">
+                    <a:lnL w="12700" cap="flat" cmpd="sng" algn="ctr">
+                      <a:solidFill>
+                        <a:schemeClr val="tx1"/>
+                      </a:solidFill>
+                      <a:prstDash val="solid"/>
+                      <a:round/>
+                      <a:headEnd type="none" w="med" len="med"/>
+                      <a:tailEnd type="none" w="med" len="med"/>
+                    </a:lnL>
+                    <a:lnR w="12700" cap="flat" cmpd="sng" algn="ctr">
+                      <a:solidFill>
+                        <a:schemeClr val="tx1"/>
+                      </a:solidFill>
+                      <a:prstDash val="solid"/>
+                      <a:round/>
+                      <a:headEnd type="none" w="med" len="med"/>
+                      <a:tailEnd type="none" w="med" len="med"/>
+                    </a:lnR>
+                    <a:lnT w="12700" cap="flat" cmpd="sng" algn="ctr">
+                      <a:solidFill>
+                        <a:schemeClr val="tx1"/>
+                      </a:solidFill>
+                      <a:prstDash val="solid"/>
+                      <a:round/>
+                      <a:headEnd type="none" w="med" len="med"/>
+                      <a:tailEnd type="none" w="med" len="med"/>
+                    </a:lnT>
+                    <a:lnB w="12700" cap="flat" cmpd="sng" algn="ctr">
+                      <a:solidFill>
+                        <a:schemeClr val="tx1"/>
+                      </a:solidFill>
+                      <a:prstDash val="solid"/>
+                      <a:round/>
+                      <a:headEnd type="none" w="med" len="med"/>
+                      <a:tailEnd type="none" w="med" len="med"/>
+                    </a:lnB>
+                    <a:lnTlToBr w="12700" cmpd="sng">
+                      <a:noFill/>
+                      <a:prstDash val="solid"/>
+                    </a:lnTlToBr>
+                    <a:lnBlToTr w="12700" cmpd="sng">
+                      <a:noFill/>
+                      <a:prstDash val="solid"/>
+                    </a:lnBlToTr>
+                    <a:noFill/>
+                  </a:tcPr>
+                </a:tc>
+                <a:tc>
+                  <a:txBody>
+                    <a:bodyPr/>
+                    <a:lstStyle/>
+                    <a:p>
+                      <a:pPr algn="ctr" latinLnBrk="1"/>
+                      <a:r>
+                        <a:rPr lang="ko-KR" altLang="en-US" sz="1200" dirty="0" smtClean="0">
+                          <a:solidFill>
+                            <a:schemeClr val="tx1"/>
+                          </a:solidFill>
+                          <a:latin typeface="나눔고딕" panose="020D0604000000000000" pitchFamily="50" charset="-127"/>
+                          <a:ea typeface="나눔고딕" panose="020D0604000000000000" pitchFamily="50" charset="-127"/>
+                        </a:rPr>
+                        <a:t>더 새롭고 다양한 기능이 있음</a:t>
+                      </a:r>
+                      <a:endParaRPr lang="ko-KR" altLang="en-US" sz="1200" dirty="0">
+                        <a:solidFill>
+                          <a:schemeClr val="tx1"/>
+                        </a:solidFill>
+                        <a:latin typeface="나눔고딕" panose="020D0604000000000000" pitchFamily="50" charset="-127"/>
+                        <a:ea typeface="나눔고딕" panose="020D0604000000000000" pitchFamily="50" charset="-127"/>
+                      </a:endParaRPr>
+                    </a:p>
+                  </a:txBody>
+                  <a:tcPr anchor="ctr">
+                    <a:lnL w="12700" cap="flat" cmpd="sng" algn="ctr">
+                      <a:solidFill>
+                        <a:schemeClr val="tx1"/>
+                      </a:solidFill>
+                      <a:prstDash val="solid"/>
+                      <a:round/>
+                      <a:headEnd type="none" w="med" len="med"/>
+                      <a:tailEnd type="none" w="med" len="med"/>
+                    </a:lnL>
+                    <a:lnR w="12700" cap="flat" cmpd="sng" algn="ctr">
+                      <a:solidFill>
+                        <a:schemeClr val="tx1"/>
+                      </a:solidFill>
+                      <a:prstDash val="solid"/>
+                      <a:round/>
+                      <a:headEnd type="none" w="med" len="med"/>
+                      <a:tailEnd type="none" w="med" len="med"/>
+                    </a:lnR>
+                    <a:lnT w="12700" cap="flat" cmpd="sng" algn="ctr">
+                      <a:solidFill>
+                        <a:schemeClr val="tx1"/>
+                      </a:solidFill>
+                      <a:prstDash val="solid"/>
+                      <a:round/>
+                      <a:headEnd type="none" w="med" len="med"/>
+                      <a:tailEnd type="none" w="med" len="med"/>
+                    </a:lnT>
+                    <a:lnB w="12700" cap="flat" cmpd="sng" algn="ctr">
+                      <a:solidFill>
+                        <a:schemeClr val="tx1"/>
+                      </a:solidFill>
+                      <a:prstDash val="solid"/>
+                      <a:round/>
+                      <a:headEnd type="none" w="med" len="med"/>
+                      <a:tailEnd type="none" w="med" len="med"/>
+                    </a:lnB>
+                    <a:lnTlToBr w="12700" cmpd="sng">
+                      <a:noFill/>
+                      <a:prstDash val="solid"/>
+                    </a:lnTlToBr>
+                    <a:lnBlToTr w="12700" cmpd="sng">
+                      <a:noFill/>
+                      <a:prstDash val="solid"/>
+                    </a:lnBlToTr>
+                    <a:noFill/>
+                  </a:tcPr>
+                </a:tc>
+                <a:tc>
+                  <a:txBody>
+                    <a:bodyPr/>
+                    <a:lstStyle/>
+                    <a:p>
+                      <a:pPr algn="ctr" latinLnBrk="1"/>
+                      <a:r>
+                        <a:rPr lang="ko-KR" altLang="en-US" sz="1200" dirty="0" smtClean="0">
+                          <a:solidFill>
+                            <a:schemeClr val="tx1"/>
+                          </a:solidFill>
+                          <a:latin typeface="나눔고딕" panose="020D0604000000000000" pitchFamily="50" charset="-127"/>
+                          <a:ea typeface="나눔고딕" panose="020D0604000000000000" pitchFamily="50" charset="-127"/>
+                        </a:rPr>
+                        <a:t>작고 변하지 않는 데이터를 </a:t>
+                      </a:r>
+                      <a:r>
+                        <a:rPr lang="ko-KR" altLang="en-US" sz="1200" dirty="0" err="1" smtClean="0">
+                          <a:solidFill>
+                            <a:schemeClr val="tx1"/>
+                          </a:solidFill>
+                          <a:latin typeface="나눔고딕" panose="020D0604000000000000" pitchFamily="50" charset="-127"/>
+                          <a:ea typeface="나눔고딕" panose="020D0604000000000000" pitchFamily="50" charset="-127"/>
+                        </a:rPr>
+                        <a:t>캐싱할때</a:t>
+                      </a:r>
+                      <a:r>
+                        <a:rPr lang="en-US" altLang="ko-KR" sz="1200" dirty="0" smtClean="0">
+                          <a:solidFill>
+                            <a:schemeClr val="tx1"/>
+                          </a:solidFill>
+                          <a:latin typeface="나눔고딕" panose="020D0604000000000000" pitchFamily="50" charset="-127"/>
+                          <a:ea typeface="나눔고딕" panose="020D0604000000000000" pitchFamily="50" charset="-127"/>
+                        </a:rPr>
+                        <a:t>(</a:t>
+                      </a:r>
+                      <a:r>
+                        <a:rPr lang="ko-KR" altLang="en-US" sz="1200" dirty="0" smtClean="0">
+                          <a:solidFill>
+                            <a:schemeClr val="tx1"/>
+                          </a:solidFill>
+                          <a:latin typeface="나눔고딕" panose="020D0604000000000000" pitchFamily="50" charset="-127"/>
+                          <a:ea typeface="나눔고딕" panose="020D0604000000000000" pitchFamily="50" charset="-127"/>
+                        </a:rPr>
+                        <a:t>예</a:t>
+                      </a:r>
+                      <a:r>
+                        <a:rPr lang="en-US" altLang="ko-KR" sz="1200" dirty="0" smtClean="0">
+                          <a:solidFill>
+                            <a:schemeClr val="tx1"/>
+                          </a:solidFill>
+                          <a:latin typeface="나눔고딕" panose="020D0604000000000000" pitchFamily="50" charset="-127"/>
+                          <a:ea typeface="나눔고딕" panose="020D0604000000000000" pitchFamily="50" charset="-127"/>
+                        </a:rPr>
+                        <a:t>. HTML </a:t>
+                      </a:r>
+                      <a:r>
+                        <a:rPr lang="ko-KR" altLang="en-US" sz="1200" dirty="0" smtClean="0">
+                          <a:solidFill>
+                            <a:schemeClr val="tx1"/>
+                          </a:solidFill>
+                          <a:latin typeface="나눔고딕" panose="020D0604000000000000" pitchFamily="50" charset="-127"/>
+                          <a:ea typeface="나눔고딕" panose="020D0604000000000000" pitchFamily="50" charset="-127"/>
+                        </a:rPr>
+                        <a:t>코드의 </a:t>
+                      </a:r>
+                      <a:r>
+                        <a:rPr lang="ko-KR" altLang="en-US" sz="1200" dirty="0" err="1" smtClean="0">
+                          <a:solidFill>
+                            <a:schemeClr val="tx1"/>
+                          </a:solidFill>
+                          <a:latin typeface="나눔고딕" panose="020D0604000000000000" pitchFamily="50" charset="-127"/>
+                          <a:ea typeface="나눔고딕" panose="020D0604000000000000" pitchFamily="50" charset="-127"/>
+                        </a:rPr>
+                        <a:t>부분캐싱</a:t>
+                      </a:r>
+                      <a:r>
+                        <a:rPr lang="en-US" altLang="ko-KR" sz="1200" dirty="0" smtClean="0">
+                          <a:solidFill>
+                            <a:schemeClr val="tx1"/>
+                          </a:solidFill>
+                          <a:latin typeface="나눔고딕" panose="020D0604000000000000" pitchFamily="50" charset="-127"/>
+                          <a:ea typeface="나눔고딕" panose="020D0604000000000000" pitchFamily="50" charset="-127"/>
+                        </a:rPr>
+                        <a:t>)</a:t>
+                      </a:r>
+                      <a:endParaRPr lang="ko-KR" altLang="en-US" sz="1200" dirty="0">
+                        <a:solidFill>
+                          <a:schemeClr val="tx1"/>
+                        </a:solidFill>
+                        <a:latin typeface="나눔고딕" panose="020D0604000000000000" pitchFamily="50" charset="-127"/>
+                        <a:ea typeface="나눔고딕" panose="020D0604000000000000" pitchFamily="50" charset="-127"/>
+                      </a:endParaRPr>
+                    </a:p>
+                  </a:txBody>
+                  <a:tcPr anchor="ctr">
+                    <a:lnL w="12700" cap="flat" cmpd="sng" algn="ctr">
+                      <a:solidFill>
+                        <a:schemeClr val="tx1"/>
+                      </a:solidFill>
+                      <a:prstDash val="solid"/>
+                      <a:round/>
+                      <a:headEnd type="none" w="med" len="med"/>
+                      <a:tailEnd type="none" w="med" len="med"/>
+                    </a:lnL>
+                    <a:lnR w="12700" cap="flat" cmpd="sng" algn="ctr">
+                      <a:solidFill>
+                        <a:schemeClr val="tx1"/>
+                      </a:solidFill>
+                      <a:prstDash val="solid"/>
+                      <a:round/>
+                      <a:headEnd type="none" w="med" len="med"/>
+                      <a:tailEnd type="none" w="med" len="med"/>
+                    </a:lnR>
+                    <a:lnT w="12700" cap="flat" cmpd="sng" algn="ctr">
+                      <a:solidFill>
+                        <a:schemeClr val="tx1"/>
+                      </a:solidFill>
+                      <a:prstDash val="solid"/>
+                      <a:round/>
+                      <a:headEnd type="none" w="med" len="med"/>
+                      <a:tailEnd type="none" w="med" len="med"/>
+                    </a:lnT>
+                    <a:lnB w="12700" cap="flat" cmpd="sng" algn="ctr">
+                      <a:solidFill>
+                        <a:schemeClr val="tx1"/>
+                      </a:solidFill>
+                      <a:prstDash val="solid"/>
+                      <a:round/>
+                      <a:headEnd type="none" w="med" len="med"/>
+                      <a:tailEnd type="none" w="med" len="med"/>
+                    </a:lnB>
+                    <a:lnTlToBr w="12700" cmpd="sng">
+                      <a:noFill/>
+                      <a:prstDash val="solid"/>
+                    </a:lnTlToBr>
+                    <a:lnBlToTr w="12700" cmpd="sng">
+                      <a:noFill/>
+                      <a:prstDash val="solid"/>
+                    </a:lnBlToTr>
+                    <a:noFill/>
+                  </a:tcPr>
+                </a:tc>
+                <a:tc>
+                  <a:txBody>
+                    <a:bodyPr/>
+                    <a:lstStyle/>
+                    <a:p>
+                      <a:pPr algn="ctr" latinLnBrk="1"/>
+                      <a:endParaRPr lang="ko-KR" altLang="en-US" sz="1200" dirty="0">
+                        <a:solidFill>
+                          <a:schemeClr val="tx1"/>
+                        </a:solidFill>
+                        <a:latin typeface="나눔고딕" panose="020D0604000000000000" pitchFamily="50" charset="-127"/>
+                        <a:ea typeface="나눔고딕" panose="020D0604000000000000" pitchFamily="50" charset="-127"/>
+                      </a:endParaRPr>
+                    </a:p>
+                  </a:txBody>
+                  <a:tcPr anchor="ctr">
+                    <a:lnL w="12700" cap="flat" cmpd="sng" algn="ctr">
+                      <a:solidFill>
+                        <a:schemeClr val="tx1"/>
+                      </a:solidFill>
+                      <a:prstDash val="solid"/>
+                      <a:round/>
+                      <a:headEnd type="none" w="med" len="med"/>
+                      <a:tailEnd type="none" w="med" len="med"/>
+                    </a:lnL>
+                    <a:lnR w="12700" cap="flat" cmpd="sng" algn="ctr">
+                      <a:solidFill>
+                        <a:schemeClr val="tx1"/>
+                      </a:solidFill>
+                      <a:prstDash val="solid"/>
+                      <a:round/>
+                      <a:headEnd type="none" w="med" len="med"/>
+                      <a:tailEnd type="none" w="med" len="med"/>
+                    </a:lnR>
+                    <a:lnT w="12700" cap="flat" cmpd="sng" algn="ctr">
+                      <a:solidFill>
+                        <a:schemeClr val="tx1"/>
+                      </a:solidFill>
+                      <a:prstDash val="solid"/>
+                      <a:round/>
+                      <a:headEnd type="none" w="med" len="med"/>
+                      <a:tailEnd type="none" w="med" len="med"/>
+                    </a:lnT>
+                    <a:lnB w="12700" cap="flat" cmpd="sng" algn="ctr">
+                      <a:solidFill>
+                        <a:schemeClr val="tx1"/>
+                      </a:solidFill>
+                      <a:prstDash val="solid"/>
+                      <a:round/>
+                      <a:headEnd type="none" w="med" len="med"/>
+                      <a:tailEnd type="none" w="med" len="med"/>
+                    </a:lnB>
+                    <a:lnTlToBr w="12700" cmpd="sng">
+                      <a:noFill/>
+                      <a:prstDash val="solid"/>
+                    </a:lnTlToBr>
+                    <a:lnBlToTr w="12700" cmpd="sng">
+                      <a:noFill/>
+                      <a:prstDash val="solid"/>
+                    </a:lnBlToTr>
+                    <a:noFill/>
+                  </a:tcPr>
+                </a:tc>
+              </a:tr>
+              <a:tr h="659045">
+                <a:tc>
+                  <a:txBody>
+                    <a:bodyPr/>
+                    <a:lstStyle/>
+                    <a:p>
+                      <a:pPr algn="ctr" latinLnBrk="1"/>
+                      <a:endParaRPr lang="ko-KR" altLang="en-US" sz="1200" dirty="0">
+                        <a:solidFill>
+                          <a:schemeClr val="tx1"/>
+                        </a:solidFill>
+                        <a:latin typeface="나눔고딕" panose="020D0604000000000000" pitchFamily="50" charset="-127"/>
+                        <a:ea typeface="나눔고딕" panose="020D0604000000000000" pitchFamily="50" charset="-127"/>
+                      </a:endParaRPr>
+                    </a:p>
+                  </a:txBody>
+                  <a:tcPr anchor="ctr">
+                    <a:lnL w="12700" cap="flat" cmpd="sng" algn="ctr">
+                      <a:solidFill>
+                        <a:schemeClr val="tx1"/>
+                      </a:solidFill>
+                      <a:prstDash val="solid"/>
+                      <a:round/>
+                      <a:headEnd type="none" w="med" len="med"/>
+                      <a:tailEnd type="none" w="med" len="med"/>
+                    </a:lnL>
+                    <a:lnR w="12700" cap="flat" cmpd="sng" algn="ctr">
+                      <a:solidFill>
+                        <a:schemeClr val="tx1"/>
+                      </a:solidFill>
+                      <a:prstDash val="solid"/>
+                      <a:round/>
+                      <a:headEnd type="none" w="med" len="med"/>
+                      <a:tailEnd type="none" w="med" len="med"/>
+                    </a:lnR>
+                    <a:lnT w="12700" cap="flat" cmpd="sng" algn="ctr">
+                      <a:solidFill>
+                        <a:schemeClr val="tx1"/>
+                      </a:solidFill>
+                      <a:prstDash val="solid"/>
+                      <a:round/>
+                      <a:headEnd type="none" w="med" len="med"/>
+                      <a:tailEnd type="none" w="med" len="med"/>
+                    </a:lnT>
+                    <a:lnB w="12700" cap="flat" cmpd="sng" algn="ctr">
+                      <a:solidFill>
+                        <a:schemeClr val="tx1"/>
+                      </a:solidFill>
+                      <a:prstDash val="solid"/>
+                      <a:round/>
+                      <a:headEnd type="none" w="med" len="med"/>
+                      <a:tailEnd type="none" w="med" len="med"/>
+                    </a:lnB>
+                    <a:lnTlToBr w="12700" cmpd="sng">
+                      <a:noFill/>
+                      <a:prstDash val="solid"/>
+                    </a:lnTlToBr>
+                    <a:lnBlToTr w="12700" cmpd="sng">
+                      <a:noFill/>
+                      <a:prstDash val="solid"/>
+                    </a:lnBlToTr>
+                    <a:noFill/>
+                  </a:tcPr>
+                </a:tc>
+                <a:tc>
+                  <a:txBody>
+                    <a:bodyPr/>
+                    <a:lstStyle/>
+                    <a:p>
+                      <a:pPr algn="ctr" latinLnBrk="1"/>
+                      <a:r>
+                        <a:rPr lang="ko-KR" altLang="en-US" sz="1200" dirty="0" smtClean="0">
+                          <a:solidFill>
+                            <a:schemeClr val="tx1"/>
+                          </a:solidFill>
+                          <a:latin typeface="나눔고딕" panose="020D0604000000000000" pitchFamily="50" charset="-127"/>
+                          <a:ea typeface="나눔고딕" panose="020D0604000000000000" pitchFamily="50" charset="-127"/>
+                        </a:rPr>
+                        <a:t>거의 더 많이 쓰임</a:t>
+                      </a:r>
+                      <a:r>
+                        <a:rPr lang="en-US" altLang="ko-KR" sz="1200" dirty="0" smtClean="0">
+                          <a:solidFill>
+                            <a:schemeClr val="tx1"/>
+                          </a:solidFill>
+                          <a:latin typeface="나눔고딕" panose="020D0604000000000000" pitchFamily="50" charset="-127"/>
+                          <a:ea typeface="나눔고딕" panose="020D0604000000000000" pitchFamily="50" charset="-127"/>
+                        </a:rPr>
+                        <a:t>,</a:t>
+                      </a:r>
+                      <a:r>
+                        <a:rPr lang="en-US" altLang="ko-KR" sz="1200" baseline="0" dirty="0" smtClean="0">
+                          <a:solidFill>
+                            <a:schemeClr val="tx1"/>
+                          </a:solidFill>
+                          <a:latin typeface="나눔고딕" panose="020D0604000000000000" pitchFamily="50" charset="-127"/>
+                          <a:ea typeface="나눔고딕" panose="020D0604000000000000" pitchFamily="50" charset="-127"/>
+                        </a:rPr>
+                        <a:t> </a:t>
+                      </a:r>
+                      <a:r>
+                        <a:rPr lang="en-US" altLang="ko-KR" sz="1200" baseline="0" dirty="0" err="1" smtClean="0">
+                          <a:solidFill>
+                            <a:schemeClr val="tx1"/>
+                          </a:solidFill>
+                          <a:latin typeface="나눔고딕" panose="020D0604000000000000" pitchFamily="50" charset="-127"/>
+                          <a:ea typeface="나눔고딕" panose="020D0604000000000000" pitchFamily="50" charset="-127"/>
+                        </a:rPr>
+                        <a:t>MemCached</a:t>
+                      </a:r>
+                      <a:r>
+                        <a:rPr lang="ko-KR" altLang="en-US" sz="1200" baseline="0" dirty="0" smtClean="0">
+                          <a:solidFill>
+                            <a:schemeClr val="tx1"/>
+                          </a:solidFill>
+                          <a:latin typeface="나눔고딕" panose="020D0604000000000000" pitchFamily="50" charset="-127"/>
+                          <a:ea typeface="나눔고딕" panose="020D0604000000000000" pitchFamily="50" charset="-127"/>
+                        </a:rPr>
+                        <a:t>의 </a:t>
+                      </a:r>
+                      <a:r>
+                        <a:rPr lang="ko-KR" altLang="en-US" sz="1200" baseline="0" dirty="0" err="1" smtClean="0">
+                          <a:solidFill>
+                            <a:schemeClr val="tx1"/>
+                          </a:solidFill>
+                          <a:latin typeface="나눔고딕" panose="020D0604000000000000" pitchFamily="50" charset="-127"/>
+                          <a:ea typeface="나눔고딕" panose="020D0604000000000000" pitchFamily="50" charset="-127"/>
+                        </a:rPr>
+                        <a:t>좋은점을</a:t>
+                      </a:r>
+                      <a:r>
+                        <a:rPr lang="ko-KR" altLang="en-US" sz="1200" baseline="0" dirty="0" smtClean="0">
+                          <a:solidFill>
+                            <a:schemeClr val="tx1"/>
+                          </a:solidFill>
+                          <a:latin typeface="나눔고딕" panose="020D0604000000000000" pitchFamily="50" charset="-127"/>
+                          <a:ea typeface="나눔고딕" panose="020D0604000000000000" pitchFamily="50" charset="-127"/>
+                        </a:rPr>
+                        <a:t> 보고 개발했기 때문</a:t>
+                      </a:r>
+                      <a:endParaRPr lang="ko-KR" altLang="en-US" sz="1200" dirty="0">
+                        <a:solidFill>
+                          <a:schemeClr val="tx1"/>
+                        </a:solidFill>
+                        <a:latin typeface="나눔고딕" panose="020D0604000000000000" pitchFamily="50" charset="-127"/>
+                        <a:ea typeface="나눔고딕" panose="020D0604000000000000" pitchFamily="50" charset="-127"/>
+                      </a:endParaRPr>
+                    </a:p>
+                  </a:txBody>
+                  <a:tcPr anchor="ctr">
+                    <a:lnL w="12700" cap="flat" cmpd="sng" algn="ctr">
+                      <a:solidFill>
+                        <a:schemeClr val="tx1"/>
+                      </a:solidFill>
+                      <a:prstDash val="solid"/>
+                      <a:round/>
+                      <a:headEnd type="none" w="med" len="med"/>
+                      <a:tailEnd type="none" w="med" len="med"/>
+                    </a:lnL>
+                    <a:lnR w="12700" cap="flat" cmpd="sng" algn="ctr">
+                      <a:solidFill>
+                        <a:schemeClr val="tx1"/>
+                      </a:solidFill>
+                      <a:prstDash val="solid"/>
+                      <a:round/>
+                      <a:headEnd type="none" w="med" len="med"/>
+                      <a:tailEnd type="none" w="med" len="med"/>
+                    </a:lnR>
+                    <a:lnT w="12700" cap="flat" cmpd="sng" algn="ctr">
+                      <a:solidFill>
+                        <a:schemeClr val="tx1"/>
+                      </a:solidFill>
+                      <a:prstDash val="solid"/>
+                      <a:round/>
+                      <a:headEnd type="none" w="med" len="med"/>
+                      <a:tailEnd type="none" w="med" len="med"/>
+                    </a:lnT>
+                    <a:lnB w="12700" cap="flat" cmpd="sng" algn="ctr">
+                      <a:solidFill>
+                        <a:schemeClr val="tx1"/>
+                      </a:solidFill>
+                      <a:prstDash val="solid"/>
+                      <a:round/>
+                      <a:headEnd type="none" w="med" len="med"/>
+                      <a:tailEnd type="none" w="med" len="med"/>
+                    </a:lnB>
+                    <a:lnTlToBr w="12700" cmpd="sng">
+                      <a:noFill/>
+                      <a:prstDash val="solid"/>
+                    </a:lnTlToBr>
+                    <a:lnBlToTr w="12700" cmpd="sng">
+                      <a:noFill/>
+                      <a:prstDash val="solid"/>
+                    </a:lnBlToTr>
+                    <a:noFill/>
+                  </a:tcPr>
+                </a:tc>
+                <a:tc>
+                  <a:txBody>
+                    <a:bodyPr/>
+                    <a:lstStyle/>
+                    <a:p>
+                      <a:pPr algn="ctr" latinLnBrk="1"/>
+                      <a:r>
+                        <a:rPr lang="ko-KR" altLang="en-US" sz="1200" dirty="0" smtClean="0">
+                          <a:solidFill>
+                            <a:schemeClr val="tx1"/>
+                          </a:solidFill>
+                          <a:latin typeface="나눔고딕" panose="020D0604000000000000" pitchFamily="50" charset="-127"/>
+                          <a:ea typeface="나눔고딕" panose="020D0604000000000000" pitchFamily="50" charset="-127"/>
+                        </a:rPr>
+                        <a:t>수평적 확장에서 </a:t>
+                      </a:r>
+                      <a:r>
+                        <a:rPr lang="ko-KR" altLang="en-US" sz="1200" dirty="0" err="1" smtClean="0">
+                          <a:solidFill>
+                            <a:schemeClr val="tx1"/>
+                          </a:solidFill>
+                          <a:latin typeface="나눔고딕" panose="020D0604000000000000" pitchFamily="50" charset="-127"/>
+                          <a:ea typeface="나눔고딕" panose="020D0604000000000000" pitchFamily="50" charset="-127"/>
+                        </a:rPr>
+                        <a:t>약간더</a:t>
+                      </a:r>
+                      <a:r>
+                        <a:rPr lang="ko-KR" altLang="en-US" sz="1200" dirty="0" smtClean="0">
+                          <a:solidFill>
+                            <a:schemeClr val="tx1"/>
+                          </a:solidFill>
+                          <a:latin typeface="나눔고딕" panose="020D0604000000000000" pitchFamily="50" charset="-127"/>
+                          <a:ea typeface="나눔고딕" panose="020D0604000000000000" pitchFamily="50" charset="-127"/>
+                        </a:rPr>
+                        <a:t> 좋음</a:t>
+                      </a:r>
+                      <a:endParaRPr lang="ko-KR" altLang="en-US" sz="1200" dirty="0">
+                        <a:solidFill>
+                          <a:schemeClr val="tx1"/>
+                        </a:solidFill>
+                        <a:latin typeface="나눔고딕" panose="020D0604000000000000" pitchFamily="50" charset="-127"/>
+                        <a:ea typeface="나눔고딕" panose="020D0604000000000000" pitchFamily="50" charset="-127"/>
+                      </a:endParaRPr>
+                    </a:p>
+                  </a:txBody>
+                  <a:tcPr anchor="ctr">
+                    <a:lnL w="12700" cap="flat" cmpd="sng" algn="ctr">
+                      <a:solidFill>
+                        <a:schemeClr val="tx1"/>
+                      </a:solidFill>
+                      <a:prstDash val="solid"/>
+                      <a:round/>
+                      <a:headEnd type="none" w="med" len="med"/>
+                      <a:tailEnd type="none" w="med" len="med"/>
+                    </a:lnL>
+                    <a:lnR w="12700" cap="flat" cmpd="sng" algn="ctr">
+                      <a:solidFill>
+                        <a:schemeClr val="tx1"/>
+                      </a:solidFill>
+                      <a:prstDash val="solid"/>
+                      <a:round/>
+                      <a:headEnd type="none" w="med" len="med"/>
+                      <a:tailEnd type="none" w="med" len="med"/>
+                    </a:lnR>
+                    <a:lnT w="12700" cap="flat" cmpd="sng" algn="ctr">
+                      <a:solidFill>
+                        <a:schemeClr val="tx1"/>
+                      </a:solidFill>
+                      <a:prstDash val="solid"/>
+                      <a:round/>
+                      <a:headEnd type="none" w="med" len="med"/>
+                      <a:tailEnd type="none" w="med" len="med"/>
+                    </a:lnT>
+                    <a:lnB w="12700" cap="flat" cmpd="sng" algn="ctr">
+                      <a:solidFill>
+                        <a:schemeClr val="tx1"/>
+                      </a:solidFill>
+                      <a:prstDash val="solid"/>
+                      <a:round/>
+                      <a:headEnd type="none" w="med" len="med"/>
+                      <a:tailEnd type="none" w="med" len="med"/>
+                    </a:lnB>
+                    <a:lnTlToBr w="12700" cmpd="sng">
+                      <a:noFill/>
+                      <a:prstDash val="solid"/>
+                    </a:lnTlToBr>
+                    <a:lnBlToTr w="12700" cmpd="sng">
+                      <a:noFill/>
+                      <a:prstDash val="solid"/>
+                    </a:lnBlToTr>
+                    <a:noFill/>
+                  </a:tcPr>
+                </a:tc>
+                <a:tc>
+                  <a:txBody>
+                    <a:bodyPr/>
+                    <a:lstStyle/>
+                    <a:p>
+                      <a:pPr algn="ctr" latinLnBrk="1"/>
+                      <a:endParaRPr lang="ko-KR" altLang="en-US" sz="1200" dirty="0">
+                        <a:solidFill>
+                          <a:schemeClr val="tx1"/>
+                        </a:solidFill>
+                        <a:latin typeface="나눔고딕" panose="020D0604000000000000" pitchFamily="50" charset="-127"/>
+                        <a:ea typeface="나눔고딕" panose="020D0604000000000000" pitchFamily="50" charset="-127"/>
+                      </a:endParaRPr>
+                    </a:p>
+                  </a:txBody>
+                  <a:tcPr anchor="ctr">
+                    <a:lnL w="12700" cap="flat" cmpd="sng" algn="ctr">
+                      <a:solidFill>
+                        <a:schemeClr val="tx1"/>
+                      </a:solidFill>
+                      <a:prstDash val="solid"/>
+                      <a:round/>
+                      <a:headEnd type="none" w="med" len="med"/>
+                      <a:tailEnd type="none" w="med" len="med"/>
+                    </a:lnL>
+                    <a:lnR w="12700" cap="flat" cmpd="sng" algn="ctr">
+                      <a:solidFill>
+                        <a:schemeClr val="tx1"/>
+                      </a:solidFill>
+                      <a:prstDash val="solid"/>
+                      <a:round/>
+                      <a:headEnd type="none" w="med" len="med"/>
+                      <a:tailEnd type="none" w="med" len="med"/>
+                    </a:lnR>
+                    <a:lnT w="12700" cap="flat" cmpd="sng" algn="ctr">
+                      <a:solidFill>
+                        <a:schemeClr val="tx1"/>
+                      </a:solidFill>
+                      <a:prstDash val="solid"/>
+                      <a:round/>
+                      <a:headEnd type="none" w="med" len="med"/>
+                      <a:tailEnd type="none" w="med" len="med"/>
+                    </a:lnT>
+                    <a:lnB w="12700" cap="flat" cmpd="sng" algn="ctr">
+                      <a:solidFill>
+                        <a:schemeClr val="tx1"/>
+                      </a:solidFill>
+                      <a:prstDash val="solid"/>
+                      <a:round/>
+                      <a:headEnd type="none" w="med" len="med"/>
+                      <a:tailEnd type="none" w="med" len="med"/>
+                    </a:lnB>
+                    <a:lnTlToBr w="12700" cmpd="sng">
+                      <a:noFill/>
+                      <a:prstDash val="solid"/>
+                    </a:lnTlToBr>
+                    <a:lnBlToTr w="12700" cmpd="sng">
+                      <a:noFill/>
+                      <a:prstDash val="solid"/>
+                    </a:lnBlToTr>
+                    <a:noFill/>
+                  </a:tcPr>
+                </a:tc>
+              </a:tr>
+              <a:tr h="659045">
+                <a:tc>
+                  <a:txBody>
+                    <a:bodyPr/>
+                    <a:lstStyle/>
+                    <a:p>
+                      <a:pPr algn="ctr" latinLnBrk="1"/>
+                      <a:endParaRPr lang="ko-KR" altLang="en-US" sz="1200" dirty="0">
+                        <a:solidFill>
+                          <a:schemeClr val="tx1"/>
+                        </a:solidFill>
+                        <a:latin typeface="나눔고딕" panose="020D0604000000000000" pitchFamily="50" charset="-127"/>
+                        <a:ea typeface="나눔고딕" panose="020D0604000000000000" pitchFamily="50" charset="-127"/>
+                      </a:endParaRPr>
+                    </a:p>
+                  </a:txBody>
+                  <a:tcPr anchor="ctr">
+                    <a:lnL w="12700" cap="flat" cmpd="sng" algn="ctr">
+                      <a:solidFill>
+                        <a:schemeClr val="tx1"/>
+                      </a:solidFill>
+                      <a:prstDash val="solid"/>
+                      <a:round/>
+                      <a:headEnd type="none" w="med" len="med"/>
+                      <a:tailEnd type="none" w="med" len="med"/>
+                    </a:lnL>
+                    <a:lnR w="12700" cap="flat" cmpd="sng" algn="ctr">
+                      <a:solidFill>
+                        <a:schemeClr val="tx1"/>
+                      </a:solidFill>
+                      <a:prstDash val="solid"/>
+                      <a:round/>
+                      <a:headEnd type="none" w="med" len="med"/>
+                      <a:tailEnd type="none" w="med" len="med"/>
+                    </a:lnR>
+                    <a:lnT w="12700" cap="flat" cmpd="sng" algn="ctr">
+                      <a:solidFill>
+                        <a:schemeClr val="tx1"/>
+                      </a:solidFill>
+                      <a:prstDash val="solid"/>
+                      <a:round/>
+                      <a:headEnd type="none" w="med" len="med"/>
+                      <a:tailEnd type="none" w="med" len="med"/>
+                    </a:lnT>
+                    <a:lnB w="12700" cap="flat" cmpd="sng" algn="ctr">
+                      <a:solidFill>
+                        <a:schemeClr val="tx1"/>
+                      </a:solidFill>
+                      <a:prstDash val="solid"/>
+                      <a:round/>
+                      <a:headEnd type="none" w="med" len="med"/>
+                      <a:tailEnd type="none" w="med" len="med"/>
+                    </a:lnB>
+                    <a:lnTlToBr w="12700" cmpd="sng">
+                      <a:noFill/>
+                      <a:prstDash val="solid"/>
+                    </a:lnTlToBr>
+                    <a:lnBlToTr w="12700" cmpd="sng">
+                      <a:noFill/>
+                      <a:prstDash val="solid"/>
+                    </a:lnBlToTr>
+                    <a:noFill/>
+                  </a:tcPr>
+                </a:tc>
+                <a:tc>
+                  <a:txBody>
+                    <a:bodyPr/>
+                    <a:lstStyle/>
+                    <a:p>
+                      <a:pPr algn="ctr" latinLnBrk="1"/>
+                      <a:r>
+                        <a:rPr lang="ko-KR" altLang="en-US" sz="1200" dirty="0" smtClean="0">
+                          <a:solidFill>
+                            <a:schemeClr val="tx1"/>
+                          </a:solidFill>
+                          <a:latin typeface="나눔고딕" panose="020D0604000000000000" pitchFamily="50" charset="-127"/>
+                          <a:ea typeface="나눔고딕" panose="020D0604000000000000" pitchFamily="50" charset="-127"/>
+                        </a:rPr>
+                        <a:t>지금은 </a:t>
+                      </a:r>
+                      <a:r>
+                        <a:rPr lang="ko-KR" altLang="en-US" sz="1200" dirty="0" err="1" smtClean="0">
+                          <a:solidFill>
+                            <a:schemeClr val="tx1"/>
+                          </a:solidFill>
+                          <a:latin typeface="나눔고딕" panose="020D0604000000000000" pitchFamily="50" charset="-127"/>
+                          <a:ea typeface="나눔고딕" panose="020D0604000000000000" pitchFamily="50" charset="-127"/>
+                        </a:rPr>
+                        <a:t>수평적확장도</a:t>
+                      </a:r>
+                      <a:r>
+                        <a:rPr lang="ko-KR" altLang="en-US" sz="1200" dirty="0" smtClean="0">
+                          <a:solidFill>
+                            <a:schemeClr val="tx1"/>
+                          </a:solidFill>
+                          <a:latin typeface="나눔고딕" panose="020D0604000000000000" pitchFamily="50" charset="-127"/>
+                          <a:ea typeface="나눔고딕" panose="020D0604000000000000" pitchFamily="50" charset="-127"/>
+                        </a:rPr>
+                        <a:t> 더 좋음</a:t>
+                      </a:r>
+                      <a:endParaRPr lang="ko-KR" altLang="en-US" sz="1200" dirty="0">
+                        <a:solidFill>
+                          <a:schemeClr val="tx1"/>
+                        </a:solidFill>
+                        <a:latin typeface="나눔고딕" panose="020D0604000000000000" pitchFamily="50" charset="-127"/>
+                        <a:ea typeface="나눔고딕" panose="020D0604000000000000" pitchFamily="50" charset="-127"/>
+                      </a:endParaRPr>
+                    </a:p>
+                  </a:txBody>
+                  <a:tcPr anchor="ctr">
+                    <a:lnL w="12700" cap="flat" cmpd="sng" algn="ctr">
+                      <a:solidFill>
+                        <a:schemeClr val="tx1"/>
+                      </a:solidFill>
+                      <a:prstDash val="solid"/>
+                      <a:round/>
+                      <a:headEnd type="none" w="med" len="med"/>
+                      <a:tailEnd type="none" w="med" len="med"/>
+                    </a:lnL>
+                    <a:lnR w="12700" cap="flat" cmpd="sng" algn="ctr">
+                      <a:solidFill>
+                        <a:schemeClr val="tx1"/>
+                      </a:solidFill>
+                      <a:prstDash val="solid"/>
+                      <a:round/>
+                      <a:headEnd type="none" w="med" len="med"/>
+                      <a:tailEnd type="none" w="med" len="med"/>
+                    </a:lnR>
+                    <a:lnT w="12700" cap="flat" cmpd="sng" algn="ctr">
+                      <a:solidFill>
+                        <a:schemeClr val="tx1"/>
+                      </a:solidFill>
+                      <a:prstDash val="solid"/>
+                      <a:round/>
+                      <a:headEnd type="none" w="med" len="med"/>
+                      <a:tailEnd type="none" w="med" len="med"/>
+                    </a:lnT>
+                    <a:lnB w="12700" cap="flat" cmpd="sng" algn="ctr">
+                      <a:solidFill>
+                        <a:schemeClr val="tx1"/>
+                      </a:solidFill>
+                      <a:prstDash val="solid"/>
+                      <a:round/>
+                      <a:headEnd type="none" w="med" len="med"/>
+                      <a:tailEnd type="none" w="med" len="med"/>
+                    </a:lnB>
+                    <a:lnTlToBr w="12700" cmpd="sng">
+                      <a:noFill/>
+                      <a:prstDash val="solid"/>
+                    </a:lnTlToBr>
+                    <a:lnBlToTr w="12700" cmpd="sng">
+                      <a:noFill/>
+                      <a:prstDash val="solid"/>
+                    </a:lnBlToTr>
+                    <a:noFill/>
+                  </a:tcPr>
+                </a:tc>
+                <a:tc>
+                  <a:txBody>
+                    <a:bodyPr/>
+                    <a:lstStyle/>
+                    <a:p>
+                      <a:pPr algn="ctr" latinLnBrk="1"/>
+                      <a:endParaRPr lang="ko-KR" altLang="en-US" sz="1200" dirty="0">
+                        <a:solidFill>
+                          <a:schemeClr val="tx1"/>
+                        </a:solidFill>
+                        <a:latin typeface="나눔고딕" panose="020D0604000000000000" pitchFamily="50" charset="-127"/>
+                        <a:ea typeface="나눔고딕" panose="020D0604000000000000" pitchFamily="50" charset="-127"/>
+                      </a:endParaRPr>
+                    </a:p>
+                  </a:txBody>
+                  <a:tcPr anchor="ctr">
+                    <a:lnL w="12700" cap="flat" cmpd="sng" algn="ctr">
+                      <a:solidFill>
+                        <a:schemeClr val="tx1"/>
+                      </a:solidFill>
+                      <a:prstDash val="solid"/>
+                      <a:round/>
+                      <a:headEnd type="none" w="med" len="med"/>
+                      <a:tailEnd type="none" w="med" len="med"/>
+                    </a:lnL>
+                    <a:lnR w="12700" cap="flat" cmpd="sng" algn="ctr">
+                      <a:solidFill>
+                        <a:schemeClr val="tx1"/>
+                      </a:solidFill>
+                      <a:prstDash val="solid"/>
+                      <a:round/>
+                      <a:headEnd type="none" w="med" len="med"/>
+                      <a:tailEnd type="none" w="med" len="med"/>
+                    </a:lnR>
+                    <a:lnT w="12700" cap="flat" cmpd="sng" algn="ctr">
+                      <a:solidFill>
+                        <a:schemeClr val="tx1"/>
+                      </a:solidFill>
+                      <a:prstDash val="solid"/>
+                      <a:round/>
+                      <a:headEnd type="none" w="med" len="med"/>
+                      <a:tailEnd type="none" w="med" len="med"/>
+                    </a:lnT>
+                    <a:lnB w="12700" cap="flat" cmpd="sng" algn="ctr">
+                      <a:solidFill>
+                        <a:schemeClr val="tx1"/>
+                      </a:solidFill>
+                      <a:prstDash val="solid"/>
+                      <a:round/>
+                      <a:headEnd type="none" w="med" len="med"/>
+                      <a:tailEnd type="none" w="med" len="med"/>
+                    </a:lnB>
+                    <a:lnTlToBr w="12700" cmpd="sng">
+                      <a:noFill/>
+                      <a:prstDash val="solid"/>
+                    </a:lnTlToBr>
+                    <a:lnBlToTr w="12700" cmpd="sng">
+                      <a:noFill/>
+                      <a:prstDash val="solid"/>
+                    </a:lnBlToTr>
+                    <a:noFill/>
+                  </a:tcPr>
+                </a:tc>
+                <a:tc>
+                  <a:txBody>
+                    <a:bodyPr/>
+                    <a:lstStyle/>
+                    <a:p>
+                      <a:pPr algn="ctr" latinLnBrk="1"/>
+                      <a:endParaRPr lang="ko-KR" altLang="en-US" sz="1200" dirty="0">
+                        <a:solidFill>
+                          <a:schemeClr val="tx1"/>
+                        </a:solidFill>
+                        <a:latin typeface="나눔고딕" panose="020D0604000000000000" pitchFamily="50" charset="-127"/>
+                        <a:ea typeface="나눔고딕" panose="020D0604000000000000" pitchFamily="50" charset="-127"/>
+                      </a:endParaRPr>
+                    </a:p>
+                  </a:txBody>
+                  <a:tcPr anchor="ctr">
+                    <a:lnL w="12700" cap="flat" cmpd="sng" algn="ctr">
+                      <a:solidFill>
+                        <a:schemeClr val="tx1"/>
+                      </a:solidFill>
+                      <a:prstDash val="solid"/>
+                      <a:round/>
+                      <a:headEnd type="none" w="med" len="med"/>
+                      <a:tailEnd type="none" w="med" len="med"/>
+                    </a:lnL>
+                    <a:lnR w="12700" cap="flat" cmpd="sng" algn="ctr">
+                      <a:solidFill>
+                        <a:schemeClr val="tx1"/>
+                      </a:solidFill>
+                      <a:prstDash val="solid"/>
+                      <a:round/>
+                      <a:headEnd type="none" w="med" len="med"/>
+                      <a:tailEnd type="none" w="med" len="med"/>
+                    </a:lnR>
+                    <a:lnT w="12700" cap="flat" cmpd="sng" algn="ctr">
+                      <a:solidFill>
+                        <a:schemeClr val="tx1"/>
+                      </a:solidFill>
+                      <a:prstDash val="solid"/>
+                      <a:round/>
+                      <a:headEnd type="none" w="med" len="med"/>
+                      <a:tailEnd type="none" w="med" len="med"/>
+                    </a:lnT>
+                    <a:lnB w="12700" cap="flat" cmpd="sng" algn="ctr">
+                      <a:solidFill>
+                        <a:schemeClr val="tx1"/>
+                      </a:solidFill>
+                      <a:prstDash val="solid"/>
+                      <a:round/>
+                      <a:headEnd type="none" w="med" len="med"/>
+                      <a:tailEnd type="none" w="med" len="med"/>
+                    </a:lnB>
+                    <a:lnTlToBr w="12700" cmpd="sng">
+                      <a:noFill/>
+                      <a:prstDash val="solid"/>
+                    </a:lnTlToBr>
+                    <a:lnBlToTr w="12700" cmpd="sng">
+                      <a:noFill/>
+                      <a:prstDash val="solid"/>
+                    </a:lnBlToTr>
+                    <a:noFill/>
+                  </a:tcPr>
+                </a:tc>
+              </a:tr>
+              <a:tr h="659045">
+                <a:tc>
+                  <a:txBody>
+                    <a:bodyPr/>
+                    <a:lstStyle/>
+                    <a:p>
+                      <a:pPr algn="ctr" latinLnBrk="1"/>
+                      <a:endParaRPr lang="ko-KR" altLang="en-US" sz="1200" dirty="0">
+                        <a:solidFill>
+                          <a:schemeClr val="tx1"/>
+                        </a:solidFill>
+                        <a:latin typeface="나눔고딕" panose="020D0604000000000000" pitchFamily="50" charset="-127"/>
+                        <a:ea typeface="나눔고딕" panose="020D0604000000000000" pitchFamily="50" charset="-127"/>
+                      </a:endParaRPr>
+                    </a:p>
+                  </a:txBody>
+                  <a:tcPr anchor="ctr">
+                    <a:lnL w="12700" cap="flat" cmpd="sng" algn="ctr">
+                      <a:solidFill>
+                        <a:schemeClr val="tx1"/>
+                      </a:solidFill>
+                      <a:prstDash val="solid"/>
+                      <a:round/>
+                      <a:headEnd type="none" w="med" len="med"/>
+                      <a:tailEnd type="none" w="med" len="med"/>
+                    </a:lnL>
+                    <a:lnR w="12700" cap="flat" cmpd="sng" algn="ctr">
+                      <a:solidFill>
+                        <a:schemeClr val="tx1"/>
+                      </a:solidFill>
+                      <a:prstDash val="solid"/>
+                      <a:round/>
+                      <a:headEnd type="none" w="med" len="med"/>
+                      <a:tailEnd type="none" w="med" len="med"/>
+                    </a:lnR>
+                    <a:lnT w="12700" cap="flat" cmpd="sng" algn="ctr">
+                      <a:solidFill>
+                        <a:schemeClr val="tx1"/>
+                      </a:solidFill>
+                      <a:prstDash val="solid"/>
+                      <a:round/>
+                      <a:headEnd type="none" w="med" len="med"/>
+                      <a:tailEnd type="none" w="med" len="med"/>
+                    </a:lnT>
+                    <a:lnB w="12700" cap="flat" cmpd="sng" algn="ctr">
+                      <a:solidFill>
+                        <a:schemeClr val="tx1"/>
+                      </a:solidFill>
+                      <a:prstDash val="solid"/>
+                      <a:round/>
+                      <a:headEnd type="none" w="med" len="med"/>
+                      <a:tailEnd type="none" w="med" len="med"/>
+                    </a:lnB>
+                    <a:lnTlToBr w="12700" cmpd="sng">
+                      <a:noFill/>
+                      <a:prstDash val="solid"/>
+                    </a:lnTlToBr>
+                    <a:lnBlToTr w="12700" cmpd="sng">
+                      <a:noFill/>
+                      <a:prstDash val="solid"/>
+                    </a:lnBlToTr>
+                    <a:noFill/>
+                  </a:tcPr>
+                </a:tc>
+                <a:tc>
+                  <a:txBody>
+                    <a:bodyPr/>
+                    <a:lstStyle/>
+                    <a:p>
+                      <a:pPr algn="ctr" latinLnBrk="1"/>
+                      <a:endParaRPr lang="ko-KR" altLang="en-US" sz="1200" dirty="0">
+                        <a:solidFill>
+                          <a:schemeClr val="tx1"/>
+                        </a:solidFill>
+                        <a:latin typeface="나눔고딕" panose="020D0604000000000000" pitchFamily="50" charset="-127"/>
+                        <a:ea typeface="나눔고딕" panose="020D0604000000000000" pitchFamily="50" charset="-127"/>
+                      </a:endParaRPr>
+                    </a:p>
+                  </a:txBody>
+                  <a:tcPr anchor="ctr">
+                    <a:lnL w="12700" cap="flat" cmpd="sng" algn="ctr">
+                      <a:solidFill>
+                        <a:schemeClr val="tx1"/>
+                      </a:solidFill>
+                      <a:prstDash val="solid"/>
+                      <a:round/>
+                      <a:headEnd type="none" w="med" len="med"/>
+                      <a:tailEnd type="none" w="med" len="med"/>
+                    </a:lnL>
+                    <a:lnR w="12700" cap="flat" cmpd="sng" algn="ctr">
+                      <a:solidFill>
+                        <a:schemeClr val="tx1"/>
+                      </a:solidFill>
+                      <a:prstDash val="solid"/>
+                      <a:round/>
+                      <a:headEnd type="none" w="med" len="med"/>
+                      <a:tailEnd type="none" w="med" len="med"/>
+                    </a:lnR>
+                    <a:lnT w="12700" cap="flat" cmpd="sng" algn="ctr">
+                      <a:solidFill>
+                        <a:schemeClr val="tx1"/>
+                      </a:solidFill>
+                      <a:prstDash val="solid"/>
+                      <a:round/>
+                      <a:headEnd type="none" w="med" len="med"/>
+                      <a:tailEnd type="none" w="med" len="med"/>
+                    </a:lnT>
+                    <a:lnB w="12700" cap="flat" cmpd="sng" algn="ctr">
+                      <a:solidFill>
+                        <a:schemeClr val="tx1"/>
+                      </a:solidFill>
+                      <a:prstDash val="solid"/>
+                      <a:round/>
+                      <a:headEnd type="none" w="med" len="med"/>
+                      <a:tailEnd type="none" w="med" len="med"/>
+                    </a:lnB>
+                    <a:lnTlToBr w="12700" cmpd="sng">
+                      <a:noFill/>
+                      <a:prstDash val="solid"/>
+                    </a:lnTlToBr>
+                    <a:lnBlToTr w="12700" cmpd="sng">
+                      <a:noFill/>
+                      <a:prstDash val="solid"/>
+                    </a:lnBlToTr>
+                    <a:noFill/>
+                  </a:tcPr>
+                </a:tc>
+                <a:tc>
+                  <a:txBody>
+                    <a:bodyPr/>
+                    <a:lstStyle/>
+                    <a:p>
+                      <a:pPr algn="ctr" latinLnBrk="1"/>
+                      <a:endParaRPr lang="ko-KR" altLang="en-US" sz="1200" dirty="0">
+                        <a:solidFill>
+                          <a:schemeClr val="tx1"/>
+                        </a:solidFill>
+                        <a:latin typeface="나눔고딕" panose="020D0604000000000000" pitchFamily="50" charset="-127"/>
+                        <a:ea typeface="나눔고딕" panose="020D0604000000000000" pitchFamily="50" charset="-127"/>
+                      </a:endParaRPr>
+                    </a:p>
+                  </a:txBody>
+                  <a:tcPr anchor="ctr">
+                    <a:lnL w="12700" cap="flat" cmpd="sng" algn="ctr">
+                      <a:solidFill>
+                        <a:schemeClr val="tx1"/>
+                      </a:solidFill>
+                      <a:prstDash val="solid"/>
+                      <a:round/>
+                      <a:headEnd type="none" w="med" len="med"/>
+                      <a:tailEnd type="none" w="med" len="med"/>
+                    </a:lnL>
+                    <a:lnR w="12700" cap="flat" cmpd="sng" algn="ctr">
+                      <a:solidFill>
+                        <a:schemeClr val="tx1"/>
+                      </a:solidFill>
+                      <a:prstDash val="solid"/>
+                      <a:round/>
+                      <a:headEnd type="none" w="med" len="med"/>
+                      <a:tailEnd type="none" w="med" len="med"/>
+                    </a:lnR>
+                    <a:lnT w="12700" cap="flat" cmpd="sng" algn="ctr">
+                      <a:solidFill>
+                        <a:schemeClr val="tx1"/>
+                      </a:solidFill>
+                      <a:prstDash val="solid"/>
+                      <a:round/>
+                      <a:headEnd type="none" w="med" len="med"/>
+                      <a:tailEnd type="none" w="med" len="med"/>
+                    </a:lnT>
+                    <a:lnB w="12700" cap="flat" cmpd="sng" algn="ctr">
+                      <a:solidFill>
+                        <a:schemeClr val="tx1"/>
+                      </a:solidFill>
+                      <a:prstDash val="solid"/>
+                      <a:round/>
+                      <a:headEnd type="none" w="med" len="med"/>
+                      <a:tailEnd type="none" w="med" len="med"/>
+                    </a:lnB>
+                    <a:lnTlToBr w="12700" cmpd="sng">
+                      <a:noFill/>
+                      <a:prstDash val="solid"/>
+                    </a:lnTlToBr>
+                    <a:lnBlToTr w="12700" cmpd="sng">
+                      <a:noFill/>
+                      <a:prstDash val="solid"/>
+                    </a:lnBlToTr>
+                    <a:noFill/>
+                  </a:tcPr>
+                </a:tc>
+                <a:tc>
+                  <a:txBody>
+                    <a:bodyPr/>
+                    <a:lstStyle/>
+                    <a:p>
+                      <a:pPr algn="ctr" latinLnBrk="1"/>
+                      <a:endParaRPr lang="ko-KR" altLang="en-US" sz="1200">
+                        <a:solidFill>
+                          <a:schemeClr val="tx1"/>
+                        </a:solidFill>
+                        <a:latin typeface="나눔고딕" panose="020D0604000000000000" pitchFamily="50" charset="-127"/>
+                        <a:ea typeface="나눔고딕" panose="020D0604000000000000" pitchFamily="50" charset="-127"/>
+                      </a:endParaRPr>
+                    </a:p>
+                  </a:txBody>
+                  <a:tcPr anchor="ctr">
+                    <a:lnL w="12700" cap="flat" cmpd="sng" algn="ctr">
+                      <a:solidFill>
+                        <a:schemeClr val="tx1"/>
+                      </a:solidFill>
+                      <a:prstDash val="solid"/>
+                      <a:round/>
+                      <a:headEnd type="none" w="med" len="med"/>
+                      <a:tailEnd type="none" w="med" len="med"/>
+                    </a:lnL>
+                    <a:lnR w="12700" cap="flat" cmpd="sng" algn="ctr">
+                      <a:solidFill>
+                        <a:schemeClr val="tx1"/>
+                      </a:solidFill>
+                      <a:prstDash val="solid"/>
+                      <a:round/>
+                      <a:headEnd type="none" w="med" len="med"/>
+                      <a:tailEnd type="none" w="med" len="med"/>
+                    </a:lnR>
+                    <a:lnT w="12700" cap="flat" cmpd="sng" algn="ctr">
+                      <a:solidFill>
+                        <a:schemeClr val="tx1"/>
+                      </a:solidFill>
+                      <a:prstDash val="solid"/>
+                      <a:round/>
+                      <a:headEnd type="none" w="med" len="med"/>
+                      <a:tailEnd type="none" w="med" len="med"/>
+                    </a:lnT>
+                    <a:lnB w="12700" cap="flat" cmpd="sng" algn="ctr">
+                      <a:solidFill>
+                        <a:schemeClr val="tx1"/>
+                      </a:solidFill>
+                      <a:prstDash val="solid"/>
+                      <a:round/>
+                      <a:headEnd type="none" w="med" len="med"/>
+                      <a:tailEnd type="none" w="med" len="med"/>
+                    </a:lnB>
+                    <a:lnTlToBr w="12700" cmpd="sng">
+                      <a:noFill/>
+                      <a:prstDash val="solid"/>
+                    </a:lnTlToBr>
+                    <a:lnBlToTr w="12700" cmpd="sng">
+                      <a:noFill/>
+                      <a:prstDash val="solid"/>
+                    </a:lnBlToTr>
+                    <a:noFill/>
+                  </a:tcPr>
+                </a:tc>
+              </a:tr>
+              <a:tr h="659045">
+                <a:tc>
+                  <a:txBody>
+                    <a:bodyPr/>
+                    <a:lstStyle/>
+                    <a:p>
+                      <a:pPr algn="ctr" latinLnBrk="1"/>
+                      <a:r>
+                        <a:rPr lang="ko-KR" altLang="en-US" sz="1200" dirty="0" smtClean="0">
+                          <a:solidFill>
+                            <a:schemeClr val="tx1"/>
+                          </a:solidFill>
+                          <a:latin typeface="나눔고딕" panose="020D0604000000000000" pitchFamily="50" charset="-127"/>
+                          <a:ea typeface="나눔고딕" panose="020D0604000000000000" pitchFamily="50" charset="-127"/>
+                        </a:rPr>
+                        <a:t>장점</a:t>
+                      </a:r>
+                      <a:endParaRPr lang="ko-KR" altLang="en-US" sz="1200" dirty="0">
+                        <a:solidFill>
+                          <a:schemeClr val="tx1"/>
+                        </a:solidFill>
+                        <a:latin typeface="나눔고딕" panose="020D0604000000000000" pitchFamily="50" charset="-127"/>
+                        <a:ea typeface="나눔고딕" panose="020D0604000000000000" pitchFamily="50" charset="-127"/>
+                      </a:endParaRPr>
+                    </a:p>
+                  </a:txBody>
+                  <a:tcPr anchor="ctr">
+                    <a:lnL w="12700" cap="flat" cmpd="sng" algn="ctr">
+                      <a:solidFill>
+                        <a:schemeClr val="tx1"/>
+                      </a:solidFill>
+                      <a:prstDash val="solid"/>
+                      <a:round/>
+                      <a:headEnd type="none" w="med" len="med"/>
+                      <a:tailEnd type="none" w="med" len="med"/>
+                    </a:lnL>
+                    <a:lnR w="12700" cap="flat" cmpd="sng" algn="ctr">
+                      <a:solidFill>
+                        <a:schemeClr val="tx1"/>
+                      </a:solidFill>
+                      <a:prstDash val="solid"/>
+                      <a:round/>
+                      <a:headEnd type="none" w="med" len="med"/>
+                      <a:tailEnd type="none" w="med" len="med"/>
+                    </a:lnR>
+                    <a:lnT w="12700" cap="flat" cmpd="sng" algn="ctr">
+                      <a:solidFill>
+                        <a:schemeClr val="tx1"/>
+                      </a:solidFill>
+                      <a:prstDash val="solid"/>
+                      <a:round/>
+                      <a:headEnd type="none" w="med" len="med"/>
+                      <a:tailEnd type="none" w="med" len="med"/>
+                    </a:lnT>
+                    <a:lnB w="12700" cap="flat" cmpd="sng" algn="ctr">
+                      <a:solidFill>
+                        <a:schemeClr val="tx1"/>
+                      </a:solidFill>
+                      <a:prstDash val="solid"/>
+                      <a:round/>
+                      <a:headEnd type="none" w="med" len="med"/>
+                      <a:tailEnd type="none" w="med" len="med"/>
+                    </a:lnB>
+                    <a:lnTlToBr w="12700" cmpd="sng">
+                      <a:noFill/>
+                      <a:prstDash val="solid"/>
+                    </a:lnTlToBr>
+                    <a:lnBlToTr w="12700" cmpd="sng">
+                      <a:noFill/>
+                      <a:prstDash val="solid"/>
+                    </a:lnBlToTr>
+                    <a:noFill/>
+                  </a:tcPr>
+                </a:tc>
+                <a:tc>
+                  <a:txBody>
+                    <a:bodyPr/>
+                    <a:lstStyle/>
+                    <a:p>
+                      <a:pPr algn="ctr" latinLnBrk="1"/>
+                      <a:r>
+                        <a:rPr lang="ko-KR" altLang="en-US" sz="1200" dirty="0" smtClean="0">
+                          <a:solidFill>
+                            <a:schemeClr val="tx1"/>
+                          </a:solidFill>
+                          <a:latin typeface="나눔고딕" panose="020D0604000000000000" pitchFamily="50" charset="-127"/>
+                          <a:ea typeface="나눔고딕" panose="020D0604000000000000" pitchFamily="50" charset="-127"/>
+                        </a:rPr>
+                        <a:t>디스크에 데이터를 기록하고 있기 때문에 날라가도 복구 가능</a:t>
+                      </a:r>
+                      <a:endParaRPr lang="en-US" altLang="ko-KR" sz="1200" dirty="0" smtClean="0">
+                        <a:solidFill>
+                          <a:schemeClr val="tx1"/>
+                        </a:solidFill>
+                        <a:latin typeface="나눔고딕" panose="020D0604000000000000" pitchFamily="50" charset="-127"/>
+                        <a:ea typeface="나눔고딕" panose="020D0604000000000000" pitchFamily="50" charset="-127"/>
+                      </a:endParaRPr>
+                    </a:p>
+                    <a:p>
+                      <a:pPr algn="ctr" latinLnBrk="1"/>
+                      <a:r>
+                        <a:rPr lang="ko-KR" altLang="en-US" sz="1200" dirty="0" smtClean="0">
+                          <a:solidFill>
+                            <a:schemeClr val="tx1"/>
+                          </a:solidFill>
+                          <a:latin typeface="나눔고딕" panose="020D0604000000000000" pitchFamily="50" charset="-127"/>
+                          <a:ea typeface="나눔고딕" panose="020D0604000000000000" pitchFamily="50" charset="-127"/>
+                        </a:rPr>
+                        <a:t>다양한 </a:t>
+                      </a:r>
+                      <a:r>
+                        <a:rPr lang="ko-KR" altLang="en-US" sz="1200" dirty="0" err="1" smtClean="0">
+                          <a:solidFill>
+                            <a:schemeClr val="tx1"/>
+                          </a:solidFill>
+                          <a:latin typeface="나눔고딕" panose="020D0604000000000000" pitchFamily="50" charset="-127"/>
+                          <a:ea typeface="나눔고딕" panose="020D0604000000000000" pitchFamily="50" charset="-127"/>
+                        </a:rPr>
+                        <a:t>포멧가능</a:t>
+                      </a:r>
+                      <a:r>
+                        <a:rPr lang="en-US" altLang="ko-KR" sz="1200" dirty="0" smtClean="0">
+                          <a:solidFill>
+                            <a:schemeClr val="tx1"/>
+                          </a:solidFill>
+                          <a:latin typeface="나눔고딕" panose="020D0604000000000000" pitchFamily="50" charset="-127"/>
+                          <a:ea typeface="나눔고딕" panose="020D0604000000000000" pitchFamily="50" charset="-127"/>
+                        </a:rPr>
+                        <a:t>(string, </a:t>
+                      </a:r>
+                      <a:r>
+                        <a:rPr lang="en-US" altLang="ko-KR" sz="1200" dirty="0" err="1" smtClean="0">
+                          <a:solidFill>
+                            <a:schemeClr val="tx1"/>
+                          </a:solidFill>
+                          <a:latin typeface="나눔고딕" panose="020D0604000000000000" pitchFamily="50" charset="-127"/>
+                          <a:ea typeface="나눔고딕" panose="020D0604000000000000" pitchFamily="50" charset="-127"/>
+                        </a:rPr>
+                        <a:t>list,set</a:t>
+                      </a:r>
+                      <a:r>
+                        <a:rPr lang="ko-KR" altLang="en-US" sz="1200" dirty="0" smtClean="0">
+                          <a:solidFill>
+                            <a:schemeClr val="tx1"/>
+                          </a:solidFill>
+                          <a:latin typeface="나눔고딕" panose="020D0604000000000000" pitchFamily="50" charset="-127"/>
+                          <a:ea typeface="나눔고딕" panose="020D0604000000000000" pitchFamily="50" charset="-127"/>
+                        </a:rPr>
+                        <a:t>등</a:t>
+                      </a:r>
+                      <a:r>
+                        <a:rPr lang="en-US" altLang="ko-KR" sz="1200" dirty="0" smtClean="0">
+                          <a:solidFill>
+                            <a:schemeClr val="tx1"/>
+                          </a:solidFill>
+                          <a:latin typeface="나눔고딕" panose="020D0604000000000000" pitchFamily="50" charset="-127"/>
+                          <a:ea typeface="나눔고딕" panose="020D0604000000000000" pitchFamily="50" charset="-127"/>
+                        </a:rPr>
+                        <a:t>)</a:t>
+                      </a:r>
+                    </a:p>
+                  </a:txBody>
+                  <a:tcPr anchor="ctr">
+                    <a:lnL w="12700" cap="flat" cmpd="sng" algn="ctr">
+                      <a:solidFill>
+                        <a:schemeClr val="tx1"/>
+                      </a:solidFill>
+                      <a:prstDash val="solid"/>
+                      <a:round/>
+                      <a:headEnd type="none" w="med" len="med"/>
+                      <a:tailEnd type="none" w="med" len="med"/>
+                    </a:lnL>
+                    <a:lnR w="12700" cap="flat" cmpd="sng" algn="ctr">
+                      <a:solidFill>
+                        <a:schemeClr val="tx1"/>
+                      </a:solidFill>
+                      <a:prstDash val="solid"/>
+                      <a:round/>
+                      <a:headEnd type="none" w="med" len="med"/>
+                      <a:tailEnd type="none" w="med" len="med"/>
+                    </a:lnR>
+                    <a:lnT w="12700" cap="flat" cmpd="sng" algn="ctr">
+                      <a:solidFill>
+                        <a:schemeClr val="tx1"/>
+                      </a:solidFill>
+                      <a:prstDash val="solid"/>
+                      <a:round/>
+                      <a:headEnd type="none" w="med" len="med"/>
+                      <a:tailEnd type="none" w="med" len="med"/>
+                    </a:lnT>
+                    <a:lnB w="12700" cap="flat" cmpd="sng" algn="ctr">
+                      <a:solidFill>
+                        <a:schemeClr val="tx1"/>
+                      </a:solidFill>
+                      <a:prstDash val="solid"/>
+                      <a:round/>
+                      <a:headEnd type="none" w="med" len="med"/>
+                      <a:tailEnd type="none" w="med" len="med"/>
+                    </a:lnB>
+                    <a:lnTlToBr w="12700" cmpd="sng">
+                      <a:noFill/>
+                      <a:prstDash val="solid"/>
+                    </a:lnTlToBr>
+                    <a:lnBlToTr w="12700" cmpd="sng">
+                      <a:noFill/>
+                      <a:prstDash val="solid"/>
+                    </a:lnBlToTr>
+                    <a:noFill/>
+                  </a:tcPr>
+                </a:tc>
+                <a:tc>
+                  <a:txBody>
+                    <a:bodyPr/>
+                    <a:lstStyle/>
+                    <a:p>
+                      <a:pPr algn="ctr" latinLnBrk="1"/>
+                      <a:r>
+                        <a:rPr lang="en-US" altLang="ko-KR" sz="1200" dirty="0" smtClean="0">
+                          <a:solidFill>
+                            <a:schemeClr val="tx1"/>
+                          </a:solidFill>
+                          <a:latin typeface="나눔고딕" panose="020D0604000000000000" pitchFamily="50" charset="-127"/>
+                          <a:ea typeface="나눔고딕" panose="020D0604000000000000" pitchFamily="50" charset="-127"/>
+                        </a:rPr>
+                        <a:t>DB/API</a:t>
+                      </a:r>
+                      <a:r>
+                        <a:rPr lang="en-US" altLang="ko-KR" sz="1200" baseline="0" dirty="0" smtClean="0">
+                          <a:solidFill>
+                            <a:schemeClr val="tx1"/>
+                          </a:solidFill>
+                          <a:latin typeface="나눔고딕" panose="020D0604000000000000" pitchFamily="50" charset="-127"/>
+                          <a:ea typeface="나눔고딕" panose="020D0604000000000000" pitchFamily="50" charset="-127"/>
+                        </a:rPr>
+                        <a:t> </a:t>
+                      </a:r>
+                      <a:r>
+                        <a:rPr lang="ko-KR" altLang="en-US" sz="1200" baseline="0" dirty="0" smtClean="0">
+                          <a:solidFill>
+                            <a:schemeClr val="tx1"/>
+                          </a:solidFill>
+                          <a:latin typeface="나눔고딕" panose="020D0604000000000000" pitchFamily="50" charset="-127"/>
+                          <a:ea typeface="나눔고딕" panose="020D0604000000000000" pitchFamily="50" charset="-127"/>
+                        </a:rPr>
+                        <a:t>통신을 줄이기 위해 데이터를 </a:t>
+                      </a:r>
+                      <a:r>
+                        <a:rPr lang="ko-KR" altLang="en-US" sz="1200" baseline="0" dirty="0" err="1" smtClean="0">
+                          <a:solidFill>
+                            <a:schemeClr val="tx1"/>
+                          </a:solidFill>
+                          <a:latin typeface="나눔고딕" panose="020D0604000000000000" pitchFamily="50" charset="-127"/>
+                          <a:ea typeface="나눔고딕" panose="020D0604000000000000" pitchFamily="50" charset="-127"/>
+                        </a:rPr>
+                        <a:t>캐싱처리하는데에</a:t>
+                      </a:r>
+                      <a:r>
+                        <a:rPr lang="ko-KR" altLang="en-US" sz="1200" baseline="0" dirty="0" smtClean="0">
+                          <a:solidFill>
+                            <a:schemeClr val="tx1"/>
+                          </a:solidFill>
+                          <a:latin typeface="나눔고딕" panose="020D0604000000000000" pitchFamily="50" charset="-127"/>
+                          <a:ea typeface="나눔고딕" panose="020D0604000000000000" pitchFamily="50" charset="-127"/>
+                        </a:rPr>
+                        <a:t> 좋음</a:t>
+                      </a:r>
+                      <a:endParaRPr lang="ko-KR" altLang="en-US" sz="1200" dirty="0">
+                        <a:solidFill>
+                          <a:schemeClr val="tx1"/>
+                        </a:solidFill>
+                        <a:latin typeface="나눔고딕" panose="020D0604000000000000" pitchFamily="50" charset="-127"/>
+                        <a:ea typeface="나눔고딕" panose="020D0604000000000000" pitchFamily="50" charset="-127"/>
+                      </a:endParaRPr>
+                    </a:p>
+                  </a:txBody>
+                  <a:tcPr anchor="ctr">
+                    <a:lnL w="12700" cap="flat" cmpd="sng" algn="ctr">
+                      <a:solidFill>
+                        <a:schemeClr val="tx1"/>
+                      </a:solidFill>
+                      <a:prstDash val="solid"/>
+                      <a:round/>
+                      <a:headEnd type="none" w="med" len="med"/>
+                      <a:tailEnd type="none" w="med" len="med"/>
+                    </a:lnL>
+                    <a:lnR w="12700" cap="flat" cmpd="sng" algn="ctr">
+                      <a:solidFill>
+                        <a:schemeClr val="tx1"/>
+                      </a:solidFill>
+                      <a:prstDash val="solid"/>
+                      <a:round/>
+                      <a:headEnd type="none" w="med" len="med"/>
+                      <a:tailEnd type="none" w="med" len="med"/>
+                    </a:lnR>
+                    <a:lnT w="12700" cap="flat" cmpd="sng" algn="ctr">
+                      <a:solidFill>
+                        <a:schemeClr val="tx1"/>
+                      </a:solidFill>
+                      <a:prstDash val="solid"/>
+                      <a:round/>
+                      <a:headEnd type="none" w="med" len="med"/>
+                      <a:tailEnd type="none" w="med" len="med"/>
+                    </a:lnT>
+                    <a:lnB w="12700" cap="flat" cmpd="sng" algn="ctr">
+                      <a:solidFill>
+                        <a:schemeClr val="tx1"/>
+                      </a:solidFill>
+                      <a:prstDash val="solid"/>
+                      <a:round/>
+                      <a:headEnd type="none" w="med" len="med"/>
+                      <a:tailEnd type="none" w="med" len="med"/>
+                    </a:lnB>
+                    <a:lnTlToBr w="12700" cmpd="sng">
+                      <a:noFill/>
+                      <a:prstDash val="solid"/>
+                    </a:lnTlToBr>
+                    <a:lnBlToTr w="12700" cmpd="sng">
+                      <a:noFill/>
+                      <a:prstDash val="solid"/>
+                    </a:lnBlToTr>
+                    <a:noFill/>
+                  </a:tcPr>
+                </a:tc>
+                <a:tc>
+                  <a:txBody>
+                    <a:bodyPr/>
+                    <a:lstStyle/>
+                    <a:p>
+                      <a:pPr algn="ctr" latinLnBrk="1"/>
+                      <a:endParaRPr lang="ko-KR" altLang="en-US" sz="1200" dirty="0">
+                        <a:solidFill>
+                          <a:schemeClr val="tx1"/>
+                        </a:solidFill>
+                        <a:latin typeface="나눔고딕" panose="020D0604000000000000" pitchFamily="50" charset="-127"/>
+                        <a:ea typeface="나눔고딕" panose="020D0604000000000000" pitchFamily="50" charset="-127"/>
+                      </a:endParaRPr>
+                    </a:p>
+                  </a:txBody>
+                  <a:tcPr anchor="ctr">
+                    <a:lnL w="12700" cap="flat" cmpd="sng" algn="ctr">
+                      <a:solidFill>
+                        <a:schemeClr val="tx1"/>
+                      </a:solidFill>
+                      <a:prstDash val="solid"/>
+                      <a:round/>
+                      <a:headEnd type="none" w="med" len="med"/>
+                      <a:tailEnd type="none" w="med" len="med"/>
+                    </a:lnL>
+                    <a:lnR w="12700" cap="flat" cmpd="sng" algn="ctr">
+                      <a:solidFill>
+                        <a:schemeClr val="tx1"/>
+                      </a:solidFill>
+                      <a:prstDash val="solid"/>
+                      <a:round/>
+                      <a:headEnd type="none" w="med" len="med"/>
+                      <a:tailEnd type="none" w="med" len="med"/>
+                    </a:lnR>
+                    <a:lnT w="12700" cap="flat" cmpd="sng" algn="ctr">
+                      <a:solidFill>
+                        <a:schemeClr val="tx1"/>
+                      </a:solidFill>
+                      <a:prstDash val="solid"/>
+                      <a:round/>
+                      <a:headEnd type="none" w="med" len="med"/>
+                      <a:tailEnd type="none" w="med" len="med"/>
+                    </a:lnT>
+                    <a:lnB w="12700" cap="flat" cmpd="sng" algn="ctr">
+                      <a:solidFill>
+                        <a:schemeClr val="tx1"/>
+                      </a:solidFill>
+                      <a:prstDash val="solid"/>
+                      <a:round/>
+                      <a:headEnd type="none" w="med" len="med"/>
+                      <a:tailEnd type="none" w="med" len="med"/>
+                    </a:lnB>
+                    <a:lnTlToBr w="12700" cmpd="sng">
+                      <a:noFill/>
+                      <a:prstDash val="solid"/>
+                    </a:lnTlToBr>
+                    <a:lnBlToTr w="12700" cmpd="sng">
+                      <a:noFill/>
+                      <a:prstDash val="solid"/>
+                    </a:lnBlToTr>
+                    <a:noFill/>
+                  </a:tcPr>
+                </a:tc>
+              </a:tr>
+              <a:tr h="659045">
+                <a:tc>
+                  <a:txBody>
+                    <a:bodyPr/>
+                    <a:lstStyle/>
+                    <a:p>
+                      <a:pPr algn="ctr" latinLnBrk="1"/>
+                      <a:r>
+                        <a:rPr lang="ko-KR" altLang="en-US" sz="1200" dirty="0" smtClean="0">
+                          <a:solidFill>
+                            <a:schemeClr val="tx1"/>
+                          </a:solidFill>
+                          <a:latin typeface="나눔고딕" panose="020D0604000000000000" pitchFamily="50" charset="-127"/>
+                          <a:ea typeface="나눔고딕" panose="020D0604000000000000" pitchFamily="50" charset="-127"/>
+                        </a:rPr>
+                        <a:t>단점</a:t>
+                      </a:r>
+                      <a:endParaRPr lang="ko-KR" altLang="en-US" sz="1200" dirty="0">
+                        <a:solidFill>
+                          <a:schemeClr val="tx1"/>
+                        </a:solidFill>
+                        <a:latin typeface="나눔고딕" panose="020D0604000000000000" pitchFamily="50" charset="-127"/>
+                        <a:ea typeface="나눔고딕" panose="020D0604000000000000" pitchFamily="50" charset="-127"/>
+                      </a:endParaRPr>
+                    </a:p>
+                  </a:txBody>
+                  <a:tcPr anchor="ctr">
+                    <a:lnL w="12700" cap="flat" cmpd="sng" algn="ctr">
+                      <a:solidFill>
+                        <a:schemeClr val="tx1"/>
+                      </a:solidFill>
+                      <a:prstDash val="solid"/>
+                      <a:round/>
+                      <a:headEnd type="none" w="med" len="med"/>
+                      <a:tailEnd type="none" w="med" len="med"/>
+                    </a:lnL>
+                    <a:lnR w="12700" cap="flat" cmpd="sng" algn="ctr">
+                      <a:solidFill>
+                        <a:schemeClr val="tx1"/>
+                      </a:solidFill>
+                      <a:prstDash val="solid"/>
+                      <a:round/>
+                      <a:headEnd type="none" w="med" len="med"/>
+                      <a:tailEnd type="none" w="med" len="med"/>
+                    </a:lnR>
+                    <a:lnT w="12700" cap="flat" cmpd="sng" algn="ctr">
+                      <a:solidFill>
+                        <a:schemeClr val="tx1"/>
+                      </a:solidFill>
+                      <a:prstDash val="solid"/>
+                      <a:round/>
+                      <a:headEnd type="none" w="med" len="med"/>
+                      <a:tailEnd type="none" w="med" len="med"/>
+                    </a:lnT>
+                    <a:lnB w="12700" cap="flat" cmpd="sng" algn="ctr">
+                      <a:solidFill>
+                        <a:schemeClr val="tx1"/>
+                      </a:solidFill>
+                      <a:prstDash val="solid"/>
+                      <a:round/>
+                      <a:headEnd type="none" w="med" len="med"/>
+                      <a:tailEnd type="none" w="med" len="med"/>
+                    </a:lnB>
+                    <a:lnTlToBr w="12700" cmpd="sng">
+                      <a:noFill/>
+                      <a:prstDash val="solid"/>
+                    </a:lnTlToBr>
+                    <a:lnBlToTr w="12700" cmpd="sng">
+                      <a:noFill/>
+                      <a:prstDash val="solid"/>
+                    </a:lnBlToTr>
+                    <a:noFill/>
+                  </a:tcPr>
+                </a:tc>
+                <a:tc>
+                  <a:txBody>
+                    <a:bodyPr/>
+                    <a:lstStyle/>
+                    <a:p>
+                      <a:pPr algn="ctr" latinLnBrk="1"/>
+                      <a:r>
+                        <a:rPr lang="ko-KR" altLang="en-US" sz="1200" dirty="0" smtClean="0">
+                          <a:solidFill>
+                            <a:schemeClr val="tx1"/>
+                          </a:solidFill>
+                          <a:latin typeface="나눔고딕" panose="020D0604000000000000" pitchFamily="50" charset="-127"/>
+                          <a:ea typeface="나눔고딕" panose="020D0604000000000000" pitchFamily="50" charset="-127"/>
+                        </a:rPr>
+                        <a:t>메모리를 </a:t>
+                      </a:r>
+                      <a:r>
+                        <a:rPr lang="ko-KR" altLang="en-US" sz="1200" dirty="0" err="1" smtClean="0">
+                          <a:solidFill>
+                            <a:schemeClr val="tx1"/>
+                          </a:solidFill>
+                          <a:latin typeface="나눔고딕" panose="020D0604000000000000" pitchFamily="50" charset="-127"/>
+                          <a:ea typeface="나눔고딕" panose="020D0604000000000000" pitchFamily="50" charset="-127"/>
+                        </a:rPr>
+                        <a:t>두배</a:t>
+                      </a:r>
+                      <a:r>
+                        <a:rPr lang="ko-KR" altLang="en-US" sz="1200" dirty="0" smtClean="0">
+                          <a:solidFill>
+                            <a:schemeClr val="tx1"/>
+                          </a:solidFill>
+                          <a:latin typeface="나눔고딕" panose="020D0604000000000000" pitchFamily="50" charset="-127"/>
+                          <a:ea typeface="나눔고딕" panose="020D0604000000000000" pitchFamily="50" charset="-127"/>
+                        </a:rPr>
+                        <a:t> 사용</a:t>
+                      </a:r>
+                      <a:endParaRPr lang="ko-KR" altLang="en-US" sz="1200" dirty="0">
+                        <a:solidFill>
+                          <a:schemeClr val="tx1"/>
+                        </a:solidFill>
+                        <a:latin typeface="나눔고딕" panose="020D0604000000000000" pitchFamily="50" charset="-127"/>
+                        <a:ea typeface="나눔고딕" panose="020D0604000000000000" pitchFamily="50" charset="-127"/>
+                      </a:endParaRPr>
+                    </a:p>
+                  </a:txBody>
+                  <a:tcPr anchor="ctr">
+                    <a:lnL w="12700" cap="flat" cmpd="sng" algn="ctr">
+                      <a:solidFill>
+                        <a:schemeClr val="tx1"/>
+                      </a:solidFill>
+                      <a:prstDash val="solid"/>
+                      <a:round/>
+                      <a:headEnd type="none" w="med" len="med"/>
+                      <a:tailEnd type="none" w="med" len="med"/>
+                    </a:lnL>
+                    <a:lnR w="12700" cap="flat" cmpd="sng" algn="ctr">
+                      <a:solidFill>
+                        <a:schemeClr val="tx1"/>
+                      </a:solidFill>
+                      <a:prstDash val="solid"/>
+                      <a:round/>
+                      <a:headEnd type="none" w="med" len="med"/>
+                      <a:tailEnd type="none" w="med" len="med"/>
+                    </a:lnR>
+                    <a:lnT w="12700" cap="flat" cmpd="sng" algn="ctr">
+                      <a:solidFill>
+                        <a:schemeClr val="tx1"/>
+                      </a:solidFill>
+                      <a:prstDash val="solid"/>
+                      <a:round/>
+                      <a:headEnd type="none" w="med" len="med"/>
+                      <a:tailEnd type="none" w="med" len="med"/>
+                    </a:lnT>
+                    <a:lnB w="12700" cap="flat" cmpd="sng" algn="ctr">
+                      <a:solidFill>
+                        <a:schemeClr val="tx1"/>
+                      </a:solidFill>
+                      <a:prstDash val="solid"/>
+                      <a:round/>
+                      <a:headEnd type="none" w="med" len="med"/>
+                      <a:tailEnd type="none" w="med" len="med"/>
+                    </a:lnB>
+                    <a:lnTlToBr w="12700" cmpd="sng">
+                      <a:noFill/>
+                      <a:prstDash val="solid"/>
+                    </a:lnTlToBr>
+                    <a:lnBlToTr w="12700" cmpd="sng">
+                      <a:noFill/>
+                      <a:prstDash val="solid"/>
+                    </a:lnBlToTr>
+                    <a:noFill/>
+                  </a:tcPr>
+                </a:tc>
+                <a:tc>
+                  <a:txBody>
+                    <a:bodyPr/>
+                    <a:lstStyle/>
+                    <a:p>
+                      <a:pPr algn="ctr" latinLnBrk="1"/>
+                      <a:r>
+                        <a:rPr lang="en-US" altLang="ko-KR" sz="1200" dirty="0" err="1" smtClean="0">
+                          <a:solidFill>
+                            <a:schemeClr val="tx1"/>
+                          </a:solidFill>
+                          <a:latin typeface="나눔고딕" panose="020D0604000000000000" pitchFamily="50" charset="-127"/>
+                          <a:ea typeface="나눔고딕" panose="020D0604000000000000" pitchFamily="50" charset="-127"/>
+                        </a:rPr>
+                        <a:t>Redis</a:t>
+                      </a:r>
+                      <a:r>
+                        <a:rPr lang="ko-KR" altLang="en-US" sz="1200" dirty="0" smtClean="0">
+                          <a:solidFill>
+                            <a:schemeClr val="tx1"/>
+                          </a:solidFill>
+                          <a:latin typeface="나눔고딕" panose="020D0604000000000000" pitchFamily="50" charset="-127"/>
+                          <a:ea typeface="나눔고딕" panose="020D0604000000000000" pitchFamily="50" charset="-127"/>
+                        </a:rPr>
+                        <a:t>처럼 데이터 타입과 </a:t>
+                      </a:r>
+                      <a:r>
+                        <a:rPr lang="en-US" altLang="ko-KR" sz="1200" dirty="0" smtClean="0">
+                          <a:solidFill>
+                            <a:schemeClr val="tx1"/>
+                          </a:solidFill>
+                          <a:latin typeface="나눔고딕" panose="020D0604000000000000" pitchFamily="50" charset="-127"/>
+                          <a:ea typeface="나눔고딕" panose="020D0604000000000000" pitchFamily="50" charset="-127"/>
+                        </a:rPr>
+                        <a:t>API</a:t>
+                      </a:r>
+                      <a:r>
+                        <a:rPr lang="ko-KR" altLang="en-US" sz="1200" dirty="0" smtClean="0">
+                          <a:solidFill>
+                            <a:schemeClr val="tx1"/>
+                          </a:solidFill>
+                          <a:latin typeface="나눔고딕" panose="020D0604000000000000" pitchFamily="50" charset="-127"/>
+                          <a:ea typeface="나눔고딕" panose="020D0604000000000000" pitchFamily="50" charset="-127"/>
+                        </a:rPr>
+                        <a:t>가 다양하지 않음</a:t>
+                      </a:r>
+                      <a:endParaRPr lang="ko-KR" altLang="en-US" sz="1200" dirty="0">
+                        <a:solidFill>
+                          <a:schemeClr val="tx1"/>
+                        </a:solidFill>
+                        <a:latin typeface="나눔고딕" panose="020D0604000000000000" pitchFamily="50" charset="-127"/>
+                        <a:ea typeface="나눔고딕" panose="020D0604000000000000" pitchFamily="50" charset="-127"/>
+                      </a:endParaRPr>
+                    </a:p>
+                  </a:txBody>
+                  <a:tcPr anchor="ctr">
+                    <a:lnL w="12700" cap="flat" cmpd="sng" algn="ctr">
+                      <a:solidFill>
+                        <a:schemeClr val="tx1"/>
+                      </a:solidFill>
+                      <a:prstDash val="solid"/>
+                      <a:round/>
+                      <a:headEnd type="none" w="med" len="med"/>
+                      <a:tailEnd type="none" w="med" len="med"/>
+                    </a:lnL>
+                    <a:lnR w="12700" cap="flat" cmpd="sng" algn="ctr">
+                      <a:solidFill>
+                        <a:schemeClr val="tx1"/>
+                      </a:solidFill>
+                      <a:prstDash val="solid"/>
+                      <a:round/>
+                      <a:headEnd type="none" w="med" len="med"/>
+                      <a:tailEnd type="none" w="med" len="med"/>
+                    </a:lnR>
+                    <a:lnT w="12700" cap="flat" cmpd="sng" algn="ctr">
+                      <a:solidFill>
+                        <a:schemeClr val="tx1"/>
+                      </a:solidFill>
+                      <a:prstDash val="solid"/>
+                      <a:round/>
+                      <a:headEnd type="none" w="med" len="med"/>
+                      <a:tailEnd type="none" w="med" len="med"/>
+                    </a:lnT>
+                    <a:lnB w="12700" cap="flat" cmpd="sng" algn="ctr">
+                      <a:solidFill>
+                        <a:schemeClr val="tx1"/>
+                      </a:solidFill>
+                      <a:prstDash val="solid"/>
+                      <a:round/>
+                      <a:headEnd type="none" w="med" len="med"/>
+                      <a:tailEnd type="none" w="med" len="med"/>
+                    </a:lnB>
+                    <a:lnTlToBr w="12700" cmpd="sng">
+                      <a:noFill/>
+                      <a:prstDash val="solid"/>
+                    </a:lnTlToBr>
+                    <a:lnBlToTr w="12700" cmpd="sng">
+                      <a:noFill/>
+                      <a:prstDash val="solid"/>
+                    </a:lnBlToTr>
+                    <a:noFill/>
+                  </a:tcPr>
+                </a:tc>
+                <a:tc>
+                  <a:txBody>
+                    <a:bodyPr/>
+                    <a:lstStyle/>
+                    <a:p>
+                      <a:pPr algn="ctr" latinLnBrk="1"/>
+                      <a:endParaRPr lang="ko-KR" altLang="en-US" sz="1200" dirty="0">
+                        <a:solidFill>
+                          <a:schemeClr val="tx1"/>
+                        </a:solidFill>
+                        <a:latin typeface="나눔고딕" panose="020D0604000000000000" pitchFamily="50" charset="-127"/>
+                        <a:ea typeface="나눔고딕" panose="020D0604000000000000" pitchFamily="50" charset="-127"/>
+                      </a:endParaRPr>
+                    </a:p>
+                  </a:txBody>
+                  <a:tcPr anchor="ctr">
+                    <a:lnL w="12700" cap="flat" cmpd="sng" algn="ctr">
+                      <a:solidFill>
+                        <a:schemeClr val="tx1"/>
+                      </a:solidFill>
+                      <a:prstDash val="solid"/>
+                      <a:round/>
+                      <a:headEnd type="none" w="med" len="med"/>
+                      <a:tailEnd type="none" w="med" len="med"/>
+                    </a:lnL>
+                    <a:lnR w="12700" cap="flat" cmpd="sng" algn="ctr">
+                      <a:solidFill>
+                        <a:schemeClr val="tx1"/>
+                      </a:solidFill>
+                      <a:prstDash val="solid"/>
+                      <a:round/>
+                      <a:headEnd type="none" w="med" len="med"/>
+                      <a:tailEnd type="none" w="med" len="med"/>
+                    </a:lnR>
+                    <a:lnT w="12700" cap="flat" cmpd="sng" algn="ctr">
+                      <a:solidFill>
+                        <a:schemeClr val="tx1"/>
+                      </a:solidFill>
+                      <a:prstDash val="solid"/>
+                      <a:round/>
+                      <a:headEnd type="none" w="med" len="med"/>
+                      <a:tailEnd type="none" w="med" len="med"/>
+                    </a:lnT>
+                    <a:lnB w="12700" cap="flat" cmpd="sng" algn="ctr">
+                      <a:solidFill>
+                        <a:schemeClr val="tx1"/>
+                      </a:solidFill>
+                      <a:prstDash val="solid"/>
+                      <a:round/>
+                      <a:headEnd type="none" w="med" len="med"/>
+                      <a:tailEnd type="none" w="med" len="med"/>
+                    </a:lnB>
+                    <a:lnTlToBr w="12700" cmpd="sng">
+                      <a:noFill/>
+                      <a:prstDash val="solid"/>
+                    </a:lnTlToBr>
+                    <a:lnBlToTr w="12700" cmpd="sng">
+                      <a:noFill/>
+                      <a:prstDash val="solid"/>
+                    </a:lnBlToTr>
+                    <a:noFill/>
+                  </a:tcPr>
+                </a:tc>
+              </a:tr>
+              <a:tr h="659045">
+                <a:tc>
+                  <a:txBody>
+                    <a:bodyPr/>
+                    <a:lstStyle/>
+                    <a:p>
+                      <a:pPr algn="ctr" latinLnBrk="1"/>
+                      <a:r>
+                        <a:rPr lang="ko-KR" altLang="en-US" sz="1200" dirty="0" smtClean="0">
+                          <a:solidFill>
+                            <a:schemeClr val="tx1"/>
+                          </a:solidFill>
+                          <a:latin typeface="나눔고딕" panose="020D0604000000000000" pitchFamily="50" charset="-127"/>
+                          <a:ea typeface="나눔고딕" panose="020D0604000000000000" pitchFamily="50" charset="-127"/>
+                        </a:rPr>
+                        <a:t>사례</a:t>
+                      </a:r>
+                      <a:endParaRPr lang="ko-KR" altLang="en-US" sz="1200" dirty="0">
+                        <a:solidFill>
+                          <a:schemeClr val="tx1"/>
+                        </a:solidFill>
+                        <a:latin typeface="나눔고딕" panose="020D0604000000000000" pitchFamily="50" charset="-127"/>
+                        <a:ea typeface="나눔고딕" panose="020D0604000000000000" pitchFamily="50" charset="-127"/>
+                      </a:endParaRPr>
+                    </a:p>
+                  </a:txBody>
+                  <a:tcPr anchor="ctr">
+                    <a:lnL w="12700" cap="flat" cmpd="sng" algn="ctr">
+                      <a:solidFill>
+                        <a:schemeClr val="tx1"/>
+                      </a:solidFill>
+                      <a:prstDash val="solid"/>
+                      <a:round/>
+                      <a:headEnd type="none" w="med" len="med"/>
+                      <a:tailEnd type="none" w="med" len="med"/>
+                    </a:lnL>
+                    <a:lnR w="12700" cap="flat" cmpd="sng" algn="ctr">
+                      <a:solidFill>
+                        <a:schemeClr val="tx1"/>
+                      </a:solidFill>
+                      <a:prstDash val="solid"/>
+                      <a:round/>
+                      <a:headEnd type="none" w="med" len="med"/>
+                      <a:tailEnd type="none" w="med" len="med"/>
+                    </a:lnR>
+                    <a:lnT w="12700" cap="flat" cmpd="sng" algn="ctr">
+                      <a:solidFill>
+                        <a:schemeClr val="tx1"/>
+                      </a:solidFill>
+                      <a:prstDash val="solid"/>
+                      <a:round/>
+                      <a:headEnd type="none" w="med" len="med"/>
+                      <a:tailEnd type="none" w="med" len="med"/>
+                    </a:lnT>
+                    <a:lnB w="12700" cap="flat" cmpd="sng" algn="ctr">
+                      <a:solidFill>
+                        <a:schemeClr val="tx1"/>
+                      </a:solidFill>
+                      <a:prstDash val="solid"/>
+                      <a:round/>
+                      <a:headEnd type="none" w="med" len="med"/>
+                      <a:tailEnd type="none" w="med" len="med"/>
+                    </a:lnB>
+                    <a:lnTlToBr w="12700" cmpd="sng">
+                      <a:noFill/>
+                      <a:prstDash val="solid"/>
+                    </a:lnTlToBr>
+                    <a:lnBlToTr w="12700" cmpd="sng">
+                      <a:noFill/>
+                      <a:prstDash val="solid"/>
+                    </a:lnBlToTr>
+                    <a:noFill/>
+                  </a:tcPr>
+                </a:tc>
+                <a:tc>
+                  <a:txBody>
+                    <a:bodyPr/>
+                    <a:lstStyle/>
+                    <a:p>
+                      <a:pPr algn="ctr" latinLnBrk="1"/>
+                      <a:endParaRPr lang="ko-KR" altLang="en-US" sz="1200" dirty="0">
+                        <a:solidFill>
+                          <a:schemeClr val="tx1"/>
+                        </a:solidFill>
+                        <a:latin typeface="나눔고딕" panose="020D0604000000000000" pitchFamily="50" charset="-127"/>
+                        <a:ea typeface="나눔고딕" panose="020D0604000000000000" pitchFamily="50" charset="-127"/>
+                      </a:endParaRPr>
+                    </a:p>
+                  </a:txBody>
+                  <a:tcPr anchor="ctr">
+                    <a:lnL w="12700" cap="flat" cmpd="sng" algn="ctr">
+                      <a:solidFill>
+                        <a:schemeClr val="tx1"/>
+                      </a:solidFill>
+                      <a:prstDash val="solid"/>
+                      <a:round/>
+                      <a:headEnd type="none" w="med" len="med"/>
+                      <a:tailEnd type="none" w="med" len="med"/>
+                    </a:lnL>
+                    <a:lnR w="12700" cap="flat" cmpd="sng" algn="ctr">
+                      <a:solidFill>
+                        <a:schemeClr val="tx1"/>
+                      </a:solidFill>
+                      <a:prstDash val="solid"/>
+                      <a:round/>
+                      <a:headEnd type="none" w="med" len="med"/>
+                      <a:tailEnd type="none" w="med" len="med"/>
+                    </a:lnR>
+                    <a:lnT w="12700" cap="flat" cmpd="sng" algn="ctr">
+                      <a:solidFill>
+                        <a:schemeClr val="tx1"/>
+                      </a:solidFill>
+                      <a:prstDash val="solid"/>
+                      <a:round/>
+                      <a:headEnd type="none" w="med" len="med"/>
+                      <a:tailEnd type="none" w="med" len="med"/>
+                    </a:lnT>
+                    <a:lnB w="12700" cap="flat" cmpd="sng" algn="ctr">
+                      <a:solidFill>
+                        <a:schemeClr val="tx1"/>
+                      </a:solidFill>
+                      <a:prstDash val="solid"/>
+                      <a:round/>
+                      <a:headEnd type="none" w="med" len="med"/>
+                      <a:tailEnd type="none" w="med" len="med"/>
+                    </a:lnB>
+                    <a:lnTlToBr w="12700" cmpd="sng">
+                      <a:noFill/>
+                      <a:prstDash val="solid"/>
+                    </a:lnTlToBr>
+                    <a:lnBlToTr w="12700" cmpd="sng">
+                      <a:noFill/>
+                      <a:prstDash val="solid"/>
+                    </a:lnBlToTr>
+                    <a:noFill/>
+                  </a:tcPr>
+                </a:tc>
+                <a:tc>
+                  <a:txBody>
+                    <a:bodyPr/>
+                    <a:lstStyle/>
+                    <a:p>
+                      <a:pPr algn="ctr" latinLnBrk="1"/>
+                      <a:endParaRPr lang="ko-KR" altLang="en-US" sz="1200" dirty="0">
+                        <a:solidFill>
+                          <a:schemeClr val="tx1"/>
+                        </a:solidFill>
+                        <a:latin typeface="나눔고딕" panose="020D0604000000000000" pitchFamily="50" charset="-127"/>
+                        <a:ea typeface="나눔고딕" panose="020D0604000000000000" pitchFamily="50" charset="-127"/>
+                      </a:endParaRPr>
+                    </a:p>
+                  </a:txBody>
+                  <a:tcPr anchor="ctr">
+                    <a:lnL w="12700" cap="flat" cmpd="sng" algn="ctr">
+                      <a:solidFill>
+                        <a:schemeClr val="tx1"/>
+                      </a:solidFill>
+                      <a:prstDash val="solid"/>
+                      <a:round/>
+                      <a:headEnd type="none" w="med" len="med"/>
+                      <a:tailEnd type="none" w="med" len="med"/>
+                    </a:lnL>
+                    <a:lnR w="12700" cap="flat" cmpd="sng" algn="ctr">
+                      <a:solidFill>
+                        <a:schemeClr val="tx1"/>
+                      </a:solidFill>
+                      <a:prstDash val="solid"/>
+                      <a:round/>
+                      <a:headEnd type="none" w="med" len="med"/>
+                      <a:tailEnd type="none" w="med" len="med"/>
+                    </a:lnR>
+                    <a:lnT w="12700" cap="flat" cmpd="sng" algn="ctr">
+                      <a:solidFill>
+                        <a:schemeClr val="tx1"/>
+                      </a:solidFill>
+                      <a:prstDash val="solid"/>
+                      <a:round/>
+                      <a:headEnd type="none" w="med" len="med"/>
+                      <a:tailEnd type="none" w="med" len="med"/>
+                    </a:lnT>
+                    <a:lnB w="12700" cap="flat" cmpd="sng" algn="ctr">
+                      <a:solidFill>
+                        <a:schemeClr val="tx1"/>
+                      </a:solidFill>
+                      <a:prstDash val="solid"/>
+                      <a:round/>
+                      <a:headEnd type="none" w="med" len="med"/>
+                      <a:tailEnd type="none" w="med" len="med"/>
+                    </a:lnB>
+                    <a:lnTlToBr w="12700" cmpd="sng">
+                      <a:noFill/>
+                      <a:prstDash val="solid"/>
+                    </a:lnTlToBr>
+                    <a:lnBlToTr w="12700" cmpd="sng">
+                      <a:noFill/>
+                      <a:prstDash val="solid"/>
+                    </a:lnBlToTr>
+                    <a:noFill/>
+                  </a:tcPr>
+                </a:tc>
+                <a:tc>
+                  <a:txBody>
+                    <a:bodyPr/>
+                    <a:lstStyle/>
+                    <a:p>
+                      <a:pPr algn="ctr" latinLnBrk="1"/>
+                      <a:endParaRPr lang="ko-KR" altLang="en-US" sz="1200" dirty="0">
+                        <a:solidFill>
+                          <a:schemeClr val="tx1"/>
+                        </a:solidFill>
+                        <a:latin typeface="나눔고딕" panose="020D0604000000000000" pitchFamily="50" charset="-127"/>
+                        <a:ea typeface="나눔고딕" panose="020D0604000000000000" pitchFamily="50" charset="-127"/>
+                      </a:endParaRPr>
+                    </a:p>
+                  </a:txBody>
+                  <a:tcPr anchor="ctr">
+                    <a:lnL w="12700" cap="flat" cmpd="sng" algn="ctr">
+                      <a:solidFill>
+                        <a:schemeClr val="tx1"/>
+                      </a:solidFill>
+                      <a:prstDash val="solid"/>
+                      <a:round/>
+                      <a:headEnd type="none" w="med" len="med"/>
+                      <a:tailEnd type="none" w="med" len="med"/>
+                    </a:lnL>
+                    <a:lnR w="12700" cap="flat" cmpd="sng" algn="ctr">
+                      <a:solidFill>
+                        <a:schemeClr val="tx1"/>
+                      </a:solidFill>
+                      <a:prstDash val="solid"/>
+                      <a:round/>
+                      <a:headEnd type="none" w="med" len="med"/>
+                      <a:tailEnd type="none" w="med" len="med"/>
+                    </a:lnR>
+                    <a:lnT w="12700" cap="flat" cmpd="sng" algn="ctr">
+                      <a:solidFill>
+                        <a:schemeClr val="tx1"/>
+                      </a:solidFill>
+                      <a:prstDash val="solid"/>
+                      <a:round/>
+                      <a:headEnd type="none" w="med" len="med"/>
+                      <a:tailEnd type="none" w="med" len="med"/>
+                    </a:lnT>
+                    <a:lnB w="12700" cap="flat" cmpd="sng" algn="ctr">
+                      <a:solidFill>
+                        <a:schemeClr val="tx1"/>
+                      </a:solidFill>
+                      <a:prstDash val="solid"/>
+                      <a:round/>
+                      <a:headEnd type="none" w="med" len="med"/>
+                      <a:tailEnd type="none" w="med" len="med"/>
+                    </a:lnB>
+                    <a:lnTlToBr w="12700" cmpd="sng">
+                      <a:noFill/>
+                      <a:prstDash val="solid"/>
+                    </a:lnTlToBr>
+                    <a:lnBlToTr w="12700" cmpd="sng">
+                      <a:noFill/>
+                      <a:prstDash val="solid"/>
+                    </a:lnBlToTr>
+                    <a:noFill/>
+                  </a:tcPr>
+                </a:tc>
+              </a:tr>
+            </a:tbl>
+          </a:graphicData>
+        </a:graphic>
+      </p:graphicFrame>
+    </p:spTree>
+    <p:extLst>
+      <p:ext uri="{BB962C8B-B14F-4D97-AF65-F5344CB8AC3E}">
+        <p14:creationId xmlns:p14="http://schemas.microsoft.com/office/powerpoint/2010/main" val="133261837"/>
+      </p:ext>
+    </p:extLst>
+  </p:cSld>
+  <p:clrMapOvr>
+    <a:masterClrMapping/>
+  </p:clrMapOvr>
+</p:sld>
+</file>
+
+<file path=ppt/slides/slide3.xml><?xml version="1.0" encoding="utf-8"?>
+<p:sld xmlns:a="http://schemas.openxmlformats.org/drawingml/2006/main" xmlns:r="http://schemas.openxmlformats.org/officeDocument/2006/relationships" xmlns:p="http://schemas.openxmlformats.org/presentationml/2006/main">
+  <p:cSld>
+    <p:spTree>
+      <p:nvGrpSpPr>
+        <p:cNvPr id="1" name=""/>
+        <p:cNvGrpSpPr/>
+        <p:nvPr/>
+      </p:nvGrpSpPr>
+      <p:grpSpPr>
+        <a:xfrm>
+          <a:off x="0" y="0"/>
+          <a:ext cx="0" cy="0"/>
+          <a:chOff x="0" y="0"/>
+          <a:chExt cx="0" cy="0"/>
+        </a:xfrm>
+      </p:grpSpPr>
+      <p:pic>
+        <p:nvPicPr>
+          <p:cNvPr id="1026" name="Picture 2" descr="stream_framework_comparison_chart"/>
+          <p:cNvPicPr>
+            <a:picLocks noChangeAspect="1" noChangeArrowheads="1"/>
+          </p:cNvPicPr>
+          <p:nvPr/>
+        </p:nvPicPr>
+        <p:blipFill>
+          <a:blip r:embed="rId2">
+            <a:extLst>
+              <a:ext uri="{28A0092B-C50C-407E-A947-70E740481C1C}">
+                <a14:useLocalDpi xmlns:a14="http://schemas.microsoft.com/office/drawing/2010/main" val="0"/>
+              </a:ext>
+            </a:extLst>
+          </a:blip>
+          <a:srcRect/>
+          <a:stretch>
+            <a:fillRect/>
+          </a:stretch>
+        </p:blipFill>
+        <p:spPr bwMode="auto">
+          <a:xfrm>
+            <a:off x="323528" y="4005064"/>
+            <a:ext cx="5715000" cy="2752725"/>
+          </a:xfrm>
+          <a:prstGeom prst="rect">
+            <a:avLst/>
+          </a:prstGeom>
+          <a:noFill/>
+          <a:extLst>
+            <a:ext uri="{909E8E84-426E-40DD-AFC4-6F175D3DCCD1}">
+              <a14:hiddenFill xmlns:a14="http://schemas.microsoft.com/office/drawing/2010/main">
+                <a:solidFill>
+                  <a:srgbClr val="FFFFFF"/>
+                </a:solidFill>
+              </a14:hiddenFill>
+            </a:ext>
+          </a:extLst>
+        </p:spPr>
+      </p:pic>
+      <p:sp>
+        <p:nvSpPr>
+          <p:cNvPr id="2" name="TextBox 1"/>
+          <p:cNvSpPr txBox="1"/>
+          <p:nvPr/>
+        </p:nvSpPr>
+        <p:spPr>
+          <a:xfrm>
+            <a:off x="107504" y="116632"/>
+            <a:ext cx="8579913" cy="4154984"/>
+          </a:xfrm>
+          <a:prstGeom prst="rect">
+            <a:avLst/>
+          </a:prstGeom>
+          <a:noFill/>
+        </p:spPr>
+        <p:txBody>
+          <a:bodyPr wrap="none" rtlCol="0">
+            <a:spAutoFit/>
+          </a:bodyPr>
+          <a:lstStyle/>
+          <a:p>
+            <a:r>
+              <a:rPr lang="en-US" altLang="ko-KR" sz="1200" b="1" dirty="0" smtClean="0"/>
+              <a:t>Apache </a:t>
+            </a:r>
+            <a:r>
+              <a:rPr lang="en-US" altLang="ko-KR" sz="1200" b="1" dirty="0"/>
+              <a:t>Storm</a:t>
+            </a:r>
+            <a:r>
+              <a:rPr lang="ko-KR" altLang="en-US" sz="1200" dirty="0"/>
+              <a:t> 은 </a:t>
+            </a:r>
+            <a:r>
+              <a:rPr lang="en-US" altLang="ko-KR" sz="1200" dirty="0" smtClean="0"/>
+              <a:t>Large </a:t>
+            </a:r>
+            <a:r>
+              <a:rPr lang="en-US" altLang="ko-KR" sz="1200" dirty="0"/>
+              <a:t>Scale Streaming Processing </a:t>
+            </a:r>
+            <a:r>
+              <a:rPr lang="ko-KR" altLang="en-US" sz="1200" dirty="0"/>
+              <a:t>플랫폼의 선구자이며 </a:t>
+            </a:r>
+            <a:endParaRPr lang="en-US" altLang="ko-KR" sz="1200" dirty="0" smtClean="0"/>
+          </a:p>
+          <a:p>
+            <a:r>
+              <a:rPr lang="ko-KR" altLang="en-US" sz="1200" dirty="0" smtClean="0"/>
+              <a:t>업계 </a:t>
+            </a:r>
+            <a:r>
+              <a:rPr lang="ko-KR" altLang="en-US" sz="1200" dirty="0"/>
+              <a:t>표준이 되었고</a:t>
+            </a:r>
+            <a:r>
+              <a:rPr lang="en-US" altLang="ko-KR" sz="1200" dirty="0"/>
+              <a:t>, low-level API</a:t>
+            </a:r>
+            <a:r>
+              <a:rPr lang="ko-KR" altLang="en-US" sz="1200" dirty="0"/>
+              <a:t>를 제공하는 </a:t>
+            </a:r>
+            <a:r>
+              <a:rPr lang="en-US" altLang="ko-KR" sz="1200" dirty="0"/>
+              <a:t>native streaming </a:t>
+            </a:r>
+            <a:r>
+              <a:rPr lang="ko-KR" altLang="en-US" sz="1200" dirty="0"/>
+              <a:t>시스템으로 </a:t>
+            </a:r>
+            <a:endParaRPr lang="en-US" altLang="ko-KR" sz="1200" dirty="0" smtClean="0"/>
+          </a:p>
+          <a:p>
+            <a:r>
+              <a:rPr lang="en-US" altLang="ko-KR" sz="1200" dirty="0" smtClean="0"/>
+              <a:t>topology </a:t>
+            </a:r>
+            <a:r>
+              <a:rPr lang="ko-KR" altLang="en-US" sz="1200" dirty="0"/>
+              <a:t>구현을 위해 다양한 언어를 </a:t>
+            </a:r>
+            <a:r>
+              <a:rPr lang="ko-KR" altLang="en-US" sz="1200" dirty="0" smtClean="0"/>
+              <a:t>지원</a:t>
+            </a:r>
+            <a:endParaRPr lang="en-US" altLang="ko-KR" sz="1200" dirty="0"/>
+          </a:p>
+          <a:p>
+            <a:r>
+              <a:rPr lang="en-US" altLang="ko-KR" sz="1200" b="1" dirty="0"/>
+              <a:t>Trident</a:t>
+            </a:r>
+            <a:r>
+              <a:rPr lang="ko-KR" altLang="en-US" sz="1200" dirty="0"/>
+              <a:t> 는 </a:t>
+            </a:r>
+            <a:r>
+              <a:rPr lang="en-US" altLang="ko-KR" sz="1200" dirty="0"/>
+              <a:t>Storm </a:t>
+            </a:r>
+            <a:r>
+              <a:rPr lang="ko-KR" altLang="en-US" sz="1200" dirty="0"/>
+              <a:t>위에 구현될 수 있는 고차원 </a:t>
+            </a:r>
+            <a:r>
+              <a:rPr lang="en-US" altLang="ko-KR" sz="1200" dirty="0"/>
+              <a:t>micro-batching </a:t>
+            </a:r>
+            <a:r>
+              <a:rPr lang="ko-KR" altLang="en-US" sz="1200" dirty="0"/>
+              <a:t>시스템 입니다</a:t>
+            </a:r>
+            <a:r>
+              <a:rPr lang="en-US" altLang="ko-KR" sz="1200" dirty="0" smtClean="0"/>
+              <a:t>.</a:t>
+            </a:r>
+          </a:p>
+          <a:p>
+            <a:r>
+              <a:rPr lang="en-US" altLang="ko-KR" sz="1200" dirty="0" smtClean="0"/>
+              <a:t>Trident </a:t>
+            </a:r>
+            <a:r>
+              <a:rPr lang="ko-KR" altLang="en-US" sz="1200" dirty="0"/>
+              <a:t>는 </a:t>
+            </a:r>
+            <a:r>
+              <a:rPr lang="en-US" altLang="ko-KR" sz="1200" dirty="0"/>
+              <a:t>topology </a:t>
+            </a:r>
+            <a:r>
+              <a:rPr lang="ko-KR" altLang="en-US" sz="1200" dirty="0"/>
+              <a:t>구축 과정을 간소화하고 </a:t>
+            </a:r>
+            <a:r>
+              <a:rPr lang="en-US" altLang="ko-KR" sz="1200" dirty="0" err="1"/>
+              <a:t>windiowing</a:t>
+            </a:r>
+            <a:r>
+              <a:rPr lang="en-US" altLang="ko-KR" sz="1200" dirty="0"/>
+              <a:t>, aggregation, </a:t>
+            </a:r>
+            <a:endParaRPr lang="en-US" altLang="ko-KR" sz="1200" dirty="0" smtClean="0"/>
+          </a:p>
+          <a:p>
+            <a:r>
+              <a:rPr lang="ko-KR" altLang="en-US" sz="1200" dirty="0" smtClean="0"/>
+              <a:t>상태 </a:t>
+            </a:r>
+            <a:r>
+              <a:rPr lang="ko-KR" altLang="en-US" sz="1200" dirty="0"/>
+              <a:t>관리 등의 고차원 </a:t>
+            </a:r>
+            <a:r>
+              <a:rPr lang="en-US" altLang="ko-KR" sz="1200" dirty="0"/>
+              <a:t>operation</a:t>
+            </a:r>
+            <a:r>
+              <a:rPr lang="ko-KR" altLang="en-US" sz="1200" dirty="0"/>
+              <a:t>을 쉽게 추가할 수 있습니다</a:t>
+            </a:r>
+            <a:r>
+              <a:rPr lang="en-US" altLang="ko-KR" sz="1200" dirty="0"/>
+              <a:t>. </a:t>
+            </a:r>
+            <a:endParaRPr lang="en-US" altLang="ko-KR" sz="1200" dirty="0" smtClean="0"/>
+          </a:p>
+          <a:p>
+            <a:r>
+              <a:rPr lang="en-US" altLang="ko-KR" sz="1200" b="1" dirty="0" smtClean="0"/>
+              <a:t>Spark</a:t>
+            </a:r>
+            <a:r>
+              <a:rPr lang="ko-KR" altLang="en-US" sz="1200" dirty="0"/>
+              <a:t> 은 </a:t>
+            </a:r>
+            <a:r>
+              <a:rPr lang="en-US" altLang="ko-KR" sz="1200" dirty="0" err="1"/>
+              <a:t>sparkSQL</a:t>
+            </a:r>
+            <a:r>
+              <a:rPr lang="en-US" altLang="ko-KR" sz="1200" dirty="0"/>
+              <a:t>, </a:t>
+            </a:r>
+            <a:r>
+              <a:rPr lang="en-US" altLang="ko-KR" sz="1200" dirty="0" err="1"/>
+              <a:t>MLlib</a:t>
+            </a:r>
+            <a:r>
+              <a:rPr lang="en-US" altLang="ko-KR" sz="1200" dirty="0"/>
+              <a:t>, Spark Streaming </a:t>
+            </a:r>
+            <a:r>
+              <a:rPr lang="ko-KR" altLang="en-US" sz="1200" dirty="0"/>
+              <a:t>을 필두로 최근 가장 인기 </a:t>
+            </a:r>
+            <a:r>
+              <a:rPr lang="ko-KR" altLang="en-US" sz="1200" dirty="0" smtClean="0"/>
+              <a:t>있는</a:t>
+            </a:r>
+            <a:endParaRPr lang="en-US" altLang="ko-KR" sz="1200" dirty="0" smtClean="0"/>
+          </a:p>
+          <a:p>
+            <a:r>
+              <a:rPr lang="ko-KR" altLang="en-US" sz="1200" dirty="0" smtClean="0"/>
+              <a:t> </a:t>
+            </a:r>
+            <a:r>
+              <a:rPr lang="en-US" altLang="ko-KR" sz="1200" dirty="0"/>
+              <a:t>batch processing </a:t>
+            </a:r>
+            <a:r>
+              <a:rPr lang="ko-KR" altLang="en-US" sz="1200" dirty="0"/>
+              <a:t>플랫폼이며</a:t>
+            </a:r>
+            <a:r>
+              <a:rPr lang="en-US" altLang="ko-KR" sz="1200" dirty="0"/>
+              <a:t>, </a:t>
+            </a:r>
+            <a:endParaRPr lang="en-US" altLang="ko-KR" sz="1200" dirty="0" smtClean="0"/>
+          </a:p>
+          <a:p>
+            <a:r>
+              <a:rPr lang="ko-KR" altLang="en-US" sz="1200" dirty="0" smtClean="0"/>
+              <a:t>기본적으로 </a:t>
+            </a:r>
+            <a:r>
+              <a:rPr lang="en-US" altLang="ko-KR" sz="1200" dirty="0"/>
+              <a:t>Spark </a:t>
+            </a:r>
+            <a:r>
+              <a:rPr lang="ko-KR" altLang="en-US" sz="1200" dirty="0"/>
+              <a:t>의 </a:t>
+            </a:r>
+            <a:r>
+              <a:rPr lang="en-US" altLang="ko-KR" sz="1200" dirty="0"/>
+              <a:t>runtime </a:t>
+            </a:r>
+            <a:r>
+              <a:rPr lang="ko-KR" altLang="en-US" sz="1200" dirty="0"/>
+              <a:t>은 </a:t>
+            </a:r>
+            <a:r>
+              <a:rPr lang="en-US" altLang="ko-KR" sz="1200" dirty="0"/>
+              <a:t>batch processing </a:t>
+            </a:r>
+            <a:r>
+              <a:rPr lang="ko-KR" altLang="en-US" sz="1200" dirty="0"/>
+              <a:t>을 할 수 있도록 </a:t>
+            </a:r>
+            <a:endParaRPr lang="en-US" altLang="ko-KR" sz="1200" dirty="0" smtClean="0"/>
+          </a:p>
+          <a:p>
+            <a:r>
+              <a:rPr lang="en-US" altLang="ko-KR" sz="1200" dirty="0" smtClean="0"/>
+              <a:t>build </a:t>
+            </a:r>
+            <a:r>
+              <a:rPr lang="ko-KR" altLang="en-US" sz="1200" dirty="0"/>
+              <a:t>가 되며</a:t>
+            </a:r>
+            <a:r>
+              <a:rPr lang="en-US" altLang="ko-KR" sz="1200" dirty="0"/>
+              <a:t>, micro batching </a:t>
+            </a:r>
+            <a:r>
+              <a:rPr lang="ko-KR" altLang="en-US" sz="1200" dirty="0"/>
+              <a:t>처리를 할 수 있는 </a:t>
+            </a:r>
+            <a:r>
+              <a:rPr lang="en-US" altLang="ko-KR" sz="1200" dirty="0"/>
+              <a:t>spark streaming </a:t>
+            </a:r>
+            <a:r>
+              <a:rPr lang="ko-KR" altLang="en-US" sz="1200" dirty="0"/>
+              <a:t>이 </a:t>
+            </a:r>
+            <a:endParaRPr lang="en-US" altLang="ko-KR" sz="1200" dirty="0" smtClean="0"/>
+          </a:p>
+          <a:p>
+            <a:r>
+              <a:rPr lang="ko-KR" altLang="en-US" sz="1200" dirty="0" smtClean="0"/>
+              <a:t>약간 </a:t>
+            </a:r>
+            <a:r>
+              <a:rPr lang="ko-KR" altLang="en-US" sz="1200" dirty="0"/>
+              <a:t>뒤늦게 추가가 되었습니다</a:t>
+            </a:r>
+            <a:r>
+              <a:rPr lang="en-US" altLang="ko-KR" sz="1200" dirty="0"/>
+              <a:t>. </a:t>
+            </a:r>
+            <a:endParaRPr lang="en-US" altLang="ko-KR" sz="1200" dirty="0" smtClean="0"/>
+          </a:p>
+          <a:p>
+            <a:r>
+              <a:rPr lang="en-US" altLang="ko-KR" sz="1200" dirty="0" smtClean="0"/>
+              <a:t>Spark </a:t>
+            </a:r>
+            <a:r>
+              <a:rPr lang="en-US" altLang="ko-KR" sz="1200" dirty="0"/>
+              <a:t>Streaming </a:t>
+            </a:r>
+            <a:r>
+              <a:rPr lang="ko-KR" altLang="en-US" sz="1200" dirty="0"/>
+              <a:t>에서는 </a:t>
+            </a:r>
+            <a:r>
+              <a:rPr lang="en-US" altLang="ko-KR" sz="1200" dirty="0"/>
+              <a:t>input data </a:t>
+            </a:r>
+            <a:r>
+              <a:rPr lang="ko-KR" altLang="en-US" sz="1200" dirty="0"/>
+              <a:t>가 </a:t>
+            </a:r>
+            <a:r>
+              <a:rPr lang="en-US" altLang="ko-KR" sz="1200" dirty="0"/>
+              <a:t>receiver </a:t>
+            </a:r>
+            <a:r>
+              <a:rPr lang="ko-KR" altLang="en-US" sz="1200" dirty="0"/>
+              <a:t>로 들어오게 되면</a:t>
+            </a:r>
+            <a:r>
+              <a:rPr lang="en-US" altLang="ko-KR" sz="1200" dirty="0"/>
+              <a:t>, </a:t>
+            </a:r>
+            <a:endParaRPr lang="en-US" altLang="ko-KR" sz="1200" dirty="0" smtClean="0"/>
+          </a:p>
+          <a:p>
+            <a:r>
+              <a:rPr lang="en-US" altLang="ko-KR" sz="1200" dirty="0" smtClean="0"/>
+              <a:t>micro-batch </a:t>
+            </a:r>
+            <a:r>
+              <a:rPr lang="ko-KR" altLang="en-US" sz="1200" dirty="0"/>
+              <a:t>들을 생성하여 기본적인 </a:t>
+            </a:r>
+            <a:r>
+              <a:rPr lang="en-US" altLang="ko-KR" sz="1200" dirty="0"/>
+              <a:t>Spark </a:t>
+            </a:r>
+            <a:r>
+              <a:rPr lang="ko-KR" altLang="en-US" sz="1200" dirty="0"/>
+              <a:t>의 </a:t>
+            </a:r>
+            <a:r>
+              <a:rPr lang="en-US" altLang="ko-KR" sz="1200" dirty="0"/>
+              <a:t>Job </a:t>
+            </a:r>
+            <a:r>
+              <a:rPr lang="ko-KR" altLang="en-US" sz="1200" dirty="0"/>
+              <a:t>을 처리하는 </a:t>
+            </a:r>
+            <a:endParaRPr lang="en-US" altLang="ko-KR" sz="1200" dirty="0" smtClean="0"/>
+          </a:p>
+          <a:p>
+            <a:r>
+              <a:rPr lang="ko-KR" altLang="en-US" sz="1200" dirty="0" smtClean="0"/>
+              <a:t>방식</a:t>
+            </a:r>
+            <a:r>
+              <a:rPr lang="en-US" altLang="ko-KR" sz="1200" dirty="0"/>
+              <a:t>(batch processing)</a:t>
+            </a:r>
+            <a:r>
+              <a:rPr lang="ko-KR" altLang="en-US" sz="1200" dirty="0"/>
+              <a:t>과 동일하게 데이터를 처리하게 되며 </a:t>
+            </a:r>
+            <a:r>
+              <a:rPr lang="en-US" altLang="ko-KR" sz="1200" dirty="0"/>
+              <a:t>Java </a:t>
+            </a:r>
+            <a:r>
+              <a:rPr lang="ko-KR" altLang="en-US" sz="1200" dirty="0"/>
+              <a:t>와 </a:t>
+            </a:r>
+            <a:r>
+              <a:rPr lang="en-US" altLang="ko-KR" sz="1200" dirty="0"/>
+              <a:t>Scala, </a:t>
+            </a:r>
+            <a:endParaRPr lang="en-US" altLang="ko-KR" sz="1200" dirty="0" smtClean="0"/>
+          </a:p>
+          <a:p>
+            <a:r>
+              <a:rPr lang="ko-KR" altLang="en-US" sz="1200" dirty="0" smtClean="0"/>
+              <a:t>그리고 </a:t>
+            </a:r>
+            <a:r>
+              <a:rPr lang="en-US" altLang="ko-KR" sz="1200" dirty="0"/>
+              <a:t>Python </a:t>
+            </a:r>
+            <a:r>
+              <a:rPr lang="ko-KR" altLang="en-US" sz="1200" dirty="0"/>
+              <a:t>등의 언어를 지원합니다</a:t>
+            </a:r>
+            <a:r>
+              <a:rPr lang="en-US" altLang="ko-KR" sz="1200" dirty="0"/>
+              <a:t>.</a:t>
+            </a:r>
+          </a:p>
+          <a:p>
+            <a:r>
+              <a:rPr lang="en-US" altLang="ko-KR" sz="1200" b="1" dirty="0" err="1"/>
+              <a:t>Samza</a:t>
+            </a:r>
+            <a:r>
+              <a:rPr lang="ko-KR" altLang="en-US" sz="1200" dirty="0"/>
+              <a:t> 는 </a:t>
+            </a:r>
+            <a:r>
+              <a:rPr lang="en-US" altLang="ko-KR" sz="1200" dirty="0"/>
+              <a:t>Kafka </a:t>
+            </a:r>
+            <a:r>
+              <a:rPr lang="ko-KR" altLang="en-US" sz="1200" dirty="0"/>
+              <a:t>와 더불어 </a:t>
+            </a:r>
+            <a:r>
+              <a:rPr lang="en-US" altLang="ko-KR" sz="1200" dirty="0"/>
+              <a:t>LinkedIn </a:t>
+            </a:r>
+            <a:r>
+              <a:rPr lang="ko-KR" altLang="en-US" sz="1200" dirty="0"/>
+              <a:t>에서 독점적으로 개발한 </a:t>
+            </a:r>
+            <a:r>
+              <a:rPr lang="en-US" altLang="ko-KR" sz="1200" dirty="0"/>
+              <a:t>Streaming </a:t>
+            </a:r>
+            <a:r>
+              <a:rPr lang="ko-KR" altLang="en-US" sz="1200" dirty="0"/>
+              <a:t>처리 </a:t>
+            </a:r>
+            <a:r>
+              <a:rPr lang="ko-KR" altLang="en-US" sz="1200" dirty="0" smtClean="0"/>
+              <a:t>플랫폼이며</a:t>
+            </a:r>
+            <a:r>
+              <a:rPr lang="en-US" altLang="ko-KR" sz="1200" dirty="0" smtClean="0"/>
+              <a:t>,</a:t>
+            </a:r>
+          </a:p>
+          <a:p>
+            <a:r>
+              <a:rPr lang="ko-KR" altLang="en-US" sz="1200" dirty="0" smtClean="0"/>
+              <a:t>기본적으로 </a:t>
+            </a:r>
+            <a:r>
+              <a:rPr lang="en-US" altLang="ko-KR" sz="1200" dirty="0"/>
+              <a:t>Kafka </a:t>
+            </a:r>
+            <a:r>
+              <a:rPr lang="ko-KR" altLang="en-US" sz="1200" dirty="0"/>
+              <a:t>의 로그 데이터를 처리한다는 철학을 바탕으로 </a:t>
+            </a:r>
+            <a:r>
+              <a:rPr lang="ko-KR" altLang="en-US" sz="1200" dirty="0" err="1"/>
+              <a:t>두개의</a:t>
+            </a:r>
+            <a:r>
+              <a:rPr lang="ko-KR" altLang="en-US" sz="1200" dirty="0"/>
+              <a:t> 플랫폼이 </a:t>
+            </a:r>
+            <a:endParaRPr lang="en-US" altLang="ko-KR" sz="1200" dirty="0" smtClean="0"/>
+          </a:p>
+          <a:p>
+            <a:r>
+              <a:rPr lang="ko-KR" altLang="en-US" sz="1200" dirty="0" smtClean="0"/>
+              <a:t>매우 </a:t>
+            </a:r>
+            <a:r>
+              <a:rPr lang="ko-KR" altLang="en-US" sz="1200" dirty="0"/>
+              <a:t>잘 통합되도록 구성되어 있습니다</a:t>
+            </a:r>
+            <a:r>
+              <a:rPr lang="en-US" altLang="ko-KR" sz="1200" dirty="0"/>
+              <a:t>. </a:t>
+            </a:r>
+            <a:r>
+              <a:rPr lang="en-US" altLang="ko-KR" sz="1200" dirty="0" err="1"/>
+              <a:t>Samza</a:t>
+            </a:r>
+            <a:r>
+              <a:rPr lang="en-US" altLang="ko-KR" sz="1200" dirty="0"/>
+              <a:t> </a:t>
+            </a:r>
+            <a:r>
+              <a:rPr lang="ko-KR" altLang="en-US" sz="1200" dirty="0"/>
+              <a:t>는 </a:t>
+            </a:r>
+            <a:r>
+              <a:rPr lang="en-US" altLang="ko-KR" sz="1200" dirty="0"/>
+              <a:t>Compositional API </a:t>
+            </a:r>
+            <a:r>
+              <a:rPr lang="ko-KR" altLang="en-US" sz="1200" dirty="0"/>
+              <a:t>와 </a:t>
+            </a:r>
+            <a:r>
+              <a:rPr lang="en-US" altLang="ko-KR" sz="1200" dirty="0"/>
+              <a:t>Scala </a:t>
+            </a:r>
+            <a:r>
+              <a:rPr lang="ko-KR" altLang="en-US" sz="1200" dirty="0"/>
+              <a:t>를 지원합니다</a:t>
+            </a:r>
+            <a:r>
+              <a:rPr lang="en-US" altLang="ko-KR" sz="1200" dirty="0" smtClean="0"/>
+              <a:t>.</a:t>
+            </a:r>
+            <a:endParaRPr lang="en-US" altLang="ko-KR" sz="1200" dirty="0"/>
+          </a:p>
+          <a:p>
+            <a:r>
+              <a:rPr lang="en-US" altLang="ko-KR" sz="1200" b="1" dirty="0" err="1" smtClean="0"/>
+              <a:t>Flink</a:t>
+            </a:r>
+            <a:r>
+              <a:rPr lang="ko-KR" altLang="en-US" sz="1200" dirty="0"/>
+              <a:t> 는 </a:t>
+            </a:r>
+            <a:r>
+              <a:rPr lang="en-US" altLang="ko-KR" sz="1200" dirty="0"/>
+              <a:t>2008</a:t>
+            </a:r>
+            <a:r>
+              <a:rPr lang="ko-KR" altLang="en-US" sz="1200" dirty="0"/>
+              <a:t>년에 만들어진 꽤 오래된 프로젝트지만</a:t>
+            </a:r>
+            <a:r>
+              <a:rPr lang="en-US" altLang="ko-KR" sz="1200" dirty="0"/>
+              <a:t>, </a:t>
+            </a:r>
+            <a:r>
+              <a:rPr lang="ko-KR" altLang="en-US" sz="1200" dirty="0"/>
+              <a:t>최근에서야 주목을 받고 있는데</a:t>
+            </a:r>
+            <a:r>
+              <a:rPr lang="en-US" altLang="ko-KR" sz="1200" dirty="0"/>
+              <a:t>, </a:t>
+            </a:r>
+            <a:endParaRPr lang="en-US" altLang="ko-KR" sz="1200" dirty="0" smtClean="0"/>
+          </a:p>
+          <a:p>
+            <a:r>
+              <a:rPr lang="en-US" altLang="ko-KR" sz="1200" dirty="0" smtClean="0"/>
+              <a:t>hive-level </a:t>
+            </a:r>
+            <a:r>
+              <a:rPr lang="en-US" altLang="ko-KR" sz="1200" dirty="0"/>
+              <a:t>API</a:t>
+            </a:r>
+            <a:r>
+              <a:rPr lang="ko-KR" altLang="en-US" sz="1200" dirty="0"/>
+              <a:t>를 지원하는 </a:t>
+            </a:r>
+            <a:r>
+              <a:rPr lang="en-US" altLang="ko-KR" sz="1200" dirty="0"/>
+              <a:t>native streaming </a:t>
+            </a:r>
+            <a:r>
+              <a:rPr lang="ko-KR" altLang="en-US" sz="1200" dirty="0"/>
+              <a:t>플랫폼이며</a:t>
+            </a:r>
+            <a:r>
+              <a:rPr lang="en-US" altLang="ko-KR" sz="1200" dirty="0"/>
+              <a:t>, Spark </a:t>
+            </a:r>
+            <a:r>
+              <a:rPr lang="ko-KR" altLang="en-US" sz="1200" dirty="0"/>
+              <a:t>과 마찬가지로 </a:t>
+            </a:r>
+            <a:endParaRPr lang="en-US" altLang="ko-KR" sz="1200" dirty="0" smtClean="0"/>
+          </a:p>
+          <a:p>
+            <a:r>
+              <a:rPr lang="en-US" altLang="ko-KR" sz="1200" dirty="0" smtClean="0"/>
+              <a:t>batch </a:t>
+            </a:r>
+            <a:r>
+              <a:rPr lang="ko-KR" altLang="en-US" sz="1200" dirty="0"/>
+              <a:t>처리를 위한 </a:t>
+            </a:r>
+            <a:r>
+              <a:rPr lang="en-US" altLang="ko-KR" sz="1200" dirty="0"/>
+              <a:t>API </a:t>
+            </a:r>
+            <a:r>
+              <a:rPr lang="ko-KR" altLang="en-US" sz="1200" dirty="0"/>
+              <a:t>역시 지원합니다</a:t>
+            </a:r>
+            <a:r>
+              <a:rPr lang="en-US" altLang="ko-KR" sz="1200" dirty="0"/>
+              <a:t>. Spark </a:t>
+            </a:r>
+            <a:r>
+              <a:rPr lang="ko-KR" altLang="en-US" sz="1200" dirty="0"/>
+              <a:t>과의 결정적인 차이점은</a:t>
+            </a:r>
+            <a:r>
+              <a:rPr lang="en-US" altLang="ko-KR" sz="1200" dirty="0"/>
+              <a:t>, </a:t>
+            </a:r>
+            <a:r>
+              <a:rPr lang="en-US" altLang="ko-KR" sz="1200" dirty="0" err="1"/>
+              <a:t>Flink</a:t>
+            </a:r>
+            <a:r>
+              <a:rPr lang="en-US" altLang="ko-KR" sz="1200" dirty="0"/>
+              <a:t> </a:t>
+            </a:r>
+            <a:r>
+              <a:rPr lang="ko-KR" altLang="en-US" sz="1200" dirty="0"/>
+              <a:t>에서는 데이터를 </a:t>
+            </a:r>
+            <a:r>
+              <a:rPr lang="en-US" altLang="ko-KR" sz="1200" dirty="0"/>
+              <a:t>batch </a:t>
+            </a:r>
+            <a:r>
+              <a:rPr lang="ko-KR" altLang="en-US" sz="1200" dirty="0"/>
+              <a:t>단위로 처리하는 것 </a:t>
+            </a:r>
+            <a:endParaRPr lang="en-US" altLang="ko-KR" sz="1200" dirty="0" smtClean="0"/>
+          </a:p>
+          <a:p>
+            <a:r>
+              <a:rPr lang="ko-KR" altLang="en-US" sz="1200" dirty="0" smtClean="0"/>
+              <a:t>자체를 </a:t>
+            </a:r>
+            <a:r>
+              <a:rPr lang="ko-KR" altLang="en-US" sz="1200" dirty="0"/>
+              <a:t>꽤 예외적인 케이스로 생각한다는 것에 있습니다</a:t>
+            </a:r>
+            <a:r>
+              <a:rPr lang="en-US" altLang="ko-KR" sz="1200" dirty="0" smtClean="0"/>
+              <a:t>.</a:t>
+            </a:r>
+            <a:endParaRPr lang="en-US" altLang="ko-KR" sz="1200" dirty="0"/>
+          </a:p>
+        </p:txBody>
+      </p:sp>
+    </p:spTree>
+    <p:extLst>
+      <p:ext uri="{BB962C8B-B14F-4D97-AF65-F5344CB8AC3E}">
+        <p14:creationId xmlns:p14="http://schemas.microsoft.com/office/powerpoint/2010/main" val="133261837"/>
+      </p:ext>
+    </p:extLst>
+  </p:cSld>
+  <p:clrMapOvr>
+    <a:masterClrMapping/>
+  </p:clrMapOvr>
+</p:sld>
+</file>
+
+<file path=ppt/slides/slide4.xml><?xml version="1.0" encoding="utf-8"?>
+<p:sld xmlns:a="http://schemas.openxmlformats.org/drawingml/2006/main" xmlns:r="http://schemas.openxmlformats.org/officeDocument/2006/relationships" xmlns:p="http://schemas.openxmlformats.org/presentationml/2006/main">
+  <p:cSld>
+    <p:spTree>
+      <p:nvGrpSpPr>
+        <p:cNvPr id="1" name=""/>
+        <p:cNvGrpSpPr/>
+        <p:nvPr/>
+      </p:nvGrpSpPr>
+      <p:grpSpPr>
+        <a:xfrm>
+          <a:off x="0" y="0"/>
+          <a:ext cx="0" cy="0"/>
+          <a:chOff x="0" y="0"/>
+          <a:chExt cx="0" cy="0"/>
+        </a:xfrm>
+      </p:grpSpPr>
+      <p:sp>
+        <p:nvSpPr>
           <p:cNvPr id="2" name="제목 1"/>
           <p:cNvSpPr>
             <a:spLocks noGrp="1"/>
@@ -3379,697 +10939,7 @@
 </p:sld>
 </file>
 
-<file path=ppt/slides/slide10.xml><?xml version="1.0" encoding="utf-8"?>
-<p:sld xmlns:a="http://schemas.openxmlformats.org/drawingml/2006/main" xmlns:r="http://schemas.openxmlformats.org/officeDocument/2006/relationships" xmlns:p="http://schemas.openxmlformats.org/presentationml/2006/main">
-  <p:cSld>
-    <p:spTree>
-      <p:nvGrpSpPr>
-        <p:cNvPr id="1" name=""/>
-        <p:cNvGrpSpPr/>
-        <p:nvPr/>
-      </p:nvGrpSpPr>
-      <p:grpSpPr>
-        <a:xfrm>
-          <a:off x="0" y="0"/>
-          <a:ext cx="0" cy="0"/>
-          <a:chOff x="0" y="0"/>
-          <a:chExt cx="0" cy="0"/>
-        </a:xfrm>
-      </p:grpSpPr>
-      <p:sp>
-        <p:nvSpPr>
-          <p:cNvPr id="6" name="제목 1"/>
-          <p:cNvSpPr>
-            <a:spLocks noGrp="1"/>
-          </p:cNvSpPr>
-          <p:nvPr>
-            <p:ph type="title"/>
-          </p:nvPr>
-        </p:nvSpPr>
-        <p:spPr>
-          <a:xfrm>
-            <a:off x="457200" y="274638"/>
-            <a:ext cx="8229600" cy="1143000"/>
-          </a:xfrm>
-        </p:spPr>
-        <p:txBody>
-          <a:bodyPr/>
-          <a:lstStyle/>
-          <a:p>
-            <a:pPr algn="l"/>
-            <a:r>
-              <a:rPr lang="ko-KR" altLang="en-US" dirty="0" err="1" smtClean="0"/>
-              <a:t>ㅁ</a:t>
-            </a:r>
-            <a:endParaRPr lang="ko-KR" altLang="en-US" dirty="0"/>
-          </a:p>
-        </p:txBody>
-      </p:sp>
-      <p:sp>
-        <p:nvSpPr>
-          <p:cNvPr id="7" name="내용 개체 틀 2"/>
-          <p:cNvSpPr>
-            <a:spLocks noGrp="1"/>
-          </p:cNvSpPr>
-          <p:nvPr>
-            <p:ph idx="1"/>
-          </p:nvPr>
-        </p:nvSpPr>
-        <p:spPr>
-          <a:xfrm>
-            <a:off x="457200" y="1600200"/>
-            <a:ext cx="8229600" cy="4525963"/>
-          </a:xfrm>
-        </p:spPr>
-        <p:txBody>
-          <a:bodyPr/>
-          <a:lstStyle/>
-          <a:p>
-            <a:r>
-              <a:rPr lang="ko-KR" altLang="en-US" dirty="0" err="1" smtClean="0"/>
-              <a:t>스쿱</a:t>
-            </a:r>
-            <a:r>
-              <a:rPr lang="en-US" altLang="ko-KR" dirty="0" smtClean="0"/>
-              <a:t>(</a:t>
-            </a:r>
-            <a:r>
-              <a:rPr lang="en-US" altLang="ko-KR" dirty="0" err="1" smtClean="0"/>
-              <a:t>Sqoop</a:t>
-            </a:r>
-            <a:r>
-              <a:rPr lang="en-US" altLang="ko-KR" dirty="0" smtClean="0"/>
-              <a:t>)</a:t>
-            </a:r>
-          </a:p>
-          <a:p>
-            <a:pPr marL="0" indent="0">
-              <a:buNone/>
-            </a:pPr>
-            <a:endParaRPr lang="en-US" altLang="ko-KR" sz="1600" dirty="0"/>
-          </a:p>
-          <a:p>
-            <a:pPr marL="0" indent="0">
-              <a:buNone/>
-            </a:pPr>
-            <a:r>
-              <a:rPr lang="ko-KR" altLang="en-US" sz="1600" dirty="0" smtClean="0"/>
-              <a:t> 분산 </a:t>
-            </a:r>
-            <a:r>
-              <a:rPr lang="ko-KR" altLang="en-US" sz="1600" dirty="0"/>
-              <a:t>시스템 간의 정보 공유 및 상태 체크</a:t>
-            </a:r>
-            <a:r>
-              <a:rPr lang="en-US" altLang="ko-KR" sz="1600" dirty="0"/>
-              <a:t>, </a:t>
-            </a:r>
-            <a:r>
-              <a:rPr lang="ko-KR" altLang="en-US" sz="1600" dirty="0"/>
-              <a:t>동기화를 처리하는 프레임워크이다</a:t>
-            </a:r>
-            <a:r>
-              <a:rPr lang="en-US" altLang="ko-KR" sz="1600" dirty="0"/>
-              <a:t>. </a:t>
-            </a:r>
-            <a:r>
-              <a:rPr lang="ko-KR" altLang="en-US" sz="1600" dirty="0"/>
-              <a:t>이러한 시스템을 </a:t>
-            </a:r>
-            <a:r>
-              <a:rPr lang="ko-KR" altLang="en-US" sz="1600" dirty="0" err="1"/>
-              <a:t>코디네이션</a:t>
-            </a:r>
-            <a:r>
-              <a:rPr lang="ko-KR" altLang="en-US" sz="1600" dirty="0"/>
-              <a:t> 서비스 시스템이라고 한다</a:t>
-            </a:r>
-            <a:r>
-              <a:rPr lang="en-US" altLang="ko-KR" sz="1600" dirty="0"/>
-              <a:t>. Zookeeper</a:t>
-            </a:r>
-            <a:r>
-              <a:rPr lang="ko-KR" altLang="en-US" sz="1600" dirty="0"/>
-              <a:t>를 많이 사용하는 이유는 기능에 비해 시스템이 단순하기 때문이다</a:t>
-            </a:r>
-            <a:r>
-              <a:rPr lang="en-US" altLang="ko-KR" sz="1600" dirty="0"/>
-              <a:t>. </a:t>
-            </a:r>
-            <a:r>
-              <a:rPr lang="ko-KR" altLang="en-US" sz="1600" dirty="0"/>
-              <a:t>분산 큐</a:t>
-            </a:r>
-            <a:r>
-              <a:rPr lang="en-US" altLang="ko-KR" sz="1600" dirty="0"/>
-              <a:t>, </a:t>
-            </a:r>
-            <a:r>
-              <a:rPr lang="ko-KR" altLang="en-US" sz="1600" dirty="0"/>
-              <a:t>분산 </a:t>
-            </a:r>
-            <a:r>
-              <a:rPr lang="ko-KR" altLang="en-US" sz="1600" dirty="0" err="1"/>
-              <a:t>락</a:t>
-            </a:r>
-            <a:r>
-              <a:rPr lang="en-US" altLang="ko-KR" sz="1600" dirty="0"/>
-              <a:t>, </a:t>
-            </a:r>
-            <a:r>
-              <a:rPr lang="ko-KR" altLang="en-US" sz="1600" dirty="0"/>
-              <a:t>피어 그룹 대표 산출 등 다양한 기능을 가진다</a:t>
-            </a:r>
-            <a:r>
-              <a:rPr lang="en-US" altLang="ko-KR" sz="1600" dirty="0"/>
-              <a:t>. </a:t>
-            </a:r>
-            <a:r>
-              <a:rPr lang="ko-KR" altLang="en-US" sz="1600" dirty="0"/>
-              <a:t>몇 개의 기본 기능만으로도 사용이 가능하다</a:t>
-            </a:r>
-            <a:r>
-              <a:rPr lang="en-US" altLang="ko-KR" sz="1600" dirty="0"/>
-              <a:t>.</a:t>
-            </a:r>
-            <a:endParaRPr lang="en-US" altLang="ko-KR" sz="1600" dirty="0"/>
-          </a:p>
-        </p:txBody>
-      </p:sp>
-    </p:spTree>
-    <p:extLst>
-      <p:ext uri="{BB962C8B-B14F-4D97-AF65-F5344CB8AC3E}">
-        <p14:creationId xmlns:p14="http://schemas.microsoft.com/office/powerpoint/2010/main" val="2492168347"/>
-      </p:ext>
-    </p:extLst>
-  </p:cSld>
-  <p:clrMapOvr>
-    <a:masterClrMapping/>
-  </p:clrMapOvr>
-</p:sld>
-</file>
-
-<file path=ppt/slides/slide11.xml><?xml version="1.0" encoding="utf-8"?>
-<p:sld xmlns:a="http://schemas.openxmlformats.org/drawingml/2006/main" xmlns:r="http://schemas.openxmlformats.org/officeDocument/2006/relationships" xmlns:p="http://schemas.openxmlformats.org/presentationml/2006/main">
-  <p:cSld>
-    <p:spTree>
-      <p:nvGrpSpPr>
-        <p:cNvPr id="1" name=""/>
-        <p:cNvGrpSpPr/>
-        <p:nvPr/>
-      </p:nvGrpSpPr>
-      <p:grpSpPr>
-        <a:xfrm>
-          <a:off x="0" y="0"/>
-          <a:ext cx="0" cy="0"/>
-          <a:chOff x="0" y="0"/>
-          <a:chExt cx="0" cy="0"/>
-        </a:xfrm>
-      </p:grpSpPr>
-      <p:sp>
-        <p:nvSpPr>
-          <p:cNvPr id="4" name="제목 1"/>
-          <p:cNvSpPr>
-            <a:spLocks noGrp="1"/>
-          </p:cNvSpPr>
-          <p:nvPr>
-            <p:ph type="title"/>
-          </p:nvPr>
-        </p:nvSpPr>
-        <p:spPr>
-          <a:xfrm>
-            <a:off x="457200" y="274638"/>
-            <a:ext cx="8229600" cy="1143000"/>
-          </a:xfrm>
-        </p:spPr>
-        <p:txBody>
-          <a:bodyPr/>
-          <a:lstStyle/>
-          <a:p>
-            <a:pPr algn="l"/>
-            <a:r>
-              <a:rPr lang="ko-KR" altLang="en-US" dirty="0" err="1" smtClean="0"/>
-              <a:t>ㅁ</a:t>
-            </a:r>
-            <a:endParaRPr lang="ko-KR" altLang="en-US" dirty="0"/>
-          </a:p>
-        </p:txBody>
-      </p:sp>
-      <p:sp>
-        <p:nvSpPr>
-          <p:cNvPr id="5" name="내용 개체 틀 2"/>
-          <p:cNvSpPr>
-            <a:spLocks noGrp="1"/>
-          </p:cNvSpPr>
-          <p:nvPr>
-            <p:ph idx="1"/>
-          </p:nvPr>
-        </p:nvSpPr>
-        <p:spPr>
-          <a:xfrm>
-            <a:off x="457200" y="1600200"/>
-            <a:ext cx="8229600" cy="4525963"/>
-          </a:xfrm>
-        </p:spPr>
-        <p:txBody>
-          <a:bodyPr/>
-          <a:lstStyle/>
-          <a:p>
-            <a:r>
-              <a:rPr lang="ko-KR" altLang="en-US" dirty="0" smtClean="0"/>
-              <a:t>아파치 </a:t>
-            </a:r>
-            <a:r>
-              <a:rPr lang="ko-KR" altLang="en-US" dirty="0" err="1" smtClean="0"/>
-              <a:t>스파크</a:t>
-            </a:r>
-            <a:r>
-              <a:rPr lang="en-US" altLang="ko-KR" dirty="0" smtClean="0"/>
-              <a:t>(</a:t>
-            </a:r>
-            <a:r>
-              <a:rPr lang="en-US" altLang="ko-KR" dirty="0" err="1" smtClean="0"/>
-              <a:t>Aparch</a:t>
-            </a:r>
-            <a:r>
-              <a:rPr lang="en-US" altLang="ko-KR" dirty="0" smtClean="0"/>
-              <a:t> Spark)</a:t>
-            </a:r>
-          </a:p>
-          <a:p>
-            <a:pPr marL="0" indent="0">
-              <a:buNone/>
-            </a:pPr>
-            <a:endParaRPr lang="en-US" altLang="ko-KR" sz="1600" dirty="0"/>
-          </a:p>
-          <a:p>
-            <a:pPr marL="0" indent="0">
-              <a:buNone/>
-            </a:pPr>
-            <a:r>
-              <a:rPr lang="ko-KR" altLang="en-US" sz="1600" dirty="0" smtClean="0"/>
-              <a:t> </a:t>
-            </a:r>
-            <a:r>
-              <a:rPr lang="ko-KR" altLang="en-US" sz="1600" dirty="0" err="1" smtClean="0"/>
-              <a:t>맵리듀스</a:t>
-            </a:r>
-            <a:r>
-              <a:rPr lang="ko-KR" altLang="en-US" sz="1600" dirty="0" smtClean="0"/>
-              <a:t> 대안으로 </a:t>
-            </a:r>
-            <a:r>
-              <a:rPr lang="ko-KR" altLang="en-US" sz="1600" dirty="0" err="1" smtClean="0"/>
-              <a:t>나온게</a:t>
-            </a:r>
-            <a:r>
-              <a:rPr lang="ko-KR" altLang="en-US" sz="1600" dirty="0" smtClean="0"/>
-              <a:t> 아파치 </a:t>
-            </a:r>
-            <a:r>
-              <a:rPr lang="ko-KR" altLang="en-US" sz="1600" dirty="0" err="1" smtClean="0"/>
-              <a:t>스파크이다</a:t>
-            </a:r>
-            <a:r>
-              <a:rPr lang="en-US" altLang="ko-KR" sz="1600" dirty="0" smtClean="0"/>
-              <a:t>. </a:t>
-            </a:r>
-            <a:r>
-              <a:rPr lang="ko-KR" altLang="en-US" sz="1600" dirty="0" smtClean="0"/>
-              <a:t>아파치 </a:t>
-            </a:r>
-            <a:r>
-              <a:rPr lang="ko-KR" altLang="en-US" sz="1600" dirty="0" err="1" smtClean="0"/>
-              <a:t>스파크는</a:t>
-            </a:r>
-            <a:r>
-              <a:rPr lang="ko-KR" altLang="en-US" sz="1600" dirty="0" smtClean="0"/>
-              <a:t> </a:t>
-            </a:r>
-            <a:r>
-              <a:rPr lang="ko-KR" altLang="en-US" sz="1600" dirty="0" err="1" smtClean="0"/>
-              <a:t>맵리듀스와</a:t>
-            </a:r>
-            <a:r>
-              <a:rPr lang="ko-KR" altLang="en-US" sz="1600" dirty="0" smtClean="0"/>
-              <a:t> 비슷한 목적의 업무를 수행하는데 메모리를 활용한 굉장히 빠른 데이터 처리를 특징으로 가지고 있다</a:t>
-            </a:r>
-            <a:r>
-              <a:rPr lang="en-US" altLang="ko-KR" sz="1600" dirty="0" smtClean="0"/>
-              <a:t>.</a:t>
-            </a:r>
-          </a:p>
-          <a:p>
-            <a:pPr marL="0" indent="0">
-              <a:buNone/>
-            </a:pPr>
-            <a:r>
-              <a:rPr lang="en-US" altLang="ko-KR" sz="1600" dirty="0"/>
-              <a:t> </a:t>
-            </a:r>
-            <a:r>
-              <a:rPr lang="ko-KR" altLang="en-US" sz="1600" dirty="0" err="1" smtClean="0"/>
-              <a:t>리포팅</a:t>
-            </a:r>
-            <a:r>
-              <a:rPr lang="ko-KR" altLang="en-US" sz="1600" dirty="0" smtClean="0"/>
-              <a:t> 요구들이 대체로 정적이거나 비치 모드 </a:t>
-            </a:r>
-            <a:r>
-              <a:rPr lang="ko-KR" altLang="en-US" sz="1600" dirty="0" err="1" smtClean="0"/>
-              <a:t>프로세싱을</a:t>
-            </a:r>
-            <a:r>
-              <a:rPr lang="ko-KR" altLang="en-US" sz="1600" dirty="0" smtClean="0"/>
-              <a:t> 기다릴 수 있다면 </a:t>
-            </a:r>
-            <a:r>
-              <a:rPr lang="ko-KR" altLang="en-US" sz="1600" dirty="0" err="1" smtClean="0"/>
-              <a:t>맵리듀스</a:t>
-            </a:r>
-            <a:r>
-              <a:rPr lang="ko-KR" altLang="en-US" sz="1600" dirty="0" smtClean="0"/>
-              <a:t> 만으로도 처리 가능</a:t>
-            </a:r>
-            <a:endParaRPr lang="en-US" altLang="ko-KR" sz="1600" dirty="0" smtClean="0"/>
-          </a:p>
-          <a:p>
-            <a:pPr marL="0" indent="0">
-              <a:buNone/>
-            </a:pPr>
-            <a:r>
-              <a:rPr lang="en-US" altLang="ko-KR" sz="1600" dirty="0"/>
-              <a:t> </a:t>
-            </a:r>
-            <a:r>
-              <a:rPr lang="ko-KR" altLang="en-US" sz="1600" dirty="0" err="1" smtClean="0"/>
-              <a:t>스파크는</a:t>
-            </a:r>
-            <a:r>
-              <a:rPr lang="ko-KR" altLang="en-US" sz="1600" dirty="0" smtClean="0"/>
-              <a:t> </a:t>
-            </a:r>
-            <a:r>
-              <a:rPr lang="ko-KR" altLang="en-US" sz="1600" dirty="0" err="1" smtClean="0"/>
-              <a:t>스츠리밍</a:t>
-            </a:r>
-            <a:r>
-              <a:rPr lang="ko-KR" altLang="en-US" sz="1600" dirty="0" smtClean="0"/>
-              <a:t> 데이터 처리와 </a:t>
-            </a:r>
-            <a:r>
-              <a:rPr lang="ko-KR" altLang="en-US" sz="1600" dirty="0" err="1" smtClean="0"/>
-              <a:t>머신러닝</a:t>
-            </a:r>
-            <a:r>
-              <a:rPr lang="ko-KR" altLang="en-US" sz="1600" dirty="0" smtClean="0"/>
-              <a:t> 알고리즘처럼 애플리케이션과의 복합적 운영이 필요할 때 필요</a:t>
-            </a:r>
-            <a:endParaRPr lang="en-US" altLang="ko-KR" sz="1600" dirty="0" smtClean="0"/>
-          </a:p>
-          <a:p>
-            <a:pPr marL="0" indent="0">
-              <a:buNone/>
-            </a:pPr>
-            <a:r>
-              <a:rPr lang="en-US" altLang="ko-KR" sz="1600" dirty="0"/>
-              <a:t> </a:t>
-            </a:r>
-            <a:r>
-              <a:rPr lang="ko-KR" altLang="en-US" sz="1600" dirty="0" err="1" smtClean="0"/>
-              <a:t>예를들어</a:t>
-            </a:r>
-            <a:r>
-              <a:rPr lang="ko-KR" altLang="en-US" sz="1600" dirty="0" smtClean="0"/>
-              <a:t> 실시간 마케팅 캠페인과 온라인 상품 추천 그리고 사이버 보안분석과 같은 애플리케이션 영역에서 데이터 처리가 용이</a:t>
-            </a:r>
-            <a:r>
-              <a:rPr lang="en-US" altLang="ko-KR" sz="1600" dirty="0" smtClean="0"/>
-              <a:t>.</a:t>
-            </a:r>
-          </a:p>
-          <a:p>
-            <a:pPr marL="0" indent="0">
-              <a:buNone/>
-            </a:pPr>
-            <a:r>
-              <a:rPr lang="en-US" altLang="ko-KR" sz="1600" dirty="0"/>
-              <a:t> </a:t>
-            </a:r>
-            <a:r>
-              <a:rPr lang="ko-KR" altLang="en-US" sz="1600" dirty="0" err="1" smtClean="0"/>
-              <a:t>하둡</a:t>
-            </a:r>
-            <a:r>
-              <a:rPr lang="ko-KR" altLang="en-US" sz="1600" dirty="0" smtClean="0"/>
-              <a:t> </a:t>
-            </a:r>
-            <a:r>
-              <a:rPr lang="ko-KR" altLang="en-US" sz="1600" dirty="0" err="1" smtClean="0"/>
-              <a:t>맵리듀스는</a:t>
-            </a:r>
-            <a:r>
-              <a:rPr lang="ko-KR" altLang="en-US" sz="1600" dirty="0" smtClean="0"/>
-              <a:t> 기본이고 </a:t>
-            </a:r>
-            <a:r>
-              <a:rPr lang="ko-KR" altLang="en-US" sz="1600" dirty="0" err="1" smtClean="0"/>
-              <a:t>맵리듀스의</a:t>
-            </a:r>
-            <a:r>
-              <a:rPr lang="ko-KR" altLang="en-US" sz="1600" dirty="0" smtClean="0"/>
-              <a:t> 단점을 보완해 나온 </a:t>
-            </a:r>
-            <a:r>
-              <a:rPr lang="ko-KR" altLang="en-US" sz="1600" dirty="0" err="1" smtClean="0"/>
-              <a:t>스파크랑</a:t>
-            </a:r>
-            <a:r>
-              <a:rPr lang="ko-KR" altLang="en-US" sz="1600" dirty="0" smtClean="0"/>
-              <a:t> 같이 쓰면 좋다</a:t>
-            </a:r>
-            <a:endParaRPr lang="en-US" altLang="ko-KR" sz="1600" dirty="0" smtClean="0"/>
-          </a:p>
-          <a:p>
-            <a:pPr marL="0" indent="0">
-              <a:buNone/>
-            </a:pPr>
-            <a:r>
-              <a:rPr lang="en-US" altLang="ko-KR" sz="1600" dirty="0"/>
-              <a:t> </a:t>
-            </a:r>
-            <a:r>
-              <a:rPr lang="ko-KR" altLang="en-US" sz="1600" dirty="0" err="1" smtClean="0"/>
-              <a:t>하이브가</a:t>
-            </a:r>
-            <a:r>
-              <a:rPr lang="ko-KR" altLang="en-US" sz="1600" dirty="0" smtClean="0"/>
-              <a:t> </a:t>
-            </a:r>
-            <a:r>
-              <a:rPr lang="ko-KR" altLang="en-US" sz="1600" dirty="0" err="1" smtClean="0"/>
-              <a:t>맵리듀스</a:t>
-            </a:r>
-            <a:r>
-              <a:rPr lang="ko-KR" altLang="en-US" sz="1600" dirty="0" smtClean="0"/>
-              <a:t> 코어를 그대로 사용해 </a:t>
-            </a:r>
-            <a:r>
-              <a:rPr lang="ko-KR" altLang="en-US" sz="1600" dirty="0" err="1" smtClean="0"/>
-              <a:t>성능면에서</a:t>
-            </a:r>
-            <a:r>
-              <a:rPr lang="ko-KR" altLang="en-US" sz="1600" dirty="0" smtClean="0"/>
-              <a:t> 좋지 않아 </a:t>
-            </a:r>
-            <a:r>
-              <a:rPr lang="ko-KR" altLang="en-US" sz="1600" dirty="0" err="1" smtClean="0"/>
-              <a:t>개발된것이</a:t>
-            </a:r>
-            <a:r>
-              <a:rPr lang="ko-KR" altLang="en-US" sz="1600" dirty="0" smtClean="0"/>
-              <a:t> </a:t>
-            </a:r>
-            <a:r>
-              <a:rPr lang="ko-KR" altLang="en-US" sz="1600" dirty="0" err="1" smtClean="0"/>
-              <a:t>스파크이다</a:t>
-            </a:r>
-            <a:r>
-              <a:rPr lang="en-US" altLang="ko-KR" sz="1600" dirty="0" smtClean="0"/>
-              <a:t>. </a:t>
-            </a:r>
-            <a:r>
-              <a:rPr lang="ko-KR" altLang="en-US" sz="1600" dirty="0" smtClean="0"/>
-              <a:t>반복적인 대화형 연산 작업에서 </a:t>
-            </a:r>
-            <a:r>
-              <a:rPr lang="ko-KR" altLang="en-US" sz="1600" dirty="0" err="1" smtClean="0"/>
-              <a:t>하이브가</a:t>
-            </a:r>
-            <a:r>
-              <a:rPr lang="ko-KR" altLang="en-US" sz="1600" dirty="0" smtClean="0"/>
-              <a:t> 적합하지 않았는데 이걸 극복하기 위해 </a:t>
-            </a:r>
-            <a:r>
-              <a:rPr lang="ko-KR" altLang="en-US" sz="1600" dirty="0" err="1" smtClean="0"/>
-              <a:t>스파크가</a:t>
-            </a:r>
-            <a:r>
-              <a:rPr lang="ko-KR" altLang="en-US" sz="1600" dirty="0" smtClean="0"/>
-              <a:t> 개발되었다</a:t>
-            </a:r>
-            <a:r>
-              <a:rPr lang="en-US" altLang="ko-KR" sz="1600" dirty="0" smtClean="0"/>
-              <a:t>.</a:t>
-            </a:r>
-            <a:endParaRPr lang="en-US" altLang="ko-KR" sz="1600" dirty="0"/>
-          </a:p>
-        </p:txBody>
-      </p:sp>
-    </p:spTree>
-    <p:extLst>
-      <p:ext uri="{BB962C8B-B14F-4D97-AF65-F5344CB8AC3E}">
-        <p14:creationId xmlns:p14="http://schemas.microsoft.com/office/powerpoint/2010/main" val="919840537"/>
-      </p:ext>
-    </p:extLst>
-  </p:cSld>
-  <p:clrMapOvr>
-    <a:masterClrMapping/>
-  </p:clrMapOvr>
-</p:sld>
-</file>
-
-<file path=ppt/slides/slide12.xml><?xml version="1.0" encoding="utf-8"?>
-<p:sld xmlns:a="http://schemas.openxmlformats.org/drawingml/2006/main" xmlns:r="http://schemas.openxmlformats.org/officeDocument/2006/relationships" xmlns:p="http://schemas.openxmlformats.org/presentationml/2006/main">
-  <p:cSld>
-    <p:spTree>
-      <p:nvGrpSpPr>
-        <p:cNvPr id="1" name=""/>
-        <p:cNvGrpSpPr/>
-        <p:nvPr/>
-      </p:nvGrpSpPr>
-      <p:grpSpPr>
-        <a:xfrm>
-          <a:off x="0" y="0"/>
-          <a:ext cx="0" cy="0"/>
-          <a:chOff x="0" y="0"/>
-          <a:chExt cx="0" cy="0"/>
-        </a:xfrm>
-      </p:grpSpPr>
-      <p:sp>
-        <p:nvSpPr>
-          <p:cNvPr id="4" name="내용 개체 틀 2"/>
-          <p:cNvSpPr>
-            <a:spLocks noGrp="1"/>
-          </p:cNvSpPr>
-          <p:nvPr>
-            <p:ph idx="1"/>
-          </p:nvPr>
-        </p:nvSpPr>
-        <p:spPr>
-          <a:xfrm>
-            <a:off x="457200" y="1600200"/>
-            <a:ext cx="8229600" cy="4525963"/>
-          </a:xfrm>
-        </p:spPr>
-        <p:txBody>
-          <a:bodyPr/>
-          <a:lstStyle/>
-          <a:p>
-            <a:r>
-              <a:rPr lang="ko-KR" altLang="en-US" dirty="0" err="1" smtClean="0"/>
-              <a:t>피그</a:t>
-            </a:r>
-            <a:r>
-              <a:rPr lang="en-US" altLang="ko-KR" dirty="0" smtClean="0"/>
-              <a:t>(</a:t>
-            </a:r>
-            <a:r>
-              <a:rPr lang="en-US" altLang="ko-KR" dirty="0" smtClean="0"/>
-              <a:t>Pig)</a:t>
-            </a:r>
-            <a:endParaRPr lang="en-US" altLang="ko-KR" dirty="0" smtClean="0"/>
-          </a:p>
-          <a:p>
-            <a:pPr marL="0" indent="0">
-              <a:buNone/>
-            </a:pPr>
-            <a:endParaRPr lang="en-US" altLang="ko-KR" sz="1600" dirty="0"/>
-          </a:p>
-          <a:p>
-            <a:pPr marL="0" indent="0">
-              <a:buNone/>
-            </a:pPr>
-            <a:r>
-              <a:rPr lang="ko-KR" altLang="en-US" sz="1600" dirty="0" smtClean="0"/>
-              <a:t> </a:t>
-            </a:r>
-            <a:r>
-              <a:rPr lang="ko-KR" altLang="en-US" sz="1600" dirty="0" err="1" smtClean="0"/>
-              <a:t>피그는</a:t>
-            </a:r>
-            <a:r>
-              <a:rPr lang="ko-KR" altLang="en-US" sz="1600" dirty="0" smtClean="0"/>
-              <a:t> </a:t>
-            </a:r>
-            <a:r>
-              <a:rPr lang="en-US" altLang="ko-KR" sz="1600" dirty="0" smtClean="0"/>
-              <a:t>HDFS</a:t>
-            </a:r>
-            <a:r>
-              <a:rPr lang="ko-KR" altLang="en-US" sz="1600" dirty="0" smtClean="0"/>
-              <a:t>에 적재된 데이터에 직접 접근해서 </a:t>
-            </a:r>
-            <a:r>
-              <a:rPr lang="ko-KR" altLang="en-US" sz="1600" dirty="0" err="1" smtClean="0"/>
-              <a:t>피그의</a:t>
-            </a:r>
-            <a:r>
-              <a:rPr lang="ko-KR" altLang="en-US" sz="1600" dirty="0" smtClean="0"/>
-              <a:t> 다양한 </a:t>
-            </a:r>
-            <a:r>
-              <a:rPr lang="ko-KR" altLang="en-US" sz="1600" dirty="0" err="1" smtClean="0"/>
-              <a:t>라이브리를이용해</a:t>
-            </a:r>
-            <a:r>
-              <a:rPr lang="ko-KR" altLang="en-US" sz="1600" dirty="0" smtClean="0"/>
-              <a:t> 데이터를 가공해서 새로운 </a:t>
-            </a:r>
-            <a:r>
-              <a:rPr lang="ko-KR" altLang="en-US" sz="1600" dirty="0" err="1" smtClean="0"/>
-              <a:t>데이터셋들을</a:t>
-            </a:r>
-            <a:r>
-              <a:rPr lang="ko-KR" altLang="en-US" sz="1600" dirty="0" smtClean="0"/>
-              <a:t> 만드는 데이터 </a:t>
-            </a:r>
-            <a:r>
-              <a:rPr lang="ko-KR" altLang="en-US" sz="1600" dirty="0" err="1" smtClean="0"/>
-              <a:t>팩토리</a:t>
-            </a:r>
-            <a:r>
-              <a:rPr lang="ko-KR" altLang="en-US" sz="1600" dirty="0" smtClean="0"/>
-              <a:t> 역할을 한다</a:t>
-            </a:r>
-            <a:endParaRPr lang="en-US" altLang="ko-KR" sz="1600" dirty="0"/>
-          </a:p>
-        </p:txBody>
-      </p:sp>
-    </p:spTree>
-    <p:extLst>
-      <p:ext uri="{BB962C8B-B14F-4D97-AF65-F5344CB8AC3E}">
-        <p14:creationId xmlns:p14="http://schemas.microsoft.com/office/powerpoint/2010/main" val="3399197290"/>
-      </p:ext>
-    </p:extLst>
-  </p:cSld>
-  <p:clrMapOvr>
-    <a:masterClrMapping/>
-  </p:clrMapOvr>
-</p:sld>
-</file>
-
-<file path=ppt/slides/slide2.xml><?xml version="1.0" encoding="utf-8"?>
+<file path=ppt/slides/slide5.xml><?xml version="1.0" encoding="utf-8"?>
 <p:sld xmlns:a="http://schemas.openxmlformats.org/drawingml/2006/main" xmlns:r="http://schemas.openxmlformats.org/officeDocument/2006/relationships" xmlns:p="http://schemas.openxmlformats.org/presentationml/2006/main">
   <p:cSld>
     <p:spTree>
@@ -4458,7 +11328,7 @@
 </p:sld>
 </file>
 
-<file path=ppt/slides/slide3.xml><?xml version="1.0" encoding="utf-8"?>
+<file path=ppt/slides/slide6.xml><?xml version="1.0" encoding="utf-8"?>
 <p:sld xmlns:a="http://schemas.openxmlformats.org/drawingml/2006/main" xmlns:r="http://schemas.openxmlformats.org/officeDocument/2006/relationships" xmlns:p="http://schemas.openxmlformats.org/presentationml/2006/main">
   <p:cSld>
     <p:spTree>
@@ -4546,7 +11416,7 @@
 </p:sld>
 </file>
 
-<file path=ppt/slides/slide4.xml><?xml version="1.0" encoding="utf-8"?>
+<file path=ppt/slides/slide7.xml><?xml version="1.0" encoding="utf-8"?>
 <p:sld xmlns:a="http://schemas.openxmlformats.org/drawingml/2006/main" xmlns:r="http://schemas.openxmlformats.org/officeDocument/2006/relationships" xmlns:p="http://schemas.openxmlformats.org/presentationml/2006/main">
   <p:cSld>
     <p:spTree>
@@ -4634,7 +11504,7 @@
 </p:sld>
 </file>
 
-<file path=ppt/slides/slide5.xml><?xml version="1.0" encoding="utf-8"?>
+<file path=ppt/slides/slide8.xml><?xml version="1.0" encoding="utf-8"?>
 <p:sld xmlns:a="http://schemas.openxmlformats.org/drawingml/2006/main" xmlns:r="http://schemas.openxmlformats.org/officeDocument/2006/relationships" xmlns:p="http://schemas.openxmlformats.org/presentationml/2006/main">
   <p:cSld>
     <p:spTree>
@@ -4927,7 +11797,7 @@
 </p:sld>
 </file>
 
-<file path=ppt/slides/slide6.xml><?xml version="1.0" encoding="utf-8"?>
+<file path=ppt/slides/slide9.xml><?xml version="1.0" encoding="utf-8"?>
 <p:sld xmlns:a="http://schemas.openxmlformats.org/drawingml/2006/main" xmlns:r="http://schemas.openxmlformats.org/officeDocument/2006/relationships" xmlns:p="http://schemas.openxmlformats.org/presentationml/2006/main">
   <p:cSld>
     <p:spTree>
@@ -5092,7 +11962,6 @@
               <a:rPr lang="en-US" altLang="ko-KR" sz="1600" dirty="0"/>
               <a:t>.</a:t>
             </a:r>
-            <a:endParaRPr lang="en-US" altLang="ko-KR" sz="1600" dirty="0"/>
           </a:p>
         </p:txBody>
       </p:sp>
@@ -5100,664 +11969,6 @@
     <p:extLst>
       <p:ext uri="{BB962C8B-B14F-4D97-AF65-F5344CB8AC3E}">
         <p14:creationId xmlns:p14="http://schemas.microsoft.com/office/powerpoint/2010/main" val="2830729445"/>
-      </p:ext>
-    </p:extLst>
-  </p:cSld>
-  <p:clrMapOvr>
-    <a:masterClrMapping/>
-  </p:clrMapOvr>
-</p:sld>
-</file>
-
-<file path=ppt/slides/slide7.xml><?xml version="1.0" encoding="utf-8"?>
-<p:sld xmlns:a="http://schemas.openxmlformats.org/drawingml/2006/main" xmlns:r="http://schemas.openxmlformats.org/officeDocument/2006/relationships" xmlns:p="http://schemas.openxmlformats.org/presentationml/2006/main">
-  <p:cSld>
-    <p:spTree>
-      <p:nvGrpSpPr>
-        <p:cNvPr id="1" name=""/>
-        <p:cNvGrpSpPr/>
-        <p:nvPr/>
-      </p:nvGrpSpPr>
-      <p:grpSpPr>
-        <a:xfrm>
-          <a:off x="0" y="0"/>
-          <a:ext cx="0" cy="0"/>
-          <a:chOff x="0" y="0"/>
-          <a:chExt cx="0" cy="0"/>
-        </a:xfrm>
-      </p:grpSpPr>
-      <p:sp>
-        <p:nvSpPr>
-          <p:cNvPr id="4" name="제목 1"/>
-          <p:cNvSpPr>
-            <a:spLocks noGrp="1"/>
-          </p:cNvSpPr>
-          <p:nvPr>
-            <p:ph type="title"/>
-          </p:nvPr>
-        </p:nvSpPr>
-        <p:spPr>
-          <a:xfrm>
-            <a:off x="457200" y="274638"/>
-            <a:ext cx="8229600" cy="1143000"/>
-          </a:xfrm>
-        </p:spPr>
-        <p:txBody>
-          <a:bodyPr/>
-          <a:lstStyle/>
-          <a:p>
-            <a:pPr algn="l"/>
-            <a:r>
-              <a:rPr lang="ko-KR" altLang="en-US" dirty="0" err="1" smtClean="0"/>
-              <a:t>ㅁ</a:t>
-            </a:r>
-            <a:endParaRPr lang="ko-KR" altLang="en-US" dirty="0"/>
-          </a:p>
-        </p:txBody>
-      </p:sp>
-      <p:sp>
-        <p:nvSpPr>
-          <p:cNvPr id="5" name="내용 개체 틀 2"/>
-          <p:cNvSpPr>
-            <a:spLocks noGrp="1"/>
-          </p:cNvSpPr>
-          <p:nvPr>
-            <p:ph idx="1"/>
-          </p:nvPr>
-        </p:nvSpPr>
-        <p:spPr>
-          <a:xfrm>
-            <a:off x="457200" y="1600200"/>
-            <a:ext cx="8229600" cy="4525963"/>
-          </a:xfrm>
-        </p:spPr>
-        <p:txBody>
-          <a:bodyPr/>
-          <a:lstStyle/>
-          <a:p>
-            <a:r>
-              <a:rPr lang="ko-KR" altLang="en-US" dirty="0" smtClean="0"/>
-              <a:t>우</a:t>
-            </a:r>
-            <a:r>
-              <a:rPr lang="ko-KR" altLang="en-US" dirty="0"/>
-              <a:t>지</a:t>
-            </a:r>
-            <a:r>
-              <a:rPr lang="en-US" altLang="ko-KR" dirty="0" smtClean="0"/>
-              <a:t>(</a:t>
-            </a:r>
-            <a:r>
-              <a:rPr lang="en-US" altLang="ko-KR" dirty="0" err="1" smtClean="0"/>
-              <a:t>Oozie</a:t>
-            </a:r>
-            <a:r>
-              <a:rPr lang="en-US" altLang="ko-KR" dirty="0" smtClean="0"/>
-              <a:t>)</a:t>
-            </a:r>
-          </a:p>
-          <a:p>
-            <a:pPr marL="0" indent="0">
-              <a:buNone/>
-            </a:pPr>
-            <a:endParaRPr lang="en-US" altLang="ko-KR" sz="1600" dirty="0"/>
-          </a:p>
-          <a:p>
-            <a:pPr marL="0" indent="0">
-              <a:buNone/>
-            </a:pPr>
-            <a:r>
-              <a:rPr lang="ko-KR" altLang="en-US" sz="1600" dirty="0" smtClean="0"/>
-              <a:t> </a:t>
-            </a:r>
-            <a:r>
-              <a:rPr lang="ko-KR" altLang="en-US" sz="1600" dirty="0" err="1">
-                <a:hlinkClick r:id="rId2"/>
-              </a:rPr>
-              <a:t>하둡</a:t>
-            </a:r>
-            <a:r>
-              <a:rPr lang="ko-KR" altLang="en-US" sz="1600" dirty="0" err="1"/>
-              <a:t>의</a:t>
-            </a:r>
-            <a:r>
-              <a:rPr lang="ko-KR" altLang="en-US" sz="1600" dirty="0"/>
-              <a:t> </a:t>
-            </a:r>
-            <a:r>
-              <a:rPr lang="ko-KR" altLang="en-US" sz="1600" dirty="0" err="1"/>
-              <a:t>워크플로우를</a:t>
-            </a:r>
-            <a:r>
-              <a:rPr lang="ko-KR" altLang="en-US" sz="1600" dirty="0"/>
-              <a:t> 관리한다</a:t>
-            </a:r>
-            <a:r>
-              <a:rPr lang="en-US" altLang="ko-KR" sz="1600" dirty="0"/>
-              <a:t>. </a:t>
-            </a:r>
-            <a:r>
-              <a:rPr lang="ko-KR" altLang="en-US" sz="1600" dirty="0"/>
-              <a:t>일정한 시간이 경과하거나 또는 주기적으로 반복해서 실행될 수 있는 </a:t>
-            </a:r>
-            <a:r>
-              <a:rPr lang="ko-KR" altLang="en-US" sz="1600" dirty="0" err="1"/>
-              <a:t>잡들에</a:t>
-            </a:r>
-            <a:r>
-              <a:rPr lang="ko-KR" altLang="en-US" sz="1600" dirty="0"/>
-              <a:t> 대하여 관리하며 </a:t>
-            </a:r>
-            <a:r>
-              <a:rPr lang="ko-KR" altLang="en-US" sz="1600" dirty="0" err="1"/>
-              <a:t>맵리듀스</a:t>
-            </a:r>
-            <a:r>
-              <a:rPr lang="ko-KR" altLang="en-US" sz="1600" dirty="0"/>
-              <a:t> </a:t>
-            </a:r>
-            <a:r>
-              <a:rPr lang="ko-KR" altLang="en-US" sz="1600" dirty="0" err="1"/>
-              <a:t>잡</a:t>
-            </a:r>
-            <a:r>
-              <a:rPr lang="en-US" altLang="ko-KR" sz="1600" dirty="0"/>
-              <a:t>, </a:t>
-            </a:r>
-            <a:r>
-              <a:rPr lang="ko-KR" altLang="en-US" sz="1600" dirty="0" err="1"/>
-              <a:t>피그</a:t>
-            </a:r>
-            <a:r>
-              <a:rPr lang="ko-KR" altLang="en-US" sz="1600" dirty="0"/>
-              <a:t> </a:t>
-            </a:r>
-            <a:r>
-              <a:rPr lang="ko-KR" altLang="en-US" sz="1600" dirty="0" err="1"/>
-              <a:t>잡</a:t>
-            </a:r>
-            <a:r>
-              <a:rPr lang="ko-KR" altLang="en-US" sz="1600" dirty="0"/>
-              <a:t> 등의 시작과 완료 그리고 실행 중 </a:t>
-            </a:r>
-            <a:r>
-              <a:rPr lang="ko-KR" altLang="en-US" sz="1600" dirty="0" err="1"/>
-              <a:t>에러등의</a:t>
-            </a:r>
-            <a:r>
-              <a:rPr lang="ko-KR" altLang="en-US" sz="1600" dirty="0"/>
-              <a:t> 이벤트를 콜 백할 수 있다</a:t>
-            </a:r>
-            <a:r>
-              <a:rPr lang="en-US" altLang="ko-KR" sz="1600" dirty="0"/>
-              <a:t>.</a:t>
-            </a:r>
-            <a:endParaRPr lang="en-US" altLang="ko-KR" sz="1600" dirty="0"/>
-          </a:p>
-        </p:txBody>
-      </p:sp>
-      <p:pic>
-        <p:nvPicPr>
-          <p:cNvPr id="6" name="Picture 2" descr="image"/>
-          <p:cNvPicPr>
-            <a:picLocks noChangeAspect="1" noChangeArrowheads="1"/>
-          </p:cNvPicPr>
-          <p:nvPr/>
-        </p:nvPicPr>
-        <p:blipFill>
-          <a:blip r:embed="rId3">
-            <a:extLst>
-              <a:ext uri="{28A0092B-C50C-407E-A947-70E740481C1C}">
-                <a14:useLocalDpi xmlns:a14="http://schemas.microsoft.com/office/drawing/2010/main" val="0"/>
-              </a:ext>
-            </a:extLst>
-          </a:blip>
-          <a:srcRect/>
-          <a:stretch>
-            <a:fillRect/>
-          </a:stretch>
-        </p:blipFill>
-        <p:spPr bwMode="auto">
-          <a:xfrm>
-            <a:off x="5436096" y="188640"/>
-            <a:ext cx="2675533" cy="2008747"/>
-          </a:xfrm>
-          <a:prstGeom prst="rect">
-            <a:avLst/>
-          </a:prstGeom>
-          <a:noFill/>
-          <a:extLst>
-            <a:ext uri="{909E8E84-426E-40DD-AFC4-6F175D3DCCD1}">
-              <a14:hiddenFill xmlns:a14="http://schemas.microsoft.com/office/drawing/2010/main">
-                <a:solidFill>
-                  <a:srgbClr val="FFFFFF"/>
-                </a:solidFill>
-              </a14:hiddenFill>
-            </a:ext>
-          </a:extLst>
-        </p:spPr>
-      </p:pic>
-    </p:spTree>
-    <p:extLst>
-      <p:ext uri="{BB962C8B-B14F-4D97-AF65-F5344CB8AC3E}">
-        <p14:creationId xmlns:p14="http://schemas.microsoft.com/office/powerpoint/2010/main" val="1119777925"/>
-      </p:ext>
-    </p:extLst>
-  </p:cSld>
-  <p:clrMapOvr>
-    <a:masterClrMapping/>
-  </p:clrMapOvr>
-</p:sld>
-</file>
-
-<file path=ppt/slides/slide8.xml><?xml version="1.0" encoding="utf-8"?>
-<p:sld xmlns:a="http://schemas.openxmlformats.org/drawingml/2006/main" xmlns:r="http://schemas.openxmlformats.org/officeDocument/2006/relationships" xmlns:p="http://schemas.openxmlformats.org/presentationml/2006/main">
-  <p:cSld>
-    <p:spTree>
-      <p:nvGrpSpPr>
-        <p:cNvPr id="1" name=""/>
-        <p:cNvGrpSpPr/>
-        <p:nvPr/>
-      </p:nvGrpSpPr>
-      <p:grpSpPr>
-        <a:xfrm>
-          <a:off x="0" y="0"/>
-          <a:ext cx="0" cy="0"/>
-          <a:chOff x="0" y="0"/>
-          <a:chExt cx="0" cy="0"/>
-        </a:xfrm>
-      </p:grpSpPr>
-      <p:sp>
-        <p:nvSpPr>
-          <p:cNvPr id="4" name="제목 1"/>
-          <p:cNvSpPr>
-            <a:spLocks noGrp="1"/>
-          </p:cNvSpPr>
-          <p:nvPr>
-            <p:ph type="title"/>
-          </p:nvPr>
-        </p:nvSpPr>
-        <p:spPr>
-          <a:xfrm>
-            <a:off x="457200" y="274638"/>
-            <a:ext cx="8229600" cy="1143000"/>
-          </a:xfrm>
-        </p:spPr>
-        <p:txBody>
-          <a:bodyPr/>
-          <a:lstStyle/>
-          <a:p>
-            <a:pPr algn="l"/>
-            <a:r>
-              <a:rPr lang="ko-KR" altLang="en-US" dirty="0" err="1" smtClean="0"/>
-              <a:t>ㅁ</a:t>
-            </a:r>
-            <a:endParaRPr lang="ko-KR" altLang="en-US" dirty="0"/>
-          </a:p>
-        </p:txBody>
-      </p:sp>
-      <p:sp>
-        <p:nvSpPr>
-          <p:cNvPr id="5" name="내용 개체 틀 2"/>
-          <p:cNvSpPr>
-            <a:spLocks noGrp="1"/>
-          </p:cNvSpPr>
-          <p:nvPr>
-            <p:ph idx="1"/>
-          </p:nvPr>
-        </p:nvSpPr>
-        <p:spPr>
-          <a:xfrm>
-            <a:off x="457200" y="1600200"/>
-            <a:ext cx="8229600" cy="4525963"/>
-          </a:xfrm>
-        </p:spPr>
-        <p:txBody>
-          <a:bodyPr/>
-          <a:lstStyle/>
-          <a:p>
-            <a:r>
-              <a:rPr lang="ko-KR" altLang="en-US" dirty="0" err="1" smtClean="0"/>
-              <a:t>에이브로</a:t>
-            </a:r>
-            <a:r>
-              <a:rPr lang="en-US" altLang="ko-KR" dirty="0" smtClean="0"/>
-              <a:t>(Avro)</a:t>
-            </a:r>
-          </a:p>
-          <a:p>
-            <a:pPr marL="0" indent="0">
-              <a:buNone/>
-            </a:pPr>
-            <a:endParaRPr lang="en-US" altLang="ko-KR" sz="1600" dirty="0" smtClean="0"/>
-          </a:p>
-          <a:p>
-            <a:pPr marL="0" indent="0">
-              <a:buNone/>
-            </a:pPr>
-            <a:r>
-              <a:rPr lang="ko-KR" altLang="en-US" sz="1600" dirty="0" smtClean="0"/>
-              <a:t> </a:t>
-            </a:r>
-            <a:r>
-              <a:rPr lang="ko-KR" altLang="en-US" sz="1600" dirty="0"/>
-              <a:t>데이터 직렬화 프레임워크이다</a:t>
-            </a:r>
-            <a:r>
-              <a:rPr lang="en-US" altLang="ko-KR" sz="1600" dirty="0"/>
-              <a:t>. </a:t>
-            </a:r>
-            <a:r>
-              <a:rPr lang="ko-KR" altLang="en-US" sz="1600" dirty="0"/>
-              <a:t>가장 큰 특징은 </a:t>
-            </a:r>
-            <a:r>
-              <a:rPr lang="en-US" altLang="ko-KR" sz="1600" dirty="0"/>
-              <a:t>'</a:t>
-            </a:r>
-            <a:r>
-              <a:rPr lang="ko-KR" altLang="en-US" sz="1600" dirty="0"/>
-              <a:t>특정 언어에 종속되지 않는다</a:t>
-            </a:r>
-            <a:r>
-              <a:rPr lang="en-US" altLang="ko-KR" sz="1600" dirty="0"/>
-              <a:t>' </a:t>
-            </a:r>
-            <a:r>
-              <a:rPr lang="ko-KR" altLang="en-US" sz="1600" dirty="0"/>
-              <a:t>이다</a:t>
-            </a:r>
-            <a:r>
-              <a:rPr lang="en-US" altLang="ko-KR" sz="1600" dirty="0"/>
-              <a:t>. </a:t>
-            </a:r>
-            <a:r>
-              <a:rPr lang="ko-KR" altLang="en-US" sz="1600" dirty="0"/>
-              <a:t>다양한 언어</a:t>
-            </a:r>
-            <a:r>
-              <a:rPr lang="en-US" altLang="ko-KR" sz="1600" dirty="0"/>
-              <a:t>(C, </a:t>
-            </a:r>
-            <a:r>
-              <a:rPr lang="ko-KR" altLang="en-US" sz="1600" dirty="0"/>
-              <a:t>자바</a:t>
-            </a:r>
-            <a:r>
-              <a:rPr lang="en-US" altLang="ko-KR" sz="1600" dirty="0"/>
-              <a:t>, </a:t>
-            </a:r>
-            <a:r>
-              <a:rPr lang="ko-KR" altLang="en-US" sz="1600" dirty="0">
-                <a:hlinkClick r:id="rId2"/>
-              </a:rPr>
-              <a:t>펄</a:t>
-            </a:r>
-            <a:r>
-              <a:rPr lang="en-US" altLang="ko-KR" sz="1600" dirty="0"/>
-              <a:t>, </a:t>
-            </a:r>
-            <a:r>
-              <a:rPr lang="ko-KR" altLang="en-US" sz="1600" dirty="0" err="1">
-                <a:hlinkClick r:id="rId3"/>
-              </a:rPr>
-              <a:t>파이썬</a:t>
-            </a:r>
-            <a:r>
-              <a:rPr lang="en-US" altLang="ko-KR" sz="1600" dirty="0"/>
-              <a:t>, </a:t>
-            </a:r>
-            <a:r>
-              <a:rPr lang="ko-KR" altLang="en-US" sz="1600" dirty="0"/>
-              <a:t>루비 등</a:t>
-            </a:r>
-            <a:r>
-              <a:rPr lang="en-US" altLang="ko-KR" sz="1600" dirty="0"/>
-              <a:t>)</a:t>
-            </a:r>
-            <a:r>
-              <a:rPr lang="ko-KR" altLang="en-US" sz="1600" dirty="0"/>
-              <a:t>로 데이터를 쉽게 공유할 수 있는 것이다</a:t>
-            </a:r>
-            <a:r>
-              <a:rPr lang="en-US" altLang="ko-KR" sz="1600" dirty="0"/>
-              <a:t>. </a:t>
-            </a:r>
-            <a:r>
-              <a:rPr lang="ko-KR" altLang="en-US" sz="1600" dirty="0"/>
-              <a:t>따라서 어떤 언어가 사라진다 하더라도 </a:t>
-            </a:r>
-            <a:r>
-              <a:rPr lang="ko-KR" altLang="en-US" sz="1600" dirty="0" err="1"/>
-              <a:t>에이브로를</a:t>
-            </a:r>
-            <a:r>
-              <a:rPr lang="ko-KR" altLang="en-US" sz="1600" dirty="0"/>
-              <a:t> 통한 데이터 직렬화가 가능하다</a:t>
-            </a:r>
-            <a:r>
-              <a:rPr lang="en-US" altLang="ko-KR" sz="1600" dirty="0"/>
-              <a:t>. </a:t>
-            </a:r>
-            <a:r>
-              <a:rPr lang="ko-KR" altLang="en-US" sz="1600" dirty="0"/>
-              <a:t>스키마를 보통 </a:t>
-            </a:r>
-            <a:r>
-              <a:rPr lang="en-US" altLang="ko-KR" sz="1600" dirty="0"/>
-              <a:t>JSON</a:t>
-            </a:r>
-            <a:r>
-              <a:rPr lang="ko-KR" altLang="en-US" sz="1600" dirty="0"/>
-              <a:t>으로 작성하며 바이너리 형태로 </a:t>
-            </a:r>
-            <a:r>
-              <a:rPr lang="ko-KR" altLang="en-US" sz="1600" dirty="0" err="1"/>
-              <a:t>인코딩한다</a:t>
-            </a:r>
-            <a:r>
-              <a:rPr lang="en-US" altLang="ko-KR" sz="1600" dirty="0"/>
-              <a:t>.</a:t>
-            </a:r>
-            <a:endParaRPr lang="en-US" altLang="ko-KR" sz="1600" dirty="0"/>
-          </a:p>
-        </p:txBody>
-      </p:sp>
-      <p:pic>
-        <p:nvPicPr>
-          <p:cNvPr id="1028" name="Picture 4" descr="image"/>
-          <p:cNvPicPr>
-            <a:picLocks noChangeAspect="1" noChangeArrowheads="1"/>
-          </p:cNvPicPr>
-          <p:nvPr/>
-        </p:nvPicPr>
-        <p:blipFill>
-          <a:blip r:embed="rId4">
-            <a:extLst>
-              <a:ext uri="{28A0092B-C50C-407E-A947-70E740481C1C}">
-                <a14:useLocalDpi xmlns:a14="http://schemas.microsoft.com/office/drawing/2010/main" val="0"/>
-              </a:ext>
-            </a:extLst>
-          </a:blip>
-          <a:srcRect/>
-          <a:stretch>
-            <a:fillRect/>
-          </a:stretch>
-        </p:blipFill>
-        <p:spPr bwMode="auto">
-          <a:xfrm>
-            <a:off x="4932040" y="260648"/>
-            <a:ext cx="3395613" cy="2068134"/>
-          </a:xfrm>
-          <a:prstGeom prst="rect">
-            <a:avLst/>
-          </a:prstGeom>
-          <a:noFill/>
-          <a:extLst>
-            <a:ext uri="{909E8E84-426E-40DD-AFC4-6F175D3DCCD1}">
-              <a14:hiddenFill xmlns:a14="http://schemas.microsoft.com/office/drawing/2010/main">
-                <a:solidFill>
-                  <a:srgbClr val="FFFFFF"/>
-                </a:solidFill>
-              </a14:hiddenFill>
-            </a:ext>
-          </a:extLst>
-        </p:spPr>
-      </p:pic>
-    </p:spTree>
-    <p:extLst>
-      <p:ext uri="{BB962C8B-B14F-4D97-AF65-F5344CB8AC3E}">
-        <p14:creationId xmlns:p14="http://schemas.microsoft.com/office/powerpoint/2010/main" val="2730112565"/>
-      </p:ext>
-    </p:extLst>
-  </p:cSld>
-  <p:clrMapOvr>
-    <a:masterClrMapping/>
-  </p:clrMapOvr>
-</p:sld>
-</file>
-
-<file path=ppt/slides/slide9.xml><?xml version="1.0" encoding="utf-8"?>
-<p:sld xmlns:a="http://schemas.openxmlformats.org/drawingml/2006/main" xmlns:r="http://schemas.openxmlformats.org/officeDocument/2006/relationships" xmlns:p="http://schemas.openxmlformats.org/presentationml/2006/main">
-  <p:cSld>
-    <p:spTree>
-      <p:nvGrpSpPr>
-        <p:cNvPr id="1" name=""/>
-        <p:cNvGrpSpPr/>
-        <p:nvPr/>
-      </p:nvGrpSpPr>
-      <p:grpSpPr>
-        <a:xfrm>
-          <a:off x="0" y="0"/>
-          <a:ext cx="0" cy="0"/>
-          <a:chOff x="0" y="0"/>
-          <a:chExt cx="0" cy="0"/>
-        </a:xfrm>
-      </p:grpSpPr>
-      <p:sp>
-        <p:nvSpPr>
-          <p:cNvPr id="4" name="제목 1"/>
-          <p:cNvSpPr>
-            <a:spLocks noGrp="1"/>
-          </p:cNvSpPr>
-          <p:nvPr>
-            <p:ph type="title"/>
-          </p:nvPr>
-        </p:nvSpPr>
-        <p:spPr>
-          <a:xfrm>
-            <a:off x="457200" y="274638"/>
-            <a:ext cx="8229600" cy="1143000"/>
-          </a:xfrm>
-        </p:spPr>
-        <p:txBody>
-          <a:bodyPr/>
-          <a:lstStyle/>
-          <a:p>
-            <a:pPr algn="l"/>
-            <a:r>
-              <a:rPr lang="ko-KR" altLang="en-US" dirty="0" err="1" smtClean="0"/>
-              <a:t>ㅁ</a:t>
-            </a:r>
-            <a:endParaRPr lang="ko-KR" altLang="en-US" dirty="0"/>
-          </a:p>
-        </p:txBody>
-      </p:sp>
-      <p:sp>
-        <p:nvSpPr>
-          <p:cNvPr id="5" name="내용 개체 틀 2"/>
-          <p:cNvSpPr>
-            <a:spLocks noGrp="1"/>
-          </p:cNvSpPr>
-          <p:nvPr>
-            <p:ph idx="1"/>
-          </p:nvPr>
-        </p:nvSpPr>
-        <p:spPr>
-          <a:xfrm>
-            <a:off x="457200" y="1600200"/>
-            <a:ext cx="8229600" cy="4525963"/>
-          </a:xfrm>
-        </p:spPr>
-        <p:txBody>
-          <a:bodyPr/>
-          <a:lstStyle/>
-          <a:p>
-            <a:r>
-              <a:rPr lang="ko-KR" altLang="en-US" dirty="0" err="1" smtClean="0"/>
-              <a:t>파케</a:t>
-            </a:r>
-            <a:r>
-              <a:rPr lang="ko-KR" altLang="en-US" dirty="0" err="1"/>
-              <a:t>이</a:t>
-            </a:r>
-            <a:r>
-              <a:rPr lang="en-US" altLang="ko-KR" dirty="0" smtClean="0"/>
-              <a:t>(Parquet)</a:t>
-            </a:r>
-          </a:p>
-          <a:p>
-            <a:pPr marL="0" indent="0">
-              <a:buNone/>
-            </a:pPr>
-            <a:endParaRPr lang="en-US" altLang="ko-KR" sz="1600" dirty="0"/>
-          </a:p>
-          <a:p>
-            <a:pPr marL="0" indent="0">
-              <a:buNone/>
-            </a:pPr>
-            <a:r>
-              <a:rPr lang="ko-KR" altLang="en-US" sz="1600" dirty="0" smtClean="0"/>
-              <a:t> </a:t>
-            </a:r>
-            <a:r>
-              <a:rPr lang="ko-KR" altLang="en-US" sz="1600" dirty="0" err="1"/>
-              <a:t>컬럼</a:t>
-            </a:r>
-            <a:r>
-              <a:rPr lang="ko-KR" altLang="en-US" sz="1600" dirty="0"/>
-              <a:t> 기준으로 데이터를 저장하는 포맷이다</a:t>
-            </a:r>
-            <a:r>
-              <a:rPr lang="en-US" altLang="ko-KR" sz="1600" dirty="0"/>
-              <a:t>. </a:t>
-            </a:r>
-            <a:r>
-              <a:rPr lang="ko-KR" altLang="en-US" sz="1600" dirty="0" err="1"/>
-              <a:t>컬럼</a:t>
-            </a:r>
-            <a:r>
-              <a:rPr lang="ko-KR" altLang="en-US" sz="1600" dirty="0"/>
-              <a:t> 단위의 중첩된 데이터 저장은 효율적으로 저장공간을 절약한다</a:t>
-            </a:r>
-            <a:r>
-              <a:rPr lang="en-US" altLang="ko-KR" sz="1600" dirty="0"/>
-              <a:t>. </a:t>
-            </a:r>
-            <a:r>
-              <a:rPr lang="ko-KR" altLang="en-US" sz="1600" dirty="0"/>
-              <a:t>또한</a:t>
-            </a:r>
-            <a:r>
-              <a:rPr lang="en-US" altLang="ko-KR" sz="1600" dirty="0"/>
-              <a:t>, </a:t>
-            </a:r>
-            <a:r>
-              <a:rPr lang="ko-KR" altLang="en-US" sz="1600" dirty="0"/>
-              <a:t>특정 열 값을 가져오는 쿼리가 전체 행을 읽을 필요가 없기 때문에 성능이 좋은 프레임워크이다</a:t>
-            </a:r>
-            <a:r>
-              <a:rPr lang="en-US" altLang="ko-KR" sz="1600" dirty="0"/>
-              <a:t>.</a:t>
-            </a:r>
-            <a:endParaRPr lang="en-US" altLang="ko-KR" sz="1600" dirty="0"/>
-          </a:p>
-        </p:txBody>
-      </p:sp>
-    </p:spTree>
-    <p:extLst>
-      <p:ext uri="{BB962C8B-B14F-4D97-AF65-F5344CB8AC3E}">
-        <p14:creationId xmlns:p14="http://schemas.microsoft.com/office/powerpoint/2010/main" val="2315634507"/>
       </p:ext>
     </p:extLst>
   </p:cSld>
